--- a/cihan.pptx
+++ b/cihan.pptx
@@ -5,7 +5,7 @@
     <p:sldMasterId id="2147483648" r:id="rId1"/>
   </p:sldMasterIdLst>
   <p:notesMasterIdLst>
-    <p:notesMasterId r:id="rId15"/>
+    <p:notesMasterId r:id="rId16"/>
   </p:notesMasterIdLst>
   <p:sldIdLst>
     <p:sldId id="256" r:id="rId2"/>
@@ -18,9 +18,10 @@
     <p:sldId id="272" r:id="rId9"/>
     <p:sldId id="257" r:id="rId10"/>
     <p:sldId id="265" r:id="rId11"/>
-    <p:sldId id="269" r:id="rId12"/>
-    <p:sldId id="268" r:id="rId13"/>
-    <p:sldId id="266" r:id="rId14"/>
+    <p:sldId id="274" r:id="rId12"/>
+    <p:sldId id="269" r:id="rId13"/>
+    <p:sldId id="268" r:id="rId14"/>
+    <p:sldId id="266" r:id="rId15"/>
   </p:sldIdLst>
   <p:sldSz cx="12192000" cy="6858000"/>
   <p:notesSz cx="6858000" cy="9144000"/>
@@ -134,6 +135,7 @@
             <p14:sldId id="272"/>
             <p14:sldId id="257"/>
             <p14:sldId id="265"/>
+            <p14:sldId id="274"/>
             <p14:sldId id="269"/>
             <p14:sldId id="268"/>
             <p14:sldId id="266"/>
@@ -230,7 +232,7 @@
           <a:p>
             <a:fld id="{4ADB7896-6128-431E-B81D-BC3E8A939DF8}" type="datetimeFigureOut">
               <a:rPr lang="tr-TR" smtClean="0"/>
-              <a:t>7.03.2021</a:t>
+              <a:t>8.03.2021</a:t>
             </a:fld>
             <a:endParaRPr lang="tr-TR" dirty="0"/>
           </a:p>
@@ -728,7 +730,7 @@
           <a:p>
             <a:fld id="{C4F64304-6163-4612-B6CC-CF554652777C}" type="datetime1">
               <a:rPr lang="tr-TR" smtClean="0"/>
-              <a:t>7.03.2021</a:t>
+              <a:t>8.03.2021</a:t>
             </a:fld>
             <a:endParaRPr lang="tr-TR" dirty="0"/>
           </a:p>
@@ -926,7 +928,7 @@
           <a:p>
             <a:fld id="{78E7E6B6-D9D2-4867-B7C0-A8640A2186AF}" type="datetime1">
               <a:rPr lang="tr-TR" smtClean="0"/>
-              <a:t>7.03.2021</a:t>
+              <a:t>8.03.2021</a:t>
             </a:fld>
             <a:endParaRPr lang="tr-TR" dirty="0"/>
           </a:p>
@@ -1134,7 +1136,7 @@
           <a:p>
             <a:fld id="{F0029F82-7E47-4E9E-B49D-003C4E36A632}" type="datetime1">
               <a:rPr lang="tr-TR" smtClean="0"/>
-              <a:t>7.03.2021</a:t>
+              <a:t>8.03.2021</a:t>
             </a:fld>
             <a:endParaRPr lang="tr-TR" dirty="0"/>
           </a:p>
@@ -1332,7 +1334,7 @@
           <a:p>
             <a:fld id="{CF615725-F917-45E6-9A33-770A3F590BE7}" type="datetime1">
               <a:rPr lang="tr-TR" smtClean="0"/>
-              <a:t>7.03.2021</a:t>
+              <a:t>8.03.2021</a:t>
             </a:fld>
             <a:endParaRPr lang="tr-TR" dirty="0"/>
           </a:p>
@@ -1607,7 +1609,7 @@
           <a:p>
             <a:fld id="{E18C5DAA-DAD0-4152-ABE7-15F5D3DD21B8}" type="datetime1">
               <a:rPr lang="tr-TR" smtClean="0"/>
-              <a:t>7.03.2021</a:t>
+              <a:t>8.03.2021</a:t>
             </a:fld>
             <a:endParaRPr lang="tr-TR" dirty="0"/>
           </a:p>
@@ -1872,7 +1874,7 @@
           <a:p>
             <a:fld id="{5A40177A-5F39-4786-B0C5-D32D690533B8}" type="datetime1">
               <a:rPr lang="tr-TR" smtClean="0"/>
-              <a:t>7.03.2021</a:t>
+              <a:t>8.03.2021</a:t>
             </a:fld>
             <a:endParaRPr lang="tr-TR" dirty="0"/>
           </a:p>
@@ -2284,7 +2286,7 @@
           <a:p>
             <a:fld id="{51B634AD-DE2D-4170-92BE-8FFFC830162A}" type="datetime1">
               <a:rPr lang="tr-TR" smtClean="0"/>
-              <a:t>7.03.2021</a:t>
+              <a:t>8.03.2021</a:t>
             </a:fld>
             <a:endParaRPr lang="tr-TR" dirty="0"/>
           </a:p>
@@ -2425,7 +2427,7 @@
           <a:p>
             <a:fld id="{5EBF6B0F-81F5-4D2C-9E10-7B30CA3ED86B}" type="datetime1">
               <a:rPr lang="tr-TR" smtClean="0"/>
-              <a:t>7.03.2021</a:t>
+              <a:t>8.03.2021</a:t>
             </a:fld>
             <a:endParaRPr lang="tr-TR" dirty="0"/>
           </a:p>
@@ -2538,7 +2540,7 @@
           <a:p>
             <a:fld id="{145C6B24-78D7-4D46-AFC1-1B9D14CA92C8}" type="datetime1">
               <a:rPr lang="tr-TR" smtClean="0"/>
-              <a:t>7.03.2021</a:t>
+              <a:t>8.03.2021</a:t>
             </a:fld>
             <a:endParaRPr lang="tr-TR" dirty="0"/>
           </a:p>
@@ -2849,7 +2851,7 @@
           <a:p>
             <a:fld id="{9D677EBC-1F1C-43C2-9E12-430A11728EC8}" type="datetime1">
               <a:rPr lang="tr-TR" smtClean="0"/>
-              <a:t>7.03.2021</a:t>
+              <a:t>8.03.2021</a:t>
             </a:fld>
             <a:endParaRPr lang="tr-TR" dirty="0"/>
           </a:p>
@@ -3137,7 +3139,7 @@
           <a:p>
             <a:fld id="{A3AC46AC-EF7A-4D03-B6E8-A1A70CC64AD3}" type="datetime1">
               <a:rPr lang="tr-TR" smtClean="0"/>
-              <a:t>7.03.2021</a:t>
+              <a:t>8.03.2021</a:t>
             </a:fld>
             <a:endParaRPr lang="tr-TR" dirty="0"/>
           </a:p>
@@ -3378,7 +3380,7 @@
           <a:p>
             <a:fld id="{E4C454CE-1031-4CA2-988B-B2C8308F4A12}" type="datetime1">
               <a:rPr lang="tr-TR" smtClean="0"/>
-              <a:t>7.03.2021</a:t>
+              <a:t>8.03.2021</a:t>
             </a:fld>
             <a:endParaRPr lang="tr-TR" dirty="0"/>
           </a:p>
@@ -7238,6 +7240,634 @@
 <file path=ppt/slides/slide11.xml><?xml version="1.0" encoding="utf-8"?>
 <p:sld xmlns:a="http://schemas.openxmlformats.org/drawingml/2006/main" xmlns:r="http://schemas.openxmlformats.org/officeDocument/2006/relationships" xmlns:p="http://schemas.openxmlformats.org/presentationml/2006/main">
   <p:cSld>
+    <p:spTree>
+      <p:nvGrpSpPr>
+        <p:cNvPr id="1" name=""/>
+        <p:cNvGrpSpPr/>
+        <p:nvPr/>
+      </p:nvGrpSpPr>
+      <p:grpSpPr>
+        <a:xfrm>
+          <a:off x="0" y="0"/>
+          <a:ext cx="0" cy="0"/>
+          <a:chOff x="0" y="0"/>
+          <a:chExt cx="0" cy="0"/>
+        </a:xfrm>
+      </p:grpSpPr>
+      <p:sp>
+        <p:nvSpPr>
+          <p:cNvPr id="4" name="Slayt Numarası Yer Tutucusu 3">
+            <a:extLst>
+              <a:ext uri="{FF2B5EF4-FFF2-40B4-BE49-F238E27FC236}">
+                <a16:creationId xmlns:a16="http://schemas.microsoft.com/office/drawing/2014/main" id="{2209E079-8F91-4BBA-976C-8A73D3AB321F}"/>
+              </a:ext>
+            </a:extLst>
+          </p:cNvPr>
+          <p:cNvSpPr>
+            <a:spLocks noGrp="1"/>
+          </p:cNvSpPr>
+          <p:nvPr>
+            <p:ph type="sldNum" sz="quarter" idx="12"/>
+          </p:nvPr>
+        </p:nvSpPr>
+        <p:spPr>
+          <a:xfrm>
+            <a:off x="8610600" y="6356350"/>
+            <a:ext cx="2743200" cy="365125"/>
+          </a:xfrm>
+        </p:spPr>
+        <p:txBody>
+          <a:bodyPr>
+            <a:normAutofit/>
+          </a:bodyPr>
+          <a:lstStyle/>
+          <a:p>
+            <a:pPr>
+              <a:spcAft>
+                <a:spcPts val="600"/>
+              </a:spcAft>
+            </a:pPr>
+            <a:fld id="{3F69A0C6-7921-40C0-9BF7-29A90F37EBCE}" type="slidenum">
+              <a:rPr lang="tr-TR" smtClean="0"/>
+              <a:pPr>
+                <a:spcAft>
+                  <a:spcPts val="600"/>
+                </a:spcAft>
+              </a:pPr>
+              <a:t>11</a:t>
+            </a:fld>
+            <a:endParaRPr lang="tr-TR"/>
+          </a:p>
+        </p:txBody>
+      </p:sp>
+      <p:sp>
+        <p:nvSpPr>
+          <p:cNvPr id="12" name="İçerik Yer Tutucusu 2">
+            <a:extLst>
+              <a:ext uri="{FF2B5EF4-FFF2-40B4-BE49-F238E27FC236}">
+                <a16:creationId xmlns:a16="http://schemas.microsoft.com/office/drawing/2014/main" id="{FB188065-B890-44AD-A845-4D1E751B6B9D}"/>
+              </a:ext>
+            </a:extLst>
+          </p:cNvPr>
+          <p:cNvSpPr>
+            <a:spLocks noGrp="1"/>
+          </p:cNvSpPr>
+          <p:nvPr>
+            <p:ph idx="1"/>
+          </p:nvPr>
+        </p:nvSpPr>
+        <p:spPr>
+          <a:xfrm>
+            <a:off x="789126" y="1518020"/>
+            <a:ext cx="8342530" cy="4838330"/>
+          </a:xfrm>
+        </p:spPr>
+        <p:txBody>
+          <a:bodyPr anchor="ctr">
+            <a:normAutofit fontScale="92500" lnSpcReduction="10000"/>
+          </a:bodyPr>
+          <a:lstStyle/>
+          <a:p>
+            <a:pPr marL="0" indent="0">
+              <a:buNone/>
+            </a:pPr>
+            <a:endParaRPr lang="tr-TR" sz="1500" b="0" i="0" u="none" strike="noStrike" baseline="0" dirty="0">
+              <a:solidFill>
+                <a:schemeClr val="tx2"/>
+              </a:solidFill>
+              <a:latin typeface="Times New Roman" panose="02020603050405020304" pitchFamily="18" charset="0"/>
+              <a:cs typeface="Times New Roman" panose="02020603050405020304" pitchFamily="18" charset="0"/>
+            </a:endParaRPr>
+          </a:p>
+          <a:p>
+            <a:pPr marL="0" indent="0">
+              <a:buNone/>
+            </a:pPr>
+            <a:r>
+              <a:rPr lang="tr-TR" sz="2400" b="0" i="0" u="none" strike="noStrike" baseline="0" dirty="0">
+                <a:solidFill>
+                  <a:schemeClr val="tx1">
+                    <a:lumMod val="95000"/>
+                    <a:lumOff val="5000"/>
+                  </a:schemeClr>
+                </a:solidFill>
+                <a:latin typeface="Times New Roman" panose="02020603050405020304" pitchFamily="18" charset="0"/>
+                <a:cs typeface="Times New Roman" panose="02020603050405020304" pitchFamily="18" charset="0"/>
+              </a:rPr>
+              <a:t>Örneğin rastgele seçilen 90 ev hanımının çamaşırda tercih ettikleri deterjan markasına göre dağılımı aşağıdaki gibi olsun;</a:t>
+            </a:r>
+          </a:p>
+          <a:p>
+            <a:pPr marL="0" indent="0">
+              <a:buNone/>
+            </a:pPr>
+            <a:endParaRPr lang="tr-TR" sz="1500" b="0" i="0" u="none" strike="noStrike" baseline="0" dirty="0">
+              <a:solidFill>
+                <a:schemeClr val="tx2"/>
+              </a:solidFill>
+              <a:latin typeface="Times New Roman" panose="02020603050405020304" pitchFamily="18" charset="0"/>
+              <a:cs typeface="Times New Roman" panose="02020603050405020304" pitchFamily="18" charset="0"/>
+            </a:endParaRPr>
+          </a:p>
+          <a:p>
+            <a:pPr marL="0" algn="l" rtl="0" eaLnBrk="1" fontAlgn="t" latinLnBrk="0" hangingPunct="1">
+              <a:spcBef>
+                <a:spcPts val="0"/>
+              </a:spcBef>
+              <a:spcAft>
+                <a:spcPts val="0"/>
+              </a:spcAft>
+            </a:pPr>
+            <a:r>
+              <a:rPr lang="tr-TR" sz="1800" b="1" i="0" u="none" strike="noStrike" kern="1200" dirty="0">
+                <a:solidFill>
+                  <a:srgbClr val="FFFFFF"/>
+                </a:solidFill>
+                <a:effectLst/>
+                <a:latin typeface="Calibri" panose="020F0502020204030204" pitchFamily="34" charset="0"/>
+              </a:rPr>
+              <a:t>Sınıflar (Deterjan Markası)            A       B       C       D       E       F               TOPLAM </a:t>
+            </a:r>
+            <a:endParaRPr lang="tr-TR" sz="1800" b="0" i="0" u="none" strike="noStrike" dirty="0">
+              <a:effectLst/>
+              <a:latin typeface="Arial" panose="020B0604020202020204" pitchFamily="34" charset="0"/>
+            </a:endParaRPr>
+          </a:p>
+          <a:p>
+            <a:pPr marL="0" indent="0">
+              <a:buNone/>
+            </a:pPr>
+            <a:endParaRPr lang="tr-TR" sz="1500" dirty="0">
+              <a:solidFill>
+                <a:schemeClr val="tx2"/>
+              </a:solidFill>
+            </a:endParaRPr>
+          </a:p>
+          <a:p>
+            <a:pPr marL="0" algn="l" rtl="0" eaLnBrk="1" fontAlgn="t" latinLnBrk="0" hangingPunct="1">
+              <a:spcBef>
+                <a:spcPts val="0"/>
+              </a:spcBef>
+              <a:spcAft>
+                <a:spcPts val="0"/>
+              </a:spcAft>
+            </a:pPr>
+            <a:r>
+              <a:rPr lang="tr-TR" sz="1800" b="1" i="0" u="none" strike="noStrike" kern="1200" dirty="0">
+                <a:solidFill>
+                  <a:srgbClr val="FFFFFF"/>
+                </a:solidFill>
+                <a:effectLst/>
+                <a:latin typeface="Calibri" panose="020F0502020204030204" pitchFamily="34" charset="0"/>
+              </a:rPr>
+              <a:t>Sınıflar (Deterjan Markası)            A       B       C       D       E       F               TOPLAM </a:t>
+            </a:r>
+            <a:endParaRPr lang="tr-TR" sz="1800" b="0" i="0" u="none" strike="noStrike" dirty="0">
+              <a:effectLst/>
+              <a:latin typeface="Arial" panose="020B0604020202020204" pitchFamily="34" charset="0"/>
+            </a:endParaRPr>
+          </a:p>
+          <a:p>
+            <a:pPr marL="0" indent="0">
+              <a:buNone/>
+            </a:pPr>
+            <a:endParaRPr lang="tr-TR" sz="1500" dirty="0">
+              <a:solidFill>
+                <a:schemeClr val="tx2"/>
+              </a:solidFill>
+            </a:endParaRPr>
+          </a:p>
+          <a:p>
+            <a:endParaRPr lang="tr-TR" sz="1500" b="0" i="0" u="none" strike="noStrike" baseline="0" dirty="0">
+              <a:solidFill>
+                <a:schemeClr val="tx2"/>
+              </a:solidFill>
+              <a:latin typeface="Arial" panose="020B0604020202020204" pitchFamily="34" charset="0"/>
+            </a:endParaRPr>
+          </a:p>
+          <a:p>
+            <a:pPr marL="0" indent="0">
+              <a:buNone/>
+            </a:pPr>
+            <a:endParaRPr lang="tr-TR" sz="1500" b="0" i="0" u="none" strike="noStrike" baseline="0" dirty="0">
+              <a:solidFill>
+                <a:schemeClr val="tx2"/>
+              </a:solidFill>
+              <a:latin typeface="Times New Roman" panose="02020603050405020304" pitchFamily="18" charset="0"/>
+              <a:cs typeface="Times New Roman" panose="02020603050405020304" pitchFamily="18" charset="0"/>
+            </a:endParaRPr>
+          </a:p>
+          <a:p>
+            <a:pPr marL="0" indent="0">
+              <a:buNone/>
+            </a:pPr>
+            <a:endParaRPr lang="tr-TR" sz="1500" dirty="0">
+              <a:solidFill>
+                <a:schemeClr val="tx2"/>
+              </a:solidFill>
+              <a:latin typeface="Times New Roman" panose="02020603050405020304" pitchFamily="18" charset="0"/>
+              <a:cs typeface="Times New Roman" panose="02020603050405020304" pitchFamily="18" charset="0"/>
+            </a:endParaRPr>
+          </a:p>
+          <a:p>
+            <a:pPr marL="0" indent="0">
+              <a:buNone/>
+            </a:pPr>
+            <a:r>
+              <a:rPr lang="tr-TR" sz="2400" b="0" i="0" u="none" strike="noStrike" baseline="0" dirty="0">
+                <a:solidFill>
+                  <a:schemeClr val="tx1">
+                    <a:lumMod val="95000"/>
+                    <a:lumOff val="5000"/>
+                  </a:schemeClr>
+                </a:solidFill>
+                <a:latin typeface="Times New Roman" panose="02020603050405020304" pitchFamily="18" charset="0"/>
+                <a:cs typeface="Times New Roman" panose="02020603050405020304" pitchFamily="18" charset="0"/>
+              </a:rPr>
+              <a:t>Yukarıdaki G1= 10 değeri A marka deterjanı tercih eden ev hanımlarının sayısını ,..., G6= 7 değeri de  F marka deterjanı tercih eden ev hanımlarının sayısını ifade etmektedir</a:t>
+            </a:r>
+            <a:r>
+              <a:rPr lang="tr-TR" sz="1800" b="0" i="0" u="none" strike="noStrike" baseline="0" dirty="0">
+                <a:solidFill>
+                  <a:schemeClr val="tx1">
+                    <a:lumMod val="95000"/>
+                    <a:lumOff val="5000"/>
+                  </a:schemeClr>
+                </a:solidFill>
+                <a:latin typeface="Times New Roman" panose="02020603050405020304" pitchFamily="18" charset="0"/>
+                <a:cs typeface="Times New Roman" panose="02020603050405020304" pitchFamily="18" charset="0"/>
+              </a:rPr>
+              <a:t>.</a:t>
+            </a:r>
+          </a:p>
+          <a:p>
+            <a:pPr marL="0" indent="0">
+              <a:buNone/>
+            </a:pPr>
+            <a:endParaRPr lang="tr-TR" sz="1500" dirty="0">
+              <a:solidFill>
+                <a:schemeClr val="tx2"/>
+              </a:solidFill>
+            </a:endParaRPr>
+          </a:p>
+          <a:p>
+            <a:pPr marL="0" indent="0">
+              <a:buNone/>
+            </a:pPr>
+            <a:r>
+              <a:rPr lang="tr-TR" sz="1500" dirty="0">
+                <a:solidFill>
+                  <a:schemeClr val="tx2"/>
+                </a:solidFill>
+              </a:rPr>
+              <a:t> </a:t>
+            </a:r>
+          </a:p>
+        </p:txBody>
+      </p:sp>
+      <p:graphicFrame>
+        <p:nvGraphicFramePr>
+          <p:cNvPr id="5" name="Tablo 5">
+            <a:extLst>
+              <a:ext uri="{FF2B5EF4-FFF2-40B4-BE49-F238E27FC236}">
+                <a16:creationId xmlns:a16="http://schemas.microsoft.com/office/drawing/2014/main" id="{FFCEC9B2-ED68-4E60-83AF-2992E39176D2}"/>
+              </a:ext>
+            </a:extLst>
+          </p:cNvPr>
+          <p:cNvGraphicFramePr>
+            <a:graphicFrameLocks noGrp="1"/>
+          </p:cNvGraphicFramePr>
+          <p:nvPr/>
+        </p:nvGraphicFramePr>
+        <p:xfrm>
+          <a:off x="788821" y="3277611"/>
+          <a:ext cx="8128000" cy="737868"/>
+        </p:xfrm>
+        <a:graphic>
+          <a:graphicData uri="http://schemas.openxmlformats.org/drawingml/2006/table">
+            <a:tbl>
+              <a:tblPr firstRow="1" bandRow="1">
+                <a:tableStyleId>{5C22544A-7EE6-4342-B048-85BDC9FD1C3A}</a:tableStyleId>
+              </a:tblPr>
+              <a:tblGrid>
+                <a:gridCol w="8128000">
+                  <a:extLst>
+                    <a:ext uri="{9D8B030D-6E8A-4147-A177-3AD203B41FA5}">
+                      <a16:colId xmlns:a16="http://schemas.microsoft.com/office/drawing/2014/main" val="653472025"/>
+                    </a:ext>
+                  </a:extLst>
+                </a:gridCol>
+              </a:tblGrid>
+              <a:tr h="0">
+                <a:tc>
+                  <a:txBody>
+                    <a:bodyPr/>
+                    <a:lstStyle/>
+                    <a:p>
+                      <a:r>
+                        <a:rPr lang="tr-TR" sz="1800" dirty="0"/>
+                        <a:t>Sınıflar (Deterjan Markası)            A       B       C       D       E       F               TOPLAM </a:t>
+                      </a:r>
+                    </a:p>
+                  </a:txBody>
+                  <a:tcPr marL="92707" marR="92707" marT="46354" marB="46354"/>
+                </a:tc>
+                <a:extLst>
+                  <a:ext uri="{0D108BD9-81ED-4DB2-BD59-A6C34878D82A}">
+                    <a16:rowId xmlns:a16="http://schemas.microsoft.com/office/drawing/2014/main" val="3514028458"/>
+                  </a:ext>
+                </a:extLst>
+              </a:tr>
+              <a:tr h="370840">
+                <a:tc>
+                  <a:txBody>
+                    <a:bodyPr/>
+                    <a:lstStyle/>
+                    <a:p>
+                      <a:r>
+                        <a:rPr lang="tr-TR" sz="1800" b="1" dirty="0">
+                          <a:solidFill>
+                            <a:schemeClr val="tx1"/>
+                          </a:solidFill>
+                        </a:rPr>
+                        <a:t>Gözlenen Frekanslar                      10     17     23     15     18      7                     90   </a:t>
+                      </a:r>
+                    </a:p>
+                  </a:txBody>
+                  <a:tcPr marL="92707" marR="92707" marT="46354" marB="46354"/>
+                </a:tc>
+                <a:extLst>
+                  <a:ext uri="{0D108BD9-81ED-4DB2-BD59-A6C34878D82A}">
+                    <a16:rowId xmlns:a16="http://schemas.microsoft.com/office/drawing/2014/main" val="4209658101"/>
+                  </a:ext>
+                </a:extLst>
+              </a:tr>
+            </a:tbl>
+          </a:graphicData>
+        </a:graphic>
+      </p:graphicFrame>
+      <p:sp>
+        <p:nvSpPr>
+          <p:cNvPr id="18" name="Başlık 1">
+            <a:extLst>
+              <a:ext uri="{FF2B5EF4-FFF2-40B4-BE49-F238E27FC236}">
+                <a16:creationId xmlns:a16="http://schemas.microsoft.com/office/drawing/2014/main" id="{2BD34178-C660-43AD-80EC-29667DBDC186}"/>
+              </a:ext>
+            </a:extLst>
+          </p:cNvPr>
+          <p:cNvSpPr>
+            <a:spLocks noGrp="1"/>
+          </p:cNvSpPr>
+          <p:nvPr>
+            <p:ph type="title"/>
+          </p:nvPr>
+        </p:nvSpPr>
+        <p:spPr>
+          <a:xfrm>
+            <a:off x="258802" y="163680"/>
+            <a:ext cx="10579398" cy="1299411"/>
+          </a:xfrm>
+        </p:spPr>
+        <p:txBody>
+          <a:bodyPr>
+            <a:normAutofit/>
+          </a:bodyPr>
+          <a:lstStyle/>
+          <a:p>
+            <a:r>
+              <a:rPr lang="tr-TR" sz="3600" dirty="0">
+                <a:solidFill>
+                  <a:schemeClr val="tx2"/>
+                </a:solidFill>
+                <a:latin typeface="Times New Roman" panose="02020603050405020304" pitchFamily="18" charset="0"/>
+                <a:cs typeface="Times New Roman" panose="02020603050405020304" pitchFamily="18" charset="0"/>
+              </a:rPr>
+              <a:t>ÖRNEK:</a:t>
+            </a:r>
+          </a:p>
+        </p:txBody>
+      </p:sp>
+    </p:spTree>
+    <p:extLst>
+      <p:ext uri="{BB962C8B-B14F-4D97-AF65-F5344CB8AC3E}">
+        <p14:creationId xmlns:p14="http://schemas.microsoft.com/office/powerpoint/2010/main" val="3993607204"/>
+      </p:ext>
+    </p:extLst>
+  </p:cSld>
+  <p:clrMapOvr>
+    <a:masterClrMapping/>
+  </p:clrMapOvr>
+  <p:timing>
+    <p:tnLst>
+      <p:par>
+        <p:cTn id="1" dur="indefinite" restart="never" nodeType="tmRoot">
+          <p:childTnLst>
+            <p:seq concurrent="1" nextAc="seek">
+              <p:cTn id="2" dur="indefinite" nodeType="mainSeq">
+                <p:childTnLst>
+                  <p:par>
+                    <p:cTn id="3" fill="hold">
+                      <p:stCondLst>
+                        <p:cond delay="indefinite"/>
+                      </p:stCondLst>
+                      <p:childTnLst>
+                        <p:par>
+                          <p:cTn id="4" fill="hold">
+                            <p:stCondLst>
+                              <p:cond delay="0"/>
+                            </p:stCondLst>
+                            <p:childTnLst>
+                              <p:par>
+                                <p:cTn id="5" presetID="10" presetClass="entr" presetSubtype="0" fill="hold" nodeType="clickEffect">
+                                  <p:stCondLst>
+                                    <p:cond delay="0"/>
+                                  </p:stCondLst>
+                                  <p:childTnLst>
+                                    <p:set>
+                                      <p:cBhvr>
+                                        <p:cTn id="6" dur="1" fill="hold">
+                                          <p:stCondLst>
+                                            <p:cond delay="0"/>
+                                          </p:stCondLst>
+                                        </p:cTn>
+                                        <p:tgtEl>
+                                          <p:spTgt spid="12">
+                                            <p:txEl>
+                                              <p:pRg st="1" end="1"/>
+                                            </p:txEl>
+                                          </p:spTgt>
+                                        </p:tgtEl>
+                                        <p:attrNameLst>
+                                          <p:attrName>style.visibility</p:attrName>
+                                        </p:attrNameLst>
+                                      </p:cBhvr>
+                                      <p:to>
+                                        <p:strVal val="visible"/>
+                                      </p:to>
+                                    </p:set>
+                                    <p:animEffect transition="in" filter="fade">
+                                      <p:cBhvr>
+                                        <p:cTn id="7" dur="500"/>
+                                        <p:tgtEl>
+                                          <p:spTgt spid="12">
+                                            <p:txEl>
+                                              <p:pRg st="1" end="1"/>
+                                            </p:txEl>
+                                          </p:spTgt>
+                                        </p:tgtEl>
+                                      </p:cBhvr>
+                                    </p:animEffect>
+                                  </p:childTnLst>
+                                </p:cTn>
+                              </p:par>
+                            </p:childTnLst>
+                          </p:cTn>
+                        </p:par>
+                      </p:childTnLst>
+                    </p:cTn>
+                  </p:par>
+                  <p:par>
+                    <p:cTn id="8" fill="hold">
+                      <p:stCondLst>
+                        <p:cond delay="indefinite"/>
+                      </p:stCondLst>
+                      <p:childTnLst>
+                        <p:par>
+                          <p:cTn id="9" fill="hold">
+                            <p:stCondLst>
+                              <p:cond delay="0"/>
+                            </p:stCondLst>
+                            <p:childTnLst>
+                              <p:par>
+                                <p:cTn id="10" presetID="10" presetClass="entr" presetSubtype="0" fill="hold" nodeType="clickEffect">
+                                  <p:stCondLst>
+                                    <p:cond delay="0"/>
+                                  </p:stCondLst>
+                                  <p:childTnLst>
+                                    <p:set>
+                                      <p:cBhvr>
+                                        <p:cTn id="11" dur="1" fill="hold">
+                                          <p:stCondLst>
+                                            <p:cond delay="0"/>
+                                          </p:stCondLst>
+                                        </p:cTn>
+                                        <p:tgtEl>
+                                          <p:spTgt spid="5"/>
+                                        </p:tgtEl>
+                                        <p:attrNameLst>
+                                          <p:attrName>style.visibility</p:attrName>
+                                        </p:attrNameLst>
+                                      </p:cBhvr>
+                                      <p:to>
+                                        <p:strVal val="visible"/>
+                                      </p:to>
+                                    </p:set>
+                                    <p:animEffect transition="in" filter="fade">
+                                      <p:cBhvr>
+                                        <p:cTn id="12" dur="500"/>
+                                        <p:tgtEl>
+                                          <p:spTgt spid="5"/>
+                                        </p:tgtEl>
+                                      </p:cBhvr>
+                                    </p:animEffect>
+                                  </p:childTnLst>
+                                </p:cTn>
+                              </p:par>
+                            </p:childTnLst>
+                          </p:cTn>
+                        </p:par>
+                      </p:childTnLst>
+                    </p:cTn>
+                  </p:par>
+                  <p:par>
+                    <p:cTn id="13" fill="hold">
+                      <p:stCondLst>
+                        <p:cond delay="indefinite"/>
+                      </p:stCondLst>
+                      <p:childTnLst>
+                        <p:par>
+                          <p:cTn id="14" fill="hold">
+                            <p:stCondLst>
+                              <p:cond delay="0"/>
+                            </p:stCondLst>
+                            <p:childTnLst>
+                              <p:par>
+                                <p:cTn id="15" presetID="10" presetClass="entr" presetSubtype="0" fill="hold" nodeType="clickEffect">
+                                  <p:stCondLst>
+                                    <p:cond delay="0"/>
+                                  </p:stCondLst>
+                                  <p:childTnLst>
+                                    <p:set>
+                                      <p:cBhvr>
+                                        <p:cTn id="16" dur="1" fill="hold">
+                                          <p:stCondLst>
+                                            <p:cond delay="0"/>
+                                          </p:stCondLst>
+                                        </p:cTn>
+                                        <p:tgtEl>
+                                          <p:spTgt spid="12">
+                                            <p:txEl>
+                                              <p:pRg st="10" end="10"/>
+                                            </p:txEl>
+                                          </p:spTgt>
+                                        </p:tgtEl>
+                                        <p:attrNameLst>
+                                          <p:attrName>style.visibility</p:attrName>
+                                        </p:attrNameLst>
+                                      </p:cBhvr>
+                                      <p:to>
+                                        <p:strVal val="visible"/>
+                                      </p:to>
+                                    </p:set>
+                                    <p:animEffect transition="in" filter="fade">
+                                      <p:cBhvr>
+                                        <p:cTn id="17" dur="500"/>
+                                        <p:tgtEl>
+                                          <p:spTgt spid="12">
+                                            <p:txEl>
+                                              <p:pRg st="10" end="10"/>
+                                            </p:txEl>
+                                          </p:spTgt>
+                                        </p:tgtEl>
+                                      </p:cBhvr>
+                                    </p:animEffect>
+                                  </p:childTnLst>
+                                </p:cTn>
+                              </p:par>
+                            </p:childTnLst>
+                          </p:cTn>
+                        </p:par>
+                      </p:childTnLst>
+                    </p:cTn>
+                  </p:par>
+                </p:childTnLst>
+              </p:cTn>
+              <p:prevCondLst>
+                <p:cond evt="onPrev" delay="0">
+                  <p:tgtEl>
+                    <p:sldTgt/>
+                  </p:tgtEl>
+                </p:cond>
+              </p:prevCondLst>
+              <p:nextCondLst>
+                <p:cond evt="onNext" delay="0">
+                  <p:tgtEl>
+                    <p:sldTgt/>
+                  </p:tgtEl>
+                </p:cond>
+              </p:nextCondLst>
+            </p:seq>
+          </p:childTnLst>
+        </p:cTn>
+      </p:par>
+    </p:tnLst>
+  </p:timing>
+</p:sld>
+</file>
+
+<file path=ppt/slides/slide12.xml><?xml version="1.0" encoding="utf-8"?>
+<p:sld xmlns:a="http://schemas.openxmlformats.org/drawingml/2006/main" xmlns:r="http://schemas.openxmlformats.org/officeDocument/2006/relationships" xmlns:p="http://schemas.openxmlformats.org/presentationml/2006/main">
+  <p:cSld>
     <p:bg>
       <p:bgPr>
         <a:solidFill>
@@ -9419,7 +10049,7 @@
           <a:p>
             <a:fld id="{3F69A0C6-7921-40C0-9BF7-29A90F37EBCE}" type="slidenum">
               <a:rPr lang="tr-TR" smtClean="0"/>
-              <a:t>11</a:t>
+              <a:t>12</a:t>
             </a:fld>
             <a:endParaRPr lang="tr-TR" dirty="0"/>
           </a:p>
@@ -9945,7 +10575,7 @@
 </p:sld>
 </file>
 
-<file path=ppt/slides/slide12.xml><?xml version="1.0" encoding="utf-8"?>
+<file path=ppt/slides/slide13.xml><?xml version="1.0" encoding="utf-8"?>
 <p:sld xmlns:a="http://schemas.openxmlformats.org/drawingml/2006/main" xmlns:r="http://schemas.openxmlformats.org/officeDocument/2006/relationships" xmlns:p="http://schemas.openxmlformats.org/presentationml/2006/main">
   <p:cSld>
     <p:bg>
@@ -12034,7 +12664,7 @@
           <a:p>
             <a:fld id="{3F69A0C6-7921-40C0-9BF7-29A90F37EBCE}" type="slidenum">
               <a:rPr lang="tr-TR" smtClean="0"/>
-              <a:t>12</a:t>
+              <a:t>13</a:t>
             </a:fld>
             <a:endParaRPr lang="tr-TR" dirty="0"/>
           </a:p>
@@ -12053,7 +12683,7 @@
 </p:sld>
 </file>
 
-<file path=ppt/slides/slide13.xml><?xml version="1.0" encoding="utf-8"?>
+<file path=ppt/slides/slide14.xml><?xml version="1.0" encoding="utf-8"?>
 <p:sld xmlns:a="http://schemas.openxmlformats.org/drawingml/2006/main" xmlns:r="http://schemas.openxmlformats.org/officeDocument/2006/relationships" xmlns:p="http://schemas.openxmlformats.org/presentationml/2006/main">
   <p:cSld>
     <p:bg>
@@ -14213,7 +14843,7 @@
           <a:p>
             <a:fld id="{3F69A0C6-7921-40C0-9BF7-29A90F37EBCE}" type="slidenum">
               <a:rPr lang="tr-TR" smtClean="0"/>
-              <a:t>13</a:t>
+              <a:t>14</a:t>
             </a:fld>
             <a:endParaRPr lang="tr-TR" dirty="0"/>
           </a:p>

--- a/cihan.pptx
+++ b/cihan.pptx
@@ -5,7 +5,7 @@
     <p:sldMasterId id="2147483648" r:id="rId1"/>
   </p:sldMasterIdLst>
   <p:notesMasterIdLst>
-    <p:notesMasterId r:id="rId16"/>
+    <p:notesMasterId r:id="rId17"/>
   </p:notesMasterIdLst>
   <p:sldIdLst>
     <p:sldId id="256" r:id="rId2"/>
@@ -16,12 +16,13 @@
     <p:sldId id="260" r:id="rId7"/>
     <p:sldId id="270" r:id="rId8"/>
     <p:sldId id="272" r:id="rId9"/>
-    <p:sldId id="257" r:id="rId10"/>
-    <p:sldId id="265" r:id="rId11"/>
-    <p:sldId id="274" r:id="rId12"/>
-    <p:sldId id="269" r:id="rId13"/>
-    <p:sldId id="268" r:id="rId14"/>
-    <p:sldId id="266" r:id="rId15"/>
+    <p:sldId id="276" r:id="rId10"/>
+    <p:sldId id="257" r:id="rId11"/>
+    <p:sldId id="265" r:id="rId12"/>
+    <p:sldId id="277" r:id="rId13"/>
+    <p:sldId id="269" r:id="rId14"/>
+    <p:sldId id="268" r:id="rId15"/>
+    <p:sldId id="266" r:id="rId16"/>
   </p:sldIdLst>
   <p:sldSz cx="12192000" cy="6858000"/>
   <p:notesSz cx="6858000" cy="9144000"/>
@@ -133,9 +134,10 @@
             <p14:sldId id="260"/>
             <p14:sldId id="270"/>
             <p14:sldId id="272"/>
+            <p14:sldId id="276"/>
             <p14:sldId id="257"/>
             <p14:sldId id="265"/>
-            <p14:sldId id="274"/>
+            <p14:sldId id="277"/>
             <p14:sldId id="269"/>
             <p14:sldId id="268"/>
             <p14:sldId id="266"/>
@@ -4883,6 +4885,2520 @@
       </p:grpSpPr>
       <p:sp useBgFill="1">
         <p:nvSpPr>
+          <p:cNvPr id="20" name="Rectangle 7">
+            <a:extLst>
+              <a:ext uri="{FF2B5EF4-FFF2-40B4-BE49-F238E27FC236}">
+                <a16:creationId xmlns:a16="http://schemas.microsoft.com/office/drawing/2014/main" id="{FA3C7DEA-BCC2-4295-8850-147993296189}"/>
+              </a:ext>
+              <a:ext uri="{C183D7F6-B498-43B3-948B-1728B52AA6E4}">
+                <adec:decorative xmlns:adec="http://schemas.microsoft.com/office/drawing/2017/decorative" val="1"/>
+              </a:ext>
+            </a:extLst>
+          </p:cNvPr>
+          <p:cNvSpPr>
+            <a:spLocks noGrp="1" noRot="1" noChangeAspect="1" noMove="1" noResize="1" noEditPoints="1" noAdjustHandles="1" noChangeArrowheads="1" noChangeShapeType="1" noTextEdit="1"/>
+          </p:cNvSpPr>
+          <p:nvPr>
+            <p:extLst>
+              <p:ext uri="{386F3935-93C4-4BCD-93E2-E3B085C9AB24}">
+                <p16:designElem xmlns:p16="http://schemas.microsoft.com/office/powerpoint/2015/main" val="1"/>
+              </p:ext>
+            </p:extLst>
+          </p:nvPr>
+        </p:nvSpPr>
+        <p:spPr>
+          <a:xfrm>
+            <a:off x="0" y="1"/>
+            <a:ext cx="12191695" cy="6858000"/>
+          </a:xfrm>
+          <a:prstGeom prst="rect">
+            <a:avLst/>
+          </a:prstGeom>
+          <a:ln>
+            <a:noFill/>
+          </a:ln>
+        </p:spPr>
+        <p:style>
+          <a:lnRef idx="2">
+            <a:schemeClr val="accent1">
+              <a:shade val="50000"/>
+            </a:schemeClr>
+          </a:lnRef>
+          <a:fillRef idx="1">
+            <a:schemeClr val="accent1"/>
+          </a:fillRef>
+          <a:effectRef idx="0">
+            <a:schemeClr val="accent1"/>
+          </a:effectRef>
+          <a:fontRef idx="minor">
+            <a:schemeClr val="lt1"/>
+          </a:fontRef>
+        </p:style>
+        <p:txBody>
+          <a:bodyPr rtlCol="0" anchor="ctr"/>
+          <a:lstStyle/>
+          <a:p>
+            <a:pPr algn="ctr"/>
+            <a:endParaRPr lang="en-US" dirty="0"/>
+          </a:p>
+        </p:txBody>
+      </p:sp>
+      <p:sp>
+        <p:nvSpPr>
+          <p:cNvPr id="21" name="Rectangle 9">
+            <a:extLst>
+              <a:ext uri="{FF2B5EF4-FFF2-40B4-BE49-F238E27FC236}">
+                <a16:creationId xmlns:a16="http://schemas.microsoft.com/office/drawing/2014/main" id="{C289949D-B9F6-468A-86FE-2694DC5AE773}"/>
+              </a:ext>
+              <a:ext uri="{C183D7F6-B498-43B3-948B-1728B52AA6E4}">
+                <adec:decorative xmlns:adec="http://schemas.microsoft.com/office/drawing/2017/decorative" val="1"/>
+              </a:ext>
+            </a:extLst>
+          </p:cNvPr>
+          <p:cNvSpPr>
+            <a:spLocks noGrp="1" noRot="1" noChangeAspect="1" noMove="1" noResize="1" noEditPoints="1" noAdjustHandles="1" noChangeArrowheads="1" noChangeShapeType="1" noTextEdit="1"/>
+          </p:cNvSpPr>
+          <p:nvPr>
+            <p:extLst>
+              <p:ext uri="{386F3935-93C4-4BCD-93E2-E3B085C9AB24}">
+                <p16:designElem xmlns:p16="http://schemas.microsoft.com/office/powerpoint/2015/main" val="1"/>
+              </p:ext>
+            </p:extLst>
+          </p:nvPr>
+        </p:nvSpPr>
+        <p:spPr>
+          <a:xfrm>
+            <a:off x="305" y="0"/>
+            <a:ext cx="12191695" cy="6858000"/>
+          </a:xfrm>
+          <a:prstGeom prst="rect">
+            <a:avLst/>
+          </a:prstGeom>
+          <a:solidFill>
+            <a:schemeClr val="bg1"/>
+          </a:solidFill>
+          <a:ln>
+            <a:noFill/>
+          </a:ln>
+        </p:spPr>
+        <p:style>
+          <a:lnRef idx="2">
+            <a:schemeClr val="accent1">
+              <a:shade val="50000"/>
+            </a:schemeClr>
+          </a:lnRef>
+          <a:fillRef idx="1">
+            <a:schemeClr val="accent1"/>
+          </a:fillRef>
+          <a:effectRef idx="0">
+            <a:schemeClr val="accent1"/>
+          </a:effectRef>
+          <a:fontRef idx="minor">
+            <a:schemeClr val="lt1"/>
+          </a:fontRef>
+        </p:style>
+        <p:txBody>
+          <a:bodyPr rtlCol="0" anchor="ctr"/>
+          <a:lstStyle/>
+          <a:p>
+            <a:pPr algn="ctr"/>
+            <a:endParaRPr lang="en-US" sz="800" dirty="0"/>
+          </a:p>
+        </p:txBody>
+      </p:sp>
+      <p:grpSp>
+        <p:nvGrpSpPr>
+          <p:cNvPr id="22" name="Group 11">
+            <a:extLst>
+              <a:ext uri="{FF2B5EF4-FFF2-40B4-BE49-F238E27FC236}">
+                <a16:creationId xmlns:a16="http://schemas.microsoft.com/office/drawing/2014/main" id="{E4DF0958-0C87-4C28-9554-2FADC788C2B1}"/>
+              </a:ext>
+              <a:ext uri="{C183D7F6-B498-43B3-948B-1728B52AA6E4}">
+                <adec:decorative xmlns:adec="http://schemas.microsoft.com/office/drawing/2017/decorative" val="1"/>
+              </a:ext>
+            </a:extLst>
+          </p:cNvPr>
+          <p:cNvGrpSpPr>
+            <a:grpSpLocks noGrp="1" noUngrp="1" noRot="1" noChangeAspect="1" noMove="1" noResize="1"/>
+          </p:cNvGrpSpPr>
+          <p:nvPr>
+            <p:extLst>
+              <p:ext uri="{386F3935-93C4-4BCD-93E2-E3B085C9AB24}">
+                <p16:designElem xmlns:p16="http://schemas.microsoft.com/office/powerpoint/2015/main" val="1"/>
+              </p:ext>
+            </p:extLst>
+          </p:nvPr>
+        </p:nvGrpSpPr>
+        <p:grpSpPr>
+          <a:xfrm>
+            <a:off x="7867135" y="0"/>
+            <a:ext cx="4324865" cy="2641149"/>
+            <a:chOff x="6867015" y="-1"/>
+            <a:chExt cx="5324985" cy="3251912"/>
+          </a:xfrm>
+          <a:solidFill>
+            <a:schemeClr val="accent5">
+              <a:alpha val="10000"/>
+            </a:schemeClr>
+          </a:solidFill>
+        </p:grpSpPr>
+        <p:sp>
+          <p:nvSpPr>
+            <p:cNvPr id="13" name="Freeform: Shape 12">
+              <a:extLst>
+                <a:ext uri="{FF2B5EF4-FFF2-40B4-BE49-F238E27FC236}">
+                  <a16:creationId xmlns:a16="http://schemas.microsoft.com/office/drawing/2014/main" id="{DEC53B48-7B73-49D1-A6FD-9DBF5141EA75}"/>
+                </a:ext>
+                <a:ext uri="{C183D7F6-B498-43B3-948B-1728B52AA6E4}">
+                  <adec:decorative xmlns:adec="http://schemas.microsoft.com/office/drawing/2017/decorative" val="1"/>
+                </a:ext>
+              </a:extLst>
+            </p:cNvPr>
+            <p:cNvSpPr/>
+            <p:nvPr>
+              <p:extLst>
+                <p:ext uri="{386F3935-93C4-4BCD-93E2-E3B085C9AB24}">
+                  <p16:designElem xmlns:p16="http://schemas.microsoft.com/office/powerpoint/2015/main" val="1"/>
+                </p:ext>
+              </p:extLst>
+            </p:nvPr>
+          </p:nvSpPr>
+          <p:spPr>
+            <a:xfrm>
+              <a:off x="6867015" y="-1"/>
+              <a:ext cx="5324985" cy="3251912"/>
+            </a:xfrm>
+            <a:custGeom>
+              <a:avLst/>
+              <a:gdLst>
+                <a:gd name="connsiteX0" fmla="*/ 0 w 5324985"/>
+                <a:gd name="connsiteY0" fmla="*/ 0 h 3251912"/>
+                <a:gd name="connsiteX1" fmla="*/ 36826 w 5324985"/>
+                <a:gd name="connsiteY1" fmla="*/ 0 h 3251912"/>
+                <a:gd name="connsiteX2" fmla="*/ 45003 w 5324985"/>
+                <a:gd name="connsiteY2" fmla="*/ 152909 h 3251912"/>
+                <a:gd name="connsiteX3" fmla="*/ 68956 w 5324985"/>
+                <a:gd name="connsiteY3" fmla="*/ 308600 h 3251912"/>
+                <a:gd name="connsiteX4" fmla="*/ 167774 w 5324985"/>
+                <a:gd name="connsiteY4" fmla="*/ 607968 h 3251912"/>
+                <a:gd name="connsiteX5" fmla="*/ 201857 w 5324985"/>
+                <a:gd name="connsiteY5" fmla="*/ 679539 h 3251912"/>
+                <a:gd name="connsiteX6" fmla="*/ 239741 w 5324985"/>
+                <a:gd name="connsiteY6" fmla="*/ 749488 h 3251912"/>
+                <a:gd name="connsiteX7" fmla="*/ 323724 w 5324985"/>
+                <a:gd name="connsiteY7" fmla="*/ 885101 h 3251912"/>
+                <a:gd name="connsiteX8" fmla="*/ 416412 w 5324985"/>
+                <a:gd name="connsiteY8" fmla="*/ 1016081 h 3251912"/>
+                <a:gd name="connsiteX9" fmla="*/ 515719 w 5324985"/>
+                <a:gd name="connsiteY9" fmla="*/ 1143356 h 3251912"/>
+                <a:gd name="connsiteX10" fmla="*/ 722427 w 5324985"/>
+                <a:gd name="connsiteY10" fmla="*/ 1395127 h 3251912"/>
+                <a:gd name="connsiteX11" fmla="*/ 825780 w 5324985"/>
+                <a:gd name="connsiteY11" fmla="*/ 1522749 h 3251912"/>
+                <a:gd name="connsiteX12" fmla="*/ 926314 w 5324985"/>
+                <a:gd name="connsiteY12" fmla="*/ 1651992 h 3251912"/>
+                <a:gd name="connsiteX13" fmla="*/ 1026848 w 5324985"/>
+                <a:gd name="connsiteY13" fmla="*/ 1776836 h 3251912"/>
+                <a:gd name="connsiteX14" fmla="*/ 1131918 w 5324985"/>
+                <a:gd name="connsiteY14" fmla="*/ 1897393 h 3251912"/>
+                <a:gd name="connsiteX15" fmla="*/ 1354688 w 5324985"/>
+                <a:gd name="connsiteY15" fmla="*/ 2124728 h 3251912"/>
+                <a:gd name="connsiteX16" fmla="*/ 1855027 w 5324985"/>
+                <a:gd name="connsiteY16" fmla="*/ 2504236 h 3251912"/>
+                <a:gd name="connsiteX17" fmla="*/ 2131618 w 5324985"/>
+                <a:gd name="connsiteY17" fmla="*/ 2646913 h 3251912"/>
+                <a:gd name="connsiteX18" fmla="*/ 2423534 w 5324985"/>
+                <a:gd name="connsiteY18" fmla="*/ 2754732 h 3251912"/>
+                <a:gd name="connsiteX19" fmla="*/ 2727588 w 5324985"/>
+                <a:gd name="connsiteY19" fmla="*/ 2829197 h 3251912"/>
+                <a:gd name="connsiteX20" fmla="*/ 3041083 w 5324985"/>
+                <a:gd name="connsiteY20" fmla="*/ 2870890 h 3251912"/>
+                <a:gd name="connsiteX21" fmla="*/ 3360340 w 5324985"/>
+                <a:gd name="connsiteY21" fmla="*/ 2883976 h 3251912"/>
+                <a:gd name="connsiteX22" fmla="*/ 3439663 w 5324985"/>
+                <a:gd name="connsiteY22" fmla="*/ 2883396 h 3251912"/>
+                <a:gd name="connsiteX23" fmla="*/ 3478529 w 5324985"/>
+                <a:gd name="connsiteY23" fmla="*/ 2882471 h 3251912"/>
+                <a:gd name="connsiteX24" fmla="*/ 3517271 w 5324985"/>
+                <a:gd name="connsiteY24" fmla="*/ 2880616 h 3251912"/>
+                <a:gd name="connsiteX25" fmla="*/ 3671260 w 5324985"/>
+                <a:gd name="connsiteY25" fmla="*/ 2867878 h 3251912"/>
+                <a:gd name="connsiteX26" fmla="*/ 4265268 w 5324985"/>
+                <a:gd name="connsiteY26" fmla="*/ 2716283 h 3251912"/>
+                <a:gd name="connsiteX27" fmla="*/ 4546395 w 5324985"/>
+                <a:gd name="connsiteY27" fmla="*/ 2584724 h 3251912"/>
+                <a:gd name="connsiteX28" fmla="*/ 4817837 w 5324985"/>
+                <a:gd name="connsiteY28" fmla="*/ 2424674 h 3251912"/>
+                <a:gd name="connsiteX29" fmla="*/ 5081677 w 5324985"/>
+                <a:gd name="connsiteY29" fmla="*/ 2243548 h 3251912"/>
+                <a:gd name="connsiteX30" fmla="*/ 5211881 w 5324985"/>
+                <a:gd name="connsiteY30" fmla="*/ 2147658 h 3251912"/>
+                <a:gd name="connsiteX31" fmla="*/ 5324985 w 5324985"/>
+                <a:gd name="connsiteY31" fmla="*/ 2062128 h 3251912"/>
+                <a:gd name="connsiteX32" fmla="*/ 5324985 w 5324985"/>
+                <a:gd name="connsiteY32" fmla="*/ 2514993 h 3251912"/>
+                <a:gd name="connsiteX33" fmla="*/ 5314867 w 5324985"/>
+                <a:gd name="connsiteY33" fmla="*/ 2522881 h 3251912"/>
+                <a:gd name="connsiteX34" fmla="*/ 5038276 w 5324985"/>
+                <a:gd name="connsiteY34" fmla="*/ 2722421 h 3251912"/>
+                <a:gd name="connsiteX35" fmla="*/ 4741701 w 5324985"/>
+                <a:gd name="connsiteY35" fmla="*/ 2904937 h 3251912"/>
+                <a:gd name="connsiteX36" fmla="*/ 4420728 w 5324985"/>
+                <a:gd name="connsiteY36" fmla="*/ 3058848 h 3251912"/>
+                <a:gd name="connsiteX37" fmla="*/ 3717481 w 5324985"/>
+                <a:gd name="connsiteY37" fmla="*/ 3237079 h 3251912"/>
+                <a:gd name="connsiteX38" fmla="*/ 3535661 w 5324985"/>
+                <a:gd name="connsiteY38" fmla="*/ 3249934 h 3251912"/>
+                <a:gd name="connsiteX39" fmla="*/ 3490175 w 5324985"/>
+                <a:gd name="connsiteY39" fmla="*/ 3251555 h 3251912"/>
+                <a:gd name="connsiteX40" fmla="*/ 3444813 w 5324985"/>
+                <a:gd name="connsiteY40" fmla="*/ 3251787 h 3251912"/>
+                <a:gd name="connsiteX41" fmla="*/ 3355681 w 5324985"/>
+                <a:gd name="connsiteY41" fmla="*/ 3250745 h 3251912"/>
+                <a:gd name="connsiteX42" fmla="*/ 3179011 w 5324985"/>
+                <a:gd name="connsiteY42" fmla="*/ 3243795 h 3251912"/>
+                <a:gd name="connsiteX43" fmla="*/ 3002217 w 5324985"/>
+                <a:gd name="connsiteY43" fmla="*/ 3227814 h 3251912"/>
+                <a:gd name="connsiteX44" fmla="*/ 2650103 w 5324985"/>
+                <a:gd name="connsiteY44" fmla="*/ 3170836 h 3251912"/>
+                <a:gd name="connsiteX45" fmla="*/ 2305836 w 5324985"/>
+                <a:gd name="connsiteY45" fmla="*/ 3072514 h 3251912"/>
+                <a:gd name="connsiteX46" fmla="*/ 1978611 w 5324985"/>
+                <a:gd name="connsiteY46" fmla="*/ 2929952 h 3251912"/>
+                <a:gd name="connsiteX47" fmla="*/ 1678235 w 5324985"/>
+                <a:gd name="connsiteY47" fmla="*/ 2744424 h 3251912"/>
+                <a:gd name="connsiteX48" fmla="*/ 1175688 w 5324985"/>
+                <a:gd name="connsiteY48" fmla="*/ 2277018 h 3251912"/>
+                <a:gd name="connsiteX49" fmla="*/ 971310 w 5324985"/>
+                <a:gd name="connsiteY49" fmla="*/ 2012044 h 3251912"/>
+                <a:gd name="connsiteX50" fmla="*/ 790717 w 5324985"/>
+                <a:gd name="connsiteY50" fmla="*/ 1735723 h 3251912"/>
+                <a:gd name="connsiteX51" fmla="*/ 706488 w 5324985"/>
+                <a:gd name="connsiteY51" fmla="*/ 1598604 h 3251912"/>
+                <a:gd name="connsiteX52" fmla="*/ 618951 w 5324985"/>
+                <a:gd name="connsiteY52" fmla="*/ 1463802 h 3251912"/>
+                <a:gd name="connsiteX53" fmla="*/ 436273 w 5324985"/>
+                <a:gd name="connsiteY53" fmla="*/ 1195355 h 3251912"/>
+                <a:gd name="connsiteX54" fmla="*/ 346896 w 5324985"/>
+                <a:gd name="connsiteY54" fmla="*/ 1058816 h 3251912"/>
+                <a:gd name="connsiteX55" fmla="*/ 261809 w 5324985"/>
+                <a:gd name="connsiteY55" fmla="*/ 919264 h 3251912"/>
+                <a:gd name="connsiteX56" fmla="*/ 118487 w 5324985"/>
+                <a:gd name="connsiteY56" fmla="*/ 626498 h 3251912"/>
+                <a:gd name="connsiteX57" fmla="*/ 28130 w 5324985"/>
+                <a:gd name="connsiteY57" fmla="*/ 315781 h 3251912"/>
+                <a:gd name="connsiteX58" fmla="*/ 6751 w 5324985"/>
+                <a:gd name="connsiteY58" fmla="*/ 156195 h 3251912"/>
+              </a:gdLst>
+              <a:ahLst/>
+              <a:cxnLst>
+                <a:cxn ang="0">
+                  <a:pos x="connsiteX0" y="connsiteY0"/>
+                </a:cxn>
+                <a:cxn ang="0">
+                  <a:pos x="connsiteX1" y="connsiteY1"/>
+                </a:cxn>
+                <a:cxn ang="0">
+                  <a:pos x="connsiteX2" y="connsiteY2"/>
+                </a:cxn>
+                <a:cxn ang="0">
+                  <a:pos x="connsiteX3" y="connsiteY3"/>
+                </a:cxn>
+                <a:cxn ang="0">
+                  <a:pos x="connsiteX4" y="connsiteY4"/>
+                </a:cxn>
+                <a:cxn ang="0">
+                  <a:pos x="connsiteX5" y="connsiteY5"/>
+                </a:cxn>
+                <a:cxn ang="0">
+                  <a:pos x="connsiteX6" y="connsiteY6"/>
+                </a:cxn>
+                <a:cxn ang="0">
+                  <a:pos x="connsiteX7" y="connsiteY7"/>
+                </a:cxn>
+                <a:cxn ang="0">
+                  <a:pos x="connsiteX8" y="connsiteY8"/>
+                </a:cxn>
+                <a:cxn ang="0">
+                  <a:pos x="connsiteX9" y="connsiteY9"/>
+                </a:cxn>
+                <a:cxn ang="0">
+                  <a:pos x="connsiteX10" y="connsiteY10"/>
+                </a:cxn>
+                <a:cxn ang="0">
+                  <a:pos x="connsiteX11" y="connsiteY11"/>
+                </a:cxn>
+                <a:cxn ang="0">
+                  <a:pos x="connsiteX12" y="connsiteY12"/>
+                </a:cxn>
+                <a:cxn ang="0">
+                  <a:pos x="connsiteX13" y="connsiteY13"/>
+                </a:cxn>
+                <a:cxn ang="0">
+                  <a:pos x="connsiteX14" y="connsiteY14"/>
+                </a:cxn>
+                <a:cxn ang="0">
+                  <a:pos x="connsiteX15" y="connsiteY15"/>
+                </a:cxn>
+                <a:cxn ang="0">
+                  <a:pos x="connsiteX16" y="connsiteY16"/>
+                </a:cxn>
+                <a:cxn ang="0">
+                  <a:pos x="connsiteX17" y="connsiteY17"/>
+                </a:cxn>
+                <a:cxn ang="0">
+                  <a:pos x="connsiteX18" y="connsiteY18"/>
+                </a:cxn>
+                <a:cxn ang="0">
+                  <a:pos x="connsiteX19" y="connsiteY19"/>
+                </a:cxn>
+                <a:cxn ang="0">
+                  <a:pos x="connsiteX20" y="connsiteY20"/>
+                </a:cxn>
+                <a:cxn ang="0">
+                  <a:pos x="connsiteX21" y="connsiteY21"/>
+                </a:cxn>
+                <a:cxn ang="0">
+                  <a:pos x="connsiteX22" y="connsiteY22"/>
+                </a:cxn>
+                <a:cxn ang="0">
+                  <a:pos x="connsiteX23" y="connsiteY23"/>
+                </a:cxn>
+                <a:cxn ang="0">
+                  <a:pos x="connsiteX24" y="connsiteY24"/>
+                </a:cxn>
+                <a:cxn ang="0">
+                  <a:pos x="connsiteX25" y="connsiteY25"/>
+                </a:cxn>
+                <a:cxn ang="0">
+                  <a:pos x="connsiteX26" y="connsiteY26"/>
+                </a:cxn>
+                <a:cxn ang="0">
+                  <a:pos x="connsiteX27" y="connsiteY27"/>
+                </a:cxn>
+                <a:cxn ang="0">
+                  <a:pos x="connsiteX28" y="connsiteY28"/>
+                </a:cxn>
+                <a:cxn ang="0">
+                  <a:pos x="connsiteX29" y="connsiteY29"/>
+                </a:cxn>
+                <a:cxn ang="0">
+                  <a:pos x="connsiteX30" y="connsiteY30"/>
+                </a:cxn>
+                <a:cxn ang="0">
+                  <a:pos x="connsiteX31" y="connsiteY31"/>
+                </a:cxn>
+                <a:cxn ang="0">
+                  <a:pos x="connsiteX32" y="connsiteY32"/>
+                </a:cxn>
+                <a:cxn ang="0">
+                  <a:pos x="connsiteX33" y="connsiteY33"/>
+                </a:cxn>
+                <a:cxn ang="0">
+                  <a:pos x="connsiteX34" y="connsiteY34"/>
+                </a:cxn>
+                <a:cxn ang="0">
+                  <a:pos x="connsiteX35" y="connsiteY35"/>
+                </a:cxn>
+                <a:cxn ang="0">
+                  <a:pos x="connsiteX36" y="connsiteY36"/>
+                </a:cxn>
+                <a:cxn ang="0">
+                  <a:pos x="connsiteX37" y="connsiteY37"/>
+                </a:cxn>
+                <a:cxn ang="0">
+                  <a:pos x="connsiteX38" y="connsiteY38"/>
+                </a:cxn>
+                <a:cxn ang="0">
+                  <a:pos x="connsiteX39" y="connsiteY39"/>
+                </a:cxn>
+                <a:cxn ang="0">
+                  <a:pos x="connsiteX40" y="connsiteY40"/>
+                </a:cxn>
+                <a:cxn ang="0">
+                  <a:pos x="connsiteX41" y="connsiteY41"/>
+                </a:cxn>
+                <a:cxn ang="0">
+                  <a:pos x="connsiteX42" y="connsiteY42"/>
+                </a:cxn>
+                <a:cxn ang="0">
+                  <a:pos x="connsiteX43" y="connsiteY43"/>
+                </a:cxn>
+                <a:cxn ang="0">
+                  <a:pos x="connsiteX44" y="connsiteY44"/>
+                </a:cxn>
+                <a:cxn ang="0">
+                  <a:pos x="connsiteX45" y="connsiteY45"/>
+                </a:cxn>
+                <a:cxn ang="0">
+                  <a:pos x="connsiteX46" y="connsiteY46"/>
+                </a:cxn>
+                <a:cxn ang="0">
+                  <a:pos x="connsiteX47" y="connsiteY47"/>
+                </a:cxn>
+                <a:cxn ang="0">
+                  <a:pos x="connsiteX48" y="connsiteY48"/>
+                </a:cxn>
+                <a:cxn ang="0">
+                  <a:pos x="connsiteX49" y="connsiteY49"/>
+                </a:cxn>
+                <a:cxn ang="0">
+                  <a:pos x="connsiteX50" y="connsiteY50"/>
+                </a:cxn>
+                <a:cxn ang="0">
+                  <a:pos x="connsiteX51" y="connsiteY51"/>
+                </a:cxn>
+                <a:cxn ang="0">
+                  <a:pos x="connsiteX52" y="connsiteY52"/>
+                </a:cxn>
+                <a:cxn ang="0">
+                  <a:pos x="connsiteX53" y="connsiteY53"/>
+                </a:cxn>
+                <a:cxn ang="0">
+                  <a:pos x="connsiteX54" y="connsiteY54"/>
+                </a:cxn>
+                <a:cxn ang="0">
+                  <a:pos x="connsiteX55" y="connsiteY55"/>
+                </a:cxn>
+                <a:cxn ang="0">
+                  <a:pos x="connsiteX56" y="connsiteY56"/>
+                </a:cxn>
+                <a:cxn ang="0">
+                  <a:pos x="connsiteX57" y="connsiteY57"/>
+                </a:cxn>
+                <a:cxn ang="0">
+                  <a:pos x="connsiteX58" y="connsiteY58"/>
+                </a:cxn>
+              </a:cxnLst>
+              <a:rect l="l" t="t" r="r" b="b"/>
+              <a:pathLst>
+                <a:path w="5324985" h="3251912">
+                  <a:moveTo>
+                    <a:pt x="0" y="0"/>
+                  </a:moveTo>
+                  <a:lnTo>
+                    <a:pt x="36826" y="0"/>
+                  </a:lnTo>
+                  <a:lnTo>
+                    <a:pt x="45003" y="152909"/>
+                  </a:lnTo>
+                  <a:cubicBezTo>
+                    <a:pt x="50351" y="205154"/>
+                    <a:pt x="58290" y="257123"/>
+                    <a:pt x="68956" y="308600"/>
+                  </a:cubicBezTo>
+                  <a:cubicBezTo>
+                    <a:pt x="91393" y="411324"/>
+                    <a:pt x="123882" y="511847"/>
+                    <a:pt x="167774" y="607968"/>
+                  </a:cubicBezTo>
+                  <a:cubicBezTo>
+                    <a:pt x="178195" y="632173"/>
+                    <a:pt x="190333" y="655798"/>
+                    <a:pt x="201857" y="679539"/>
+                  </a:cubicBezTo>
+                  <a:cubicBezTo>
+                    <a:pt x="214363" y="702933"/>
+                    <a:pt x="226255" y="726557"/>
+                    <a:pt x="239741" y="749488"/>
+                  </a:cubicBezTo>
+                  <a:cubicBezTo>
+                    <a:pt x="265488" y="795812"/>
+                    <a:pt x="294176" y="840746"/>
+                    <a:pt x="323724" y="885101"/>
+                  </a:cubicBezTo>
+                  <a:cubicBezTo>
+                    <a:pt x="353149" y="929572"/>
+                    <a:pt x="384657" y="972885"/>
+                    <a:pt x="416412" y="1016081"/>
+                  </a:cubicBezTo>
+                  <a:cubicBezTo>
+                    <a:pt x="448655" y="1058931"/>
+                    <a:pt x="482127" y="1101202"/>
+                    <a:pt x="515719" y="1143356"/>
+                  </a:cubicBezTo>
+                  <a:cubicBezTo>
+                    <a:pt x="583027" y="1227782"/>
+                    <a:pt x="653402" y="1310470"/>
+                    <a:pt x="722427" y="1395127"/>
+                  </a:cubicBezTo>
+                  <a:cubicBezTo>
+                    <a:pt x="757123" y="1437282"/>
+                    <a:pt x="791697" y="1479783"/>
+                    <a:pt x="825780" y="1522749"/>
+                  </a:cubicBezTo>
+                  <a:cubicBezTo>
+                    <a:pt x="859742" y="1565367"/>
+                    <a:pt x="893457" y="1610649"/>
+                    <a:pt x="926314" y="1651992"/>
+                  </a:cubicBezTo>
+                  <a:cubicBezTo>
+                    <a:pt x="958927" y="1694379"/>
+                    <a:pt x="993132" y="1735492"/>
+                    <a:pt x="1026848" y="1776836"/>
+                  </a:cubicBezTo>
+                  <a:cubicBezTo>
+                    <a:pt x="1061545" y="1817485"/>
+                    <a:pt x="1095996" y="1858133"/>
+                    <a:pt x="1131918" y="1897393"/>
+                  </a:cubicBezTo>
+                  <a:cubicBezTo>
+                    <a:pt x="1203273" y="1976376"/>
+                    <a:pt x="1277447" y="2052463"/>
+                    <a:pt x="1354688" y="2124728"/>
+                  </a:cubicBezTo>
+                  <a:cubicBezTo>
+                    <a:pt x="1509411" y="2268911"/>
+                    <a:pt x="1676396" y="2397575"/>
+                    <a:pt x="1855027" y="2504236"/>
+                  </a:cubicBezTo>
+                  <a:cubicBezTo>
+                    <a:pt x="1944528" y="2557277"/>
+                    <a:pt x="2036357" y="2605917"/>
+                    <a:pt x="2131618" y="2646913"/>
+                  </a:cubicBezTo>
+                  <a:cubicBezTo>
+                    <a:pt x="2226267" y="2689068"/>
+                    <a:pt x="2323981" y="2724622"/>
+                    <a:pt x="2423534" y="2754732"/>
+                  </a:cubicBezTo>
+                  <a:cubicBezTo>
+                    <a:pt x="2523087" y="2784958"/>
+                    <a:pt x="2624602" y="2809394"/>
+                    <a:pt x="2727588" y="2829197"/>
+                  </a:cubicBezTo>
+                  <a:cubicBezTo>
+                    <a:pt x="2830698" y="2848653"/>
+                    <a:pt x="2935522" y="2861971"/>
+                    <a:pt x="3041083" y="2870890"/>
+                  </a:cubicBezTo>
+                  <a:cubicBezTo>
+                    <a:pt x="3146644" y="2879922"/>
+                    <a:pt x="3253307" y="2883860"/>
+                    <a:pt x="3360340" y="2883976"/>
+                  </a:cubicBezTo>
+                  <a:cubicBezTo>
+                    <a:pt x="3387067" y="2883976"/>
+                    <a:pt x="3414162" y="2884439"/>
+                    <a:pt x="3439663" y="2883396"/>
+                  </a:cubicBezTo>
+                  <a:lnTo>
+                    <a:pt x="3478529" y="2882471"/>
+                  </a:lnTo>
+                  <a:lnTo>
+                    <a:pt x="3517271" y="2880616"/>
+                  </a:lnTo>
+                  <a:cubicBezTo>
+                    <a:pt x="3568887" y="2878417"/>
+                    <a:pt x="3620257" y="2873552"/>
+                    <a:pt x="3671260" y="2867878"/>
+                  </a:cubicBezTo>
+                  <a:cubicBezTo>
+                    <a:pt x="3875515" y="2844253"/>
+                    <a:pt x="4074253" y="2792486"/>
+                    <a:pt x="4265268" y="2716283"/>
+                  </a:cubicBezTo>
+                  <a:cubicBezTo>
+                    <a:pt x="4361020" y="2678529"/>
+                    <a:pt x="4454444" y="2633710"/>
+                    <a:pt x="4546395" y="2584724"/>
+                  </a:cubicBezTo>
+                  <a:cubicBezTo>
+                    <a:pt x="4638470" y="2535967"/>
+                    <a:pt x="4728827" y="2481885"/>
+                    <a:pt x="4817837" y="2424674"/>
+                  </a:cubicBezTo>
+                  <a:cubicBezTo>
+                    <a:pt x="4906846" y="2367348"/>
+                    <a:pt x="4994385" y="2306317"/>
+                    <a:pt x="5081677" y="2243548"/>
+                  </a:cubicBezTo>
+                  <a:cubicBezTo>
+                    <a:pt x="5125201" y="2212164"/>
+                    <a:pt x="5168603" y="2179969"/>
+                    <a:pt x="5211881" y="2147658"/>
+                  </a:cubicBezTo>
+                  <a:lnTo>
+                    <a:pt x="5324985" y="2062128"/>
+                  </a:lnTo>
+                  <a:lnTo>
+                    <a:pt x="5324985" y="2514993"/>
+                  </a:lnTo>
+                  <a:lnTo>
+                    <a:pt x="5314867" y="2522881"/>
+                  </a:lnTo>
+                  <a:cubicBezTo>
+                    <a:pt x="5225490" y="2591325"/>
+                    <a:pt x="5133783" y="2658379"/>
+                    <a:pt x="5038276" y="2722421"/>
+                  </a:cubicBezTo>
+                  <a:cubicBezTo>
+                    <a:pt x="4942892" y="2786348"/>
+                    <a:pt x="4844810" y="2848422"/>
+                    <a:pt x="4741701" y="2904937"/>
+                  </a:cubicBezTo>
+                  <a:cubicBezTo>
+                    <a:pt x="4638592" y="2961337"/>
+                    <a:pt x="4531929" y="3013683"/>
+                    <a:pt x="4420728" y="3058848"/>
+                  </a:cubicBezTo>
+                  <a:cubicBezTo>
+                    <a:pt x="4199063" y="3150338"/>
+                    <a:pt x="3959621" y="3211485"/>
+                    <a:pt x="3717481" y="3237079"/>
+                  </a:cubicBezTo>
+                  <a:cubicBezTo>
+                    <a:pt x="3656914" y="3243101"/>
+                    <a:pt x="3596227" y="3247966"/>
+                    <a:pt x="3535661" y="3249934"/>
+                  </a:cubicBezTo>
+                  <a:lnTo>
+                    <a:pt x="3490175" y="3251555"/>
+                  </a:lnTo>
+                  <a:lnTo>
+                    <a:pt x="3444813" y="3251787"/>
+                  </a:lnTo>
+                  <a:cubicBezTo>
+                    <a:pt x="3414162" y="3252250"/>
+                    <a:pt x="3385105" y="3251324"/>
+                    <a:pt x="3355681" y="3250745"/>
+                  </a:cubicBezTo>
+                  <a:cubicBezTo>
+                    <a:pt x="3296954" y="3250050"/>
+                    <a:pt x="3237860" y="3246692"/>
+                    <a:pt x="3179011" y="3243795"/>
+                  </a:cubicBezTo>
+                  <a:cubicBezTo>
+                    <a:pt x="3120039" y="3239164"/>
+                    <a:pt x="3061067" y="3234878"/>
+                    <a:pt x="3002217" y="3227814"/>
+                  </a:cubicBezTo>
+                  <a:cubicBezTo>
+                    <a:pt x="2884397" y="3214496"/>
+                    <a:pt x="2766699" y="3196314"/>
+                    <a:pt x="2650103" y="3170836"/>
+                  </a:cubicBezTo>
+                  <a:cubicBezTo>
+                    <a:pt x="2533510" y="3145358"/>
+                    <a:pt x="2418263" y="3112583"/>
+                    <a:pt x="2305836" y="3072514"/>
+                  </a:cubicBezTo>
+                  <a:cubicBezTo>
+                    <a:pt x="2193410" y="3032328"/>
+                    <a:pt x="2083926" y="2984383"/>
+                    <a:pt x="1978611" y="2929952"/>
+                  </a:cubicBezTo>
+                  <a:cubicBezTo>
+                    <a:pt x="1873663" y="2874711"/>
+                    <a:pt x="1772884" y="2812985"/>
+                    <a:pt x="1678235" y="2744424"/>
+                  </a:cubicBezTo>
+                  <a:cubicBezTo>
+                    <a:pt x="1488201" y="2608001"/>
+                    <a:pt x="1321708" y="2448068"/>
+                    <a:pt x="1175688" y="2277018"/>
+                  </a:cubicBezTo>
+                  <a:cubicBezTo>
+                    <a:pt x="1102985" y="2191086"/>
+                    <a:pt x="1035309" y="2102377"/>
+                    <a:pt x="971310" y="2012044"/>
+                  </a:cubicBezTo>
+                  <a:cubicBezTo>
+                    <a:pt x="907188" y="1921714"/>
+                    <a:pt x="847358" y="1829413"/>
+                    <a:pt x="790717" y="1735723"/>
+                  </a:cubicBezTo>
+                  <a:cubicBezTo>
+                    <a:pt x="761782" y="1688357"/>
+                    <a:pt x="735300" y="1644002"/>
+                    <a:pt x="706488" y="1598604"/>
+                  </a:cubicBezTo>
+                  <a:cubicBezTo>
+                    <a:pt x="677922" y="1553555"/>
+                    <a:pt x="648866" y="1508505"/>
+                    <a:pt x="618951" y="1463802"/>
+                  </a:cubicBezTo>
+                  <a:lnTo>
+                    <a:pt x="436273" y="1195355"/>
+                  </a:lnTo>
+                  <a:cubicBezTo>
+                    <a:pt x="405990" y="1150189"/>
+                    <a:pt x="376075" y="1104792"/>
+                    <a:pt x="346896" y="1058816"/>
+                  </a:cubicBezTo>
+                  <a:cubicBezTo>
+                    <a:pt x="317716" y="1012838"/>
+                    <a:pt x="288782" y="966747"/>
+                    <a:pt x="261809" y="919264"/>
+                  </a:cubicBezTo>
+                  <a:cubicBezTo>
+                    <a:pt x="207742" y="824764"/>
+                    <a:pt x="158088" y="727485"/>
+                    <a:pt x="118487" y="626498"/>
+                  </a:cubicBezTo>
+                  <a:cubicBezTo>
+                    <a:pt x="78151" y="525859"/>
+                    <a:pt x="48237" y="421515"/>
+                    <a:pt x="28130" y="315781"/>
+                  </a:cubicBezTo>
+                  <a:cubicBezTo>
+                    <a:pt x="18506" y="262914"/>
+                    <a:pt x="11425" y="209642"/>
+                    <a:pt x="6751" y="156195"/>
+                  </a:cubicBezTo>
+                  <a:close/>
+                </a:path>
+              </a:pathLst>
+            </a:custGeom>
+            <a:gradFill>
+              <a:gsLst>
+                <a:gs pos="2000">
+                  <a:schemeClr val="bg1">
+                    <a:alpha val="10000"/>
+                  </a:schemeClr>
+                </a:gs>
+                <a:gs pos="16000">
+                  <a:schemeClr val="accent6">
+                    <a:alpha val="10000"/>
+                  </a:schemeClr>
+                </a:gs>
+                <a:gs pos="100000">
+                  <a:schemeClr val="bg1">
+                    <a:alpha val="10000"/>
+                  </a:schemeClr>
+                </a:gs>
+                <a:gs pos="85000">
+                  <a:schemeClr val="accent1">
+                    <a:alpha val="10000"/>
+                  </a:schemeClr>
+                </a:gs>
+              </a:gsLst>
+              <a:lin ang="12000000" scaled="0"/>
+            </a:gradFill>
+            <a:ln>
+              <a:noFill/>
+            </a:ln>
+          </p:spPr>
+          <p:style>
+            <a:lnRef idx="2">
+              <a:schemeClr val="accent1">
+                <a:shade val="50000"/>
+              </a:schemeClr>
+            </a:lnRef>
+            <a:fillRef idx="1">
+              <a:schemeClr val="accent1"/>
+            </a:fillRef>
+            <a:effectRef idx="0">
+              <a:schemeClr val="accent1"/>
+            </a:effectRef>
+            <a:fontRef idx="minor">
+              <a:schemeClr val="lt1"/>
+            </a:fontRef>
+          </p:style>
+          <p:txBody>
+            <a:bodyPr rtlCol="0" anchor="ctr"/>
+            <a:lstStyle/>
+            <a:p>
+              <a:pPr algn="ctr"/>
+              <a:endParaRPr lang="en-US" dirty="0"/>
+            </a:p>
+          </p:txBody>
+        </p:sp>
+        <p:sp>
+          <p:nvSpPr>
+            <p:cNvPr id="23" name="Freeform: Shape 13">
+              <a:extLst>
+                <a:ext uri="{FF2B5EF4-FFF2-40B4-BE49-F238E27FC236}">
+                  <a16:creationId xmlns:a16="http://schemas.microsoft.com/office/drawing/2014/main" id="{7DEDDC41-2C98-4AF1-A0EA-AEEC34827C23}"/>
+                </a:ext>
+                <a:ext uri="{C183D7F6-B498-43B3-948B-1728B52AA6E4}">
+                  <adec:decorative xmlns:adec="http://schemas.microsoft.com/office/drawing/2017/decorative" val="1"/>
+                </a:ext>
+              </a:extLst>
+            </p:cNvPr>
+            <p:cNvSpPr/>
+            <p:nvPr>
+              <p:extLst>
+                <p:ext uri="{386F3935-93C4-4BCD-93E2-E3B085C9AB24}">
+                  <p16:designElem xmlns:p16="http://schemas.microsoft.com/office/powerpoint/2015/main" val="1"/>
+                </p:ext>
+              </p:extLst>
+            </p:nvPr>
+          </p:nvSpPr>
+          <p:spPr>
+            <a:xfrm>
+              <a:off x="6916467" y="-1"/>
+              <a:ext cx="5275533" cy="2980757"/>
+            </a:xfrm>
+            <a:custGeom>
+              <a:avLst/>
+              <a:gdLst>
+                <a:gd name="connsiteX0" fmla="*/ 0 w 5275533"/>
+                <a:gd name="connsiteY0" fmla="*/ 0 h 2980757"/>
+                <a:gd name="connsiteX1" fmla="*/ 201166 w 5275533"/>
+                <a:gd name="connsiteY1" fmla="*/ 0 h 2980757"/>
+                <a:gd name="connsiteX2" fmla="*/ 206734 w 5275533"/>
+                <a:gd name="connsiteY2" fmla="*/ 89286 h 2980757"/>
+                <a:gd name="connsiteX3" fmla="*/ 232051 w 5275533"/>
+                <a:gd name="connsiteY3" fmla="*/ 226897 h 2980757"/>
+                <a:gd name="connsiteX4" fmla="*/ 332707 w 5275533"/>
+                <a:gd name="connsiteY4" fmla="*/ 487120 h 2980757"/>
+                <a:gd name="connsiteX5" fmla="*/ 402959 w 5275533"/>
+                <a:gd name="connsiteY5" fmla="*/ 609647 h 2980757"/>
+                <a:gd name="connsiteX6" fmla="*/ 483631 w 5275533"/>
+                <a:gd name="connsiteY6" fmla="*/ 728236 h 2980757"/>
+                <a:gd name="connsiteX7" fmla="*/ 669986 w 5275533"/>
+                <a:gd name="connsiteY7" fmla="*/ 957424 h 2980757"/>
+                <a:gd name="connsiteX8" fmla="*/ 871667 w 5275533"/>
+                <a:gd name="connsiteY8" fmla="*/ 1188348 h 2980757"/>
+                <a:gd name="connsiteX9" fmla="*/ 971956 w 5275533"/>
+                <a:gd name="connsiteY9" fmla="*/ 1308905 h 2980757"/>
+                <a:gd name="connsiteX10" fmla="*/ 1020139 w 5275533"/>
+                <a:gd name="connsiteY10" fmla="*/ 1368084 h 2980757"/>
+                <a:gd name="connsiteX11" fmla="*/ 1067340 w 5275533"/>
+                <a:gd name="connsiteY11" fmla="*/ 1424715 h 2980757"/>
+                <a:gd name="connsiteX12" fmla="*/ 1472909 w 5275533"/>
+                <a:gd name="connsiteY12" fmla="*/ 1843252 h 2980757"/>
+                <a:gd name="connsiteX13" fmla="*/ 1688567 w 5275533"/>
+                <a:gd name="connsiteY13" fmla="*/ 2031559 h 2980757"/>
+                <a:gd name="connsiteX14" fmla="*/ 1914401 w 5275533"/>
+                <a:gd name="connsiteY14" fmla="*/ 2205156 h 2980757"/>
+                <a:gd name="connsiteX15" fmla="*/ 2418909 w 5275533"/>
+                <a:gd name="connsiteY15" fmla="*/ 2479741 h 2980757"/>
+                <a:gd name="connsiteX16" fmla="*/ 2701141 w 5275533"/>
+                <a:gd name="connsiteY16" fmla="*/ 2557333 h 2980757"/>
+                <a:gd name="connsiteX17" fmla="*/ 2773475 w 5275533"/>
+                <a:gd name="connsiteY17" fmla="*/ 2570999 h 2980757"/>
+                <a:gd name="connsiteX18" fmla="*/ 2846424 w 5275533"/>
+                <a:gd name="connsiteY18" fmla="*/ 2582465 h 2980757"/>
+                <a:gd name="connsiteX19" fmla="*/ 2993669 w 5275533"/>
+                <a:gd name="connsiteY19" fmla="*/ 2598909 h 2980757"/>
+                <a:gd name="connsiteX20" fmla="*/ 3067721 w 5275533"/>
+                <a:gd name="connsiteY20" fmla="*/ 2604237 h 2980757"/>
+                <a:gd name="connsiteX21" fmla="*/ 3142019 w 5275533"/>
+                <a:gd name="connsiteY21" fmla="*/ 2607943 h 2980757"/>
+                <a:gd name="connsiteX22" fmla="*/ 3216561 w 5275533"/>
+                <a:gd name="connsiteY22" fmla="*/ 2609564 h 2980757"/>
+                <a:gd name="connsiteX23" fmla="*/ 3291225 w 5275533"/>
+                <a:gd name="connsiteY23" fmla="*/ 2609217 h 2980757"/>
+                <a:gd name="connsiteX24" fmla="*/ 3328619 w 5275533"/>
+                <a:gd name="connsiteY24" fmla="*/ 2608869 h 2980757"/>
+                <a:gd name="connsiteX25" fmla="*/ 3364665 w 5275533"/>
+                <a:gd name="connsiteY25" fmla="*/ 2607363 h 2980757"/>
+                <a:gd name="connsiteX26" fmla="*/ 3400587 w 5275533"/>
+                <a:gd name="connsiteY26" fmla="*/ 2605627 h 2980757"/>
+                <a:gd name="connsiteX27" fmla="*/ 3436387 w 5275533"/>
+                <a:gd name="connsiteY27" fmla="*/ 2602847 h 2980757"/>
+                <a:gd name="connsiteX28" fmla="*/ 3578361 w 5275533"/>
+                <a:gd name="connsiteY28" fmla="*/ 2586286 h 2980757"/>
+                <a:gd name="connsiteX29" fmla="*/ 4119159 w 5275533"/>
+                <a:gd name="connsiteY29" fmla="*/ 2418594 h 2980757"/>
+                <a:gd name="connsiteX30" fmla="*/ 4618765 w 5275533"/>
+                <a:gd name="connsiteY30" fmla="*/ 2124668 h 2980757"/>
+                <a:gd name="connsiteX31" fmla="*/ 4739895 w 5275533"/>
+                <a:gd name="connsiteY31" fmla="*/ 2038275 h 2980757"/>
+                <a:gd name="connsiteX32" fmla="*/ 4861027 w 5275533"/>
+                <a:gd name="connsiteY32" fmla="*/ 1948986 h 2980757"/>
+                <a:gd name="connsiteX33" fmla="*/ 5106354 w 5275533"/>
+                <a:gd name="connsiteY33" fmla="*/ 1763690 h 2980757"/>
+                <a:gd name="connsiteX34" fmla="*/ 5275533 w 5275533"/>
+                <a:gd name="connsiteY34" fmla="*/ 1641017 h 2980757"/>
+                <a:gd name="connsiteX35" fmla="*/ 5275533 w 5275533"/>
+                <a:gd name="connsiteY35" fmla="*/ 2257481 h 2980757"/>
+                <a:gd name="connsiteX36" fmla="*/ 5168881 w 5275533"/>
+                <a:gd name="connsiteY36" fmla="*/ 2332084 h 2980757"/>
+                <a:gd name="connsiteX37" fmla="*/ 5036225 w 5275533"/>
+                <a:gd name="connsiteY37" fmla="*/ 2421489 h 2980757"/>
+                <a:gd name="connsiteX38" fmla="*/ 4899401 w 5275533"/>
+                <a:gd name="connsiteY38" fmla="*/ 2508347 h 2980757"/>
+                <a:gd name="connsiteX39" fmla="*/ 4612145 w 5275533"/>
+                <a:gd name="connsiteY39" fmla="*/ 2671407 h 2980757"/>
+                <a:gd name="connsiteX40" fmla="*/ 4303187 w 5275533"/>
+                <a:gd name="connsiteY40" fmla="*/ 2810030 h 2980757"/>
+                <a:gd name="connsiteX41" fmla="*/ 3630835 w 5275533"/>
+                <a:gd name="connsiteY41" fmla="*/ 2969500 h 2980757"/>
+                <a:gd name="connsiteX42" fmla="*/ 3457719 w 5275533"/>
+                <a:gd name="connsiteY42" fmla="*/ 2979808 h 2980757"/>
+                <a:gd name="connsiteX43" fmla="*/ 3414441 w 5275533"/>
+                <a:gd name="connsiteY43" fmla="*/ 2980733 h 2980757"/>
+                <a:gd name="connsiteX44" fmla="*/ 3371285 w 5275533"/>
+                <a:gd name="connsiteY44" fmla="*/ 2980502 h 2980757"/>
+                <a:gd name="connsiteX45" fmla="*/ 3328252 w 5275533"/>
+                <a:gd name="connsiteY45" fmla="*/ 2980039 h 2980757"/>
+                <a:gd name="connsiteX46" fmla="*/ 3286445 w 5275533"/>
+                <a:gd name="connsiteY46" fmla="*/ 2978534 h 2980757"/>
+                <a:gd name="connsiteX47" fmla="*/ 2952475 w 5275533"/>
+                <a:gd name="connsiteY47" fmla="*/ 2953402 h 2980757"/>
+                <a:gd name="connsiteX48" fmla="*/ 2620591 w 5275533"/>
+                <a:gd name="connsiteY48" fmla="*/ 2898046 h 2980757"/>
+                <a:gd name="connsiteX49" fmla="*/ 2294591 w 5275533"/>
+                <a:gd name="connsiteY49" fmla="*/ 2811305 h 2980757"/>
+                <a:gd name="connsiteX50" fmla="*/ 1670544 w 5275533"/>
+                <a:gd name="connsiteY50" fmla="*/ 2550501 h 2980757"/>
+                <a:gd name="connsiteX51" fmla="*/ 1144703 w 5275533"/>
+                <a:gd name="connsiteY51" fmla="*/ 2144472 h 2980757"/>
+                <a:gd name="connsiteX52" fmla="*/ 931497 w 5275533"/>
+                <a:gd name="connsiteY52" fmla="*/ 1900114 h 2980757"/>
+                <a:gd name="connsiteX53" fmla="*/ 745265 w 5275533"/>
+                <a:gd name="connsiteY53" fmla="*/ 1641395 h 2980757"/>
+                <a:gd name="connsiteX54" fmla="*/ 701741 w 5275533"/>
+                <a:gd name="connsiteY54" fmla="*/ 1575500 h 2980757"/>
+                <a:gd name="connsiteX55" fmla="*/ 660178 w 5275533"/>
+                <a:gd name="connsiteY55" fmla="*/ 1511573 h 2980757"/>
+                <a:gd name="connsiteX56" fmla="*/ 578158 w 5275533"/>
+                <a:gd name="connsiteY56" fmla="*/ 1387656 h 2980757"/>
+                <a:gd name="connsiteX57" fmla="*/ 408230 w 5275533"/>
+                <a:gd name="connsiteY57" fmla="*/ 1134497 h 2980757"/>
+                <a:gd name="connsiteX58" fmla="*/ 242349 w 5275533"/>
+                <a:gd name="connsiteY58" fmla="*/ 866860 h 2980757"/>
+                <a:gd name="connsiteX59" fmla="*/ 167562 w 5275533"/>
+                <a:gd name="connsiteY59" fmla="*/ 724994 h 2980757"/>
+                <a:gd name="connsiteX60" fmla="*/ 104054 w 5275533"/>
+                <a:gd name="connsiteY60" fmla="*/ 576525 h 2980757"/>
+                <a:gd name="connsiteX61" fmla="*/ 55381 w 5275533"/>
+                <a:gd name="connsiteY61" fmla="*/ 422499 h 2980757"/>
+                <a:gd name="connsiteX62" fmla="*/ 37236 w 5275533"/>
+                <a:gd name="connsiteY62" fmla="*/ 343980 h 2980757"/>
+                <a:gd name="connsiteX63" fmla="*/ 29267 w 5275533"/>
+                <a:gd name="connsiteY63" fmla="*/ 304604 h 2980757"/>
+                <a:gd name="connsiteX64" fmla="*/ 22646 w 5275533"/>
+                <a:gd name="connsiteY64" fmla="*/ 265113 h 2980757"/>
+                <a:gd name="connsiteX65" fmla="*/ 3903 w 5275533"/>
+                <a:gd name="connsiteY65" fmla="*/ 106787 h 2980757"/>
+              </a:gdLst>
+              <a:ahLst/>
+              <a:cxnLst>
+                <a:cxn ang="0">
+                  <a:pos x="connsiteX0" y="connsiteY0"/>
+                </a:cxn>
+                <a:cxn ang="0">
+                  <a:pos x="connsiteX1" y="connsiteY1"/>
+                </a:cxn>
+                <a:cxn ang="0">
+                  <a:pos x="connsiteX2" y="connsiteY2"/>
+                </a:cxn>
+                <a:cxn ang="0">
+                  <a:pos x="connsiteX3" y="connsiteY3"/>
+                </a:cxn>
+                <a:cxn ang="0">
+                  <a:pos x="connsiteX4" y="connsiteY4"/>
+                </a:cxn>
+                <a:cxn ang="0">
+                  <a:pos x="connsiteX5" y="connsiteY5"/>
+                </a:cxn>
+                <a:cxn ang="0">
+                  <a:pos x="connsiteX6" y="connsiteY6"/>
+                </a:cxn>
+                <a:cxn ang="0">
+                  <a:pos x="connsiteX7" y="connsiteY7"/>
+                </a:cxn>
+                <a:cxn ang="0">
+                  <a:pos x="connsiteX8" y="connsiteY8"/>
+                </a:cxn>
+                <a:cxn ang="0">
+                  <a:pos x="connsiteX9" y="connsiteY9"/>
+                </a:cxn>
+                <a:cxn ang="0">
+                  <a:pos x="connsiteX10" y="connsiteY10"/>
+                </a:cxn>
+                <a:cxn ang="0">
+                  <a:pos x="connsiteX11" y="connsiteY11"/>
+                </a:cxn>
+                <a:cxn ang="0">
+                  <a:pos x="connsiteX12" y="connsiteY12"/>
+                </a:cxn>
+                <a:cxn ang="0">
+                  <a:pos x="connsiteX13" y="connsiteY13"/>
+                </a:cxn>
+                <a:cxn ang="0">
+                  <a:pos x="connsiteX14" y="connsiteY14"/>
+                </a:cxn>
+                <a:cxn ang="0">
+                  <a:pos x="connsiteX15" y="connsiteY15"/>
+                </a:cxn>
+                <a:cxn ang="0">
+                  <a:pos x="connsiteX16" y="connsiteY16"/>
+                </a:cxn>
+                <a:cxn ang="0">
+                  <a:pos x="connsiteX17" y="connsiteY17"/>
+                </a:cxn>
+                <a:cxn ang="0">
+                  <a:pos x="connsiteX18" y="connsiteY18"/>
+                </a:cxn>
+                <a:cxn ang="0">
+                  <a:pos x="connsiteX19" y="connsiteY19"/>
+                </a:cxn>
+                <a:cxn ang="0">
+                  <a:pos x="connsiteX20" y="connsiteY20"/>
+                </a:cxn>
+                <a:cxn ang="0">
+                  <a:pos x="connsiteX21" y="connsiteY21"/>
+                </a:cxn>
+                <a:cxn ang="0">
+                  <a:pos x="connsiteX22" y="connsiteY22"/>
+                </a:cxn>
+                <a:cxn ang="0">
+                  <a:pos x="connsiteX23" y="connsiteY23"/>
+                </a:cxn>
+                <a:cxn ang="0">
+                  <a:pos x="connsiteX24" y="connsiteY24"/>
+                </a:cxn>
+                <a:cxn ang="0">
+                  <a:pos x="connsiteX25" y="connsiteY25"/>
+                </a:cxn>
+                <a:cxn ang="0">
+                  <a:pos x="connsiteX26" y="connsiteY26"/>
+                </a:cxn>
+                <a:cxn ang="0">
+                  <a:pos x="connsiteX27" y="connsiteY27"/>
+                </a:cxn>
+                <a:cxn ang="0">
+                  <a:pos x="connsiteX28" y="connsiteY28"/>
+                </a:cxn>
+                <a:cxn ang="0">
+                  <a:pos x="connsiteX29" y="connsiteY29"/>
+                </a:cxn>
+                <a:cxn ang="0">
+                  <a:pos x="connsiteX30" y="connsiteY30"/>
+                </a:cxn>
+                <a:cxn ang="0">
+                  <a:pos x="connsiteX31" y="connsiteY31"/>
+                </a:cxn>
+                <a:cxn ang="0">
+                  <a:pos x="connsiteX32" y="connsiteY32"/>
+                </a:cxn>
+                <a:cxn ang="0">
+                  <a:pos x="connsiteX33" y="connsiteY33"/>
+                </a:cxn>
+                <a:cxn ang="0">
+                  <a:pos x="connsiteX34" y="connsiteY34"/>
+                </a:cxn>
+                <a:cxn ang="0">
+                  <a:pos x="connsiteX35" y="connsiteY35"/>
+                </a:cxn>
+                <a:cxn ang="0">
+                  <a:pos x="connsiteX36" y="connsiteY36"/>
+                </a:cxn>
+                <a:cxn ang="0">
+                  <a:pos x="connsiteX37" y="connsiteY37"/>
+                </a:cxn>
+                <a:cxn ang="0">
+                  <a:pos x="connsiteX38" y="connsiteY38"/>
+                </a:cxn>
+                <a:cxn ang="0">
+                  <a:pos x="connsiteX39" y="connsiteY39"/>
+                </a:cxn>
+                <a:cxn ang="0">
+                  <a:pos x="connsiteX40" y="connsiteY40"/>
+                </a:cxn>
+                <a:cxn ang="0">
+                  <a:pos x="connsiteX41" y="connsiteY41"/>
+                </a:cxn>
+                <a:cxn ang="0">
+                  <a:pos x="connsiteX42" y="connsiteY42"/>
+                </a:cxn>
+                <a:cxn ang="0">
+                  <a:pos x="connsiteX43" y="connsiteY43"/>
+                </a:cxn>
+                <a:cxn ang="0">
+                  <a:pos x="connsiteX44" y="connsiteY44"/>
+                </a:cxn>
+                <a:cxn ang="0">
+                  <a:pos x="connsiteX45" y="connsiteY45"/>
+                </a:cxn>
+                <a:cxn ang="0">
+                  <a:pos x="connsiteX46" y="connsiteY46"/>
+                </a:cxn>
+                <a:cxn ang="0">
+                  <a:pos x="connsiteX47" y="connsiteY47"/>
+                </a:cxn>
+                <a:cxn ang="0">
+                  <a:pos x="connsiteX48" y="connsiteY48"/>
+                </a:cxn>
+                <a:cxn ang="0">
+                  <a:pos x="connsiteX49" y="connsiteY49"/>
+                </a:cxn>
+                <a:cxn ang="0">
+                  <a:pos x="connsiteX50" y="connsiteY50"/>
+                </a:cxn>
+                <a:cxn ang="0">
+                  <a:pos x="connsiteX51" y="connsiteY51"/>
+                </a:cxn>
+                <a:cxn ang="0">
+                  <a:pos x="connsiteX52" y="connsiteY52"/>
+                </a:cxn>
+                <a:cxn ang="0">
+                  <a:pos x="connsiteX53" y="connsiteY53"/>
+                </a:cxn>
+                <a:cxn ang="0">
+                  <a:pos x="connsiteX54" y="connsiteY54"/>
+                </a:cxn>
+                <a:cxn ang="0">
+                  <a:pos x="connsiteX55" y="connsiteY55"/>
+                </a:cxn>
+                <a:cxn ang="0">
+                  <a:pos x="connsiteX56" y="connsiteY56"/>
+                </a:cxn>
+                <a:cxn ang="0">
+                  <a:pos x="connsiteX57" y="connsiteY57"/>
+                </a:cxn>
+                <a:cxn ang="0">
+                  <a:pos x="connsiteX58" y="connsiteY58"/>
+                </a:cxn>
+                <a:cxn ang="0">
+                  <a:pos x="connsiteX59" y="connsiteY59"/>
+                </a:cxn>
+                <a:cxn ang="0">
+                  <a:pos x="connsiteX60" y="connsiteY60"/>
+                </a:cxn>
+                <a:cxn ang="0">
+                  <a:pos x="connsiteX61" y="connsiteY61"/>
+                </a:cxn>
+                <a:cxn ang="0">
+                  <a:pos x="connsiteX62" y="connsiteY62"/>
+                </a:cxn>
+                <a:cxn ang="0">
+                  <a:pos x="connsiteX63" y="connsiteY63"/>
+                </a:cxn>
+                <a:cxn ang="0">
+                  <a:pos x="connsiteX64" y="connsiteY64"/>
+                </a:cxn>
+                <a:cxn ang="0">
+                  <a:pos x="connsiteX65" y="connsiteY65"/>
+                </a:cxn>
+              </a:cxnLst>
+              <a:rect l="l" t="t" r="r" b="b"/>
+              <a:pathLst>
+                <a:path w="5275533" h="2980757">
+                  <a:moveTo>
+                    <a:pt x="0" y="0"/>
+                  </a:moveTo>
+                  <a:lnTo>
+                    <a:pt x="201166" y="0"/>
+                  </a:lnTo>
+                  <a:lnTo>
+                    <a:pt x="206734" y="89286"/>
+                  </a:lnTo>
+                  <a:cubicBezTo>
+                    <a:pt x="212220" y="135755"/>
+                    <a:pt x="220465" y="181731"/>
+                    <a:pt x="232051" y="226897"/>
+                  </a:cubicBezTo>
+                  <a:cubicBezTo>
+                    <a:pt x="254855" y="317344"/>
+                    <a:pt x="290287" y="403854"/>
+                    <a:pt x="332707" y="487120"/>
+                  </a:cubicBezTo>
+                  <a:cubicBezTo>
+                    <a:pt x="354163" y="528696"/>
+                    <a:pt x="377948" y="569461"/>
+                    <a:pt x="402959" y="609647"/>
+                  </a:cubicBezTo>
+                  <a:cubicBezTo>
+                    <a:pt x="428337" y="649717"/>
+                    <a:pt x="455433" y="689209"/>
+                    <a:pt x="483631" y="728236"/>
+                  </a:cubicBezTo>
+                  <a:cubicBezTo>
+                    <a:pt x="540764" y="806061"/>
+                    <a:pt x="604271" y="881569"/>
+                    <a:pt x="669986" y="957424"/>
+                  </a:cubicBezTo>
+                  <a:cubicBezTo>
+                    <a:pt x="735701" y="1033395"/>
+                    <a:pt x="804359" y="1109366"/>
+                    <a:pt x="871667" y="1188348"/>
+                  </a:cubicBezTo>
+                  <a:cubicBezTo>
+                    <a:pt x="905383" y="1227723"/>
+                    <a:pt x="938731" y="1268025"/>
+                    <a:pt x="971956" y="1308905"/>
+                  </a:cubicBezTo>
+                  <a:lnTo>
+                    <a:pt x="1020139" y="1368084"/>
+                  </a:lnTo>
+                  <a:cubicBezTo>
+                    <a:pt x="1035954" y="1386962"/>
+                    <a:pt x="1051035" y="1406302"/>
+                    <a:pt x="1067340" y="1424715"/>
+                  </a:cubicBezTo>
+                  <a:cubicBezTo>
+                    <a:pt x="1194602" y="1574573"/>
+                    <a:pt x="1332652" y="1712503"/>
+                    <a:pt x="1472909" y="1843252"/>
+                  </a:cubicBezTo>
+                  <a:cubicBezTo>
+                    <a:pt x="1543406" y="1908337"/>
+                    <a:pt x="1615128" y="1971221"/>
+                    <a:pt x="1688567" y="2031559"/>
+                  </a:cubicBezTo>
+                  <a:cubicBezTo>
+                    <a:pt x="1762006" y="2091895"/>
+                    <a:pt x="1836793" y="2150263"/>
+                    <a:pt x="1914401" y="2205156"/>
+                  </a:cubicBezTo>
+                  <a:cubicBezTo>
+                    <a:pt x="2069003" y="2315176"/>
+                    <a:pt x="2235742" y="2413498"/>
+                    <a:pt x="2418909" y="2479741"/>
+                  </a:cubicBezTo>
+                  <a:cubicBezTo>
+                    <a:pt x="2510249" y="2512863"/>
+                    <a:pt x="2604898" y="2538225"/>
+                    <a:pt x="2701141" y="2557333"/>
+                  </a:cubicBezTo>
+                  <a:cubicBezTo>
+                    <a:pt x="2725293" y="2561850"/>
+                    <a:pt x="2749201" y="2567062"/>
+                    <a:pt x="2773475" y="2570999"/>
+                  </a:cubicBezTo>
+                  <a:lnTo>
+                    <a:pt x="2846424" y="2582465"/>
+                  </a:lnTo>
+                  <a:cubicBezTo>
+                    <a:pt x="2895343" y="2588602"/>
+                    <a:pt x="2944261" y="2595088"/>
+                    <a:pt x="2993669" y="2598909"/>
+                  </a:cubicBezTo>
+                  <a:cubicBezTo>
+                    <a:pt x="3018313" y="2601110"/>
+                    <a:pt x="3042956" y="2603195"/>
+                    <a:pt x="3067721" y="2604237"/>
+                  </a:cubicBezTo>
+                  <a:cubicBezTo>
+                    <a:pt x="3092487" y="2605394"/>
+                    <a:pt x="3117130" y="2607247"/>
+                    <a:pt x="3142019" y="2607943"/>
+                  </a:cubicBezTo>
+                  <a:lnTo>
+                    <a:pt x="3216561" y="2609564"/>
+                  </a:lnTo>
+                  <a:cubicBezTo>
+                    <a:pt x="3241326" y="2610142"/>
+                    <a:pt x="3266337" y="2609333"/>
+                    <a:pt x="3291225" y="2609217"/>
+                  </a:cubicBezTo>
+                  <a:lnTo>
+                    <a:pt x="3328619" y="2608869"/>
+                  </a:lnTo>
+                  <a:cubicBezTo>
+                    <a:pt x="3340757" y="2608522"/>
+                    <a:pt x="3352649" y="2607827"/>
+                    <a:pt x="3364665" y="2607363"/>
+                  </a:cubicBezTo>
+                  <a:cubicBezTo>
+                    <a:pt x="3376679" y="2606784"/>
+                    <a:pt x="3388695" y="2606438"/>
+                    <a:pt x="3400587" y="2605627"/>
+                  </a:cubicBezTo>
+                  <a:lnTo>
+                    <a:pt x="3436387" y="2602847"/>
+                  </a:lnTo>
+                  <a:cubicBezTo>
+                    <a:pt x="3484079" y="2599257"/>
+                    <a:pt x="3531404" y="2593235"/>
+                    <a:pt x="3578361" y="2586286"/>
+                  </a:cubicBezTo>
+                  <a:cubicBezTo>
+                    <a:pt x="3766310" y="2556871"/>
+                    <a:pt x="3947025" y="2499314"/>
+                    <a:pt x="4119159" y="2418594"/>
+                  </a:cubicBezTo>
+                  <a:cubicBezTo>
+                    <a:pt x="4291907" y="2338801"/>
+                    <a:pt x="4456317" y="2236657"/>
+                    <a:pt x="4618765" y="2124668"/>
+                  </a:cubicBezTo>
+                  <a:cubicBezTo>
+                    <a:pt x="4659346" y="2096759"/>
+                    <a:pt x="4699682" y="2067575"/>
+                    <a:pt x="4739895" y="2038275"/>
+                  </a:cubicBezTo>
+                  <a:cubicBezTo>
+                    <a:pt x="4780355" y="2008976"/>
+                    <a:pt x="4820691" y="1979212"/>
+                    <a:pt x="4861027" y="1948986"/>
+                  </a:cubicBezTo>
+                  <a:lnTo>
+                    <a:pt x="5106354" y="1763690"/>
+                  </a:lnTo>
+                  <a:lnTo>
+                    <a:pt x="5275533" y="1641017"/>
+                  </a:lnTo>
+                  <a:lnTo>
+                    <a:pt x="5275533" y="2257481"/>
+                  </a:lnTo>
+                  <a:lnTo>
+                    <a:pt x="5168881" y="2332084"/>
+                  </a:lnTo>
+                  <a:cubicBezTo>
+                    <a:pt x="5125235" y="2362079"/>
+                    <a:pt x="5081099" y="2391958"/>
+                    <a:pt x="5036225" y="2421489"/>
+                  </a:cubicBezTo>
+                  <a:cubicBezTo>
+                    <a:pt x="4991231" y="2450790"/>
+                    <a:pt x="4945867" y="2479857"/>
+                    <a:pt x="4899401" y="2508347"/>
+                  </a:cubicBezTo>
+                  <a:cubicBezTo>
+                    <a:pt x="4806959" y="2565440"/>
+                    <a:pt x="4711574" y="2620798"/>
+                    <a:pt x="4612145" y="2671407"/>
+                  </a:cubicBezTo>
+                  <a:cubicBezTo>
+                    <a:pt x="4512836" y="2722247"/>
+                    <a:pt x="4410095" y="2769496"/>
+                    <a:pt x="4303187" y="2810030"/>
+                  </a:cubicBezTo>
+                  <a:cubicBezTo>
+                    <a:pt x="4090349" y="2892256"/>
+                    <a:pt x="3861694" y="2947728"/>
+                    <a:pt x="3630835" y="2969500"/>
+                  </a:cubicBezTo>
+                  <a:cubicBezTo>
+                    <a:pt x="3573089" y="2974712"/>
+                    <a:pt x="3515343" y="2978649"/>
+                    <a:pt x="3457719" y="2979808"/>
+                  </a:cubicBezTo>
+                  <a:lnTo>
+                    <a:pt x="3414441" y="2980733"/>
+                  </a:lnTo>
+                  <a:cubicBezTo>
+                    <a:pt x="3400097" y="2980850"/>
+                    <a:pt x="3385630" y="2980502"/>
+                    <a:pt x="3371285" y="2980502"/>
+                  </a:cubicBezTo>
+                  <a:lnTo>
+                    <a:pt x="3328252" y="2980039"/>
+                  </a:lnTo>
+                  <a:lnTo>
+                    <a:pt x="3286445" y="2978534"/>
+                  </a:lnTo>
+                  <a:cubicBezTo>
+                    <a:pt x="3175121" y="2975174"/>
+                    <a:pt x="3063553" y="2966837"/>
+                    <a:pt x="2952475" y="2953402"/>
+                  </a:cubicBezTo>
+                  <a:cubicBezTo>
+                    <a:pt x="2841275" y="2940664"/>
+                    <a:pt x="2730319" y="2922365"/>
+                    <a:pt x="2620591" y="2898046"/>
+                  </a:cubicBezTo>
+                  <a:cubicBezTo>
+                    <a:pt x="2510984" y="2873494"/>
+                    <a:pt x="2402235" y="2844426"/>
+                    <a:pt x="2294591" y="2811305"/>
+                  </a:cubicBezTo>
+                  <a:cubicBezTo>
+                    <a:pt x="2079669" y="2744483"/>
+                    <a:pt x="1867198" y="2661331"/>
+                    <a:pt x="1670544" y="2550501"/>
+                  </a:cubicBezTo>
+                  <a:cubicBezTo>
+                    <a:pt x="1473767" y="2439903"/>
+                    <a:pt x="1298079" y="2299657"/>
+                    <a:pt x="1144703" y="2144472"/>
+                  </a:cubicBezTo>
+                  <a:cubicBezTo>
+                    <a:pt x="1067586" y="2066996"/>
+                    <a:pt x="997458" y="1984539"/>
+                    <a:pt x="931497" y="1900114"/>
+                  </a:cubicBezTo>
+                  <a:cubicBezTo>
+                    <a:pt x="865906" y="1815342"/>
+                    <a:pt x="803500" y="1729295"/>
+                    <a:pt x="745265" y="1641395"/>
+                  </a:cubicBezTo>
+                  <a:cubicBezTo>
+                    <a:pt x="730307" y="1619623"/>
+                    <a:pt x="716207" y="1597503"/>
+                    <a:pt x="701741" y="1575500"/>
+                  </a:cubicBezTo>
+                  <a:lnTo>
+                    <a:pt x="660178" y="1511573"/>
+                  </a:lnTo>
+                  <a:cubicBezTo>
+                    <a:pt x="633574" y="1470229"/>
+                    <a:pt x="605989" y="1429232"/>
+                    <a:pt x="578158" y="1387656"/>
+                  </a:cubicBezTo>
+                  <a:lnTo>
+                    <a:pt x="408230" y="1134497"/>
+                  </a:lnTo>
+                  <a:cubicBezTo>
+                    <a:pt x="351220" y="1048219"/>
+                    <a:pt x="294945" y="959392"/>
+                    <a:pt x="242349" y="866860"/>
+                  </a:cubicBezTo>
+                  <a:cubicBezTo>
+                    <a:pt x="216112" y="820536"/>
+                    <a:pt x="190734" y="773402"/>
+                    <a:pt x="167562" y="724994"/>
+                  </a:cubicBezTo>
+                  <a:cubicBezTo>
+                    <a:pt x="144513" y="676469"/>
+                    <a:pt x="123057" y="627019"/>
+                    <a:pt x="104054" y="576525"/>
+                  </a:cubicBezTo>
+                  <a:cubicBezTo>
+                    <a:pt x="85418" y="525917"/>
+                    <a:pt x="68867" y="474613"/>
+                    <a:pt x="55381" y="422499"/>
+                  </a:cubicBezTo>
+                  <a:cubicBezTo>
+                    <a:pt x="49006" y="396442"/>
+                    <a:pt x="42508" y="370269"/>
+                    <a:pt x="37236" y="343980"/>
+                  </a:cubicBezTo>
+                  <a:lnTo>
+                    <a:pt x="29267" y="304604"/>
+                  </a:lnTo>
+                  <a:lnTo>
+                    <a:pt x="22646" y="265113"/>
+                  </a:lnTo>
+                  <a:cubicBezTo>
+                    <a:pt x="14003" y="212420"/>
+                    <a:pt x="7872" y="159582"/>
+                    <a:pt x="3903" y="106787"/>
+                  </a:cubicBezTo>
+                  <a:close/>
+                </a:path>
+              </a:pathLst>
+            </a:custGeom>
+            <a:gradFill>
+              <a:gsLst>
+                <a:gs pos="2000">
+                  <a:schemeClr val="bg1">
+                    <a:alpha val="10000"/>
+                  </a:schemeClr>
+                </a:gs>
+                <a:gs pos="16000">
+                  <a:schemeClr val="accent6">
+                    <a:alpha val="10000"/>
+                  </a:schemeClr>
+                </a:gs>
+                <a:gs pos="100000">
+                  <a:schemeClr val="bg1">
+                    <a:alpha val="10000"/>
+                  </a:schemeClr>
+                </a:gs>
+                <a:gs pos="85000">
+                  <a:schemeClr val="accent1">
+                    <a:alpha val="10000"/>
+                  </a:schemeClr>
+                </a:gs>
+              </a:gsLst>
+              <a:lin ang="12000000" scaled="0"/>
+            </a:gradFill>
+            <a:ln>
+              <a:noFill/>
+            </a:ln>
+          </p:spPr>
+          <p:style>
+            <a:lnRef idx="2">
+              <a:schemeClr val="accent1">
+                <a:shade val="50000"/>
+              </a:schemeClr>
+            </a:lnRef>
+            <a:fillRef idx="1">
+              <a:schemeClr val="accent1"/>
+            </a:fillRef>
+            <a:effectRef idx="0">
+              <a:schemeClr val="accent1"/>
+            </a:effectRef>
+            <a:fontRef idx="minor">
+              <a:schemeClr val="lt1"/>
+            </a:fontRef>
+          </p:style>
+          <p:txBody>
+            <a:bodyPr rtlCol="0" anchor="ctr"/>
+            <a:lstStyle/>
+            <a:p>
+              <a:pPr algn="ctr"/>
+              <a:endParaRPr lang="en-US" dirty="0"/>
+            </a:p>
+          </p:txBody>
+        </p:sp>
+        <p:sp>
+          <p:nvSpPr>
+            <p:cNvPr id="15" name="Freeform: Shape 14">
+              <a:extLst>
+                <a:ext uri="{FF2B5EF4-FFF2-40B4-BE49-F238E27FC236}">
+                  <a16:creationId xmlns:a16="http://schemas.microsoft.com/office/drawing/2014/main" id="{D2208F20-F93C-4530-8370-FC7818BABB30}"/>
+                </a:ext>
+                <a:ext uri="{C183D7F6-B498-43B3-948B-1728B52AA6E4}">
+                  <adec:decorative xmlns:adec="http://schemas.microsoft.com/office/drawing/2017/decorative" val="1"/>
+                </a:ext>
+              </a:extLst>
+            </p:cNvPr>
+            <p:cNvSpPr/>
+            <p:nvPr>
+              <p:extLst>
+                <p:ext uri="{386F3935-93C4-4BCD-93E2-E3B085C9AB24}">
+                  <p16:designElem xmlns:p16="http://schemas.microsoft.com/office/powerpoint/2015/main" val="1"/>
+                </p:ext>
+              </p:extLst>
+            </p:nvPr>
+          </p:nvSpPr>
+          <p:spPr>
+            <a:xfrm>
+              <a:off x="6921214" y="-1"/>
+              <a:ext cx="5270786" cy="2927775"/>
+            </a:xfrm>
+            <a:custGeom>
+              <a:avLst/>
+              <a:gdLst>
+                <a:gd name="connsiteX0" fmla="*/ 0 w 5270786"/>
+                <a:gd name="connsiteY0" fmla="*/ 0 h 2927775"/>
+                <a:gd name="connsiteX1" fmla="*/ 613805 w 5270786"/>
+                <a:gd name="connsiteY1" fmla="*/ 0 h 2927775"/>
+                <a:gd name="connsiteX2" fmla="*/ 618487 w 5270786"/>
+                <a:gd name="connsiteY2" fmla="*/ 85404 h 2927775"/>
+                <a:gd name="connsiteX3" fmla="*/ 1054084 w 5270786"/>
+                <a:gd name="connsiteY3" fmla="*/ 895200 h 2927775"/>
+                <a:gd name="connsiteX4" fmla="*/ 1276976 w 5270786"/>
+                <a:gd name="connsiteY4" fmla="*/ 1191325 h 2927775"/>
+                <a:gd name="connsiteX5" fmla="*/ 3368450 w 5270786"/>
+                <a:gd name="connsiteY5" fmla="*/ 2348843 h 2927775"/>
+                <a:gd name="connsiteX6" fmla="*/ 4956151 w 5270786"/>
+                <a:gd name="connsiteY6" fmla="*/ 1636730 h 2927775"/>
+                <a:gd name="connsiteX7" fmla="*/ 5149372 w 5270786"/>
+                <a:gd name="connsiteY7" fmla="*/ 1495325 h 2927775"/>
+                <a:gd name="connsiteX8" fmla="*/ 5270786 w 5270786"/>
+                <a:gd name="connsiteY8" fmla="*/ 1406110 h 2927775"/>
+                <a:gd name="connsiteX9" fmla="*/ 5270786 w 5270786"/>
+                <a:gd name="connsiteY9" fmla="*/ 2138641 h 2927775"/>
+                <a:gd name="connsiteX10" fmla="*/ 5112925 w 5270786"/>
+                <a:gd name="connsiteY10" fmla="*/ 2253730 h 2927775"/>
+                <a:gd name="connsiteX11" fmla="*/ 3368327 w 5270786"/>
+                <a:gd name="connsiteY11" fmla="*/ 2927775 h 2927775"/>
+                <a:gd name="connsiteX12" fmla="*/ 769646 w 5270786"/>
+                <a:gd name="connsiteY12" fmla="*/ 1516288 h 2927775"/>
+                <a:gd name="connsiteX13" fmla="*/ 3149 w 5270786"/>
+                <a:gd name="connsiteY13" fmla="*/ 85252 h 2927775"/>
+              </a:gdLst>
+              <a:ahLst/>
+              <a:cxnLst>
+                <a:cxn ang="0">
+                  <a:pos x="connsiteX0" y="connsiteY0"/>
+                </a:cxn>
+                <a:cxn ang="0">
+                  <a:pos x="connsiteX1" y="connsiteY1"/>
+                </a:cxn>
+                <a:cxn ang="0">
+                  <a:pos x="connsiteX2" y="connsiteY2"/>
+                </a:cxn>
+                <a:cxn ang="0">
+                  <a:pos x="connsiteX3" y="connsiteY3"/>
+                </a:cxn>
+                <a:cxn ang="0">
+                  <a:pos x="connsiteX4" y="connsiteY4"/>
+                </a:cxn>
+                <a:cxn ang="0">
+                  <a:pos x="connsiteX5" y="connsiteY5"/>
+                </a:cxn>
+                <a:cxn ang="0">
+                  <a:pos x="connsiteX6" y="connsiteY6"/>
+                </a:cxn>
+                <a:cxn ang="0">
+                  <a:pos x="connsiteX7" y="connsiteY7"/>
+                </a:cxn>
+                <a:cxn ang="0">
+                  <a:pos x="connsiteX8" y="connsiteY8"/>
+                </a:cxn>
+                <a:cxn ang="0">
+                  <a:pos x="connsiteX9" y="connsiteY9"/>
+                </a:cxn>
+                <a:cxn ang="0">
+                  <a:pos x="connsiteX10" y="connsiteY10"/>
+                </a:cxn>
+                <a:cxn ang="0">
+                  <a:pos x="connsiteX11" y="connsiteY11"/>
+                </a:cxn>
+                <a:cxn ang="0">
+                  <a:pos x="connsiteX12" y="connsiteY12"/>
+                </a:cxn>
+                <a:cxn ang="0">
+                  <a:pos x="connsiteX13" y="connsiteY13"/>
+                </a:cxn>
+              </a:cxnLst>
+              <a:rect l="l" t="t" r="r" b="b"/>
+              <a:pathLst>
+                <a:path w="5270786" h="2927775">
+                  <a:moveTo>
+                    <a:pt x="0" y="0"/>
+                  </a:moveTo>
+                  <a:lnTo>
+                    <a:pt x="613805" y="0"/>
+                  </a:lnTo>
+                  <a:lnTo>
+                    <a:pt x="618487" y="85404"/>
+                  </a:lnTo>
+                  <a:cubicBezTo>
+                    <a:pt x="650052" y="360109"/>
+                    <a:pt x="792650" y="556543"/>
+                    <a:pt x="1054084" y="895200"/>
+                  </a:cubicBezTo>
+                  <a:cubicBezTo>
+                    <a:pt x="1126174" y="988542"/>
+                    <a:pt x="1200716" y="1085128"/>
+                    <a:pt x="1276976" y="1191325"/>
+                  </a:cubicBezTo>
+                  <a:cubicBezTo>
+                    <a:pt x="1859704" y="2002688"/>
+                    <a:pt x="2485223" y="2348843"/>
+                    <a:pt x="3368450" y="2348843"/>
+                  </a:cubicBezTo>
+                  <a:cubicBezTo>
+                    <a:pt x="3948114" y="2348843"/>
+                    <a:pt x="4373422" y="2066846"/>
+                    <a:pt x="4956151" y="1636730"/>
+                  </a:cubicBezTo>
+                  <a:cubicBezTo>
+                    <a:pt x="5021253" y="1588668"/>
+                    <a:pt x="5086356" y="1541186"/>
+                    <a:pt x="5149372" y="1495325"/>
+                  </a:cubicBezTo>
+                  <a:lnTo>
+                    <a:pt x="5270786" y="1406110"/>
+                  </a:lnTo>
+                  <a:lnTo>
+                    <a:pt x="5270786" y="2138641"/>
+                  </a:lnTo>
+                  <a:lnTo>
+                    <a:pt x="5112925" y="2253730"/>
+                  </a:lnTo>
+                  <a:cubicBezTo>
+                    <a:pt x="4598179" y="2621786"/>
+                    <a:pt x="4074961" y="2927775"/>
+                    <a:pt x="3368327" y="2927775"/>
+                  </a:cubicBezTo>
+                  <a:cubicBezTo>
+                    <a:pt x="2170746" y="2927775"/>
+                    <a:pt x="1393203" y="2384512"/>
+                    <a:pt x="769646" y="1516288"/>
+                  </a:cubicBezTo>
+                  <a:cubicBezTo>
+                    <a:pt x="418850" y="1027932"/>
+                    <a:pt x="48120" y="683401"/>
+                    <a:pt x="3149" y="85252"/>
+                  </a:cubicBezTo>
+                  <a:close/>
+                </a:path>
+              </a:pathLst>
+            </a:custGeom>
+            <a:gradFill>
+              <a:gsLst>
+                <a:gs pos="2000">
+                  <a:schemeClr val="bg1">
+                    <a:alpha val="10000"/>
+                  </a:schemeClr>
+                </a:gs>
+                <a:gs pos="16000">
+                  <a:schemeClr val="accent6">
+                    <a:alpha val="10000"/>
+                  </a:schemeClr>
+                </a:gs>
+                <a:gs pos="100000">
+                  <a:schemeClr val="bg1">
+                    <a:alpha val="10000"/>
+                  </a:schemeClr>
+                </a:gs>
+                <a:gs pos="85000">
+                  <a:schemeClr val="accent1">
+                    <a:alpha val="10000"/>
+                  </a:schemeClr>
+                </a:gs>
+              </a:gsLst>
+              <a:lin ang="12000000" scaled="0"/>
+            </a:gradFill>
+            <a:ln>
+              <a:noFill/>
+            </a:ln>
+          </p:spPr>
+          <p:style>
+            <a:lnRef idx="2">
+              <a:schemeClr val="accent1">
+                <a:shade val="50000"/>
+              </a:schemeClr>
+            </a:lnRef>
+            <a:fillRef idx="1">
+              <a:schemeClr val="accent1"/>
+            </a:fillRef>
+            <a:effectRef idx="0">
+              <a:schemeClr val="accent1"/>
+            </a:effectRef>
+            <a:fontRef idx="minor">
+              <a:schemeClr val="lt1"/>
+            </a:fontRef>
+          </p:style>
+          <p:txBody>
+            <a:bodyPr rtlCol="0" anchor="ctr"/>
+            <a:lstStyle/>
+            <a:p>
+              <a:pPr algn="ctr"/>
+              <a:endParaRPr lang="en-US" dirty="0"/>
+            </a:p>
+          </p:txBody>
+        </p:sp>
+        <p:sp>
+          <p:nvSpPr>
+            <p:cNvPr id="24" name="Freeform: Shape 15">
+              <a:extLst>
+                <a:ext uri="{FF2B5EF4-FFF2-40B4-BE49-F238E27FC236}">
+                  <a16:creationId xmlns:a16="http://schemas.microsoft.com/office/drawing/2014/main" id="{E52F51E0-B50B-43EA-B6AC-C16BD29C3EDD}"/>
+                </a:ext>
+                <a:ext uri="{C183D7F6-B498-43B3-948B-1728B52AA6E4}">
+                  <adec:decorative xmlns:adec="http://schemas.microsoft.com/office/drawing/2017/decorative" val="1"/>
+                </a:ext>
+              </a:extLst>
+            </p:cNvPr>
+            <p:cNvSpPr/>
+            <p:nvPr>
+              <p:extLst>
+                <p:ext uri="{386F3935-93C4-4BCD-93E2-E3B085C9AB24}">
+                  <p16:designElem xmlns:p16="http://schemas.microsoft.com/office/powerpoint/2015/main" val="1"/>
+                </p:ext>
+              </p:extLst>
+            </p:nvPr>
+          </p:nvSpPr>
+          <p:spPr>
+            <a:xfrm>
+              <a:off x="6921214" y="-1"/>
+              <a:ext cx="5270786" cy="2927775"/>
+            </a:xfrm>
+            <a:custGeom>
+              <a:avLst/>
+              <a:gdLst>
+                <a:gd name="connsiteX0" fmla="*/ 0 w 5270786"/>
+                <a:gd name="connsiteY0" fmla="*/ 0 h 2927775"/>
+                <a:gd name="connsiteX1" fmla="*/ 736294 w 5270786"/>
+                <a:gd name="connsiteY1" fmla="*/ 0 h 2927775"/>
+                <a:gd name="connsiteX2" fmla="*/ 740298 w 5270786"/>
+                <a:gd name="connsiteY2" fmla="*/ 72745 h 2927775"/>
+                <a:gd name="connsiteX3" fmla="*/ 1153024 w 5270786"/>
+                <a:gd name="connsiteY3" fmla="*/ 826989 h 2927775"/>
+                <a:gd name="connsiteX4" fmla="*/ 1378368 w 5270786"/>
+                <a:gd name="connsiteY4" fmla="*/ 1126356 h 2927775"/>
+                <a:gd name="connsiteX5" fmla="*/ 2238056 w 5270786"/>
+                <a:gd name="connsiteY5" fmla="*/ 1955322 h 2927775"/>
+                <a:gd name="connsiteX6" fmla="*/ 3368327 w 5270786"/>
+                <a:gd name="connsiteY6" fmla="*/ 2233033 h 2927775"/>
+                <a:gd name="connsiteX7" fmla="*/ 4095360 w 5270786"/>
+                <a:gd name="connsiteY7" fmla="*/ 2056192 h 2927775"/>
+                <a:gd name="connsiteX8" fmla="*/ 4880506 w 5270786"/>
+                <a:gd name="connsiteY8" fmla="*/ 1545587 h 2927775"/>
+                <a:gd name="connsiteX9" fmla="*/ 5074340 w 5270786"/>
+                <a:gd name="connsiteY9" fmla="*/ 1403721 h 2927775"/>
+                <a:gd name="connsiteX10" fmla="*/ 5270786 w 5270786"/>
+                <a:gd name="connsiteY10" fmla="*/ 1259367 h 2927775"/>
+                <a:gd name="connsiteX11" fmla="*/ 5270786 w 5270786"/>
+                <a:gd name="connsiteY11" fmla="*/ 2138641 h 2927775"/>
+                <a:gd name="connsiteX12" fmla="*/ 5112925 w 5270786"/>
+                <a:gd name="connsiteY12" fmla="*/ 2253730 h 2927775"/>
+                <a:gd name="connsiteX13" fmla="*/ 3368327 w 5270786"/>
+                <a:gd name="connsiteY13" fmla="*/ 2927775 h 2927775"/>
+                <a:gd name="connsiteX14" fmla="*/ 769646 w 5270786"/>
+                <a:gd name="connsiteY14" fmla="*/ 1516288 h 2927775"/>
+                <a:gd name="connsiteX15" fmla="*/ 3149 w 5270786"/>
+                <a:gd name="connsiteY15" fmla="*/ 85252 h 2927775"/>
+              </a:gdLst>
+              <a:ahLst/>
+              <a:cxnLst>
+                <a:cxn ang="0">
+                  <a:pos x="connsiteX0" y="connsiteY0"/>
+                </a:cxn>
+                <a:cxn ang="0">
+                  <a:pos x="connsiteX1" y="connsiteY1"/>
+                </a:cxn>
+                <a:cxn ang="0">
+                  <a:pos x="connsiteX2" y="connsiteY2"/>
+                </a:cxn>
+                <a:cxn ang="0">
+                  <a:pos x="connsiteX3" y="connsiteY3"/>
+                </a:cxn>
+                <a:cxn ang="0">
+                  <a:pos x="connsiteX4" y="connsiteY4"/>
+                </a:cxn>
+                <a:cxn ang="0">
+                  <a:pos x="connsiteX5" y="connsiteY5"/>
+                </a:cxn>
+                <a:cxn ang="0">
+                  <a:pos x="connsiteX6" y="connsiteY6"/>
+                </a:cxn>
+                <a:cxn ang="0">
+                  <a:pos x="connsiteX7" y="connsiteY7"/>
+                </a:cxn>
+                <a:cxn ang="0">
+                  <a:pos x="connsiteX8" y="connsiteY8"/>
+                </a:cxn>
+                <a:cxn ang="0">
+                  <a:pos x="connsiteX9" y="connsiteY9"/>
+                </a:cxn>
+                <a:cxn ang="0">
+                  <a:pos x="connsiteX10" y="connsiteY10"/>
+                </a:cxn>
+                <a:cxn ang="0">
+                  <a:pos x="connsiteX11" y="connsiteY11"/>
+                </a:cxn>
+                <a:cxn ang="0">
+                  <a:pos x="connsiteX12" y="connsiteY12"/>
+                </a:cxn>
+                <a:cxn ang="0">
+                  <a:pos x="connsiteX13" y="connsiteY13"/>
+                </a:cxn>
+                <a:cxn ang="0">
+                  <a:pos x="connsiteX14" y="connsiteY14"/>
+                </a:cxn>
+                <a:cxn ang="0">
+                  <a:pos x="connsiteX15" y="connsiteY15"/>
+                </a:cxn>
+              </a:cxnLst>
+              <a:rect l="l" t="t" r="r" b="b"/>
+              <a:pathLst>
+                <a:path w="5270786" h="2927775">
+                  <a:moveTo>
+                    <a:pt x="0" y="0"/>
+                  </a:moveTo>
+                  <a:lnTo>
+                    <a:pt x="736294" y="0"/>
+                  </a:lnTo>
+                  <a:lnTo>
+                    <a:pt x="740298" y="72745"/>
+                  </a:lnTo>
+                  <a:cubicBezTo>
+                    <a:pt x="768839" y="319371"/>
+                    <a:pt x="898885" y="497858"/>
+                    <a:pt x="1153024" y="826989"/>
+                  </a:cubicBezTo>
+                  <a:cubicBezTo>
+                    <a:pt x="1225727" y="921142"/>
+                    <a:pt x="1300882" y="1018537"/>
+                    <a:pt x="1378368" y="1126356"/>
+                  </a:cubicBezTo>
+                  <a:cubicBezTo>
+                    <a:pt x="1652384" y="1507833"/>
+                    <a:pt x="1933512" y="1779060"/>
+                    <a:pt x="2238056" y="1955322"/>
+                  </a:cubicBezTo>
+                  <a:cubicBezTo>
+                    <a:pt x="2560868" y="2142238"/>
+                    <a:pt x="2930637" y="2233033"/>
+                    <a:pt x="3368327" y="2233033"/>
+                  </a:cubicBezTo>
+                  <a:cubicBezTo>
+                    <a:pt x="3616720" y="2233033"/>
+                    <a:pt x="3847703" y="2176866"/>
+                    <a:pt x="4095360" y="2056192"/>
+                  </a:cubicBezTo>
+                  <a:cubicBezTo>
+                    <a:pt x="4349636" y="1932276"/>
+                    <a:pt x="4601340" y="1751613"/>
+                    <a:pt x="4880506" y="1545587"/>
+                  </a:cubicBezTo>
+                  <a:cubicBezTo>
+                    <a:pt x="4945974" y="1497295"/>
+                    <a:pt x="5011199" y="1449697"/>
+                    <a:pt x="5074340" y="1403721"/>
+                  </a:cubicBezTo>
+                  <a:lnTo>
+                    <a:pt x="5270786" y="1259367"/>
+                  </a:lnTo>
+                  <a:lnTo>
+                    <a:pt x="5270786" y="2138641"/>
+                  </a:lnTo>
+                  <a:lnTo>
+                    <a:pt x="5112925" y="2253730"/>
+                  </a:lnTo>
+                  <a:cubicBezTo>
+                    <a:pt x="4598179" y="2621786"/>
+                    <a:pt x="4074961" y="2927775"/>
+                    <a:pt x="3368327" y="2927775"/>
+                  </a:cubicBezTo>
+                  <a:cubicBezTo>
+                    <a:pt x="2170746" y="2927775"/>
+                    <a:pt x="1393203" y="2384512"/>
+                    <a:pt x="769646" y="1516288"/>
+                  </a:cubicBezTo>
+                  <a:cubicBezTo>
+                    <a:pt x="418850" y="1027932"/>
+                    <a:pt x="48120" y="683401"/>
+                    <a:pt x="3149" y="85252"/>
+                  </a:cubicBezTo>
+                  <a:close/>
+                </a:path>
+              </a:pathLst>
+            </a:custGeom>
+            <a:gradFill>
+              <a:gsLst>
+                <a:gs pos="2000">
+                  <a:schemeClr val="bg1">
+                    <a:alpha val="10000"/>
+                  </a:schemeClr>
+                </a:gs>
+                <a:gs pos="16000">
+                  <a:schemeClr val="accent6">
+                    <a:alpha val="10000"/>
+                  </a:schemeClr>
+                </a:gs>
+                <a:gs pos="100000">
+                  <a:schemeClr val="bg1">
+                    <a:alpha val="10000"/>
+                  </a:schemeClr>
+                </a:gs>
+                <a:gs pos="85000">
+                  <a:schemeClr val="accent1">
+                    <a:alpha val="10000"/>
+                  </a:schemeClr>
+                </a:gs>
+              </a:gsLst>
+              <a:lin ang="12000000" scaled="0"/>
+            </a:gradFill>
+            <a:ln>
+              <a:noFill/>
+            </a:ln>
+          </p:spPr>
+          <p:style>
+            <a:lnRef idx="2">
+              <a:schemeClr val="accent1">
+                <a:shade val="50000"/>
+              </a:schemeClr>
+            </a:lnRef>
+            <a:fillRef idx="1">
+              <a:schemeClr val="accent1"/>
+            </a:fillRef>
+            <a:effectRef idx="0">
+              <a:schemeClr val="accent1"/>
+            </a:effectRef>
+            <a:fontRef idx="minor">
+              <a:schemeClr val="lt1"/>
+            </a:fontRef>
+          </p:style>
+          <p:txBody>
+            <a:bodyPr rtlCol="0" anchor="ctr"/>
+            <a:lstStyle/>
+            <a:p>
+              <a:pPr algn="ctr"/>
+              <a:endParaRPr lang="en-US" dirty="0"/>
+            </a:p>
+          </p:txBody>
+        </p:sp>
+      </p:grpSp>
+      <p:sp>
+        <p:nvSpPr>
+          <p:cNvPr id="3" name="İçerik Yer Tutucusu 2">
+            <a:extLst>
+              <a:ext uri="{FF2B5EF4-FFF2-40B4-BE49-F238E27FC236}">
+                <a16:creationId xmlns:a16="http://schemas.microsoft.com/office/drawing/2014/main" id="{06197BF6-772F-477B-9109-B703029F1863}"/>
+              </a:ext>
+            </a:extLst>
+          </p:cNvPr>
+          <p:cNvSpPr>
+            <a:spLocks noGrp="1"/>
+          </p:cNvSpPr>
+          <p:nvPr>
+            <p:ph idx="1"/>
+          </p:nvPr>
+        </p:nvSpPr>
+        <p:spPr>
+          <a:xfrm>
+            <a:off x="1293222" y="1724297"/>
+            <a:ext cx="9719551" cy="4270602"/>
+          </a:xfrm>
+        </p:spPr>
+        <p:txBody>
+          <a:bodyPr anchor="ctr">
+            <a:normAutofit/>
+          </a:bodyPr>
+          <a:lstStyle/>
+          <a:p>
+            <a:pPr marL="0" indent="0">
+              <a:buNone/>
+            </a:pPr>
+            <a:endParaRPr lang="tr-TR" sz="1800" dirty="0">
+              <a:solidFill>
+                <a:schemeClr val="tx2"/>
+              </a:solidFill>
+            </a:endParaRPr>
+          </a:p>
+          <a:p>
+            <a:pPr marL="0" indent="0">
+              <a:buNone/>
+            </a:pPr>
+            <a:r>
+              <a:rPr lang="tr-TR" sz="2400" dirty="0">
+                <a:solidFill>
+                  <a:schemeClr val="tx2"/>
+                </a:solidFill>
+              </a:rPr>
+              <a:t>VARSAYIMLAR</a:t>
+            </a:r>
+          </a:p>
+          <a:p>
+            <a:pPr marL="0" indent="0">
+              <a:buNone/>
+            </a:pPr>
+            <a:endParaRPr lang="tr-TR" sz="1800" dirty="0">
+              <a:solidFill>
+                <a:schemeClr val="tx2"/>
+              </a:solidFill>
+            </a:endParaRPr>
+          </a:p>
+          <a:p>
+            <a:pPr marL="0" indent="0">
+              <a:buNone/>
+            </a:pPr>
+            <a:r>
+              <a:rPr lang="tr-TR" sz="2000" dirty="0">
+                <a:solidFill>
+                  <a:srgbClr val="5C646F"/>
+                </a:solidFill>
+              </a:rPr>
+              <a:t>1) </a:t>
+            </a:r>
+            <a:r>
+              <a:rPr lang="tr-TR" sz="2000" dirty="0"/>
+              <a:t>Çok değerli kategorik veri </a:t>
+            </a:r>
+          </a:p>
+          <a:p>
+            <a:pPr marL="0" indent="0">
+              <a:buNone/>
+            </a:pPr>
+            <a:endParaRPr lang="tr-TR" sz="2000" dirty="0"/>
+          </a:p>
+          <a:p>
+            <a:pPr marL="0" indent="0">
+              <a:buNone/>
+            </a:pPr>
+            <a:r>
+              <a:rPr lang="tr-TR" sz="2000" dirty="0">
+                <a:solidFill>
+                  <a:schemeClr val="tx2"/>
+                </a:solidFill>
+              </a:rPr>
+              <a:t>2)</a:t>
+            </a:r>
+            <a:r>
+              <a:rPr lang="tr-TR" sz="2000" dirty="0"/>
+              <a:t> Tek bir örnek, birden çok ilgilenilen oran</a:t>
+            </a:r>
+          </a:p>
+          <a:p>
+            <a:pPr marL="0" indent="0">
+              <a:buNone/>
+            </a:pPr>
+            <a:endParaRPr lang="tr-TR" sz="2000" dirty="0"/>
+          </a:p>
+          <a:p>
+            <a:pPr marL="0" indent="0">
+              <a:buNone/>
+            </a:pPr>
+            <a:r>
+              <a:rPr lang="tr-TR" sz="2000" dirty="0">
+                <a:solidFill>
+                  <a:srgbClr val="5C646F"/>
+                </a:solidFill>
+              </a:rPr>
+              <a:t>3)</a:t>
+            </a:r>
+            <a:r>
+              <a:rPr lang="tr-TR" sz="2000" dirty="0"/>
+              <a:t> Örnek oranları hakkında varsayılan oranların test edilmesi</a:t>
+            </a:r>
+          </a:p>
+        </p:txBody>
+      </p:sp>
+      <p:sp>
+        <p:nvSpPr>
+          <p:cNvPr id="4" name="Slayt Numarası Yer Tutucusu 3">
+            <a:extLst>
+              <a:ext uri="{FF2B5EF4-FFF2-40B4-BE49-F238E27FC236}">
+                <a16:creationId xmlns:a16="http://schemas.microsoft.com/office/drawing/2014/main" id="{CCE4124E-42B5-4ECF-8523-62F0C62DCBC1}"/>
+              </a:ext>
+            </a:extLst>
+          </p:cNvPr>
+          <p:cNvSpPr>
+            <a:spLocks noGrp="1"/>
+          </p:cNvSpPr>
+          <p:nvPr>
+            <p:ph type="sldNum" sz="quarter" idx="12"/>
+          </p:nvPr>
+        </p:nvSpPr>
+        <p:spPr/>
+        <p:txBody>
+          <a:bodyPr/>
+          <a:lstStyle/>
+          <a:p>
+            <a:fld id="{3F69A0C6-7921-40C0-9BF7-29A90F37EBCE}" type="slidenum">
+              <a:rPr lang="tr-TR" smtClean="0"/>
+              <a:t>10</a:t>
+            </a:fld>
+            <a:endParaRPr lang="tr-TR" dirty="0"/>
+          </a:p>
+        </p:txBody>
+      </p:sp>
+      <p:sp>
+        <p:nvSpPr>
+          <p:cNvPr id="14" name="Başlık 1">
+            <a:extLst>
+              <a:ext uri="{FF2B5EF4-FFF2-40B4-BE49-F238E27FC236}">
+                <a16:creationId xmlns:a16="http://schemas.microsoft.com/office/drawing/2014/main" id="{7CE6D4E6-5004-4657-BD2B-AEBE736EFE1B}"/>
+              </a:ext>
+            </a:extLst>
+          </p:cNvPr>
+          <p:cNvSpPr txBox="1">
+            <a:spLocks/>
+          </p:cNvSpPr>
+          <p:nvPr/>
+        </p:nvSpPr>
+        <p:spPr>
+          <a:xfrm>
+            <a:off x="1179226" y="0"/>
+            <a:ext cx="9833548" cy="1066802"/>
+          </a:xfrm>
+          <a:prstGeom prst="rect">
+            <a:avLst/>
+          </a:prstGeom>
+        </p:spPr>
+        <p:txBody>
+          <a:bodyPr vert="horz" lIns="91440" tIns="45720" rIns="91440" bIns="45720" rtlCol="0" anchor="b">
+            <a:normAutofit/>
+          </a:bodyPr>
+          <a:lstStyle>
+            <a:lvl1pPr algn="l" defTabSz="914400" rtl="0" eaLnBrk="1" latinLnBrk="0" hangingPunct="1">
+              <a:lnSpc>
+                <a:spcPct val="90000"/>
+              </a:lnSpc>
+              <a:spcBef>
+                <a:spcPct val="0"/>
+              </a:spcBef>
+              <a:buNone/>
+              <a:defRPr sz="4400" kern="1200">
+                <a:solidFill>
+                  <a:schemeClr val="tx1"/>
+                </a:solidFill>
+                <a:latin typeface="+mj-lt"/>
+                <a:ea typeface="+mj-ea"/>
+                <a:cs typeface="+mj-cs"/>
+              </a:defRPr>
+            </a:lvl1pPr>
+          </a:lstStyle>
+          <a:p>
+            <a:r>
+              <a:rPr lang="tr-TR" sz="3600" dirty="0">
+                <a:solidFill>
+                  <a:schemeClr val="tx2"/>
+                </a:solidFill>
+              </a:rPr>
+              <a:t>Kİ-KARE UYUM İYİLİĞİ TESTİ</a:t>
+            </a:r>
+          </a:p>
+        </p:txBody>
+      </p:sp>
+    </p:spTree>
+    <p:extLst>
+      <p:ext uri="{BB962C8B-B14F-4D97-AF65-F5344CB8AC3E}">
+        <p14:creationId xmlns:p14="http://schemas.microsoft.com/office/powerpoint/2010/main" val="2232758628"/>
+      </p:ext>
+    </p:extLst>
+  </p:cSld>
+  <p:clrMapOvr>
+    <a:masterClrMapping/>
+  </p:clrMapOvr>
+  <p:timing>
+    <p:tnLst>
+      <p:par>
+        <p:cTn id="1" dur="indefinite" restart="never" nodeType="tmRoot">
+          <p:childTnLst>
+            <p:seq concurrent="1" nextAc="seek">
+              <p:cTn id="2" dur="indefinite" nodeType="mainSeq">
+                <p:childTnLst>
+                  <p:par>
+                    <p:cTn id="3" fill="hold">
+                      <p:stCondLst>
+                        <p:cond delay="indefinite"/>
+                      </p:stCondLst>
+                      <p:childTnLst>
+                        <p:par>
+                          <p:cTn id="4" fill="hold">
+                            <p:stCondLst>
+                              <p:cond delay="0"/>
+                            </p:stCondLst>
+                            <p:childTnLst>
+                              <p:par>
+                                <p:cTn id="5" presetID="10" presetClass="entr" presetSubtype="0" fill="hold" nodeType="clickEffect">
+                                  <p:stCondLst>
+                                    <p:cond delay="0"/>
+                                  </p:stCondLst>
+                                  <p:childTnLst>
+                                    <p:set>
+                                      <p:cBhvr>
+                                        <p:cTn id="6" dur="1" fill="hold">
+                                          <p:stCondLst>
+                                            <p:cond delay="0"/>
+                                          </p:stCondLst>
+                                        </p:cTn>
+                                        <p:tgtEl>
+                                          <p:spTgt spid="3">
+                                            <p:txEl>
+                                              <p:pRg st="1" end="1"/>
+                                            </p:txEl>
+                                          </p:spTgt>
+                                        </p:tgtEl>
+                                        <p:attrNameLst>
+                                          <p:attrName>style.visibility</p:attrName>
+                                        </p:attrNameLst>
+                                      </p:cBhvr>
+                                      <p:to>
+                                        <p:strVal val="visible"/>
+                                      </p:to>
+                                    </p:set>
+                                    <p:animEffect transition="in" filter="fade">
+                                      <p:cBhvr>
+                                        <p:cTn id="7" dur="500"/>
+                                        <p:tgtEl>
+                                          <p:spTgt spid="3">
+                                            <p:txEl>
+                                              <p:pRg st="1" end="1"/>
+                                            </p:txEl>
+                                          </p:spTgt>
+                                        </p:tgtEl>
+                                      </p:cBhvr>
+                                    </p:animEffect>
+                                  </p:childTnLst>
+                                </p:cTn>
+                              </p:par>
+                            </p:childTnLst>
+                          </p:cTn>
+                        </p:par>
+                      </p:childTnLst>
+                    </p:cTn>
+                  </p:par>
+                  <p:par>
+                    <p:cTn id="8" fill="hold">
+                      <p:stCondLst>
+                        <p:cond delay="indefinite"/>
+                      </p:stCondLst>
+                      <p:childTnLst>
+                        <p:par>
+                          <p:cTn id="9" fill="hold">
+                            <p:stCondLst>
+                              <p:cond delay="0"/>
+                            </p:stCondLst>
+                            <p:childTnLst>
+                              <p:par>
+                                <p:cTn id="10" presetID="10" presetClass="entr" presetSubtype="0" fill="hold" nodeType="clickEffect">
+                                  <p:stCondLst>
+                                    <p:cond delay="0"/>
+                                  </p:stCondLst>
+                                  <p:childTnLst>
+                                    <p:set>
+                                      <p:cBhvr>
+                                        <p:cTn id="11" dur="1" fill="hold">
+                                          <p:stCondLst>
+                                            <p:cond delay="0"/>
+                                          </p:stCondLst>
+                                        </p:cTn>
+                                        <p:tgtEl>
+                                          <p:spTgt spid="3">
+                                            <p:txEl>
+                                              <p:pRg st="3" end="3"/>
+                                            </p:txEl>
+                                          </p:spTgt>
+                                        </p:tgtEl>
+                                        <p:attrNameLst>
+                                          <p:attrName>style.visibility</p:attrName>
+                                        </p:attrNameLst>
+                                      </p:cBhvr>
+                                      <p:to>
+                                        <p:strVal val="visible"/>
+                                      </p:to>
+                                    </p:set>
+                                    <p:animEffect transition="in" filter="fade">
+                                      <p:cBhvr>
+                                        <p:cTn id="12" dur="500"/>
+                                        <p:tgtEl>
+                                          <p:spTgt spid="3">
+                                            <p:txEl>
+                                              <p:pRg st="3" end="3"/>
+                                            </p:txEl>
+                                          </p:spTgt>
+                                        </p:tgtEl>
+                                      </p:cBhvr>
+                                    </p:animEffect>
+                                  </p:childTnLst>
+                                </p:cTn>
+                              </p:par>
+                            </p:childTnLst>
+                          </p:cTn>
+                        </p:par>
+                      </p:childTnLst>
+                    </p:cTn>
+                  </p:par>
+                  <p:par>
+                    <p:cTn id="13" fill="hold">
+                      <p:stCondLst>
+                        <p:cond delay="indefinite"/>
+                      </p:stCondLst>
+                      <p:childTnLst>
+                        <p:par>
+                          <p:cTn id="14" fill="hold">
+                            <p:stCondLst>
+                              <p:cond delay="0"/>
+                            </p:stCondLst>
+                            <p:childTnLst>
+                              <p:par>
+                                <p:cTn id="15" presetID="10" presetClass="entr" presetSubtype="0" fill="hold" nodeType="clickEffect">
+                                  <p:stCondLst>
+                                    <p:cond delay="0"/>
+                                  </p:stCondLst>
+                                  <p:childTnLst>
+                                    <p:set>
+                                      <p:cBhvr>
+                                        <p:cTn id="16" dur="1" fill="hold">
+                                          <p:stCondLst>
+                                            <p:cond delay="0"/>
+                                          </p:stCondLst>
+                                        </p:cTn>
+                                        <p:tgtEl>
+                                          <p:spTgt spid="3">
+                                            <p:txEl>
+                                              <p:pRg st="5" end="5"/>
+                                            </p:txEl>
+                                          </p:spTgt>
+                                        </p:tgtEl>
+                                        <p:attrNameLst>
+                                          <p:attrName>style.visibility</p:attrName>
+                                        </p:attrNameLst>
+                                      </p:cBhvr>
+                                      <p:to>
+                                        <p:strVal val="visible"/>
+                                      </p:to>
+                                    </p:set>
+                                    <p:animEffect transition="in" filter="fade">
+                                      <p:cBhvr>
+                                        <p:cTn id="17" dur="500"/>
+                                        <p:tgtEl>
+                                          <p:spTgt spid="3">
+                                            <p:txEl>
+                                              <p:pRg st="5" end="5"/>
+                                            </p:txEl>
+                                          </p:spTgt>
+                                        </p:tgtEl>
+                                      </p:cBhvr>
+                                    </p:animEffect>
+                                  </p:childTnLst>
+                                </p:cTn>
+                              </p:par>
+                            </p:childTnLst>
+                          </p:cTn>
+                        </p:par>
+                      </p:childTnLst>
+                    </p:cTn>
+                  </p:par>
+                  <p:par>
+                    <p:cTn id="18" fill="hold">
+                      <p:stCondLst>
+                        <p:cond delay="indefinite"/>
+                      </p:stCondLst>
+                      <p:childTnLst>
+                        <p:par>
+                          <p:cTn id="19" fill="hold">
+                            <p:stCondLst>
+                              <p:cond delay="0"/>
+                            </p:stCondLst>
+                            <p:childTnLst>
+                              <p:par>
+                                <p:cTn id="20" presetID="1" presetClass="entr" presetSubtype="0" fill="hold" nodeType="clickEffect">
+                                  <p:stCondLst>
+                                    <p:cond delay="0"/>
+                                  </p:stCondLst>
+                                  <p:childTnLst>
+                                    <p:set>
+                                      <p:cBhvr>
+                                        <p:cTn id="21" dur="1" fill="hold">
+                                          <p:stCondLst>
+                                            <p:cond delay="0"/>
+                                          </p:stCondLst>
+                                        </p:cTn>
+                                        <p:tgtEl>
+                                          <p:spTgt spid="3">
+                                            <p:txEl>
+                                              <p:pRg st="7" end="7"/>
+                                            </p:txEl>
+                                          </p:spTgt>
+                                        </p:tgtEl>
+                                        <p:attrNameLst>
+                                          <p:attrName>style.visibility</p:attrName>
+                                        </p:attrNameLst>
+                                      </p:cBhvr>
+                                      <p:to>
+                                        <p:strVal val="visible"/>
+                                      </p:to>
+                                    </p:set>
+                                  </p:childTnLst>
+                                </p:cTn>
+                              </p:par>
+                            </p:childTnLst>
+                          </p:cTn>
+                        </p:par>
+                      </p:childTnLst>
+                    </p:cTn>
+                  </p:par>
+                </p:childTnLst>
+              </p:cTn>
+              <p:prevCondLst>
+                <p:cond evt="onPrev" delay="0">
+                  <p:tgtEl>
+                    <p:sldTgt/>
+                  </p:tgtEl>
+                </p:cond>
+              </p:prevCondLst>
+              <p:nextCondLst>
+                <p:cond evt="onNext" delay="0">
+                  <p:tgtEl>
+                    <p:sldTgt/>
+                  </p:tgtEl>
+                </p:cond>
+              </p:nextCondLst>
+            </p:seq>
+          </p:childTnLst>
+        </p:cTn>
+      </p:par>
+    </p:tnLst>
+  </p:timing>
+</p:sld>
+</file>
+
+<file path=ppt/slides/slide11.xml><?xml version="1.0" encoding="utf-8"?>
+<p:sld xmlns:a="http://schemas.openxmlformats.org/drawingml/2006/main" xmlns:r="http://schemas.openxmlformats.org/officeDocument/2006/relationships" xmlns:p="http://schemas.openxmlformats.org/presentationml/2006/main">
+  <p:cSld>
+    <p:bg>
+      <p:bgPr>
+        <a:solidFill>
+          <a:schemeClr val="bg1"/>
+        </a:solidFill>
+        <a:effectLst/>
+      </p:bgPr>
+    </p:bg>
+    <p:spTree>
+      <p:nvGrpSpPr>
+        <p:cNvPr id="1" name=""/>
+        <p:cNvGrpSpPr/>
+        <p:nvPr/>
+      </p:nvGrpSpPr>
+      <p:grpSpPr>
+        <a:xfrm>
+          <a:off x="0" y="0"/>
+          <a:ext cx="0" cy="0"/>
+          <a:chOff x="0" y="0"/>
+          <a:chExt cx="0" cy="0"/>
+        </a:xfrm>
+      </p:grpSpPr>
+      <p:sp useBgFill="1">
+        <p:nvSpPr>
           <p:cNvPr id="8" name="Rectangle 7">
             <a:extLst>
               <a:ext uri="{FF2B5EF4-FFF2-40B4-BE49-F238E27FC236}">
@@ -6938,13 +9454,13 @@
             <p:ph idx="1"/>
             <p:extLst>
               <p:ext uri="{D42A27DB-BD31-4B8C-83A1-F6EECF244321}">
-                <p14:modId xmlns:p14="http://schemas.microsoft.com/office/powerpoint/2010/main" val="3115922485"/>
+                <p14:modId xmlns:p14="http://schemas.microsoft.com/office/powerpoint/2010/main" val="3145777038"/>
               </p:ext>
             </p:extLst>
           </p:nvPr>
         </p:nvGraphicFramePr>
         <p:xfrm>
-          <a:off x="838200" y="2152265"/>
+          <a:off x="953589" y="3106706"/>
           <a:ext cx="8044543" cy="752769"/>
         </p:xfrm>
         <a:graphic>
@@ -6989,7 +9505,7 @@
                     <a:lstStyle/>
                     <a:p>
                       <a:r>
-                        <a:rPr lang="tr-TR" dirty="0"/>
+                        <a:rPr lang="tr-TR" b="1" dirty="0"/>
                         <a:t>Gözlemlenen Frekans              G1    G2     G3     …      Gj      …      Gc                     n</a:t>
                       </a:r>
                     </a:p>
@@ -7020,7 +9536,7 @@
         </p:nvSpPr>
         <p:spPr>
           <a:xfrm>
-            <a:off x="953589" y="3603349"/>
+            <a:off x="895741" y="4216852"/>
             <a:ext cx="10400211" cy="1569660"/>
           </a:xfrm>
           <a:prstGeom prst="rect">
@@ -7079,9 +9595,50 @@
           <a:p>
             <a:fld id="{3F69A0C6-7921-40C0-9BF7-29A90F37EBCE}" type="slidenum">
               <a:rPr lang="tr-TR" smtClean="0"/>
-              <a:t>10</a:t>
+              <a:t>11</a:t>
             </a:fld>
             <a:endParaRPr lang="tr-TR" dirty="0"/>
+          </a:p>
+        </p:txBody>
+      </p:sp>
+      <p:sp>
+        <p:nvSpPr>
+          <p:cNvPr id="5" name="Metin kutusu 4">
+            <a:extLst>
+              <a:ext uri="{FF2B5EF4-FFF2-40B4-BE49-F238E27FC236}">
+                <a16:creationId xmlns:a16="http://schemas.microsoft.com/office/drawing/2014/main" id="{51BAB0F9-224A-4B69-98C9-35553C6264A0}"/>
+              </a:ext>
+            </a:extLst>
+          </p:cNvPr>
+          <p:cNvSpPr txBox="1"/>
+          <p:nvPr/>
+        </p:nvSpPr>
+        <p:spPr>
+          <a:xfrm>
+            <a:off x="862149" y="1983907"/>
+            <a:ext cx="9894888" cy="830997"/>
+          </a:xfrm>
+          <a:prstGeom prst="rect">
+            <a:avLst/>
+          </a:prstGeom>
+          <a:noFill/>
+        </p:spPr>
+        <p:txBody>
+          <a:bodyPr wrap="none" rtlCol="0">
+            <a:spAutoFit/>
+          </a:bodyPr>
+          <a:lstStyle/>
+          <a:p>
+            <a:r>
+              <a:rPr lang="tr-TR" sz="2400" dirty="0"/>
+              <a:t>Rastgele seçilen n hacimli örnekten sınıflama düzeyinde ölçülen ilgili değişken </a:t>
+            </a:r>
+          </a:p>
+          <a:p>
+            <a:r>
+              <a:rPr lang="tr-TR" sz="2400" dirty="0"/>
+              <a:t>bakımından bilgi toplandığında veri tablosu aşağıdaki gibi oluşur.</a:t>
+            </a:r>
           </a:p>
         </p:txBody>
       </p:sp>
@@ -7116,7 +9673,7 @@
                             </p:stCondLst>
                             <p:childTnLst>
                               <p:par>
-                                <p:cTn id="5" presetID="10" presetClass="entr" presetSubtype="0" fill="hold" nodeType="clickEffect">
+                                <p:cTn id="5" presetID="10" presetClass="entr" presetSubtype="0" fill="hold" grpId="0" nodeType="clickEffect">
                                   <p:stCondLst>
                                     <p:cond delay="0"/>
                                   </p:stCondLst>
@@ -7129,7 +9686,7 @@
                                           </p:stCondLst>
                                         </p:cTn>
                                         <p:tgtEl>
-                                          <p:spTgt spid="4"/>
+                                          <p:spTgt spid="5"/>
                                         </p:tgtEl>
                                         <p:attrNameLst>
                                           <p:attrName>style.visibility</p:attrName>
@@ -7143,7 +9700,7 @@
                                       <p:cBhvr>
                                         <p:cTn id="7" dur="500"/>
                                         <p:tgtEl>
-                                          <p:spTgt spid="4"/>
+                                          <p:spTgt spid="5"/>
                                         </p:tgtEl>
                                       </p:cBhvr>
                                     </p:animEffect>
@@ -7169,7 +9726,7 @@
                             </p:stCondLst>
                             <p:childTnLst>
                               <p:par>
-                                <p:cTn id="10" presetID="10" presetClass="entr" presetSubtype="0" fill="hold" grpId="0" nodeType="clickEffect">
+                                <p:cTn id="10" presetID="10" presetClass="entr" presetSubtype="0" fill="hold" nodeType="clickEffect">
                                   <p:stCondLst>
                                     <p:cond delay="0"/>
                                   </p:stCondLst>
@@ -7177,6 +9734,59 @@
                                     <p:set>
                                       <p:cBhvr>
                                         <p:cTn id="11" dur="1" fill="hold">
+                                          <p:stCondLst>
+                                            <p:cond delay="0"/>
+                                          </p:stCondLst>
+                                        </p:cTn>
+                                        <p:tgtEl>
+                                          <p:spTgt spid="4"/>
+                                        </p:tgtEl>
+                                        <p:attrNameLst>
+                                          <p:attrName>style.visibility</p:attrName>
+                                        </p:attrNameLst>
+                                      </p:cBhvr>
+                                      <p:to>
+                                        <p:strVal val="visible"/>
+                                      </p:to>
+                                    </p:set>
+                                    <p:animEffect transition="in" filter="fade">
+                                      <p:cBhvr>
+                                        <p:cTn id="12" dur="500"/>
+                                        <p:tgtEl>
+                                          <p:spTgt spid="4"/>
+                                        </p:tgtEl>
+                                      </p:cBhvr>
+                                    </p:animEffect>
+                                  </p:childTnLst>
+                                </p:cTn>
+                              </p:par>
+                            </p:childTnLst>
+                          </p:cTn>
+                        </p:par>
+                      </p:childTnLst>
+                    </p:cTn>
+                  </p:par>
+                  <p:par>
+                    <p:cTn id="13" fill="hold">
+                      <p:stCondLst>
+                        <p:cond delay="indefinite"/>
+                      </p:stCondLst>
+                      <p:childTnLst>
+                        <p:par>
+                          <p:cTn id="14" fill="hold">
+                            <p:stCondLst>
+                              <p:cond delay="0"/>
+                            </p:stCondLst>
+                            <p:childTnLst>
+                              <p:par>
+                                <p:cTn id="15" presetID="10" presetClass="entr" presetSubtype="0" fill="hold" grpId="0" nodeType="clickEffect">
+                                  <p:stCondLst>
+                                    <p:cond delay="0"/>
+                                  </p:stCondLst>
+                                  <p:childTnLst>
+                                    <p:set>
+                                      <p:cBhvr>
+                                        <p:cTn id="16" dur="1" fill="hold">
                                           <p:stCondLst>
                                             <p:cond delay="0"/>
                                           </p:stCondLst>
@@ -7194,7 +9804,7 @@
                                     </p:set>
                                     <p:animEffect transition="in" filter="fade">
                                       <p:cBhvr>
-                                        <p:cTn id="12" dur="500"/>
+                                        <p:cTn id="17" dur="500"/>
                                         <p:tgtEl>
                                           <p:spTgt spid="7"/>
                                         </p:tgtEl>
@@ -7232,14 +9842,23 @@
     </p:tnLst>
     <p:bldLst>
       <p:bldP spid="7" grpId="0"/>
+      <p:bldP spid="5" grpId="0"/>
     </p:bldLst>
   </p:timing>
 </p:sld>
 </file>
 
-<file path=ppt/slides/slide11.xml><?xml version="1.0" encoding="utf-8"?>
+<file path=ppt/slides/slide12.xml><?xml version="1.0" encoding="utf-8"?>
 <p:sld xmlns:a="http://schemas.openxmlformats.org/drawingml/2006/main" xmlns:r="http://schemas.openxmlformats.org/officeDocument/2006/relationships" xmlns:p="http://schemas.openxmlformats.org/presentationml/2006/main">
   <p:cSld>
+    <p:bg>
+      <p:bgPr>
+        <a:solidFill>
+          <a:schemeClr val="bg1"/>
+        </a:solidFill>
+        <a:effectLst/>
+      </p:bgPr>
+    </p:bg>
     <p:spTree>
       <p:nvGrpSpPr>
         <p:cNvPr id="1" name=""/>
@@ -7254,12 +9873,2014 @@
           <a:chExt cx="0" cy="0"/>
         </a:xfrm>
       </p:grpSpPr>
+      <p:sp useBgFill="1">
+        <p:nvSpPr>
+          <p:cNvPr id="9" name="Rectangle 8">
+            <a:extLst>
+              <a:ext uri="{FF2B5EF4-FFF2-40B4-BE49-F238E27FC236}">
+                <a16:creationId xmlns:a16="http://schemas.microsoft.com/office/drawing/2014/main" id="{FA3C7DEA-BCC2-4295-8850-147993296189}"/>
+              </a:ext>
+              <a:ext uri="{C183D7F6-B498-43B3-948B-1728B52AA6E4}">
+                <adec:decorative xmlns:adec="http://schemas.microsoft.com/office/drawing/2017/decorative" val="1"/>
+              </a:ext>
+            </a:extLst>
+          </p:cNvPr>
+          <p:cNvSpPr>
+            <a:spLocks noGrp="1" noRot="1" noChangeAspect="1" noMove="1" noResize="1" noEditPoints="1" noAdjustHandles="1" noChangeArrowheads="1" noChangeShapeType="1" noTextEdit="1"/>
+          </p:cNvSpPr>
+          <p:nvPr>
+            <p:extLst>
+              <p:ext uri="{386F3935-93C4-4BCD-93E2-E3B085C9AB24}">
+                <p16:designElem xmlns:p16="http://schemas.microsoft.com/office/powerpoint/2015/main" val="1"/>
+              </p:ext>
+            </p:extLst>
+          </p:nvPr>
+        </p:nvSpPr>
+        <p:spPr>
+          <a:xfrm>
+            <a:off x="0" y="1"/>
+            <a:ext cx="12191695" cy="6858000"/>
+          </a:xfrm>
+          <a:prstGeom prst="rect">
+            <a:avLst/>
+          </a:prstGeom>
+          <a:ln>
+            <a:noFill/>
+          </a:ln>
+        </p:spPr>
+        <p:style>
+          <a:lnRef idx="2">
+            <a:schemeClr val="accent1">
+              <a:shade val="50000"/>
+            </a:schemeClr>
+          </a:lnRef>
+          <a:fillRef idx="1">
+            <a:schemeClr val="accent1"/>
+          </a:fillRef>
+          <a:effectRef idx="0">
+            <a:schemeClr val="accent1"/>
+          </a:effectRef>
+          <a:fontRef idx="minor">
+            <a:schemeClr val="lt1"/>
+          </a:fontRef>
+        </p:style>
+        <p:txBody>
+          <a:bodyPr rtlCol="0" anchor="ctr"/>
+          <a:lstStyle/>
+          <a:p>
+            <a:pPr algn="ctr"/>
+            <a:endParaRPr lang="en-US"/>
+          </a:p>
+        </p:txBody>
+      </p:sp>
+      <p:sp>
+        <p:nvSpPr>
+          <p:cNvPr id="11" name="Rectangle 10">
+            <a:extLst>
+              <a:ext uri="{FF2B5EF4-FFF2-40B4-BE49-F238E27FC236}">
+                <a16:creationId xmlns:a16="http://schemas.microsoft.com/office/drawing/2014/main" id="{C289949D-B9F6-468A-86FE-2694DC5AE773}"/>
+              </a:ext>
+              <a:ext uri="{C183D7F6-B498-43B3-948B-1728B52AA6E4}">
+                <adec:decorative xmlns:adec="http://schemas.microsoft.com/office/drawing/2017/decorative" val="1"/>
+              </a:ext>
+            </a:extLst>
+          </p:cNvPr>
+          <p:cNvSpPr>
+            <a:spLocks noGrp="1" noRot="1" noChangeAspect="1" noMove="1" noResize="1" noEditPoints="1" noAdjustHandles="1" noChangeArrowheads="1" noChangeShapeType="1" noTextEdit="1"/>
+          </p:cNvSpPr>
+          <p:nvPr>
+            <p:extLst>
+              <p:ext uri="{386F3935-93C4-4BCD-93E2-E3B085C9AB24}">
+                <p16:designElem xmlns:p16="http://schemas.microsoft.com/office/powerpoint/2015/main" val="1"/>
+              </p:ext>
+            </p:extLst>
+          </p:nvPr>
+        </p:nvSpPr>
+        <p:spPr>
+          <a:xfrm>
+            <a:off x="305" y="0"/>
+            <a:ext cx="12191695" cy="6858000"/>
+          </a:xfrm>
+          <a:prstGeom prst="rect">
+            <a:avLst/>
+          </a:prstGeom>
+          <a:solidFill>
+            <a:schemeClr val="bg1"/>
+          </a:solidFill>
+          <a:ln>
+            <a:noFill/>
+          </a:ln>
+        </p:spPr>
+        <p:style>
+          <a:lnRef idx="2">
+            <a:schemeClr val="accent1">
+              <a:shade val="50000"/>
+            </a:schemeClr>
+          </a:lnRef>
+          <a:fillRef idx="1">
+            <a:schemeClr val="accent1"/>
+          </a:fillRef>
+          <a:effectRef idx="0">
+            <a:schemeClr val="accent1"/>
+          </a:effectRef>
+          <a:fontRef idx="minor">
+            <a:schemeClr val="lt1"/>
+          </a:fontRef>
+        </p:style>
+        <p:txBody>
+          <a:bodyPr rtlCol="0" anchor="ctr"/>
+          <a:lstStyle/>
+          <a:p>
+            <a:pPr algn="ctr"/>
+            <a:endParaRPr lang="en-US" sz="800"/>
+          </a:p>
+        </p:txBody>
+      </p:sp>
+      <p:grpSp>
+        <p:nvGrpSpPr>
+          <p:cNvPr id="13" name="Group 12">
+            <a:extLst>
+              <a:ext uri="{FF2B5EF4-FFF2-40B4-BE49-F238E27FC236}">
+                <a16:creationId xmlns:a16="http://schemas.microsoft.com/office/drawing/2014/main" id="{E4DF0958-0C87-4C28-9554-2FADC788C2B1}"/>
+              </a:ext>
+              <a:ext uri="{C183D7F6-B498-43B3-948B-1728B52AA6E4}">
+                <adec:decorative xmlns:adec="http://schemas.microsoft.com/office/drawing/2017/decorative" val="1"/>
+              </a:ext>
+            </a:extLst>
+          </p:cNvPr>
+          <p:cNvGrpSpPr>
+            <a:grpSpLocks noGrp="1" noUngrp="1" noRot="1" noChangeAspect="1" noMove="1" noResize="1"/>
+          </p:cNvGrpSpPr>
+          <p:nvPr>
+            <p:extLst>
+              <p:ext uri="{386F3935-93C4-4BCD-93E2-E3B085C9AB24}">
+                <p16:designElem xmlns:p16="http://schemas.microsoft.com/office/powerpoint/2015/main" val="1"/>
+              </p:ext>
+            </p:extLst>
+          </p:nvPr>
+        </p:nvGrpSpPr>
+        <p:grpSpPr>
+          <a:xfrm>
+            <a:off x="7867135" y="0"/>
+            <a:ext cx="4324865" cy="2641149"/>
+            <a:chOff x="6867015" y="-1"/>
+            <a:chExt cx="5324985" cy="3251912"/>
+          </a:xfrm>
+          <a:solidFill>
+            <a:schemeClr val="accent5">
+              <a:alpha val="10000"/>
+            </a:schemeClr>
+          </a:solidFill>
+        </p:grpSpPr>
+        <p:sp>
+          <p:nvSpPr>
+            <p:cNvPr id="14" name="Freeform: Shape 13">
+              <a:extLst>
+                <a:ext uri="{FF2B5EF4-FFF2-40B4-BE49-F238E27FC236}">
+                  <a16:creationId xmlns:a16="http://schemas.microsoft.com/office/drawing/2014/main" id="{DEC53B48-7B73-49D1-A6FD-9DBF5141EA75}"/>
+                </a:ext>
+                <a:ext uri="{C183D7F6-B498-43B3-948B-1728B52AA6E4}">
+                  <adec:decorative xmlns:adec="http://schemas.microsoft.com/office/drawing/2017/decorative" val="1"/>
+                </a:ext>
+              </a:extLst>
+            </p:cNvPr>
+            <p:cNvSpPr/>
+            <p:nvPr>
+              <p:extLst>
+                <p:ext uri="{386F3935-93C4-4BCD-93E2-E3B085C9AB24}">
+                  <p16:designElem xmlns:p16="http://schemas.microsoft.com/office/powerpoint/2015/main" val="1"/>
+                </p:ext>
+              </p:extLst>
+            </p:nvPr>
+          </p:nvSpPr>
+          <p:spPr>
+            <a:xfrm>
+              <a:off x="6867015" y="-1"/>
+              <a:ext cx="5324985" cy="3251912"/>
+            </a:xfrm>
+            <a:custGeom>
+              <a:avLst/>
+              <a:gdLst>
+                <a:gd name="connsiteX0" fmla="*/ 0 w 5324985"/>
+                <a:gd name="connsiteY0" fmla="*/ 0 h 3251912"/>
+                <a:gd name="connsiteX1" fmla="*/ 36826 w 5324985"/>
+                <a:gd name="connsiteY1" fmla="*/ 0 h 3251912"/>
+                <a:gd name="connsiteX2" fmla="*/ 45003 w 5324985"/>
+                <a:gd name="connsiteY2" fmla="*/ 152909 h 3251912"/>
+                <a:gd name="connsiteX3" fmla="*/ 68956 w 5324985"/>
+                <a:gd name="connsiteY3" fmla="*/ 308600 h 3251912"/>
+                <a:gd name="connsiteX4" fmla="*/ 167774 w 5324985"/>
+                <a:gd name="connsiteY4" fmla="*/ 607968 h 3251912"/>
+                <a:gd name="connsiteX5" fmla="*/ 201857 w 5324985"/>
+                <a:gd name="connsiteY5" fmla="*/ 679539 h 3251912"/>
+                <a:gd name="connsiteX6" fmla="*/ 239741 w 5324985"/>
+                <a:gd name="connsiteY6" fmla="*/ 749488 h 3251912"/>
+                <a:gd name="connsiteX7" fmla="*/ 323724 w 5324985"/>
+                <a:gd name="connsiteY7" fmla="*/ 885101 h 3251912"/>
+                <a:gd name="connsiteX8" fmla="*/ 416412 w 5324985"/>
+                <a:gd name="connsiteY8" fmla="*/ 1016081 h 3251912"/>
+                <a:gd name="connsiteX9" fmla="*/ 515719 w 5324985"/>
+                <a:gd name="connsiteY9" fmla="*/ 1143356 h 3251912"/>
+                <a:gd name="connsiteX10" fmla="*/ 722427 w 5324985"/>
+                <a:gd name="connsiteY10" fmla="*/ 1395127 h 3251912"/>
+                <a:gd name="connsiteX11" fmla="*/ 825780 w 5324985"/>
+                <a:gd name="connsiteY11" fmla="*/ 1522749 h 3251912"/>
+                <a:gd name="connsiteX12" fmla="*/ 926314 w 5324985"/>
+                <a:gd name="connsiteY12" fmla="*/ 1651992 h 3251912"/>
+                <a:gd name="connsiteX13" fmla="*/ 1026848 w 5324985"/>
+                <a:gd name="connsiteY13" fmla="*/ 1776836 h 3251912"/>
+                <a:gd name="connsiteX14" fmla="*/ 1131918 w 5324985"/>
+                <a:gd name="connsiteY14" fmla="*/ 1897393 h 3251912"/>
+                <a:gd name="connsiteX15" fmla="*/ 1354688 w 5324985"/>
+                <a:gd name="connsiteY15" fmla="*/ 2124728 h 3251912"/>
+                <a:gd name="connsiteX16" fmla="*/ 1855027 w 5324985"/>
+                <a:gd name="connsiteY16" fmla="*/ 2504236 h 3251912"/>
+                <a:gd name="connsiteX17" fmla="*/ 2131618 w 5324985"/>
+                <a:gd name="connsiteY17" fmla="*/ 2646913 h 3251912"/>
+                <a:gd name="connsiteX18" fmla="*/ 2423534 w 5324985"/>
+                <a:gd name="connsiteY18" fmla="*/ 2754732 h 3251912"/>
+                <a:gd name="connsiteX19" fmla="*/ 2727588 w 5324985"/>
+                <a:gd name="connsiteY19" fmla="*/ 2829197 h 3251912"/>
+                <a:gd name="connsiteX20" fmla="*/ 3041083 w 5324985"/>
+                <a:gd name="connsiteY20" fmla="*/ 2870890 h 3251912"/>
+                <a:gd name="connsiteX21" fmla="*/ 3360340 w 5324985"/>
+                <a:gd name="connsiteY21" fmla="*/ 2883976 h 3251912"/>
+                <a:gd name="connsiteX22" fmla="*/ 3439663 w 5324985"/>
+                <a:gd name="connsiteY22" fmla="*/ 2883396 h 3251912"/>
+                <a:gd name="connsiteX23" fmla="*/ 3478529 w 5324985"/>
+                <a:gd name="connsiteY23" fmla="*/ 2882471 h 3251912"/>
+                <a:gd name="connsiteX24" fmla="*/ 3517271 w 5324985"/>
+                <a:gd name="connsiteY24" fmla="*/ 2880616 h 3251912"/>
+                <a:gd name="connsiteX25" fmla="*/ 3671260 w 5324985"/>
+                <a:gd name="connsiteY25" fmla="*/ 2867878 h 3251912"/>
+                <a:gd name="connsiteX26" fmla="*/ 4265268 w 5324985"/>
+                <a:gd name="connsiteY26" fmla="*/ 2716283 h 3251912"/>
+                <a:gd name="connsiteX27" fmla="*/ 4546395 w 5324985"/>
+                <a:gd name="connsiteY27" fmla="*/ 2584724 h 3251912"/>
+                <a:gd name="connsiteX28" fmla="*/ 4817837 w 5324985"/>
+                <a:gd name="connsiteY28" fmla="*/ 2424674 h 3251912"/>
+                <a:gd name="connsiteX29" fmla="*/ 5081677 w 5324985"/>
+                <a:gd name="connsiteY29" fmla="*/ 2243548 h 3251912"/>
+                <a:gd name="connsiteX30" fmla="*/ 5211881 w 5324985"/>
+                <a:gd name="connsiteY30" fmla="*/ 2147658 h 3251912"/>
+                <a:gd name="connsiteX31" fmla="*/ 5324985 w 5324985"/>
+                <a:gd name="connsiteY31" fmla="*/ 2062128 h 3251912"/>
+                <a:gd name="connsiteX32" fmla="*/ 5324985 w 5324985"/>
+                <a:gd name="connsiteY32" fmla="*/ 2514993 h 3251912"/>
+                <a:gd name="connsiteX33" fmla="*/ 5314867 w 5324985"/>
+                <a:gd name="connsiteY33" fmla="*/ 2522881 h 3251912"/>
+                <a:gd name="connsiteX34" fmla="*/ 5038276 w 5324985"/>
+                <a:gd name="connsiteY34" fmla="*/ 2722421 h 3251912"/>
+                <a:gd name="connsiteX35" fmla="*/ 4741701 w 5324985"/>
+                <a:gd name="connsiteY35" fmla="*/ 2904937 h 3251912"/>
+                <a:gd name="connsiteX36" fmla="*/ 4420728 w 5324985"/>
+                <a:gd name="connsiteY36" fmla="*/ 3058848 h 3251912"/>
+                <a:gd name="connsiteX37" fmla="*/ 3717481 w 5324985"/>
+                <a:gd name="connsiteY37" fmla="*/ 3237079 h 3251912"/>
+                <a:gd name="connsiteX38" fmla="*/ 3535661 w 5324985"/>
+                <a:gd name="connsiteY38" fmla="*/ 3249934 h 3251912"/>
+                <a:gd name="connsiteX39" fmla="*/ 3490175 w 5324985"/>
+                <a:gd name="connsiteY39" fmla="*/ 3251555 h 3251912"/>
+                <a:gd name="connsiteX40" fmla="*/ 3444813 w 5324985"/>
+                <a:gd name="connsiteY40" fmla="*/ 3251787 h 3251912"/>
+                <a:gd name="connsiteX41" fmla="*/ 3355681 w 5324985"/>
+                <a:gd name="connsiteY41" fmla="*/ 3250745 h 3251912"/>
+                <a:gd name="connsiteX42" fmla="*/ 3179011 w 5324985"/>
+                <a:gd name="connsiteY42" fmla="*/ 3243795 h 3251912"/>
+                <a:gd name="connsiteX43" fmla="*/ 3002217 w 5324985"/>
+                <a:gd name="connsiteY43" fmla="*/ 3227814 h 3251912"/>
+                <a:gd name="connsiteX44" fmla="*/ 2650103 w 5324985"/>
+                <a:gd name="connsiteY44" fmla="*/ 3170836 h 3251912"/>
+                <a:gd name="connsiteX45" fmla="*/ 2305836 w 5324985"/>
+                <a:gd name="connsiteY45" fmla="*/ 3072514 h 3251912"/>
+                <a:gd name="connsiteX46" fmla="*/ 1978611 w 5324985"/>
+                <a:gd name="connsiteY46" fmla="*/ 2929952 h 3251912"/>
+                <a:gd name="connsiteX47" fmla="*/ 1678235 w 5324985"/>
+                <a:gd name="connsiteY47" fmla="*/ 2744424 h 3251912"/>
+                <a:gd name="connsiteX48" fmla="*/ 1175688 w 5324985"/>
+                <a:gd name="connsiteY48" fmla="*/ 2277018 h 3251912"/>
+                <a:gd name="connsiteX49" fmla="*/ 971310 w 5324985"/>
+                <a:gd name="connsiteY49" fmla="*/ 2012044 h 3251912"/>
+                <a:gd name="connsiteX50" fmla="*/ 790717 w 5324985"/>
+                <a:gd name="connsiteY50" fmla="*/ 1735723 h 3251912"/>
+                <a:gd name="connsiteX51" fmla="*/ 706488 w 5324985"/>
+                <a:gd name="connsiteY51" fmla="*/ 1598604 h 3251912"/>
+                <a:gd name="connsiteX52" fmla="*/ 618951 w 5324985"/>
+                <a:gd name="connsiteY52" fmla="*/ 1463802 h 3251912"/>
+                <a:gd name="connsiteX53" fmla="*/ 436273 w 5324985"/>
+                <a:gd name="connsiteY53" fmla="*/ 1195355 h 3251912"/>
+                <a:gd name="connsiteX54" fmla="*/ 346896 w 5324985"/>
+                <a:gd name="connsiteY54" fmla="*/ 1058816 h 3251912"/>
+                <a:gd name="connsiteX55" fmla="*/ 261809 w 5324985"/>
+                <a:gd name="connsiteY55" fmla="*/ 919264 h 3251912"/>
+                <a:gd name="connsiteX56" fmla="*/ 118487 w 5324985"/>
+                <a:gd name="connsiteY56" fmla="*/ 626498 h 3251912"/>
+                <a:gd name="connsiteX57" fmla="*/ 28130 w 5324985"/>
+                <a:gd name="connsiteY57" fmla="*/ 315781 h 3251912"/>
+                <a:gd name="connsiteX58" fmla="*/ 6751 w 5324985"/>
+                <a:gd name="connsiteY58" fmla="*/ 156195 h 3251912"/>
+              </a:gdLst>
+              <a:ahLst/>
+              <a:cxnLst>
+                <a:cxn ang="0">
+                  <a:pos x="connsiteX0" y="connsiteY0"/>
+                </a:cxn>
+                <a:cxn ang="0">
+                  <a:pos x="connsiteX1" y="connsiteY1"/>
+                </a:cxn>
+                <a:cxn ang="0">
+                  <a:pos x="connsiteX2" y="connsiteY2"/>
+                </a:cxn>
+                <a:cxn ang="0">
+                  <a:pos x="connsiteX3" y="connsiteY3"/>
+                </a:cxn>
+                <a:cxn ang="0">
+                  <a:pos x="connsiteX4" y="connsiteY4"/>
+                </a:cxn>
+                <a:cxn ang="0">
+                  <a:pos x="connsiteX5" y="connsiteY5"/>
+                </a:cxn>
+                <a:cxn ang="0">
+                  <a:pos x="connsiteX6" y="connsiteY6"/>
+                </a:cxn>
+                <a:cxn ang="0">
+                  <a:pos x="connsiteX7" y="connsiteY7"/>
+                </a:cxn>
+                <a:cxn ang="0">
+                  <a:pos x="connsiteX8" y="connsiteY8"/>
+                </a:cxn>
+                <a:cxn ang="0">
+                  <a:pos x="connsiteX9" y="connsiteY9"/>
+                </a:cxn>
+                <a:cxn ang="0">
+                  <a:pos x="connsiteX10" y="connsiteY10"/>
+                </a:cxn>
+                <a:cxn ang="0">
+                  <a:pos x="connsiteX11" y="connsiteY11"/>
+                </a:cxn>
+                <a:cxn ang="0">
+                  <a:pos x="connsiteX12" y="connsiteY12"/>
+                </a:cxn>
+                <a:cxn ang="0">
+                  <a:pos x="connsiteX13" y="connsiteY13"/>
+                </a:cxn>
+                <a:cxn ang="0">
+                  <a:pos x="connsiteX14" y="connsiteY14"/>
+                </a:cxn>
+                <a:cxn ang="0">
+                  <a:pos x="connsiteX15" y="connsiteY15"/>
+                </a:cxn>
+                <a:cxn ang="0">
+                  <a:pos x="connsiteX16" y="connsiteY16"/>
+                </a:cxn>
+                <a:cxn ang="0">
+                  <a:pos x="connsiteX17" y="connsiteY17"/>
+                </a:cxn>
+                <a:cxn ang="0">
+                  <a:pos x="connsiteX18" y="connsiteY18"/>
+                </a:cxn>
+                <a:cxn ang="0">
+                  <a:pos x="connsiteX19" y="connsiteY19"/>
+                </a:cxn>
+                <a:cxn ang="0">
+                  <a:pos x="connsiteX20" y="connsiteY20"/>
+                </a:cxn>
+                <a:cxn ang="0">
+                  <a:pos x="connsiteX21" y="connsiteY21"/>
+                </a:cxn>
+                <a:cxn ang="0">
+                  <a:pos x="connsiteX22" y="connsiteY22"/>
+                </a:cxn>
+                <a:cxn ang="0">
+                  <a:pos x="connsiteX23" y="connsiteY23"/>
+                </a:cxn>
+                <a:cxn ang="0">
+                  <a:pos x="connsiteX24" y="connsiteY24"/>
+                </a:cxn>
+                <a:cxn ang="0">
+                  <a:pos x="connsiteX25" y="connsiteY25"/>
+                </a:cxn>
+                <a:cxn ang="0">
+                  <a:pos x="connsiteX26" y="connsiteY26"/>
+                </a:cxn>
+                <a:cxn ang="0">
+                  <a:pos x="connsiteX27" y="connsiteY27"/>
+                </a:cxn>
+                <a:cxn ang="0">
+                  <a:pos x="connsiteX28" y="connsiteY28"/>
+                </a:cxn>
+                <a:cxn ang="0">
+                  <a:pos x="connsiteX29" y="connsiteY29"/>
+                </a:cxn>
+                <a:cxn ang="0">
+                  <a:pos x="connsiteX30" y="connsiteY30"/>
+                </a:cxn>
+                <a:cxn ang="0">
+                  <a:pos x="connsiteX31" y="connsiteY31"/>
+                </a:cxn>
+                <a:cxn ang="0">
+                  <a:pos x="connsiteX32" y="connsiteY32"/>
+                </a:cxn>
+                <a:cxn ang="0">
+                  <a:pos x="connsiteX33" y="connsiteY33"/>
+                </a:cxn>
+                <a:cxn ang="0">
+                  <a:pos x="connsiteX34" y="connsiteY34"/>
+                </a:cxn>
+                <a:cxn ang="0">
+                  <a:pos x="connsiteX35" y="connsiteY35"/>
+                </a:cxn>
+                <a:cxn ang="0">
+                  <a:pos x="connsiteX36" y="connsiteY36"/>
+                </a:cxn>
+                <a:cxn ang="0">
+                  <a:pos x="connsiteX37" y="connsiteY37"/>
+                </a:cxn>
+                <a:cxn ang="0">
+                  <a:pos x="connsiteX38" y="connsiteY38"/>
+                </a:cxn>
+                <a:cxn ang="0">
+                  <a:pos x="connsiteX39" y="connsiteY39"/>
+                </a:cxn>
+                <a:cxn ang="0">
+                  <a:pos x="connsiteX40" y="connsiteY40"/>
+                </a:cxn>
+                <a:cxn ang="0">
+                  <a:pos x="connsiteX41" y="connsiteY41"/>
+                </a:cxn>
+                <a:cxn ang="0">
+                  <a:pos x="connsiteX42" y="connsiteY42"/>
+                </a:cxn>
+                <a:cxn ang="0">
+                  <a:pos x="connsiteX43" y="connsiteY43"/>
+                </a:cxn>
+                <a:cxn ang="0">
+                  <a:pos x="connsiteX44" y="connsiteY44"/>
+                </a:cxn>
+                <a:cxn ang="0">
+                  <a:pos x="connsiteX45" y="connsiteY45"/>
+                </a:cxn>
+                <a:cxn ang="0">
+                  <a:pos x="connsiteX46" y="connsiteY46"/>
+                </a:cxn>
+                <a:cxn ang="0">
+                  <a:pos x="connsiteX47" y="connsiteY47"/>
+                </a:cxn>
+                <a:cxn ang="0">
+                  <a:pos x="connsiteX48" y="connsiteY48"/>
+                </a:cxn>
+                <a:cxn ang="0">
+                  <a:pos x="connsiteX49" y="connsiteY49"/>
+                </a:cxn>
+                <a:cxn ang="0">
+                  <a:pos x="connsiteX50" y="connsiteY50"/>
+                </a:cxn>
+                <a:cxn ang="0">
+                  <a:pos x="connsiteX51" y="connsiteY51"/>
+                </a:cxn>
+                <a:cxn ang="0">
+                  <a:pos x="connsiteX52" y="connsiteY52"/>
+                </a:cxn>
+                <a:cxn ang="0">
+                  <a:pos x="connsiteX53" y="connsiteY53"/>
+                </a:cxn>
+                <a:cxn ang="0">
+                  <a:pos x="connsiteX54" y="connsiteY54"/>
+                </a:cxn>
+                <a:cxn ang="0">
+                  <a:pos x="connsiteX55" y="connsiteY55"/>
+                </a:cxn>
+                <a:cxn ang="0">
+                  <a:pos x="connsiteX56" y="connsiteY56"/>
+                </a:cxn>
+                <a:cxn ang="0">
+                  <a:pos x="connsiteX57" y="connsiteY57"/>
+                </a:cxn>
+                <a:cxn ang="0">
+                  <a:pos x="connsiteX58" y="connsiteY58"/>
+                </a:cxn>
+              </a:cxnLst>
+              <a:rect l="l" t="t" r="r" b="b"/>
+              <a:pathLst>
+                <a:path w="5324985" h="3251912">
+                  <a:moveTo>
+                    <a:pt x="0" y="0"/>
+                  </a:moveTo>
+                  <a:lnTo>
+                    <a:pt x="36826" y="0"/>
+                  </a:lnTo>
+                  <a:lnTo>
+                    <a:pt x="45003" y="152909"/>
+                  </a:lnTo>
+                  <a:cubicBezTo>
+                    <a:pt x="50351" y="205154"/>
+                    <a:pt x="58290" y="257123"/>
+                    <a:pt x="68956" y="308600"/>
+                  </a:cubicBezTo>
+                  <a:cubicBezTo>
+                    <a:pt x="91393" y="411324"/>
+                    <a:pt x="123882" y="511847"/>
+                    <a:pt x="167774" y="607968"/>
+                  </a:cubicBezTo>
+                  <a:cubicBezTo>
+                    <a:pt x="178195" y="632173"/>
+                    <a:pt x="190333" y="655798"/>
+                    <a:pt x="201857" y="679539"/>
+                  </a:cubicBezTo>
+                  <a:cubicBezTo>
+                    <a:pt x="214363" y="702933"/>
+                    <a:pt x="226255" y="726557"/>
+                    <a:pt x="239741" y="749488"/>
+                  </a:cubicBezTo>
+                  <a:cubicBezTo>
+                    <a:pt x="265488" y="795812"/>
+                    <a:pt x="294176" y="840746"/>
+                    <a:pt x="323724" y="885101"/>
+                  </a:cubicBezTo>
+                  <a:cubicBezTo>
+                    <a:pt x="353149" y="929572"/>
+                    <a:pt x="384657" y="972885"/>
+                    <a:pt x="416412" y="1016081"/>
+                  </a:cubicBezTo>
+                  <a:cubicBezTo>
+                    <a:pt x="448655" y="1058931"/>
+                    <a:pt x="482127" y="1101202"/>
+                    <a:pt x="515719" y="1143356"/>
+                  </a:cubicBezTo>
+                  <a:cubicBezTo>
+                    <a:pt x="583027" y="1227782"/>
+                    <a:pt x="653402" y="1310470"/>
+                    <a:pt x="722427" y="1395127"/>
+                  </a:cubicBezTo>
+                  <a:cubicBezTo>
+                    <a:pt x="757123" y="1437282"/>
+                    <a:pt x="791697" y="1479783"/>
+                    <a:pt x="825780" y="1522749"/>
+                  </a:cubicBezTo>
+                  <a:cubicBezTo>
+                    <a:pt x="859742" y="1565367"/>
+                    <a:pt x="893457" y="1610649"/>
+                    <a:pt x="926314" y="1651992"/>
+                  </a:cubicBezTo>
+                  <a:cubicBezTo>
+                    <a:pt x="958927" y="1694379"/>
+                    <a:pt x="993132" y="1735492"/>
+                    <a:pt x="1026848" y="1776836"/>
+                  </a:cubicBezTo>
+                  <a:cubicBezTo>
+                    <a:pt x="1061545" y="1817485"/>
+                    <a:pt x="1095996" y="1858133"/>
+                    <a:pt x="1131918" y="1897393"/>
+                  </a:cubicBezTo>
+                  <a:cubicBezTo>
+                    <a:pt x="1203273" y="1976376"/>
+                    <a:pt x="1277447" y="2052463"/>
+                    <a:pt x="1354688" y="2124728"/>
+                  </a:cubicBezTo>
+                  <a:cubicBezTo>
+                    <a:pt x="1509411" y="2268911"/>
+                    <a:pt x="1676396" y="2397575"/>
+                    <a:pt x="1855027" y="2504236"/>
+                  </a:cubicBezTo>
+                  <a:cubicBezTo>
+                    <a:pt x="1944528" y="2557277"/>
+                    <a:pt x="2036357" y="2605917"/>
+                    <a:pt x="2131618" y="2646913"/>
+                  </a:cubicBezTo>
+                  <a:cubicBezTo>
+                    <a:pt x="2226267" y="2689068"/>
+                    <a:pt x="2323981" y="2724622"/>
+                    <a:pt x="2423534" y="2754732"/>
+                  </a:cubicBezTo>
+                  <a:cubicBezTo>
+                    <a:pt x="2523087" y="2784958"/>
+                    <a:pt x="2624602" y="2809394"/>
+                    <a:pt x="2727588" y="2829197"/>
+                  </a:cubicBezTo>
+                  <a:cubicBezTo>
+                    <a:pt x="2830698" y="2848653"/>
+                    <a:pt x="2935522" y="2861971"/>
+                    <a:pt x="3041083" y="2870890"/>
+                  </a:cubicBezTo>
+                  <a:cubicBezTo>
+                    <a:pt x="3146644" y="2879922"/>
+                    <a:pt x="3253307" y="2883860"/>
+                    <a:pt x="3360340" y="2883976"/>
+                  </a:cubicBezTo>
+                  <a:cubicBezTo>
+                    <a:pt x="3387067" y="2883976"/>
+                    <a:pt x="3414162" y="2884439"/>
+                    <a:pt x="3439663" y="2883396"/>
+                  </a:cubicBezTo>
+                  <a:lnTo>
+                    <a:pt x="3478529" y="2882471"/>
+                  </a:lnTo>
+                  <a:lnTo>
+                    <a:pt x="3517271" y="2880616"/>
+                  </a:lnTo>
+                  <a:cubicBezTo>
+                    <a:pt x="3568887" y="2878417"/>
+                    <a:pt x="3620257" y="2873552"/>
+                    <a:pt x="3671260" y="2867878"/>
+                  </a:cubicBezTo>
+                  <a:cubicBezTo>
+                    <a:pt x="3875515" y="2844253"/>
+                    <a:pt x="4074253" y="2792486"/>
+                    <a:pt x="4265268" y="2716283"/>
+                  </a:cubicBezTo>
+                  <a:cubicBezTo>
+                    <a:pt x="4361020" y="2678529"/>
+                    <a:pt x="4454444" y="2633710"/>
+                    <a:pt x="4546395" y="2584724"/>
+                  </a:cubicBezTo>
+                  <a:cubicBezTo>
+                    <a:pt x="4638470" y="2535967"/>
+                    <a:pt x="4728827" y="2481885"/>
+                    <a:pt x="4817837" y="2424674"/>
+                  </a:cubicBezTo>
+                  <a:cubicBezTo>
+                    <a:pt x="4906846" y="2367348"/>
+                    <a:pt x="4994385" y="2306317"/>
+                    <a:pt x="5081677" y="2243548"/>
+                  </a:cubicBezTo>
+                  <a:cubicBezTo>
+                    <a:pt x="5125201" y="2212164"/>
+                    <a:pt x="5168603" y="2179969"/>
+                    <a:pt x="5211881" y="2147658"/>
+                  </a:cubicBezTo>
+                  <a:lnTo>
+                    <a:pt x="5324985" y="2062128"/>
+                  </a:lnTo>
+                  <a:lnTo>
+                    <a:pt x="5324985" y="2514993"/>
+                  </a:lnTo>
+                  <a:lnTo>
+                    <a:pt x="5314867" y="2522881"/>
+                  </a:lnTo>
+                  <a:cubicBezTo>
+                    <a:pt x="5225490" y="2591325"/>
+                    <a:pt x="5133783" y="2658379"/>
+                    <a:pt x="5038276" y="2722421"/>
+                  </a:cubicBezTo>
+                  <a:cubicBezTo>
+                    <a:pt x="4942892" y="2786348"/>
+                    <a:pt x="4844810" y="2848422"/>
+                    <a:pt x="4741701" y="2904937"/>
+                  </a:cubicBezTo>
+                  <a:cubicBezTo>
+                    <a:pt x="4638592" y="2961337"/>
+                    <a:pt x="4531929" y="3013683"/>
+                    <a:pt x="4420728" y="3058848"/>
+                  </a:cubicBezTo>
+                  <a:cubicBezTo>
+                    <a:pt x="4199063" y="3150338"/>
+                    <a:pt x="3959621" y="3211485"/>
+                    <a:pt x="3717481" y="3237079"/>
+                  </a:cubicBezTo>
+                  <a:cubicBezTo>
+                    <a:pt x="3656914" y="3243101"/>
+                    <a:pt x="3596227" y="3247966"/>
+                    <a:pt x="3535661" y="3249934"/>
+                  </a:cubicBezTo>
+                  <a:lnTo>
+                    <a:pt x="3490175" y="3251555"/>
+                  </a:lnTo>
+                  <a:lnTo>
+                    <a:pt x="3444813" y="3251787"/>
+                  </a:lnTo>
+                  <a:cubicBezTo>
+                    <a:pt x="3414162" y="3252250"/>
+                    <a:pt x="3385105" y="3251324"/>
+                    <a:pt x="3355681" y="3250745"/>
+                  </a:cubicBezTo>
+                  <a:cubicBezTo>
+                    <a:pt x="3296954" y="3250050"/>
+                    <a:pt x="3237860" y="3246692"/>
+                    <a:pt x="3179011" y="3243795"/>
+                  </a:cubicBezTo>
+                  <a:cubicBezTo>
+                    <a:pt x="3120039" y="3239164"/>
+                    <a:pt x="3061067" y="3234878"/>
+                    <a:pt x="3002217" y="3227814"/>
+                  </a:cubicBezTo>
+                  <a:cubicBezTo>
+                    <a:pt x="2884397" y="3214496"/>
+                    <a:pt x="2766699" y="3196314"/>
+                    <a:pt x="2650103" y="3170836"/>
+                  </a:cubicBezTo>
+                  <a:cubicBezTo>
+                    <a:pt x="2533510" y="3145358"/>
+                    <a:pt x="2418263" y="3112583"/>
+                    <a:pt x="2305836" y="3072514"/>
+                  </a:cubicBezTo>
+                  <a:cubicBezTo>
+                    <a:pt x="2193410" y="3032328"/>
+                    <a:pt x="2083926" y="2984383"/>
+                    <a:pt x="1978611" y="2929952"/>
+                  </a:cubicBezTo>
+                  <a:cubicBezTo>
+                    <a:pt x="1873663" y="2874711"/>
+                    <a:pt x="1772884" y="2812985"/>
+                    <a:pt x="1678235" y="2744424"/>
+                  </a:cubicBezTo>
+                  <a:cubicBezTo>
+                    <a:pt x="1488201" y="2608001"/>
+                    <a:pt x="1321708" y="2448068"/>
+                    <a:pt x="1175688" y="2277018"/>
+                  </a:cubicBezTo>
+                  <a:cubicBezTo>
+                    <a:pt x="1102985" y="2191086"/>
+                    <a:pt x="1035309" y="2102377"/>
+                    <a:pt x="971310" y="2012044"/>
+                  </a:cubicBezTo>
+                  <a:cubicBezTo>
+                    <a:pt x="907188" y="1921714"/>
+                    <a:pt x="847358" y="1829413"/>
+                    <a:pt x="790717" y="1735723"/>
+                  </a:cubicBezTo>
+                  <a:cubicBezTo>
+                    <a:pt x="761782" y="1688357"/>
+                    <a:pt x="735300" y="1644002"/>
+                    <a:pt x="706488" y="1598604"/>
+                  </a:cubicBezTo>
+                  <a:cubicBezTo>
+                    <a:pt x="677922" y="1553555"/>
+                    <a:pt x="648866" y="1508505"/>
+                    <a:pt x="618951" y="1463802"/>
+                  </a:cubicBezTo>
+                  <a:lnTo>
+                    <a:pt x="436273" y="1195355"/>
+                  </a:lnTo>
+                  <a:cubicBezTo>
+                    <a:pt x="405990" y="1150189"/>
+                    <a:pt x="376075" y="1104792"/>
+                    <a:pt x="346896" y="1058816"/>
+                  </a:cubicBezTo>
+                  <a:cubicBezTo>
+                    <a:pt x="317716" y="1012838"/>
+                    <a:pt x="288782" y="966747"/>
+                    <a:pt x="261809" y="919264"/>
+                  </a:cubicBezTo>
+                  <a:cubicBezTo>
+                    <a:pt x="207742" y="824764"/>
+                    <a:pt x="158088" y="727485"/>
+                    <a:pt x="118487" y="626498"/>
+                  </a:cubicBezTo>
+                  <a:cubicBezTo>
+                    <a:pt x="78151" y="525859"/>
+                    <a:pt x="48237" y="421515"/>
+                    <a:pt x="28130" y="315781"/>
+                  </a:cubicBezTo>
+                  <a:cubicBezTo>
+                    <a:pt x="18506" y="262914"/>
+                    <a:pt x="11425" y="209642"/>
+                    <a:pt x="6751" y="156195"/>
+                  </a:cubicBezTo>
+                  <a:close/>
+                </a:path>
+              </a:pathLst>
+            </a:custGeom>
+            <a:gradFill>
+              <a:gsLst>
+                <a:gs pos="2000">
+                  <a:schemeClr val="bg1">
+                    <a:alpha val="10000"/>
+                  </a:schemeClr>
+                </a:gs>
+                <a:gs pos="16000">
+                  <a:schemeClr val="accent6">
+                    <a:alpha val="10000"/>
+                  </a:schemeClr>
+                </a:gs>
+                <a:gs pos="100000">
+                  <a:schemeClr val="bg1">
+                    <a:alpha val="10000"/>
+                  </a:schemeClr>
+                </a:gs>
+                <a:gs pos="85000">
+                  <a:schemeClr val="accent1">
+                    <a:alpha val="10000"/>
+                  </a:schemeClr>
+                </a:gs>
+              </a:gsLst>
+              <a:lin ang="12000000" scaled="0"/>
+            </a:gradFill>
+            <a:ln>
+              <a:noFill/>
+            </a:ln>
+          </p:spPr>
+          <p:style>
+            <a:lnRef idx="2">
+              <a:schemeClr val="accent1">
+                <a:shade val="50000"/>
+              </a:schemeClr>
+            </a:lnRef>
+            <a:fillRef idx="1">
+              <a:schemeClr val="accent1"/>
+            </a:fillRef>
+            <a:effectRef idx="0">
+              <a:schemeClr val="accent1"/>
+            </a:effectRef>
+            <a:fontRef idx="minor">
+              <a:schemeClr val="lt1"/>
+            </a:fontRef>
+          </p:style>
+          <p:txBody>
+            <a:bodyPr rtlCol="0" anchor="ctr"/>
+            <a:lstStyle/>
+            <a:p>
+              <a:pPr algn="ctr"/>
+              <a:endParaRPr lang="en-US"/>
+            </a:p>
+          </p:txBody>
+        </p:sp>
+        <p:sp>
+          <p:nvSpPr>
+            <p:cNvPr id="15" name="Freeform: Shape 14">
+              <a:extLst>
+                <a:ext uri="{FF2B5EF4-FFF2-40B4-BE49-F238E27FC236}">
+                  <a16:creationId xmlns:a16="http://schemas.microsoft.com/office/drawing/2014/main" id="{7DEDDC41-2C98-4AF1-A0EA-AEEC34827C23}"/>
+                </a:ext>
+                <a:ext uri="{C183D7F6-B498-43B3-948B-1728B52AA6E4}">
+                  <adec:decorative xmlns:adec="http://schemas.microsoft.com/office/drawing/2017/decorative" val="1"/>
+                </a:ext>
+              </a:extLst>
+            </p:cNvPr>
+            <p:cNvSpPr/>
+            <p:nvPr>
+              <p:extLst>
+                <p:ext uri="{386F3935-93C4-4BCD-93E2-E3B085C9AB24}">
+                  <p16:designElem xmlns:p16="http://schemas.microsoft.com/office/powerpoint/2015/main" val="1"/>
+                </p:ext>
+              </p:extLst>
+            </p:nvPr>
+          </p:nvSpPr>
+          <p:spPr>
+            <a:xfrm>
+              <a:off x="6916467" y="-1"/>
+              <a:ext cx="5275533" cy="2980757"/>
+            </a:xfrm>
+            <a:custGeom>
+              <a:avLst/>
+              <a:gdLst>
+                <a:gd name="connsiteX0" fmla="*/ 0 w 5275533"/>
+                <a:gd name="connsiteY0" fmla="*/ 0 h 2980757"/>
+                <a:gd name="connsiteX1" fmla="*/ 201166 w 5275533"/>
+                <a:gd name="connsiteY1" fmla="*/ 0 h 2980757"/>
+                <a:gd name="connsiteX2" fmla="*/ 206734 w 5275533"/>
+                <a:gd name="connsiteY2" fmla="*/ 89286 h 2980757"/>
+                <a:gd name="connsiteX3" fmla="*/ 232051 w 5275533"/>
+                <a:gd name="connsiteY3" fmla="*/ 226897 h 2980757"/>
+                <a:gd name="connsiteX4" fmla="*/ 332707 w 5275533"/>
+                <a:gd name="connsiteY4" fmla="*/ 487120 h 2980757"/>
+                <a:gd name="connsiteX5" fmla="*/ 402959 w 5275533"/>
+                <a:gd name="connsiteY5" fmla="*/ 609647 h 2980757"/>
+                <a:gd name="connsiteX6" fmla="*/ 483631 w 5275533"/>
+                <a:gd name="connsiteY6" fmla="*/ 728236 h 2980757"/>
+                <a:gd name="connsiteX7" fmla="*/ 669986 w 5275533"/>
+                <a:gd name="connsiteY7" fmla="*/ 957424 h 2980757"/>
+                <a:gd name="connsiteX8" fmla="*/ 871667 w 5275533"/>
+                <a:gd name="connsiteY8" fmla="*/ 1188348 h 2980757"/>
+                <a:gd name="connsiteX9" fmla="*/ 971956 w 5275533"/>
+                <a:gd name="connsiteY9" fmla="*/ 1308905 h 2980757"/>
+                <a:gd name="connsiteX10" fmla="*/ 1020139 w 5275533"/>
+                <a:gd name="connsiteY10" fmla="*/ 1368084 h 2980757"/>
+                <a:gd name="connsiteX11" fmla="*/ 1067340 w 5275533"/>
+                <a:gd name="connsiteY11" fmla="*/ 1424715 h 2980757"/>
+                <a:gd name="connsiteX12" fmla="*/ 1472909 w 5275533"/>
+                <a:gd name="connsiteY12" fmla="*/ 1843252 h 2980757"/>
+                <a:gd name="connsiteX13" fmla="*/ 1688567 w 5275533"/>
+                <a:gd name="connsiteY13" fmla="*/ 2031559 h 2980757"/>
+                <a:gd name="connsiteX14" fmla="*/ 1914401 w 5275533"/>
+                <a:gd name="connsiteY14" fmla="*/ 2205156 h 2980757"/>
+                <a:gd name="connsiteX15" fmla="*/ 2418909 w 5275533"/>
+                <a:gd name="connsiteY15" fmla="*/ 2479741 h 2980757"/>
+                <a:gd name="connsiteX16" fmla="*/ 2701141 w 5275533"/>
+                <a:gd name="connsiteY16" fmla="*/ 2557333 h 2980757"/>
+                <a:gd name="connsiteX17" fmla="*/ 2773475 w 5275533"/>
+                <a:gd name="connsiteY17" fmla="*/ 2570999 h 2980757"/>
+                <a:gd name="connsiteX18" fmla="*/ 2846424 w 5275533"/>
+                <a:gd name="connsiteY18" fmla="*/ 2582465 h 2980757"/>
+                <a:gd name="connsiteX19" fmla="*/ 2993669 w 5275533"/>
+                <a:gd name="connsiteY19" fmla="*/ 2598909 h 2980757"/>
+                <a:gd name="connsiteX20" fmla="*/ 3067721 w 5275533"/>
+                <a:gd name="connsiteY20" fmla="*/ 2604237 h 2980757"/>
+                <a:gd name="connsiteX21" fmla="*/ 3142019 w 5275533"/>
+                <a:gd name="connsiteY21" fmla="*/ 2607943 h 2980757"/>
+                <a:gd name="connsiteX22" fmla="*/ 3216561 w 5275533"/>
+                <a:gd name="connsiteY22" fmla="*/ 2609564 h 2980757"/>
+                <a:gd name="connsiteX23" fmla="*/ 3291225 w 5275533"/>
+                <a:gd name="connsiteY23" fmla="*/ 2609217 h 2980757"/>
+                <a:gd name="connsiteX24" fmla="*/ 3328619 w 5275533"/>
+                <a:gd name="connsiteY24" fmla="*/ 2608869 h 2980757"/>
+                <a:gd name="connsiteX25" fmla="*/ 3364665 w 5275533"/>
+                <a:gd name="connsiteY25" fmla="*/ 2607363 h 2980757"/>
+                <a:gd name="connsiteX26" fmla="*/ 3400587 w 5275533"/>
+                <a:gd name="connsiteY26" fmla="*/ 2605627 h 2980757"/>
+                <a:gd name="connsiteX27" fmla="*/ 3436387 w 5275533"/>
+                <a:gd name="connsiteY27" fmla="*/ 2602847 h 2980757"/>
+                <a:gd name="connsiteX28" fmla="*/ 3578361 w 5275533"/>
+                <a:gd name="connsiteY28" fmla="*/ 2586286 h 2980757"/>
+                <a:gd name="connsiteX29" fmla="*/ 4119159 w 5275533"/>
+                <a:gd name="connsiteY29" fmla="*/ 2418594 h 2980757"/>
+                <a:gd name="connsiteX30" fmla="*/ 4618765 w 5275533"/>
+                <a:gd name="connsiteY30" fmla="*/ 2124668 h 2980757"/>
+                <a:gd name="connsiteX31" fmla="*/ 4739895 w 5275533"/>
+                <a:gd name="connsiteY31" fmla="*/ 2038275 h 2980757"/>
+                <a:gd name="connsiteX32" fmla="*/ 4861027 w 5275533"/>
+                <a:gd name="connsiteY32" fmla="*/ 1948986 h 2980757"/>
+                <a:gd name="connsiteX33" fmla="*/ 5106354 w 5275533"/>
+                <a:gd name="connsiteY33" fmla="*/ 1763690 h 2980757"/>
+                <a:gd name="connsiteX34" fmla="*/ 5275533 w 5275533"/>
+                <a:gd name="connsiteY34" fmla="*/ 1641017 h 2980757"/>
+                <a:gd name="connsiteX35" fmla="*/ 5275533 w 5275533"/>
+                <a:gd name="connsiteY35" fmla="*/ 2257481 h 2980757"/>
+                <a:gd name="connsiteX36" fmla="*/ 5168881 w 5275533"/>
+                <a:gd name="connsiteY36" fmla="*/ 2332084 h 2980757"/>
+                <a:gd name="connsiteX37" fmla="*/ 5036225 w 5275533"/>
+                <a:gd name="connsiteY37" fmla="*/ 2421489 h 2980757"/>
+                <a:gd name="connsiteX38" fmla="*/ 4899401 w 5275533"/>
+                <a:gd name="connsiteY38" fmla="*/ 2508347 h 2980757"/>
+                <a:gd name="connsiteX39" fmla="*/ 4612145 w 5275533"/>
+                <a:gd name="connsiteY39" fmla="*/ 2671407 h 2980757"/>
+                <a:gd name="connsiteX40" fmla="*/ 4303187 w 5275533"/>
+                <a:gd name="connsiteY40" fmla="*/ 2810030 h 2980757"/>
+                <a:gd name="connsiteX41" fmla="*/ 3630835 w 5275533"/>
+                <a:gd name="connsiteY41" fmla="*/ 2969500 h 2980757"/>
+                <a:gd name="connsiteX42" fmla="*/ 3457719 w 5275533"/>
+                <a:gd name="connsiteY42" fmla="*/ 2979808 h 2980757"/>
+                <a:gd name="connsiteX43" fmla="*/ 3414441 w 5275533"/>
+                <a:gd name="connsiteY43" fmla="*/ 2980733 h 2980757"/>
+                <a:gd name="connsiteX44" fmla="*/ 3371285 w 5275533"/>
+                <a:gd name="connsiteY44" fmla="*/ 2980502 h 2980757"/>
+                <a:gd name="connsiteX45" fmla="*/ 3328252 w 5275533"/>
+                <a:gd name="connsiteY45" fmla="*/ 2980039 h 2980757"/>
+                <a:gd name="connsiteX46" fmla="*/ 3286445 w 5275533"/>
+                <a:gd name="connsiteY46" fmla="*/ 2978534 h 2980757"/>
+                <a:gd name="connsiteX47" fmla="*/ 2952475 w 5275533"/>
+                <a:gd name="connsiteY47" fmla="*/ 2953402 h 2980757"/>
+                <a:gd name="connsiteX48" fmla="*/ 2620591 w 5275533"/>
+                <a:gd name="connsiteY48" fmla="*/ 2898046 h 2980757"/>
+                <a:gd name="connsiteX49" fmla="*/ 2294591 w 5275533"/>
+                <a:gd name="connsiteY49" fmla="*/ 2811305 h 2980757"/>
+                <a:gd name="connsiteX50" fmla="*/ 1670544 w 5275533"/>
+                <a:gd name="connsiteY50" fmla="*/ 2550501 h 2980757"/>
+                <a:gd name="connsiteX51" fmla="*/ 1144703 w 5275533"/>
+                <a:gd name="connsiteY51" fmla="*/ 2144472 h 2980757"/>
+                <a:gd name="connsiteX52" fmla="*/ 931497 w 5275533"/>
+                <a:gd name="connsiteY52" fmla="*/ 1900114 h 2980757"/>
+                <a:gd name="connsiteX53" fmla="*/ 745265 w 5275533"/>
+                <a:gd name="connsiteY53" fmla="*/ 1641395 h 2980757"/>
+                <a:gd name="connsiteX54" fmla="*/ 701741 w 5275533"/>
+                <a:gd name="connsiteY54" fmla="*/ 1575500 h 2980757"/>
+                <a:gd name="connsiteX55" fmla="*/ 660178 w 5275533"/>
+                <a:gd name="connsiteY55" fmla="*/ 1511573 h 2980757"/>
+                <a:gd name="connsiteX56" fmla="*/ 578158 w 5275533"/>
+                <a:gd name="connsiteY56" fmla="*/ 1387656 h 2980757"/>
+                <a:gd name="connsiteX57" fmla="*/ 408230 w 5275533"/>
+                <a:gd name="connsiteY57" fmla="*/ 1134497 h 2980757"/>
+                <a:gd name="connsiteX58" fmla="*/ 242349 w 5275533"/>
+                <a:gd name="connsiteY58" fmla="*/ 866860 h 2980757"/>
+                <a:gd name="connsiteX59" fmla="*/ 167562 w 5275533"/>
+                <a:gd name="connsiteY59" fmla="*/ 724994 h 2980757"/>
+                <a:gd name="connsiteX60" fmla="*/ 104054 w 5275533"/>
+                <a:gd name="connsiteY60" fmla="*/ 576525 h 2980757"/>
+                <a:gd name="connsiteX61" fmla="*/ 55381 w 5275533"/>
+                <a:gd name="connsiteY61" fmla="*/ 422499 h 2980757"/>
+                <a:gd name="connsiteX62" fmla="*/ 37236 w 5275533"/>
+                <a:gd name="connsiteY62" fmla="*/ 343980 h 2980757"/>
+                <a:gd name="connsiteX63" fmla="*/ 29267 w 5275533"/>
+                <a:gd name="connsiteY63" fmla="*/ 304604 h 2980757"/>
+                <a:gd name="connsiteX64" fmla="*/ 22646 w 5275533"/>
+                <a:gd name="connsiteY64" fmla="*/ 265113 h 2980757"/>
+                <a:gd name="connsiteX65" fmla="*/ 3903 w 5275533"/>
+                <a:gd name="connsiteY65" fmla="*/ 106787 h 2980757"/>
+              </a:gdLst>
+              <a:ahLst/>
+              <a:cxnLst>
+                <a:cxn ang="0">
+                  <a:pos x="connsiteX0" y="connsiteY0"/>
+                </a:cxn>
+                <a:cxn ang="0">
+                  <a:pos x="connsiteX1" y="connsiteY1"/>
+                </a:cxn>
+                <a:cxn ang="0">
+                  <a:pos x="connsiteX2" y="connsiteY2"/>
+                </a:cxn>
+                <a:cxn ang="0">
+                  <a:pos x="connsiteX3" y="connsiteY3"/>
+                </a:cxn>
+                <a:cxn ang="0">
+                  <a:pos x="connsiteX4" y="connsiteY4"/>
+                </a:cxn>
+                <a:cxn ang="0">
+                  <a:pos x="connsiteX5" y="connsiteY5"/>
+                </a:cxn>
+                <a:cxn ang="0">
+                  <a:pos x="connsiteX6" y="connsiteY6"/>
+                </a:cxn>
+                <a:cxn ang="0">
+                  <a:pos x="connsiteX7" y="connsiteY7"/>
+                </a:cxn>
+                <a:cxn ang="0">
+                  <a:pos x="connsiteX8" y="connsiteY8"/>
+                </a:cxn>
+                <a:cxn ang="0">
+                  <a:pos x="connsiteX9" y="connsiteY9"/>
+                </a:cxn>
+                <a:cxn ang="0">
+                  <a:pos x="connsiteX10" y="connsiteY10"/>
+                </a:cxn>
+                <a:cxn ang="0">
+                  <a:pos x="connsiteX11" y="connsiteY11"/>
+                </a:cxn>
+                <a:cxn ang="0">
+                  <a:pos x="connsiteX12" y="connsiteY12"/>
+                </a:cxn>
+                <a:cxn ang="0">
+                  <a:pos x="connsiteX13" y="connsiteY13"/>
+                </a:cxn>
+                <a:cxn ang="0">
+                  <a:pos x="connsiteX14" y="connsiteY14"/>
+                </a:cxn>
+                <a:cxn ang="0">
+                  <a:pos x="connsiteX15" y="connsiteY15"/>
+                </a:cxn>
+                <a:cxn ang="0">
+                  <a:pos x="connsiteX16" y="connsiteY16"/>
+                </a:cxn>
+                <a:cxn ang="0">
+                  <a:pos x="connsiteX17" y="connsiteY17"/>
+                </a:cxn>
+                <a:cxn ang="0">
+                  <a:pos x="connsiteX18" y="connsiteY18"/>
+                </a:cxn>
+                <a:cxn ang="0">
+                  <a:pos x="connsiteX19" y="connsiteY19"/>
+                </a:cxn>
+                <a:cxn ang="0">
+                  <a:pos x="connsiteX20" y="connsiteY20"/>
+                </a:cxn>
+                <a:cxn ang="0">
+                  <a:pos x="connsiteX21" y="connsiteY21"/>
+                </a:cxn>
+                <a:cxn ang="0">
+                  <a:pos x="connsiteX22" y="connsiteY22"/>
+                </a:cxn>
+                <a:cxn ang="0">
+                  <a:pos x="connsiteX23" y="connsiteY23"/>
+                </a:cxn>
+                <a:cxn ang="0">
+                  <a:pos x="connsiteX24" y="connsiteY24"/>
+                </a:cxn>
+                <a:cxn ang="0">
+                  <a:pos x="connsiteX25" y="connsiteY25"/>
+                </a:cxn>
+                <a:cxn ang="0">
+                  <a:pos x="connsiteX26" y="connsiteY26"/>
+                </a:cxn>
+                <a:cxn ang="0">
+                  <a:pos x="connsiteX27" y="connsiteY27"/>
+                </a:cxn>
+                <a:cxn ang="0">
+                  <a:pos x="connsiteX28" y="connsiteY28"/>
+                </a:cxn>
+                <a:cxn ang="0">
+                  <a:pos x="connsiteX29" y="connsiteY29"/>
+                </a:cxn>
+                <a:cxn ang="0">
+                  <a:pos x="connsiteX30" y="connsiteY30"/>
+                </a:cxn>
+                <a:cxn ang="0">
+                  <a:pos x="connsiteX31" y="connsiteY31"/>
+                </a:cxn>
+                <a:cxn ang="0">
+                  <a:pos x="connsiteX32" y="connsiteY32"/>
+                </a:cxn>
+                <a:cxn ang="0">
+                  <a:pos x="connsiteX33" y="connsiteY33"/>
+                </a:cxn>
+                <a:cxn ang="0">
+                  <a:pos x="connsiteX34" y="connsiteY34"/>
+                </a:cxn>
+                <a:cxn ang="0">
+                  <a:pos x="connsiteX35" y="connsiteY35"/>
+                </a:cxn>
+                <a:cxn ang="0">
+                  <a:pos x="connsiteX36" y="connsiteY36"/>
+                </a:cxn>
+                <a:cxn ang="0">
+                  <a:pos x="connsiteX37" y="connsiteY37"/>
+                </a:cxn>
+                <a:cxn ang="0">
+                  <a:pos x="connsiteX38" y="connsiteY38"/>
+                </a:cxn>
+                <a:cxn ang="0">
+                  <a:pos x="connsiteX39" y="connsiteY39"/>
+                </a:cxn>
+                <a:cxn ang="0">
+                  <a:pos x="connsiteX40" y="connsiteY40"/>
+                </a:cxn>
+                <a:cxn ang="0">
+                  <a:pos x="connsiteX41" y="connsiteY41"/>
+                </a:cxn>
+                <a:cxn ang="0">
+                  <a:pos x="connsiteX42" y="connsiteY42"/>
+                </a:cxn>
+                <a:cxn ang="0">
+                  <a:pos x="connsiteX43" y="connsiteY43"/>
+                </a:cxn>
+                <a:cxn ang="0">
+                  <a:pos x="connsiteX44" y="connsiteY44"/>
+                </a:cxn>
+                <a:cxn ang="0">
+                  <a:pos x="connsiteX45" y="connsiteY45"/>
+                </a:cxn>
+                <a:cxn ang="0">
+                  <a:pos x="connsiteX46" y="connsiteY46"/>
+                </a:cxn>
+                <a:cxn ang="0">
+                  <a:pos x="connsiteX47" y="connsiteY47"/>
+                </a:cxn>
+                <a:cxn ang="0">
+                  <a:pos x="connsiteX48" y="connsiteY48"/>
+                </a:cxn>
+                <a:cxn ang="0">
+                  <a:pos x="connsiteX49" y="connsiteY49"/>
+                </a:cxn>
+                <a:cxn ang="0">
+                  <a:pos x="connsiteX50" y="connsiteY50"/>
+                </a:cxn>
+                <a:cxn ang="0">
+                  <a:pos x="connsiteX51" y="connsiteY51"/>
+                </a:cxn>
+                <a:cxn ang="0">
+                  <a:pos x="connsiteX52" y="connsiteY52"/>
+                </a:cxn>
+                <a:cxn ang="0">
+                  <a:pos x="connsiteX53" y="connsiteY53"/>
+                </a:cxn>
+                <a:cxn ang="0">
+                  <a:pos x="connsiteX54" y="connsiteY54"/>
+                </a:cxn>
+                <a:cxn ang="0">
+                  <a:pos x="connsiteX55" y="connsiteY55"/>
+                </a:cxn>
+                <a:cxn ang="0">
+                  <a:pos x="connsiteX56" y="connsiteY56"/>
+                </a:cxn>
+                <a:cxn ang="0">
+                  <a:pos x="connsiteX57" y="connsiteY57"/>
+                </a:cxn>
+                <a:cxn ang="0">
+                  <a:pos x="connsiteX58" y="connsiteY58"/>
+                </a:cxn>
+                <a:cxn ang="0">
+                  <a:pos x="connsiteX59" y="connsiteY59"/>
+                </a:cxn>
+                <a:cxn ang="0">
+                  <a:pos x="connsiteX60" y="connsiteY60"/>
+                </a:cxn>
+                <a:cxn ang="0">
+                  <a:pos x="connsiteX61" y="connsiteY61"/>
+                </a:cxn>
+                <a:cxn ang="0">
+                  <a:pos x="connsiteX62" y="connsiteY62"/>
+                </a:cxn>
+                <a:cxn ang="0">
+                  <a:pos x="connsiteX63" y="connsiteY63"/>
+                </a:cxn>
+                <a:cxn ang="0">
+                  <a:pos x="connsiteX64" y="connsiteY64"/>
+                </a:cxn>
+                <a:cxn ang="0">
+                  <a:pos x="connsiteX65" y="connsiteY65"/>
+                </a:cxn>
+              </a:cxnLst>
+              <a:rect l="l" t="t" r="r" b="b"/>
+              <a:pathLst>
+                <a:path w="5275533" h="2980757">
+                  <a:moveTo>
+                    <a:pt x="0" y="0"/>
+                  </a:moveTo>
+                  <a:lnTo>
+                    <a:pt x="201166" y="0"/>
+                  </a:lnTo>
+                  <a:lnTo>
+                    <a:pt x="206734" y="89286"/>
+                  </a:lnTo>
+                  <a:cubicBezTo>
+                    <a:pt x="212220" y="135755"/>
+                    <a:pt x="220465" y="181731"/>
+                    <a:pt x="232051" y="226897"/>
+                  </a:cubicBezTo>
+                  <a:cubicBezTo>
+                    <a:pt x="254855" y="317344"/>
+                    <a:pt x="290287" y="403854"/>
+                    <a:pt x="332707" y="487120"/>
+                  </a:cubicBezTo>
+                  <a:cubicBezTo>
+                    <a:pt x="354163" y="528696"/>
+                    <a:pt x="377948" y="569461"/>
+                    <a:pt x="402959" y="609647"/>
+                  </a:cubicBezTo>
+                  <a:cubicBezTo>
+                    <a:pt x="428337" y="649717"/>
+                    <a:pt x="455433" y="689209"/>
+                    <a:pt x="483631" y="728236"/>
+                  </a:cubicBezTo>
+                  <a:cubicBezTo>
+                    <a:pt x="540764" y="806061"/>
+                    <a:pt x="604271" y="881569"/>
+                    <a:pt x="669986" y="957424"/>
+                  </a:cubicBezTo>
+                  <a:cubicBezTo>
+                    <a:pt x="735701" y="1033395"/>
+                    <a:pt x="804359" y="1109366"/>
+                    <a:pt x="871667" y="1188348"/>
+                  </a:cubicBezTo>
+                  <a:cubicBezTo>
+                    <a:pt x="905383" y="1227723"/>
+                    <a:pt x="938731" y="1268025"/>
+                    <a:pt x="971956" y="1308905"/>
+                  </a:cubicBezTo>
+                  <a:lnTo>
+                    <a:pt x="1020139" y="1368084"/>
+                  </a:lnTo>
+                  <a:cubicBezTo>
+                    <a:pt x="1035954" y="1386962"/>
+                    <a:pt x="1051035" y="1406302"/>
+                    <a:pt x="1067340" y="1424715"/>
+                  </a:cubicBezTo>
+                  <a:cubicBezTo>
+                    <a:pt x="1194602" y="1574573"/>
+                    <a:pt x="1332652" y="1712503"/>
+                    <a:pt x="1472909" y="1843252"/>
+                  </a:cubicBezTo>
+                  <a:cubicBezTo>
+                    <a:pt x="1543406" y="1908337"/>
+                    <a:pt x="1615128" y="1971221"/>
+                    <a:pt x="1688567" y="2031559"/>
+                  </a:cubicBezTo>
+                  <a:cubicBezTo>
+                    <a:pt x="1762006" y="2091895"/>
+                    <a:pt x="1836793" y="2150263"/>
+                    <a:pt x="1914401" y="2205156"/>
+                  </a:cubicBezTo>
+                  <a:cubicBezTo>
+                    <a:pt x="2069003" y="2315176"/>
+                    <a:pt x="2235742" y="2413498"/>
+                    <a:pt x="2418909" y="2479741"/>
+                  </a:cubicBezTo>
+                  <a:cubicBezTo>
+                    <a:pt x="2510249" y="2512863"/>
+                    <a:pt x="2604898" y="2538225"/>
+                    <a:pt x="2701141" y="2557333"/>
+                  </a:cubicBezTo>
+                  <a:cubicBezTo>
+                    <a:pt x="2725293" y="2561850"/>
+                    <a:pt x="2749201" y="2567062"/>
+                    <a:pt x="2773475" y="2570999"/>
+                  </a:cubicBezTo>
+                  <a:lnTo>
+                    <a:pt x="2846424" y="2582465"/>
+                  </a:lnTo>
+                  <a:cubicBezTo>
+                    <a:pt x="2895343" y="2588602"/>
+                    <a:pt x="2944261" y="2595088"/>
+                    <a:pt x="2993669" y="2598909"/>
+                  </a:cubicBezTo>
+                  <a:cubicBezTo>
+                    <a:pt x="3018313" y="2601110"/>
+                    <a:pt x="3042956" y="2603195"/>
+                    <a:pt x="3067721" y="2604237"/>
+                  </a:cubicBezTo>
+                  <a:cubicBezTo>
+                    <a:pt x="3092487" y="2605394"/>
+                    <a:pt x="3117130" y="2607247"/>
+                    <a:pt x="3142019" y="2607943"/>
+                  </a:cubicBezTo>
+                  <a:lnTo>
+                    <a:pt x="3216561" y="2609564"/>
+                  </a:lnTo>
+                  <a:cubicBezTo>
+                    <a:pt x="3241326" y="2610142"/>
+                    <a:pt x="3266337" y="2609333"/>
+                    <a:pt x="3291225" y="2609217"/>
+                  </a:cubicBezTo>
+                  <a:lnTo>
+                    <a:pt x="3328619" y="2608869"/>
+                  </a:lnTo>
+                  <a:cubicBezTo>
+                    <a:pt x="3340757" y="2608522"/>
+                    <a:pt x="3352649" y="2607827"/>
+                    <a:pt x="3364665" y="2607363"/>
+                  </a:cubicBezTo>
+                  <a:cubicBezTo>
+                    <a:pt x="3376679" y="2606784"/>
+                    <a:pt x="3388695" y="2606438"/>
+                    <a:pt x="3400587" y="2605627"/>
+                  </a:cubicBezTo>
+                  <a:lnTo>
+                    <a:pt x="3436387" y="2602847"/>
+                  </a:lnTo>
+                  <a:cubicBezTo>
+                    <a:pt x="3484079" y="2599257"/>
+                    <a:pt x="3531404" y="2593235"/>
+                    <a:pt x="3578361" y="2586286"/>
+                  </a:cubicBezTo>
+                  <a:cubicBezTo>
+                    <a:pt x="3766310" y="2556871"/>
+                    <a:pt x="3947025" y="2499314"/>
+                    <a:pt x="4119159" y="2418594"/>
+                  </a:cubicBezTo>
+                  <a:cubicBezTo>
+                    <a:pt x="4291907" y="2338801"/>
+                    <a:pt x="4456317" y="2236657"/>
+                    <a:pt x="4618765" y="2124668"/>
+                  </a:cubicBezTo>
+                  <a:cubicBezTo>
+                    <a:pt x="4659346" y="2096759"/>
+                    <a:pt x="4699682" y="2067575"/>
+                    <a:pt x="4739895" y="2038275"/>
+                  </a:cubicBezTo>
+                  <a:cubicBezTo>
+                    <a:pt x="4780355" y="2008976"/>
+                    <a:pt x="4820691" y="1979212"/>
+                    <a:pt x="4861027" y="1948986"/>
+                  </a:cubicBezTo>
+                  <a:lnTo>
+                    <a:pt x="5106354" y="1763690"/>
+                  </a:lnTo>
+                  <a:lnTo>
+                    <a:pt x="5275533" y="1641017"/>
+                  </a:lnTo>
+                  <a:lnTo>
+                    <a:pt x="5275533" y="2257481"/>
+                  </a:lnTo>
+                  <a:lnTo>
+                    <a:pt x="5168881" y="2332084"/>
+                  </a:lnTo>
+                  <a:cubicBezTo>
+                    <a:pt x="5125235" y="2362079"/>
+                    <a:pt x="5081099" y="2391958"/>
+                    <a:pt x="5036225" y="2421489"/>
+                  </a:cubicBezTo>
+                  <a:cubicBezTo>
+                    <a:pt x="4991231" y="2450790"/>
+                    <a:pt x="4945867" y="2479857"/>
+                    <a:pt x="4899401" y="2508347"/>
+                  </a:cubicBezTo>
+                  <a:cubicBezTo>
+                    <a:pt x="4806959" y="2565440"/>
+                    <a:pt x="4711574" y="2620798"/>
+                    <a:pt x="4612145" y="2671407"/>
+                  </a:cubicBezTo>
+                  <a:cubicBezTo>
+                    <a:pt x="4512836" y="2722247"/>
+                    <a:pt x="4410095" y="2769496"/>
+                    <a:pt x="4303187" y="2810030"/>
+                  </a:cubicBezTo>
+                  <a:cubicBezTo>
+                    <a:pt x="4090349" y="2892256"/>
+                    <a:pt x="3861694" y="2947728"/>
+                    <a:pt x="3630835" y="2969500"/>
+                  </a:cubicBezTo>
+                  <a:cubicBezTo>
+                    <a:pt x="3573089" y="2974712"/>
+                    <a:pt x="3515343" y="2978649"/>
+                    <a:pt x="3457719" y="2979808"/>
+                  </a:cubicBezTo>
+                  <a:lnTo>
+                    <a:pt x="3414441" y="2980733"/>
+                  </a:lnTo>
+                  <a:cubicBezTo>
+                    <a:pt x="3400097" y="2980850"/>
+                    <a:pt x="3385630" y="2980502"/>
+                    <a:pt x="3371285" y="2980502"/>
+                  </a:cubicBezTo>
+                  <a:lnTo>
+                    <a:pt x="3328252" y="2980039"/>
+                  </a:lnTo>
+                  <a:lnTo>
+                    <a:pt x="3286445" y="2978534"/>
+                  </a:lnTo>
+                  <a:cubicBezTo>
+                    <a:pt x="3175121" y="2975174"/>
+                    <a:pt x="3063553" y="2966837"/>
+                    <a:pt x="2952475" y="2953402"/>
+                  </a:cubicBezTo>
+                  <a:cubicBezTo>
+                    <a:pt x="2841275" y="2940664"/>
+                    <a:pt x="2730319" y="2922365"/>
+                    <a:pt x="2620591" y="2898046"/>
+                  </a:cubicBezTo>
+                  <a:cubicBezTo>
+                    <a:pt x="2510984" y="2873494"/>
+                    <a:pt x="2402235" y="2844426"/>
+                    <a:pt x="2294591" y="2811305"/>
+                  </a:cubicBezTo>
+                  <a:cubicBezTo>
+                    <a:pt x="2079669" y="2744483"/>
+                    <a:pt x="1867198" y="2661331"/>
+                    <a:pt x="1670544" y="2550501"/>
+                  </a:cubicBezTo>
+                  <a:cubicBezTo>
+                    <a:pt x="1473767" y="2439903"/>
+                    <a:pt x="1298079" y="2299657"/>
+                    <a:pt x="1144703" y="2144472"/>
+                  </a:cubicBezTo>
+                  <a:cubicBezTo>
+                    <a:pt x="1067586" y="2066996"/>
+                    <a:pt x="997458" y="1984539"/>
+                    <a:pt x="931497" y="1900114"/>
+                  </a:cubicBezTo>
+                  <a:cubicBezTo>
+                    <a:pt x="865906" y="1815342"/>
+                    <a:pt x="803500" y="1729295"/>
+                    <a:pt x="745265" y="1641395"/>
+                  </a:cubicBezTo>
+                  <a:cubicBezTo>
+                    <a:pt x="730307" y="1619623"/>
+                    <a:pt x="716207" y="1597503"/>
+                    <a:pt x="701741" y="1575500"/>
+                  </a:cubicBezTo>
+                  <a:lnTo>
+                    <a:pt x="660178" y="1511573"/>
+                  </a:lnTo>
+                  <a:cubicBezTo>
+                    <a:pt x="633574" y="1470229"/>
+                    <a:pt x="605989" y="1429232"/>
+                    <a:pt x="578158" y="1387656"/>
+                  </a:cubicBezTo>
+                  <a:lnTo>
+                    <a:pt x="408230" y="1134497"/>
+                  </a:lnTo>
+                  <a:cubicBezTo>
+                    <a:pt x="351220" y="1048219"/>
+                    <a:pt x="294945" y="959392"/>
+                    <a:pt x="242349" y="866860"/>
+                  </a:cubicBezTo>
+                  <a:cubicBezTo>
+                    <a:pt x="216112" y="820536"/>
+                    <a:pt x="190734" y="773402"/>
+                    <a:pt x="167562" y="724994"/>
+                  </a:cubicBezTo>
+                  <a:cubicBezTo>
+                    <a:pt x="144513" y="676469"/>
+                    <a:pt x="123057" y="627019"/>
+                    <a:pt x="104054" y="576525"/>
+                  </a:cubicBezTo>
+                  <a:cubicBezTo>
+                    <a:pt x="85418" y="525917"/>
+                    <a:pt x="68867" y="474613"/>
+                    <a:pt x="55381" y="422499"/>
+                  </a:cubicBezTo>
+                  <a:cubicBezTo>
+                    <a:pt x="49006" y="396442"/>
+                    <a:pt x="42508" y="370269"/>
+                    <a:pt x="37236" y="343980"/>
+                  </a:cubicBezTo>
+                  <a:lnTo>
+                    <a:pt x="29267" y="304604"/>
+                  </a:lnTo>
+                  <a:lnTo>
+                    <a:pt x="22646" y="265113"/>
+                  </a:lnTo>
+                  <a:cubicBezTo>
+                    <a:pt x="14003" y="212420"/>
+                    <a:pt x="7872" y="159582"/>
+                    <a:pt x="3903" y="106787"/>
+                  </a:cubicBezTo>
+                  <a:close/>
+                </a:path>
+              </a:pathLst>
+            </a:custGeom>
+            <a:gradFill>
+              <a:gsLst>
+                <a:gs pos="2000">
+                  <a:schemeClr val="bg1">
+                    <a:alpha val="10000"/>
+                  </a:schemeClr>
+                </a:gs>
+                <a:gs pos="16000">
+                  <a:schemeClr val="accent6">
+                    <a:alpha val="10000"/>
+                  </a:schemeClr>
+                </a:gs>
+                <a:gs pos="100000">
+                  <a:schemeClr val="bg1">
+                    <a:alpha val="10000"/>
+                  </a:schemeClr>
+                </a:gs>
+                <a:gs pos="85000">
+                  <a:schemeClr val="accent1">
+                    <a:alpha val="10000"/>
+                  </a:schemeClr>
+                </a:gs>
+              </a:gsLst>
+              <a:lin ang="12000000" scaled="0"/>
+            </a:gradFill>
+            <a:ln>
+              <a:noFill/>
+            </a:ln>
+          </p:spPr>
+          <p:style>
+            <a:lnRef idx="2">
+              <a:schemeClr val="accent1">
+                <a:shade val="50000"/>
+              </a:schemeClr>
+            </a:lnRef>
+            <a:fillRef idx="1">
+              <a:schemeClr val="accent1"/>
+            </a:fillRef>
+            <a:effectRef idx="0">
+              <a:schemeClr val="accent1"/>
+            </a:effectRef>
+            <a:fontRef idx="minor">
+              <a:schemeClr val="lt1"/>
+            </a:fontRef>
+          </p:style>
+          <p:txBody>
+            <a:bodyPr rtlCol="0" anchor="ctr"/>
+            <a:lstStyle/>
+            <a:p>
+              <a:pPr algn="ctr"/>
+              <a:endParaRPr lang="en-US"/>
+            </a:p>
+          </p:txBody>
+        </p:sp>
+        <p:sp>
+          <p:nvSpPr>
+            <p:cNvPr id="16" name="Freeform: Shape 15">
+              <a:extLst>
+                <a:ext uri="{FF2B5EF4-FFF2-40B4-BE49-F238E27FC236}">
+                  <a16:creationId xmlns:a16="http://schemas.microsoft.com/office/drawing/2014/main" id="{D2208F20-F93C-4530-8370-FC7818BABB30}"/>
+                </a:ext>
+                <a:ext uri="{C183D7F6-B498-43B3-948B-1728B52AA6E4}">
+                  <adec:decorative xmlns:adec="http://schemas.microsoft.com/office/drawing/2017/decorative" val="1"/>
+                </a:ext>
+              </a:extLst>
+            </p:cNvPr>
+            <p:cNvSpPr/>
+            <p:nvPr>
+              <p:extLst>
+                <p:ext uri="{386F3935-93C4-4BCD-93E2-E3B085C9AB24}">
+                  <p16:designElem xmlns:p16="http://schemas.microsoft.com/office/powerpoint/2015/main" val="1"/>
+                </p:ext>
+              </p:extLst>
+            </p:nvPr>
+          </p:nvSpPr>
+          <p:spPr>
+            <a:xfrm>
+              <a:off x="6921214" y="-1"/>
+              <a:ext cx="5270786" cy="2927775"/>
+            </a:xfrm>
+            <a:custGeom>
+              <a:avLst/>
+              <a:gdLst>
+                <a:gd name="connsiteX0" fmla="*/ 0 w 5270786"/>
+                <a:gd name="connsiteY0" fmla="*/ 0 h 2927775"/>
+                <a:gd name="connsiteX1" fmla="*/ 613805 w 5270786"/>
+                <a:gd name="connsiteY1" fmla="*/ 0 h 2927775"/>
+                <a:gd name="connsiteX2" fmla="*/ 618487 w 5270786"/>
+                <a:gd name="connsiteY2" fmla="*/ 85404 h 2927775"/>
+                <a:gd name="connsiteX3" fmla="*/ 1054084 w 5270786"/>
+                <a:gd name="connsiteY3" fmla="*/ 895200 h 2927775"/>
+                <a:gd name="connsiteX4" fmla="*/ 1276976 w 5270786"/>
+                <a:gd name="connsiteY4" fmla="*/ 1191325 h 2927775"/>
+                <a:gd name="connsiteX5" fmla="*/ 3368450 w 5270786"/>
+                <a:gd name="connsiteY5" fmla="*/ 2348843 h 2927775"/>
+                <a:gd name="connsiteX6" fmla="*/ 4956151 w 5270786"/>
+                <a:gd name="connsiteY6" fmla="*/ 1636730 h 2927775"/>
+                <a:gd name="connsiteX7" fmla="*/ 5149372 w 5270786"/>
+                <a:gd name="connsiteY7" fmla="*/ 1495325 h 2927775"/>
+                <a:gd name="connsiteX8" fmla="*/ 5270786 w 5270786"/>
+                <a:gd name="connsiteY8" fmla="*/ 1406110 h 2927775"/>
+                <a:gd name="connsiteX9" fmla="*/ 5270786 w 5270786"/>
+                <a:gd name="connsiteY9" fmla="*/ 2138641 h 2927775"/>
+                <a:gd name="connsiteX10" fmla="*/ 5112925 w 5270786"/>
+                <a:gd name="connsiteY10" fmla="*/ 2253730 h 2927775"/>
+                <a:gd name="connsiteX11" fmla="*/ 3368327 w 5270786"/>
+                <a:gd name="connsiteY11" fmla="*/ 2927775 h 2927775"/>
+                <a:gd name="connsiteX12" fmla="*/ 769646 w 5270786"/>
+                <a:gd name="connsiteY12" fmla="*/ 1516288 h 2927775"/>
+                <a:gd name="connsiteX13" fmla="*/ 3149 w 5270786"/>
+                <a:gd name="connsiteY13" fmla="*/ 85252 h 2927775"/>
+              </a:gdLst>
+              <a:ahLst/>
+              <a:cxnLst>
+                <a:cxn ang="0">
+                  <a:pos x="connsiteX0" y="connsiteY0"/>
+                </a:cxn>
+                <a:cxn ang="0">
+                  <a:pos x="connsiteX1" y="connsiteY1"/>
+                </a:cxn>
+                <a:cxn ang="0">
+                  <a:pos x="connsiteX2" y="connsiteY2"/>
+                </a:cxn>
+                <a:cxn ang="0">
+                  <a:pos x="connsiteX3" y="connsiteY3"/>
+                </a:cxn>
+                <a:cxn ang="0">
+                  <a:pos x="connsiteX4" y="connsiteY4"/>
+                </a:cxn>
+                <a:cxn ang="0">
+                  <a:pos x="connsiteX5" y="connsiteY5"/>
+                </a:cxn>
+                <a:cxn ang="0">
+                  <a:pos x="connsiteX6" y="connsiteY6"/>
+                </a:cxn>
+                <a:cxn ang="0">
+                  <a:pos x="connsiteX7" y="connsiteY7"/>
+                </a:cxn>
+                <a:cxn ang="0">
+                  <a:pos x="connsiteX8" y="connsiteY8"/>
+                </a:cxn>
+                <a:cxn ang="0">
+                  <a:pos x="connsiteX9" y="connsiteY9"/>
+                </a:cxn>
+                <a:cxn ang="0">
+                  <a:pos x="connsiteX10" y="connsiteY10"/>
+                </a:cxn>
+                <a:cxn ang="0">
+                  <a:pos x="connsiteX11" y="connsiteY11"/>
+                </a:cxn>
+                <a:cxn ang="0">
+                  <a:pos x="connsiteX12" y="connsiteY12"/>
+                </a:cxn>
+                <a:cxn ang="0">
+                  <a:pos x="connsiteX13" y="connsiteY13"/>
+                </a:cxn>
+              </a:cxnLst>
+              <a:rect l="l" t="t" r="r" b="b"/>
+              <a:pathLst>
+                <a:path w="5270786" h="2927775">
+                  <a:moveTo>
+                    <a:pt x="0" y="0"/>
+                  </a:moveTo>
+                  <a:lnTo>
+                    <a:pt x="613805" y="0"/>
+                  </a:lnTo>
+                  <a:lnTo>
+                    <a:pt x="618487" y="85404"/>
+                  </a:lnTo>
+                  <a:cubicBezTo>
+                    <a:pt x="650052" y="360109"/>
+                    <a:pt x="792650" y="556543"/>
+                    <a:pt x="1054084" y="895200"/>
+                  </a:cubicBezTo>
+                  <a:cubicBezTo>
+                    <a:pt x="1126174" y="988542"/>
+                    <a:pt x="1200716" y="1085128"/>
+                    <a:pt x="1276976" y="1191325"/>
+                  </a:cubicBezTo>
+                  <a:cubicBezTo>
+                    <a:pt x="1859704" y="2002688"/>
+                    <a:pt x="2485223" y="2348843"/>
+                    <a:pt x="3368450" y="2348843"/>
+                  </a:cubicBezTo>
+                  <a:cubicBezTo>
+                    <a:pt x="3948114" y="2348843"/>
+                    <a:pt x="4373422" y="2066846"/>
+                    <a:pt x="4956151" y="1636730"/>
+                  </a:cubicBezTo>
+                  <a:cubicBezTo>
+                    <a:pt x="5021253" y="1588668"/>
+                    <a:pt x="5086356" y="1541186"/>
+                    <a:pt x="5149372" y="1495325"/>
+                  </a:cubicBezTo>
+                  <a:lnTo>
+                    <a:pt x="5270786" y="1406110"/>
+                  </a:lnTo>
+                  <a:lnTo>
+                    <a:pt x="5270786" y="2138641"/>
+                  </a:lnTo>
+                  <a:lnTo>
+                    <a:pt x="5112925" y="2253730"/>
+                  </a:lnTo>
+                  <a:cubicBezTo>
+                    <a:pt x="4598179" y="2621786"/>
+                    <a:pt x="4074961" y="2927775"/>
+                    <a:pt x="3368327" y="2927775"/>
+                  </a:cubicBezTo>
+                  <a:cubicBezTo>
+                    <a:pt x="2170746" y="2927775"/>
+                    <a:pt x="1393203" y="2384512"/>
+                    <a:pt x="769646" y="1516288"/>
+                  </a:cubicBezTo>
+                  <a:cubicBezTo>
+                    <a:pt x="418850" y="1027932"/>
+                    <a:pt x="48120" y="683401"/>
+                    <a:pt x="3149" y="85252"/>
+                  </a:cubicBezTo>
+                  <a:close/>
+                </a:path>
+              </a:pathLst>
+            </a:custGeom>
+            <a:gradFill>
+              <a:gsLst>
+                <a:gs pos="2000">
+                  <a:schemeClr val="bg1">
+                    <a:alpha val="10000"/>
+                  </a:schemeClr>
+                </a:gs>
+                <a:gs pos="16000">
+                  <a:schemeClr val="accent6">
+                    <a:alpha val="10000"/>
+                  </a:schemeClr>
+                </a:gs>
+                <a:gs pos="100000">
+                  <a:schemeClr val="bg1">
+                    <a:alpha val="10000"/>
+                  </a:schemeClr>
+                </a:gs>
+                <a:gs pos="85000">
+                  <a:schemeClr val="accent1">
+                    <a:alpha val="10000"/>
+                  </a:schemeClr>
+                </a:gs>
+              </a:gsLst>
+              <a:lin ang="12000000" scaled="0"/>
+            </a:gradFill>
+            <a:ln>
+              <a:noFill/>
+            </a:ln>
+          </p:spPr>
+          <p:style>
+            <a:lnRef idx="2">
+              <a:schemeClr val="accent1">
+                <a:shade val="50000"/>
+              </a:schemeClr>
+            </a:lnRef>
+            <a:fillRef idx="1">
+              <a:schemeClr val="accent1"/>
+            </a:fillRef>
+            <a:effectRef idx="0">
+              <a:schemeClr val="accent1"/>
+            </a:effectRef>
+            <a:fontRef idx="minor">
+              <a:schemeClr val="lt1"/>
+            </a:fontRef>
+          </p:style>
+          <p:txBody>
+            <a:bodyPr rtlCol="0" anchor="ctr"/>
+            <a:lstStyle/>
+            <a:p>
+              <a:pPr algn="ctr"/>
+              <a:endParaRPr lang="en-US"/>
+            </a:p>
+          </p:txBody>
+        </p:sp>
+        <p:sp>
+          <p:nvSpPr>
+            <p:cNvPr id="17" name="Freeform: Shape 16">
+              <a:extLst>
+                <a:ext uri="{FF2B5EF4-FFF2-40B4-BE49-F238E27FC236}">
+                  <a16:creationId xmlns:a16="http://schemas.microsoft.com/office/drawing/2014/main" id="{E52F51E0-B50B-43EA-B6AC-C16BD29C3EDD}"/>
+                </a:ext>
+                <a:ext uri="{C183D7F6-B498-43B3-948B-1728B52AA6E4}">
+                  <adec:decorative xmlns:adec="http://schemas.microsoft.com/office/drawing/2017/decorative" val="1"/>
+                </a:ext>
+              </a:extLst>
+            </p:cNvPr>
+            <p:cNvSpPr/>
+            <p:nvPr>
+              <p:extLst>
+                <p:ext uri="{386F3935-93C4-4BCD-93E2-E3B085C9AB24}">
+                  <p16:designElem xmlns:p16="http://schemas.microsoft.com/office/powerpoint/2015/main" val="1"/>
+                </p:ext>
+              </p:extLst>
+            </p:nvPr>
+          </p:nvSpPr>
+          <p:spPr>
+            <a:xfrm>
+              <a:off x="6921214" y="-1"/>
+              <a:ext cx="5270786" cy="2927775"/>
+            </a:xfrm>
+            <a:custGeom>
+              <a:avLst/>
+              <a:gdLst>
+                <a:gd name="connsiteX0" fmla="*/ 0 w 5270786"/>
+                <a:gd name="connsiteY0" fmla="*/ 0 h 2927775"/>
+                <a:gd name="connsiteX1" fmla="*/ 736294 w 5270786"/>
+                <a:gd name="connsiteY1" fmla="*/ 0 h 2927775"/>
+                <a:gd name="connsiteX2" fmla="*/ 740298 w 5270786"/>
+                <a:gd name="connsiteY2" fmla="*/ 72745 h 2927775"/>
+                <a:gd name="connsiteX3" fmla="*/ 1153024 w 5270786"/>
+                <a:gd name="connsiteY3" fmla="*/ 826989 h 2927775"/>
+                <a:gd name="connsiteX4" fmla="*/ 1378368 w 5270786"/>
+                <a:gd name="connsiteY4" fmla="*/ 1126356 h 2927775"/>
+                <a:gd name="connsiteX5" fmla="*/ 2238056 w 5270786"/>
+                <a:gd name="connsiteY5" fmla="*/ 1955322 h 2927775"/>
+                <a:gd name="connsiteX6" fmla="*/ 3368327 w 5270786"/>
+                <a:gd name="connsiteY6" fmla="*/ 2233033 h 2927775"/>
+                <a:gd name="connsiteX7" fmla="*/ 4095360 w 5270786"/>
+                <a:gd name="connsiteY7" fmla="*/ 2056192 h 2927775"/>
+                <a:gd name="connsiteX8" fmla="*/ 4880506 w 5270786"/>
+                <a:gd name="connsiteY8" fmla="*/ 1545587 h 2927775"/>
+                <a:gd name="connsiteX9" fmla="*/ 5074340 w 5270786"/>
+                <a:gd name="connsiteY9" fmla="*/ 1403721 h 2927775"/>
+                <a:gd name="connsiteX10" fmla="*/ 5270786 w 5270786"/>
+                <a:gd name="connsiteY10" fmla="*/ 1259367 h 2927775"/>
+                <a:gd name="connsiteX11" fmla="*/ 5270786 w 5270786"/>
+                <a:gd name="connsiteY11" fmla="*/ 2138641 h 2927775"/>
+                <a:gd name="connsiteX12" fmla="*/ 5112925 w 5270786"/>
+                <a:gd name="connsiteY12" fmla="*/ 2253730 h 2927775"/>
+                <a:gd name="connsiteX13" fmla="*/ 3368327 w 5270786"/>
+                <a:gd name="connsiteY13" fmla="*/ 2927775 h 2927775"/>
+                <a:gd name="connsiteX14" fmla="*/ 769646 w 5270786"/>
+                <a:gd name="connsiteY14" fmla="*/ 1516288 h 2927775"/>
+                <a:gd name="connsiteX15" fmla="*/ 3149 w 5270786"/>
+                <a:gd name="connsiteY15" fmla="*/ 85252 h 2927775"/>
+              </a:gdLst>
+              <a:ahLst/>
+              <a:cxnLst>
+                <a:cxn ang="0">
+                  <a:pos x="connsiteX0" y="connsiteY0"/>
+                </a:cxn>
+                <a:cxn ang="0">
+                  <a:pos x="connsiteX1" y="connsiteY1"/>
+                </a:cxn>
+                <a:cxn ang="0">
+                  <a:pos x="connsiteX2" y="connsiteY2"/>
+                </a:cxn>
+                <a:cxn ang="0">
+                  <a:pos x="connsiteX3" y="connsiteY3"/>
+                </a:cxn>
+                <a:cxn ang="0">
+                  <a:pos x="connsiteX4" y="connsiteY4"/>
+                </a:cxn>
+                <a:cxn ang="0">
+                  <a:pos x="connsiteX5" y="connsiteY5"/>
+                </a:cxn>
+                <a:cxn ang="0">
+                  <a:pos x="connsiteX6" y="connsiteY6"/>
+                </a:cxn>
+                <a:cxn ang="0">
+                  <a:pos x="connsiteX7" y="connsiteY7"/>
+                </a:cxn>
+                <a:cxn ang="0">
+                  <a:pos x="connsiteX8" y="connsiteY8"/>
+                </a:cxn>
+                <a:cxn ang="0">
+                  <a:pos x="connsiteX9" y="connsiteY9"/>
+                </a:cxn>
+                <a:cxn ang="0">
+                  <a:pos x="connsiteX10" y="connsiteY10"/>
+                </a:cxn>
+                <a:cxn ang="0">
+                  <a:pos x="connsiteX11" y="connsiteY11"/>
+                </a:cxn>
+                <a:cxn ang="0">
+                  <a:pos x="connsiteX12" y="connsiteY12"/>
+                </a:cxn>
+                <a:cxn ang="0">
+                  <a:pos x="connsiteX13" y="connsiteY13"/>
+                </a:cxn>
+                <a:cxn ang="0">
+                  <a:pos x="connsiteX14" y="connsiteY14"/>
+                </a:cxn>
+                <a:cxn ang="0">
+                  <a:pos x="connsiteX15" y="connsiteY15"/>
+                </a:cxn>
+              </a:cxnLst>
+              <a:rect l="l" t="t" r="r" b="b"/>
+              <a:pathLst>
+                <a:path w="5270786" h="2927775">
+                  <a:moveTo>
+                    <a:pt x="0" y="0"/>
+                  </a:moveTo>
+                  <a:lnTo>
+                    <a:pt x="736294" y="0"/>
+                  </a:lnTo>
+                  <a:lnTo>
+                    <a:pt x="740298" y="72745"/>
+                  </a:lnTo>
+                  <a:cubicBezTo>
+                    <a:pt x="768839" y="319371"/>
+                    <a:pt x="898885" y="497858"/>
+                    <a:pt x="1153024" y="826989"/>
+                  </a:cubicBezTo>
+                  <a:cubicBezTo>
+                    <a:pt x="1225727" y="921142"/>
+                    <a:pt x="1300882" y="1018537"/>
+                    <a:pt x="1378368" y="1126356"/>
+                  </a:cubicBezTo>
+                  <a:cubicBezTo>
+                    <a:pt x="1652384" y="1507833"/>
+                    <a:pt x="1933512" y="1779060"/>
+                    <a:pt x="2238056" y="1955322"/>
+                  </a:cubicBezTo>
+                  <a:cubicBezTo>
+                    <a:pt x="2560868" y="2142238"/>
+                    <a:pt x="2930637" y="2233033"/>
+                    <a:pt x="3368327" y="2233033"/>
+                  </a:cubicBezTo>
+                  <a:cubicBezTo>
+                    <a:pt x="3616720" y="2233033"/>
+                    <a:pt x="3847703" y="2176866"/>
+                    <a:pt x="4095360" y="2056192"/>
+                  </a:cubicBezTo>
+                  <a:cubicBezTo>
+                    <a:pt x="4349636" y="1932276"/>
+                    <a:pt x="4601340" y="1751613"/>
+                    <a:pt x="4880506" y="1545587"/>
+                  </a:cubicBezTo>
+                  <a:cubicBezTo>
+                    <a:pt x="4945974" y="1497295"/>
+                    <a:pt x="5011199" y="1449697"/>
+                    <a:pt x="5074340" y="1403721"/>
+                  </a:cubicBezTo>
+                  <a:lnTo>
+                    <a:pt x="5270786" y="1259367"/>
+                  </a:lnTo>
+                  <a:lnTo>
+                    <a:pt x="5270786" y="2138641"/>
+                  </a:lnTo>
+                  <a:lnTo>
+                    <a:pt x="5112925" y="2253730"/>
+                  </a:lnTo>
+                  <a:cubicBezTo>
+                    <a:pt x="4598179" y="2621786"/>
+                    <a:pt x="4074961" y="2927775"/>
+                    <a:pt x="3368327" y="2927775"/>
+                  </a:cubicBezTo>
+                  <a:cubicBezTo>
+                    <a:pt x="2170746" y="2927775"/>
+                    <a:pt x="1393203" y="2384512"/>
+                    <a:pt x="769646" y="1516288"/>
+                  </a:cubicBezTo>
+                  <a:cubicBezTo>
+                    <a:pt x="418850" y="1027932"/>
+                    <a:pt x="48120" y="683401"/>
+                    <a:pt x="3149" y="85252"/>
+                  </a:cubicBezTo>
+                  <a:close/>
+                </a:path>
+              </a:pathLst>
+            </a:custGeom>
+            <a:gradFill>
+              <a:gsLst>
+                <a:gs pos="2000">
+                  <a:schemeClr val="bg1">
+                    <a:alpha val="10000"/>
+                  </a:schemeClr>
+                </a:gs>
+                <a:gs pos="16000">
+                  <a:schemeClr val="accent6">
+                    <a:alpha val="10000"/>
+                  </a:schemeClr>
+                </a:gs>
+                <a:gs pos="100000">
+                  <a:schemeClr val="bg1">
+                    <a:alpha val="10000"/>
+                  </a:schemeClr>
+                </a:gs>
+                <a:gs pos="85000">
+                  <a:schemeClr val="accent1">
+                    <a:alpha val="10000"/>
+                  </a:schemeClr>
+                </a:gs>
+              </a:gsLst>
+              <a:lin ang="12000000" scaled="0"/>
+            </a:gradFill>
+            <a:ln>
+              <a:noFill/>
+            </a:ln>
+          </p:spPr>
+          <p:style>
+            <a:lnRef idx="2">
+              <a:schemeClr val="accent1">
+                <a:shade val="50000"/>
+              </a:schemeClr>
+            </a:lnRef>
+            <a:fillRef idx="1">
+              <a:schemeClr val="accent1"/>
+            </a:fillRef>
+            <a:effectRef idx="0">
+              <a:schemeClr val="accent1"/>
+            </a:effectRef>
+            <a:fontRef idx="minor">
+              <a:schemeClr val="lt1"/>
+            </a:fontRef>
+          </p:style>
+          <p:txBody>
+            <a:bodyPr rtlCol="0" anchor="ctr"/>
+            <a:lstStyle/>
+            <a:p>
+              <a:pPr algn="ctr"/>
+              <a:endParaRPr lang="en-US"/>
+            </a:p>
+          </p:txBody>
+        </p:sp>
+      </p:grpSp>
       <p:sp>
         <p:nvSpPr>
           <p:cNvPr id="4" name="Slayt Numarası Yer Tutucusu 3">
             <a:extLst>
               <a:ext uri="{FF2B5EF4-FFF2-40B4-BE49-F238E27FC236}">
-                <a16:creationId xmlns:a16="http://schemas.microsoft.com/office/drawing/2014/main" id="{2209E079-8F91-4BBA-976C-8A73D3AB321F}"/>
+                <a16:creationId xmlns:a16="http://schemas.microsoft.com/office/drawing/2014/main" id="{F0324C07-C5F2-41B9-ABFF-68F784F5038C}"/>
               </a:ext>
             </a:extLst>
           </p:cNvPr>
@@ -7294,7 +11915,7 @@
                   <a:spcPts val="600"/>
                 </a:spcAft>
               </a:pPr>
-              <a:t>11</a:t>
+              <a:t>12</a:t>
             </a:fld>
             <a:endParaRPr lang="tr-TR"/>
           </a:p>
@@ -7305,7 +11926,7 @@
           <p:cNvPr id="12" name="İçerik Yer Tutucusu 2">
             <a:extLst>
               <a:ext uri="{FF2B5EF4-FFF2-40B4-BE49-F238E27FC236}">
-                <a16:creationId xmlns:a16="http://schemas.microsoft.com/office/drawing/2014/main" id="{FB188065-B890-44AD-A845-4D1E751B6B9D}"/>
+                <a16:creationId xmlns:a16="http://schemas.microsoft.com/office/drawing/2014/main" id="{C9B16F21-A242-4E8C-B1BF-7E2BF4FFC088}"/>
               </a:ext>
             </a:extLst>
           </p:cNvPr>
@@ -7318,24 +11939,23 @@
         </p:nvSpPr>
         <p:spPr>
           <a:xfrm>
-            <a:off x="789126" y="1518020"/>
-            <a:ext cx="8342530" cy="4838330"/>
+            <a:off x="789125" y="1518020"/>
+            <a:ext cx="11137263" cy="4838330"/>
           </a:xfrm>
         </p:spPr>
         <p:txBody>
           <a:bodyPr anchor="ctr">
-            <a:normAutofit fontScale="92500" lnSpcReduction="10000"/>
+            <a:normAutofit fontScale="92500" lnSpcReduction="20000"/>
           </a:bodyPr>
           <a:lstStyle/>
           <a:p>
             <a:pPr marL="0" indent="0">
               <a:buNone/>
             </a:pPr>
-            <a:endParaRPr lang="tr-TR" sz="1500" b="0" i="0" u="none" strike="noStrike" baseline="0" dirty="0">
+            <a:endParaRPr lang="tr-TR" sz="1900" b="0" i="0" u="none" strike="noStrike" baseline="0" dirty="0">
               <a:solidFill>
                 <a:schemeClr val="tx2"/>
               </a:solidFill>
-              <a:latin typeface="Times New Roman" panose="02020603050405020304" pitchFamily="18" charset="0"/>
               <a:cs typeface="Times New Roman" panose="02020603050405020304" pitchFamily="18" charset="0"/>
             </a:endParaRPr>
           </a:p>
@@ -7344,14 +11964,13 @@
               <a:buNone/>
             </a:pPr>
             <a:r>
-              <a:rPr lang="tr-TR" sz="2400" b="0" i="0" u="none" strike="noStrike" baseline="0" dirty="0">
+              <a:rPr lang="tr-TR" b="0" i="0" u="none" strike="noStrike" baseline="0" dirty="0">
                 <a:solidFill>
                   <a:schemeClr val="tx1">
                     <a:lumMod val="95000"/>
                     <a:lumOff val="5000"/>
                   </a:schemeClr>
                 </a:solidFill>
-                <a:latin typeface="Times New Roman" panose="02020603050405020304" pitchFamily="18" charset="0"/>
                 <a:cs typeface="Times New Roman" panose="02020603050405020304" pitchFamily="18" charset="0"/>
               </a:rPr>
               <a:t>Örneğin rastgele seçilen 90 ev hanımının çamaşırda tercih ettikleri deterjan markasına göre dağılımı aşağıdaki gibi olsun;</a:t>
@@ -7461,7 +12080,7 @@
             <a:pPr marL="0" indent="0">
               <a:buNone/>
             </a:pPr>
-            <a:endParaRPr lang="tr-TR" sz="1500" dirty="0">
+            <a:endParaRPr lang="tr-TR" sz="1900" dirty="0">
               <a:solidFill>
                 <a:schemeClr val="tx2"/>
               </a:solidFill>
@@ -7474,27 +12093,37 @@
               <a:buNone/>
             </a:pPr>
             <a:r>
-              <a:rPr lang="tr-TR" sz="2400" b="0" i="0" u="none" strike="noStrike" baseline="0" dirty="0">
+              <a:rPr lang="tr-TR" sz="2600" b="0" i="0" u="none" strike="noStrike" baseline="0" dirty="0">
                 <a:solidFill>
                   <a:schemeClr val="tx1">
                     <a:lumMod val="95000"/>
                     <a:lumOff val="5000"/>
                   </a:schemeClr>
                 </a:solidFill>
-                <a:latin typeface="Times New Roman" panose="02020603050405020304" pitchFamily="18" charset="0"/>
                 <a:cs typeface="Times New Roman" panose="02020603050405020304" pitchFamily="18" charset="0"/>
               </a:rPr>
-              <a:t>Yukarıdaki G1= 10 değeri A marka deterjanı tercih eden ev hanımlarının sayısını ,..., G6= 7 değeri de  F marka deterjanı tercih eden ev hanımlarının sayısını ifade etmektedir</a:t>
+              <a:t>Yukarıdaki G1 = 10 değeri A marka deterjanı tercih eden ev hanımlarının sayısını, G6 = 7 değeri de  F marka deterjanı tercih eden ev hanımlarının sayısını ifade etmektedir. Ayrıca örnek hacmi n = 90 </a:t>
             </a:r>
             <a:r>
-              <a:rPr lang="tr-TR" sz="1800" b="0" i="0" u="none" strike="noStrike" baseline="0" dirty="0">
+              <a:rPr lang="tr-TR" sz="2600" b="0" i="0" u="none" strike="noStrike" baseline="0" dirty="0" err="1">
                 <a:solidFill>
                   <a:schemeClr val="tx1">
                     <a:lumMod val="95000"/>
                     <a:lumOff val="5000"/>
                   </a:schemeClr>
                 </a:solidFill>
-                <a:latin typeface="Times New Roman" panose="02020603050405020304" pitchFamily="18" charset="0"/>
+                <a:cs typeface="Times New Roman" panose="02020603050405020304" pitchFamily="18" charset="0"/>
+              </a:rPr>
+              <a:t>dır</a:t>
+            </a:r>
+            <a:r>
+              <a:rPr lang="tr-TR" sz="2600" b="0" i="0" u="none" strike="noStrike" baseline="0" dirty="0">
+                <a:solidFill>
+                  <a:schemeClr val="tx1">
+                    <a:lumMod val="95000"/>
+                    <a:lumOff val="5000"/>
+                  </a:schemeClr>
+                </a:solidFill>
                 <a:cs typeface="Times New Roman" panose="02020603050405020304" pitchFamily="18" charset="0"/>
               </a:rPr>
               <a:t>.</a:t>
@@ -7527,20 +12156,26 @@
       </p:sp>
       <p:graphicFrame>
         <p:nvGraphicFramePr>
-          <p:cNvPr id="5" name="Tablo 5">
+          <p:cNvPr id="18" name="Tablo 5">
             <a:extLst>
               <a:ext uri="{FF2B5EF4-FFF2-40B4-BE49-F238E27FC236}">
-                <a16:creationId xmlns:a16="http://schemas.microsoft.com/office/drawing/2014/main" id="{FFCEC9B2-ED68-4E60-83AF-2992E39176D2}"/>
+                <a16:creationId xmlns:a16="http://schemas.microsoft.com/office/drawing/2014/main" id="{9CFB4705-1921-401E-86F3-53AE05D68C06}"/>
               </a:ext>
             </a:extLst>
           </p:cNvPr>
           <p:cNvGraphicFramePr>
             <a:graphicFrameLocks noGrp="1"/>
           </p:cNvGraphicFramePr>
-          <p:nvPr/>
+          <p:nvPr>
+            <p:extLst>
+              <p:ext uri="{D42A27DB-BD31-4B8C-83A1-F6EECF244321}">
+                <p14:modId xmlns:p14="http://schemas.microsoft.com/office/powerpoint/2010/main" val="1306210385"/>
+              </p:ext>
+            </p:extLst>
+          </p:nvPr>
         </p:nvGraphicFramePr>
         <p:xfrm>
-          <a:off x="788821" y="3277611"/>
+          <a:off x="2293756" y="3277611"/>
           <a:ext cx="8128000" cy="737868"/>
         </p:xfrm>
         <a:graphic>
@@ -7608,10 +12243,10 @@
       </p:graphicFrame>
       <p:sp>
         <p:nvSpPr>
-          <p:cNvPr id="18" name="Başlık 1">
+          <p:cNvPr id="19" name="Başlık 1">
             <a:extLst>
               <a:ext uri="{FF2B5EF4-FFF2-40B4-BE49-F238E27FC236}">
-                <a16:creationId xmlns:a16="http://schemas.microsoft.com/office/drawing/2014/main" id="{2BD34178-C660-43AD-80EC-29667DBDC186}"/>
+                <a16:creationId xmlns:a16="http://schemas.microsoft.com/office/drawing/2014/main" id="{EB795E3B-C1F0-43A5-A7B9-3AE98DF58BFF}"/>
               </a:ext>
             </a:extLst>
           </p:cNvPr>
@@ -7624,7 +12259,7 @@
         </p:nvSpPr>
         <p:spPr>
           <a:xfrm>
-            <a:off x="258802" y="163680"/>
+            <a:off x="806301" y="163680"/>
             <a:ext cx="10579398" cy="1299411"/>
           </a:xfrm>
         </p:spPr>
@@ -7637,7 +12272,7 @@
             <a:r>
               <a:rPr lang="tr-TR" sz="3600" dirty="0">
                 <a:solidFill>
-                  <a:schemeClr val="tx2"/>
+                  <a:srgbClr val="5C646F"/>
                 </a:solidFill>
                 <a:latin typeface="Times New Roman" panose="02020603050405020304" pitchFamily="18" charset="0"/>
                 <a:cs typeface="Times New Roman" panose="02020603050405020304" pitchFamily="18" charset="0"/>
@@ -7650,7 +12285,7 @@
     </p:spTree>
     <p:extLst>
       <p:ext uri="{BB962C8B-B14F-4D97-AF65-F5344CB8AC3E}">
-        <p14:creationId xmlns:p14="http://schemas.microsoft.com/office/powerpoint/2010/main" val="3993607204"/>
+        <p14:creationId xmlns:p14="http://schemas.microsoft.com/office/powerpoint/2010/main" val="3319152482"/>
       </p:ext>
     </p:extLst>
   </p:cSld>
@@ -7752,7 +12387,7 @@
                                           </p:stCondLst>
                                         </p:cTn>
                                         <p:tgtEl>
-                                          <p:spTgt spid="5"/>
+                                          <p:spTgt spid="18"/>
                                         </p:tgtEl>
                                         <p:attrNameLst>
                                           <p:attrName>style.visibility</p:attrName>
@@ -7766,7 +12401,7 @@
                                       <p:cBhvr>
                                         <p:cTn id="12" dur="500"/>
                                         <p:tgtEl>
-                                          <p:spTgt spid="5"/>
+                                          <p:spTgt spid="18"/>
                                         </p:tgtEl>
                                       </p:cBhvr>
                                     </p:animEffect>
@@ -7865,7 +12500,7 @@
 </p:sld>
 </file>
 
-<file path=ppt/slides/slide12.xml><?xml version="1.0" encoding="utf-8"?>
+<file path=ppt/slides/slide13.xml><?xml version="1.0" encoding="utf-8"?>
 <p:sld xmlns:a="http://schemas.openxmlformats.org/drawingml/2006/main" xmlns:r="http://schemas.openxmlformats.org/officeDocument/2006/relationships" xmlns:p="http://schemas.openxmlformats.org/presentationml/2006/main">
   <p:cSld>
     <p:bg>
@@ -9946,7 +14581,7 @@
         <p:spPr>
           <a:xfrm>
             <a:off x="1179226" y="1436290"/>
-            <a:ext cx="8212968" cy="4832092"/>
+            <a:ext cx="8212968" cy="5232202"/>
           </a:xfrm>
           <a:prstGeom prst="rect">
             <a:avLst/>
@@ -9960,7 +14595,7 @@
           <a:lstStyle/>
           <a:p>
             <a:r>
-              <a:rPr lang="tr-TR" dirty="0"/>
+              <a:rPr lang="tr-TR" sz="2000" dirty="0"/>
               <a:t>Belirli bir dağılıma sahip olan bir yığından rastgele seçilen herhangi bir birimin belirli bir sınıfta olma olasılığı bulunabilir. </a:t>
             </a:r>
           </a:p>
@@ -9969,7 +14604,7 @@
           </a:p>
           <a:p>
             <a:r>
-              <a:rPr lang="tr-TR" dirty="0"/>
+              <a:rPr lang="tr-TR" sz="2000" dirty="0"/>
               <a:t>Sınıflar için bu olasılıkları p1 , p2 , …, pj ,…,pc olarak gösterelim. </a:t>
             </a:r>
           </a:p>
@@ -9978,7 +14613,7 @@
           </a:p>
           <a:p>
             <a:r>
-              <a:rPr lang="tr-TR" dirty="0"/>
+              <a:rPr lang="tr-TR" sz="2000" dirty="0"/>
               <a:t>Yokluk hipotezi doğru iken j’inci sınıfa ilişkin beklenen frekansı, j’inci sınıfa ilişkin olasılık ile örnek hacmini çarparak elde edebiliriz.</a:t>
             </a:r>
           </a:p>
@@ -9987,38 +14622,46 @@
           </a:p>
           <a:p>
             <a:r>
-              <a:rPr lang="tr-TR" dirty="0"/>
+              <a:rPr lang="tr-TR" sz="2000" dirty="0"/>
               <a:t>Yani yokluk hipotezi doğru iken np1 ,np2 , …,npj , ...,npc çarpımları beklenen frekansları verir.</a:t>
             </a:r>
           </a:p>
           <a:p>
             <a:r>
-              <a:rPr lang="tr-TR" dirty="0"/>
+              <a:rPr lang="tr-TR" sz="2000" dirty="0"/>
               <a:t>				Bj = npj</a:t>
             </a:r>
           </a:p>
           <a:p>
             <a:r>
-              <a:rPr lang="tr-TR" dirty="0"/>
+              <a:rPr lang="tr-TR" sz="2000" dirty="0"/>
               <a:t>	</a:t>
             </a:r>
           </a:p>
           <a:p>
             <a:r>
-              <a:rPr lang="tr-TR" dirty="0"/>
+              <a:rPr lang="tr-TR" sz="2000" dirty="0"/>
               <a:t>	Bj : j’inci sınıf için beklenen frekans</a:t>
             </a:r>
           </a:p>
           <a:p>
             <a:r>
-              <a:rPr lang="tr-TR" dirty="0"/>
+              <a:rPr lang="tr-TR" sz="2000" dirty="0"/>
               <a:t>	n : örnek hacmi </a:t>
             </a:r>
           </a:p>
           <a:p>
             <a:r>
-              <a:rPr lang="tr-TR" dirty="0"/>
-              <a:t>	Pj : yokluk hipotezi doğru iken, rastgele seçilen herhangi bir birimin j’inci sınıfta olma olasılığı</a:t>
+              <a:rPr lang="tr-TR" sz="2000" dirty="0"/>
+              <a:t>	</a:t>
+            </a:r>
+            <a:r>
+              <a:rPr lang="tr-TR" sz="2000" dirty="0" err="1"/>
+              <a:t>pj</a:t>
+            </a:r>
+            <a:r>
+              <a:rPr lang="tr-TR" sz="2000" dirty="0"/>
+              <a:t> : yokluk hipotezi doğru iken, rastgele seçilen herhangi bir birimin j’inci sınıfta olma olasılığı</a:t>
             </a:r>
           </a:p>
           <a:p>
@@ -10049,7 +14692,7 @@
           <a:p>
             <a:fld id="{3F69A0C6-7921-40C0-9BF7-29A90F37EBCE}" type="slidenum">
               <a:rPr lang="tr-TR" smtClean="0"/>
-              <a:t>12</a:t>
+              <a:t>13</a:t>
             </a:fld>
             <a:endParaRPr lang="tr-TR" dirty="0"/>
           </a:p>
@@ -10372,15 +15015,33 @@
                                   </p:childTnLst>
                                 </p:cTn>
                               </p:par>
+                            </p:childTnLst>
+                          </p:cTn>
+                        </p:par>
+                      </p:childTnLst>
+                    </p:cTn>
+                  </p:par>
+                  <p:par>
+                    <p:cTn id="28" fill="hold">
+                      <p:stCondLst>
+                        <p:cond delay="indefinite"/>
+                      </p:stCondLst>
+                      <p:childTnLst>
+                        <p:par>
+                          <p:cTn id="29" fill="hold">
+                            <p:stCondLst>
+                              <p:cond delay="0"/>
+                            </p:stCondLst>
+                            <p:childTnLst>
                               <p:par>
-                                <p:cTn id="28" presetID="10" presetClass="entr" presetSubtype="0" fill="hold" nodeType="withEffect">
+                                <p:cTn id="30" presetID="10" presetClass="entr" presetSubtype="0" fill="hold" nodeType="clickEffect">
                                   <p:stCondLst>
                                     <p:cond delay="0"/>
                                   </p:stCondLst>
                                   <p:childTnLst>
                                     <p:set>
                                       <p:cBhvr>
-                                        <p:cTn id="29" dur="1" fill="hold">
+                                        <p:cTn id="31" dur="1" fill="hold">
                                           <p:stCondLst>
                                             <p:cond delay="0"/>
                                           </p:stCondLst>
@@ -10402,7 +15063,7 @@
                                     </p:set>
                                     <p:animEffect transition="in" filter="fade">
                                       <p:cBhvr>
-                                        <p:cTn id="30" dur="500"/>
+                                        <p:cTn id="32" dur="500"/>
                                         <p:tgtEl>
                                           <p:spTgt spid="5">
                                             <p:txEl>
@@ -10415,15 +15076,33 @@
                                   </p:childTnLst>
                                 </p:cTn>
                               </p:par>
+                            </p:childTnLst>
+                          </p:cTn>
+                        </p:par>
+                      </p:childTnLst>
+                    </p:cTn>
+                  </p:par>
+                  <p:par>
+                    <p:cTn id="33" fill="hold">
+                      <p:stCondLst>
+                        <p:cond delay="indefinite"/>
+                      </p:stCondLst>
+                      <p:childTnLst>
+                        <p:par>
+                          <p:cTn id="34" fill="hold">
+                            <p:stCondLst>
+                              <p:cond delay="0"/>
+                            </p:stCondLst>
+                            <p:childTnLst>
                               <p:par>
-                                <p:cTn id="31" presetID="10" presetClass="entr" presetSubtype="0" fill="hold" nodeType="withEffect">
+                                <p:cTn id="35" presetID="10" presetClass="entr" presetSubtype="0" fill="hold" nodeType="clickEffect">
                                   <p:stCondLst>
                                     <p:cond delay="0"/>
                                   </p:stCondLst>
                                   <p:childTnLst>
                                     <p:set>
                                       <p:cBhvr>
-                                        <p:cTn id="32" dur="1" fill="hold">
+                                        <p:cTn id="36" dur="1" fill="hold">
                                           <p:stCondLst>
                                             <p:cond delay="0"/>
                                           </p:stCondLst>
@@ -10445,7 +15124,7 @@
                                     </p:set>
                                     <p:animEffect transition="in" filter="fade">
                                       <p:cBhvr>
-                                        <p:cTn id="33" dur="500"/>
+                                        <p:cTn id="37" dur="500"/>
                                         <p:tgtEl>
                                           <p:spTgt spid="5">
                                             <p:txEl>
@@ -10458,15 +15137,33 @@
                                   </p:childTnLst>
                                 </p:cTn>
                               </p:par>
+                            </p:childTnLst>
+                          </p:cTn>
+                        </p:par>
+                      </p:childTnLst>
+                    </p:cTn>
+                  </p:par>
+                  <p:par>
+                    <p:cTn id="38" fill="hold">
+                      <p:stCondLst>
+                        <p:cond delay="indefinite"/>
+                      </p:stCondLst>
+                      <p:childTnLst>
+                        <p:par>
+                          <p:cTn id="39" fill="hold">
+                            <p:stCondLst>
+                              <p:cond delay="0"/>
+                            </p:stCondLst>
+                            <p:childTnLst>
                               <p:par>
-                                <p:cTn id="34" presetID="10" presetClass="entr" presetSubtype="0" fill="hold" nodeType="withEffect">
+                                <p:cTn id="40" presetID="10" presetClass="entr" presetSubtype="0" fill="hold" nodeType="clickEffect">
                                   <p:stCondLst>
                                     <p:cond delay="0"/>
                                   </p:stCondLst>
                                   <p:childTnLst>
                                     <p:set>
                                       <p:cBhvr>
-                                        <p:cTn id="35" dur="1" fill="hold">
+                                        <p:cTn id="41" dur="1" fill="hold">
                                           <p:stCondLst>
                                             <p:cond delay="0"/>
                                           </p:stCondLst>
@@ -10488,7 +15185,7 @@
                                     </p:set>
                                     <p:animEffect transition="in" filter="fade">
                                       <p:cBhvr>
-                                        <p:cTn id="36" dur="500"/>
+                                        <p:cTn id="42" dur="500"/>
                                         <p:tgtEl>
                                           <p:spTgt spid="5">
                                             <p:txEl>
@@ -10501,15 +15198,33 @@
                                   </p:childTnLst>
                                 </p:cTn>
                               </p:par>
+                            </p:childTnLst>
+                          </p:cTn>
+                        </p:par>
+                      </p:childTnLst>
+                    </p:cTn>
+                  </p:par>
+                  <p:par>
+                    <p:cTn id="43" fill="hold">
+                      <p:stCondLst>
+                        <p:cond delay="indefinite"/>
+                      </p:stCondLst>
+                      <p:childTnLst>
+                        <p:par>
+                          <p:cTn id="44" fill="hold">
+                            <p:stCondLst>
+                              <p:cond delay="0"/>
+                            </p:stCondLst>
+                            <p:childTnLst>
                               <p:par>
-                                <p:cTn id="37" presetID="10" presetClass="entr" presetSubtype="0" fill="hold" nodeType="withEffect">
+                                <p:cTn id="45" presetID="10" presetClass="entr" presetSubtype="0" fill="hold" nodeType="clickEffect">
                                   <p:stCondLst>
                                     <p:cond delay="0"/>
                                   </p:stCondLst>
                                   <p:childTnLst>
                                     <p:set>
                                       <p:cBhvr>
-                                        <p:cTn id="38" dur="1" fill="hold">
+                                        <p:cTn id="46" dur="1" fill="hold">
                                           <p:stCondLst>
                                             <p:cond delay="0"/>
                                           </p:stCondLst>
@@ -10531,7 +15246,7 @@
                                     </p:set>
                                     <p:animEffect transition="in" filter="fade">
                                       <p:cBhvr>
-                                        <p:cTn id="39" dur="500"/>
+                                        <p:cTn id="47" dur="500"/>
                                         <p:tgtEl>
                                           <p:spTgt spid="5">
                                             <p:txEl>
@@ -10575,7 +15290,7 @@
 </p:sld>
 </file>
 
-<file path=ppt/slides/slide13.xml><?xml version="1.0" encoding="utf-8"?>
+<file path=ppt/slides/slide14.xml><?xml version="1.0" encoding="utf-8"?>
 <p:sld xmlns:a="http://schemas.openxmlformats.org/drawingml/2006/main" xmlns:r="http://schemas.openxmlformats.org/officeDocument/2006/relationships" xmlns:p="http://schemas.openxmlformats.org/presentationml/2006/main">
   <p:cSld>
     <p:bg>
@@ -12664,7 +17379,7 @@
           <a:p>
             <a:fld id="{3F69A0C6-7921-40C0-9BF7-29A90F37EBCE}" type="slidenum">
               <a:rPr lang="tr-TR" smtClean="0"/>
-              <a:t>13</a:t>
+              <a:t>14</a:t>
             </a:fld>
             <a:endParaRPr lang="tr-TR" dirty="0"/>
           </a:p>
@@ -12683,7 +17398,7 @@
 </p:sld>
 </file>
 
-<file path=ppt/slides/slide14.xml><?xml version="1.0" encoding="utf-8"?>
+<file path=ppt/slides/slide15.xml><?xml version="1.0" encoding="utf-8"?>
 <p:sld xmlns:a="http://schemas.openxmlformats.org/drawingml/2006/main" xmlns:r="http://schemas.openxmlformats.org/officeDocument/2006/relationships" xmlns:p="http://schemas.openxmlformats.org/presentationml/2006/main">
   <p:cSld>
     <p:bg>
@@ -14843,7 +19558,7 @@
           <a:p>
             <a:fld id="{3F69A0C6-7921-40C0-9BF7-29A90F37EBCE}" type="slidenum">
               <a:rPr lang="tr-TR" smtClean="0"/>
-              <a:t>14</a:t>
+              <a:t>15</a:t>
             </a:fld>
             <a:endParaRPr lang="tr-TR" dirty="0"/>
           </a:p>
@@ -26631,136 +31346,6 @@
       </p:grpSp>
       <p:sp>
         <p:nvSpPr>
-          <p:cNvPr id="9" name="Akış Çizelgesi: İşlem 8">
-            <a:extLst>
-              <a:ext uri="{FF2B5EF4-FFF2-40B4-BE49-F238E27FC236}">
-                <a16:creationId xmlns:a16="http://schemas.microsoft.com/office/drawing/2014/main" id="{00FBAAE1-13AC-4E7C-ACD3-1D3D3FF79B9B}"/>
-              </a:ext>
-            </a:extLst>
-          </p:cNvPr>
-          <p:cNvSpPr/>
-          <p:nvPr/>
-        </p:nvSpPr>
-        <p:spPr>
-          <a:xfrm>
-            <a:off x="2393613" y="1673765"/>
-            <a:ext cx="3701850" cy="858381"/>
-          </a:xfrm>
-          <a:prstGeom prst="flowChartProcess">
-            <a:avLst/>
-          </a:prstGeom>
-          <a:solidFill>
-            <a:schemeClr val="accent6">
-              <a:lumMod val="20000"/>
-              <a:lumOff val="80000"/>
-            </a:schemeClr>
-          </a:solidFill>
-          <a:ln>
-            <a:noFill/>
-          </a:ln>
-        </p:spPr>
-        <p:style>
-          <a:lnRef idx="2">
-            <a:schemeClr val="accent1">
-              <a:shade val="50000"/>
-            </a:schemeClr>
-          </a:lnRef>
-          <a:fillRef idx="1">
-            <a:schemeClr val="accent1"/>
-          </a:fillRef>
-          <a:effectRef idx="0">
-            <a:schemeClr val="accent1"/>
-          </a:effectRef>
-          <a:fontRef idx="minor">
-            <a:schemeClr val="lt1"/>
-          </a:fontRef>
-        </p:style>
-        <p:txBody>
-          <a:bodyPr rtlCol="0" anchor="ctr"/>
-          <a:lstStyle/>
-          <a:p>
-            <a:pPr algn="ctr"/>
-            <a:r>
-              <a:rPr lang="tr-TR" dirty="0">
-                <a:solidFill>
-                  <a:schemeClr val="tx1">
-                    <a:lumMod val="75000"/>
-                    <a:lumOff val="25000"/>
-                  </a:schemeClr>
-                </a:solidFill>
-              </a:rPr>
-              <a:t>SIRALI VE NOMİNAL ÖLÇEKLİ VERİLER ÜZERİNDE KULLANILABİLİR</a:t>
-            </a:r>
-          </a:p>
-        </p:txBody>
-      </p:sp>
-      <p:sp>
-        <p:nvSpPr>
-          <p:cNvPr id="19" name="Akış Çizelgesi: İşlem 18">
-            <a:extLst>
-              <a:ext uri="{FF2B5EF4-FFF2-40B4-BE49-F238E27FC236}">
-                <a16:creationId xmlns:a16="http://schemas.microsoft.com/office/drawing/2014/main" id="{23CA71BD-3FFB-4935-B0C3-60A114AA6113}"/>
-              </a:ext>
-            </a:extLst>
-          </p:cNvPr>
-          <p:cNvSpPr/>
-          <p:nvPr/>
-        </p:nvSpPr>
-        <p:spPr>
-          <a:xfrm>
-            <a:off x="2394150" y="2532146"/>
-            <a:ext cx="3701850" cy="856613"/>
-          </a:xfrm>
-          <a:prstGeom prst="flowChartProcess">
-            <a:avLst/>
-          </a:prstGeom>
-          <a:solidFill>
-            <a:schemeClr val="accent3">
-              <a:lumMod val="60000"/>
-              <a:lumOff val="40000"/>
-            </a:schemeClr>
-          </a:solidFill>
-          <a:ln>
-            <a:noFill/>
-          </a:ln>
-        </p:spPr>
-        <p:style>
-          <a:lnRef idx="2">
-            <a:schemeClr val="accent1">
-              <a:shade val="50000"/>
-            </a:schemeClr>
-          </a:lnRef>
-          <a:fillRef idx="1">
-            <a:schemeClr val="accent1"/>
-          </a:fillRef>
-          <a:effectRef idx="0">
-            <a:schemeClr val="accent1"/>
-          </a:effectRef>
-          <a:fontRef idx="minor">
-            <a:schemeClr val="lt1"/>
-          </a:fontRef>
-        </p:style>
-        <p:txBody>
-          <a:bodyPr rtlCol="0" anchor="ctr"/>
-          <a:lstStyle/>
-          <a:p>
-            <a:pPr algn="ctr"/>
-            <a:r>
-              <a:rPr lang="tr-TR" dirty="0">
-                <a:solidFill>
-                  <a:schemeClr val="tx1">
-                    <a:lumMod val="75000"/>
-                    <a:lumOff val="25000"/>
-                  </a:schemeClr>
-                </a:solidFill>
-              </a:rPr>
-              <a:t>KÜÇÜK ÇAPLI ÖRNEKLEMLER İÇİN KULLANILABİLİR</a:t>
-            </a:r>
-          </a:p>
-        </p:txBody>
-      </p:sp>
-      <p:sp>
-        <p:nvSpPr>
           <p:cNvPr id="20" name="Akış Çizelgesi: İşlem 19">
             <a:extLst>
               <a:ext uri="{FF2B5EF4-FFF2-40B4-BE49-F238E27FC236}">
@@ -26773,7 +31358,7 @@
         </p:nvSpPr>
         <p:spPr>
           <a:xfrm>
-            <a:off x="6211274" y="1674019"/>
+            <a:off x="2398230" y="1587076"/>
             <a:ext cx="3698305" cy="862513"/>
           </a:xfrm>
           <a:prstGeom prst="flowChartProcess">
@@ -26838,7 +31423,7 @@
         </p:nvSpPr>
         <p:spPr>
           <a:xfrm>
-            <a:off x="6210970" y="2528328"/>
+            <a:off x="2397926" y="2441385"/>
             <a:ext cx="3698073" cy="865118"/>
           </a:xfrm>
           <a:prstGeom prst="flowChartProcess">
@@ -26891,71 +31476,6 @@
       </p:sp>
       <p:sp>
         <p:nvSpPr>
-          <p:cNvPr id="22" name="Akış Çizelgesi: İşlem 21">
-            <a:extLst>
-              <a:ext uri="{FF2B5EF4-FFF2-40B4-BE49-F238E27FC236}">
-                <a16:creationId xmlns:a16="http://schemas.microsoft.com/office/drawing/2014/main" id="{CA3F9A19-5FF8-459D-80BB-150D9852E4EC}"/>
-              </a:ext>
-            </a:extLst>
-          </p:cNvPr>
-          <p:cNvSpPr/>
-          <p:nvPr/>
-        </p:nvSpPr>
-        <p:spPr>
-          <a:xfrm>
-            <a:off x="2394150" y="3386126"/>
-            <a:ext cx="3701850" cy="856613"/>
-          </a:xfrm>
-          <a:prstGeom prst="flowChartProcess">
-            <a:avLst/>
-          </a:prstGeom>
-          <a:solidFill>
-            <a:schemeClr val="accent6">
-              <a:lumMod val="20000"/>
-              <a:lumOff val="80000"/>
-            </a:schemeClr>
-          </a:solidFill>
-          <a:ln>
-            <a:noFill/>
-          </a:ln>
-        </p:spPr>
-        <p:style>
-          <a:lnRef idx="2">
-            <a:schemeClr val="accent1">
-              <a:shade val="50000"/>
-            </a:schemeClr>
-          </a:lnRef>
-          <a:fillRef idx="1">
-            <a:schemeClr val="accent1"/>
-          </a:fillRef>
-          <a:effectRef idx="0">
-            <a:schemeClr val="accent1"/>
-          </a:effectRef>
-          <a:fontRef idx="minor">
-            <a:schemeClr val="lt1"/>
-          </a:fontRef>
-        </p:style>
-        <p:txBody>
-          <a:bodyPr rtlCol="0" anchor="ctr"/>
-          <a:lstStyle/>
-          <a:p>
-            <a:pPr algn="ctr"/>
-            <a:r>
-              <a:rPr lang="tr-TR" dirty="0">
-                <a:solidFill>
-                  <a:schemeClr val="tx1">
-                    <a:lumMod val="75000"/>
-                    <a:lumOff val="25000"/>
-                  </a:schemeClr>
-                </a:solidFill>
-              </a:rPr>
-              <a:t>NORMAL OLARAK DAĞITILMAYAN VERİLER ÜZERİNDE KULLANILABİLİR</a:t>
-            </a:r>
-          </a:p>
-        </p:txBody>
-      </p:sp>
-      <p:sp>
-        <p:nvSpPr>
           <p:cNvPr id="23" name="Akış Çizelgesi: İşlem 22">
             <a:extLst>
               <a:ext uri="{FF2B5EF4-FFF2-40B4-BE49-F238E27FC236}">
@@ -26968,7 +31488,7 @@
         </p:nvSpPr>
         <p:spPr>
           <a:xfrm>
-            <a:off x="6210970" y="3386126"/>
+            <a:off x="2397926" y="3299183"/>
             <a:ext cx="3698073" cy="856613"/>
           </a:xfrm>
           <a:prstGeom prst="flowChartProcess">
@@ -27021,71 +31541,6 @@
       </p:sp>
       <p:sp>
         <p:nvSpPr>
-          <p:cNvPr id="24" name="Akış Çizelgesi: İşlem 23">
-            <a:extLst>
-              <a:ext uri="{FF2B5EF4-FFF2-40B4-BE49-F238E27FC236}">
-                <a16:creationId xmlns:a16="http://schemas.microsoft.com/office/drawing/2014/main" id="{40ACD7B0-18B3-478D-8B32-7B3E8DCC89E5}"/>
-              </a:ext>
-            </a:extLst>
-          </p:cNvPr>
-          <p:cNvSpPr/>
-          <p:nvPr/>
-        </p:nvSpPr>
-        <p:spPr>
-          <a:xfrm>
-            <a:off x="2393612" y="4242739"/>
-            <a:ext cx="3702387" cy="861297"/>
-          </a:xfrm>
-          <a:prstGeom prst="flowChartProcess">
-            <a:avLst/>
-          </a:prstGeom>
-          <a:solidFill>
-            <a:schemeClr val="accent3">
-              <a:lumMod val="60000"/>
-              <a:lumOff val="40000"/>
-            </a:schemeClr>
-          </a:solidFill>
-          <a:ln>
-            <a:noFill/>
-          </a:ln>
-        </p:spPr>
-        <p:style>
-          <a:lnRef idx="2">
-            <a:schemeClr val="accent1">
-              <a:shade val="50000"/>
-            </a:schemeClr>
-          </a:lnRef>
-          <a:fillRef idx="1">
-            <a:schemeClr val="accent1"/>
-          </a:fillRef>
-          <a:effectRef idx="0">
-            <a:schemeClr val="accent1"/>
-          </a:effectRef>
-          <a:fontRef idx="minor">
-            <a:schemeClr val="lt1"/>
-          </a:fontRef>
-        </p:style>
-        <p:txBody>
-          <a:bodyPr rtlCol="0" anchor="ctr"/>
-          <a:lstStyle/>
-          <a:p>
-            <a:pPr algn="ctr"/>
-            <a:r>
-              <a:rPr lang="tr-TR" dirty="0">
-                <a:solidFill>
-                  <a:schemeClr val="tx1">
-                    <a:lumMod val="75000"/>
-                    <a:lumOff val="25000"/>
-                  </a:schemeClr>
-                </a:solidFill>
-              </a:rPr>
-              <a:t>ÖRNEKLERİN RASGELE SEÇİLMEDİĞİ YERLERDE KULLANILABİLİR</a:t>
-            </a:r>
-          </a:p>
-        </p:txBody>
-      </p:sp>
-      <p:sp>
-        <p:nvSpPr>
           <p:cNvPr id="25" name="Akış Çizelgesi: İşlem 24">
             <a:extLst>
               <a:ext uri="{FF2B5EF4-FFF2-40B4-BE49-F238E27FC236}">
@@ -27098,7 +31553,7 @@
         </p:nvSpPr>
         <p:spPr>
           <a:xfrm>
-            <a:off x="6211275" y="4241271"/>
+            <a:off x="2398231" y="4154328"/>
             <a:ext cx="3704503" cy="862766"/>
           </a:xfrm>
           <a:prstGeom prst="flowChartProcess">
@@ -27151,71 +31606,6 @@
       </p:sp>
       <p:sp>
         <p:nvSpPr>
-          <p:cNvPr id="26" name="Akış Çizelgesi: İşlem 25">
-            <a:extLst>
-              <a:ext uri="{FF2B5EF4-FFF2-40B4-BE49-F238E27FC236}">
-                <a16:creationId xmlns:a16="http://schemas.microsoft.com/office/drawing/2014/main" id="{F13757E8-C70B-420E-BCCA-F64942C43274}"/>
-              </a:ext>
-            </a:extLst>
-          </p:cNvPr>
-          <p:cNvSpPr/>
-          <p:nvPr/>
-        </p:nvSpPr>
-        <p:spPr>
-          <a:xfrm>
-            <a:off x="2391191" y="5104036"/>
-            <a:ext cx="3704810" cy="856613"/>
-          </a:xfrm>
-          <a:prstGeom prst="flowChartProcess">
-            <a:avLst/>
-          </a:prstGeom>
-          <a:solidFill>
-            <a:schemeClr val="accent6">
-              <a:lumMod val="20000"/>
-              <a:lumOff val="80000"/>
-            </a:schemeClr>
-          </a:solidFill>
-          <a:ln>
-            <a:noFill/>
-          </a:ln>
-        </p:spPr>
-        <p:style>
-          <a:lnRef idx="2">
-            <a:schemeClr val="accent1">
-              <a:shade val="50000"/>
-            </a:schemeClr>
-          </a:lnRef>
-          <a:fillRef idx="1">
-            <a:schemeClr val="accent1"/>
-          </a:fillRef>
-          <a:effectRef idx="0">
-            <a:schemeClr val="accent1"/>
-          </a:effectRef>
-          <a:fontRef idx="minor">
-            <a:schemeClr val="lt1"/>
-          </a:fontRef>
-        </p:style>
-        <p:txBody>
-          <a:bodyPr rtlCol="0" anchor="ctr"/>
-          <a:lstStyle/>
-          <a:p>
-            <a:pPr algn="ctr"/>
-            <a:r>
-              <a:rPr lang="tr-TR" dirty="0">
-                <a:solidFill>
-                  <a:schemeClr val="tx1">
-                    <a:lumMod val="75000"/>
-                    <a:lumOff val="25000"/>
-                  </a:schemeClr>
-                </a:solidFill>
-              </a:rPr>
-              <a:t>PARAMETRİK TESTE GÖRE DAHA ZAYIFTIR</a:t>
-            </a:r>
-          </a:p>
-        </p:txBody>
-      </p:sp>
-      <p:sp>
-        <p:nvSpPr>
           <p:cNvPr id="27" name="Akış Çizelgesi: İşlem 26">
             <a:extLst>
               <a:ext uri="{FF2B5EF4-FFF2-40B4-BE49-F238E27FC236}">
@@ -27228,7 +31618,7 @@
         </p:nvSpPr>
         <p:spPr>
           <a:xfrm>
-            <a:off x="6210970" y="5096720"/>
+            <a:off x="2397926" y="5009777"/>
             <a:ext cx="3704809" cy="862766"/>
           </a:xfrm>
           <a:prstGeom prst="flowChartProcess">
@@ -27281,65 +31671,6 @@
       </p:sp>
       <p:sp>
         <p:nvSpPr>
-          <p:cNvPr id="34" name="Akış Çizelgesi: İşlem 33">
-            <a:extLst>
-              <a:ext uri="{FF2B5EF4-FFF2-40B4-BE49-F238E27FC236}">
-                <a16:creationId xmlns:a16="http://schemas.microsoft.com/office/drawing/2014/main" id="{A59F4ECC-9DBE-4F64-A527-EED27A21F77E}"/>
-              </a:ext>
-            </a:extLst>
-          </p:cNvPr>
-          <p:cNvSpPr/>
-          <p:nvPr/>
-        </p:nvSpPr>
-        <p:spPr>
-          <a:xfrm>
-            <a:off x="2394150" y="817735"/>
-            <a:ext cx="3698307" cy="856613"/>
-          </a:xfrm>
-          <a:prstGeom prst="flowChartProcess">
-            <a:avLst/>
-          </a:prstGeom>
-          <a:solidFill>
-            <a:srgbClr val="FFC000"/>
-          </a:solidFill>
-          <a:ln>
-            <a:noFill/>
-          </a:ln>
-        </p:spPr>
-        <p:style>
-          <a:lnRef idx="2">
-            <a:schemeClr val="accent1">
-              <a:shade val="50000"/>
-            </a:schemeClr>
-          </a:lnRef>
-          <a:fillRef idx="1">
-            <a:schemeClr val="accent1"/>
-          </a:fillRef>
-          <a:effectRef idx="0">
-            <a:schemeClr val="accent1"/>
-          </a:effectRef>
-          <a:fontRef idx="minor">
-            <a:schemeClr val="lt1"/>
-          </a:fontRef>
-        </p:style>
-        <p:txBody>
-          <a:bodyPr rtlCol="0" anchor="ctr"/>
-          <a:lstStyle/>
-          <a:p>
-            <a:pPr algn="ctr"/>
-            <a:r>
-              <a:rPr lang="tr-TR" b="1" dirty="0">
-                <a:solidFill>
-                  <a:schemeClr val="bg1"/>
-                </a:solidFill>
-              </a:rPr>
-              <a:t>PARAMETRİK OLMAYAN TESTLERİN ÖZELLİKLERİ</a:t>
-            </a:r>
-          </a:p>
-        </p:txBody>
-      </p:sp>
-      <p:sp>
-        <p:nvSpPr>
           <p:cNvPr id="35" name="Akış Çizelgesi: İşlem 34">
             <a:extLst>
               <a:ext uri="{FF2B5EF4-FFF2-40B4-BE49-F238E27FC236}">
@@ -27352,7 +31683,7 @@
         </p:nvSpPr>
         <p:spPr>
           <a:xfrm>
-            <a:off x="6210737" y="817735"/>
+            <a:off x="2397693" y="730792"/>
             <a:ext cx="3698307" cy="856613"/>
           </a:xfrm>
           <a:prstGeom prst="flowChartProcess">
@@ -27426,6 +31757,390 @@
           </a:p>
         </p:txBody>
       </p:sp>
+      <p:sp>
+        <p:nvSpPr>
+          <p:cNvPr id="28" name="Akış Çizelgesi: İşlem 27">
+            <a:extLst>
+              <a:ext uri="{FF2B5EF4-FFF2-40B4-BE49-F238E27FC236}">
+                <a16:creationId xmlns:a16="http://schemas.microsoft.com/office/drawing/2014/main" id="{8A690CF9-6D55-4B7E-9439-3AB1D4A4DD32}"/>
+              </a:ext>
+            </a:extLst>
+          </p:cNvPr>
+          <p:cNvSpPr/>
+          <p:nvPr/>
+        </p:nvSpPr>
+        <p:spPr>
+          <a:xfrm>
+            <a:off x="6365840" y="1586822"/>
+            <a:ext cx="3698307" cy="858381"/>
+          </a:xfrm>
+          <a:prstGeom prst="flowChartProcess">
+            <a:avLst/>
+          </a:prstGeom>
+          <a:solidFill>
+            <a:schemeClr val="accent6">
+              <a:lumMod val="20000"/>
+              <a:lumOff val="80000"/>
+            </a:schemeClr>
+          </a:solidFill>
+          <a:ln>
+            <a:noFill/>
+          </a:ln>
+        </p:spPr>
+        <p:style>
+          <a:lnRef idx="2">
+            <a:schemeClr val="accent1">
+              <a:shade val="50000"/>
+            </a:schemeClr>
+          </a:lnRef>
+          <a:fillRef idx="1">
+            <a:schemeClr val="accent1"/>
+          </a:fillRef>
+          <a:effectRef idx="0">
+            <a:schemeClr val="accent1"/>
+          </a:effectRef>
+          <a:fontRef idx="minor">
+            <a:schemeClr val="lt1"/>
+          </a:fontRef>
+        </p:style>
+        <p:txBody>
+          <a:bodyPr rtlCol="0" anchor="ctr"/>
+          <a:lstStyle/>
+          <a:p>
+            <a:pPr algn="ctr"/>
+            <a:r>
+              <a:rPr lang="tr-TR" dirty="0">
+                <a:solidFill>
+                  <a:schemeClr val="tx1">
+                    <a:lumMod val="75000"/>
+                    <a:lumOff val="25000"/>
+                  </a:schemeClr>
+                </a:solidFill>
+              </a:rPr>
+              <a:t>SIRALI VE NOMİNAL ÖLÇEKLİ VERİLER ÜZERİNDE KULLANILABİLİR</a:t>
+            </a:r>
+          </a:p>
+        </p:txBody>
+      </p:sp>
+      <p:sp>
+        <p:nvSpPr>
+          <p:cNvPr id="29" name="Akış Çizelgesi: İşlem 28">
+            <a:extLst>
+              <a:ext uri="{FF2B5EF4-FFF2-40B4-BE49-F238E27FC236}">
+                <a16:creationId xmlns:a16="http://schemas.microsoft.com/office/drawing/2014/main" id="{CDC7A45B-068B-46B7-8B9F-6024EEC1325F}"/>
+              </a:ext>
+            </a:extLst>
+          </p:cNvPr>
+          <p:cNvSpPr/>
+          <p:nvPr/>
+        </p:nvSpPr>
+        <p:spPr>
+          <a:xfrm>
+            <a:off x="6362835" y="2445203"/>
+            <a:ext cx="3701850" cy="856613"/>
+          </a:xfrm>
+          <a:prstGeom prst="flowChartProcess">
+            <a:avLst/>
+          </a:prstGeom>
+          <a:solidFill>
+            <a:schemeClr val="accent3">
+              <a:lumMod val="60000"/>
+              <a:lumOff val="40000"/>
+            </a:schemeClr>
+          </a:solidFill>
+          <a:ln>
+            <a:noFill/>
+          </a:ln>
+        </p:spPr>
+        <p:style>
+          <a:lnRef idx="2">
+            <a:schemeClr val="accent1">
+              <a:shade val="50000"/>
+            </a:schemeClr>
+          </a:lnRef>
+          <a:fillRef idx="1">
+            <a:schemeClr val="accent1"/>
+          </a:fillRef>
+          <a:effectRef idx="0">
+            <a:schemeClr val="accent1"/>
+          </a:effectRef>
+          <a:fontRef idx="minor">
+            <a:schemeClr val="lt1"/>
+          </a:fontRef>
+        </p:style>
+        <p:txBody>
+          <a:bodyPr rtlCol="0" anchor="ctr"/>
+          <a:lstStyle/>
+          <a:p>
+            <a:pPr algn="ctr"/>
+            <a:r>
+              <a:rPr lang="tr-TR" dirty="0">
+                <a:solidFill>
+                  <a:schemeClr val="tx1">
+                    <a:lumMod val="75000"/>
+                    <a:lumOff val="25000"/>
+                  </a:schemeClr>
+                </a:solidFill>
+              </a:rPr>
+              <a:t>KÜÇÜK ÇAPLI ÖRNEKLEMLER İÇİN KULLANILABİLİR</a:t>
+            </a:r>
+          </a:p>
+        </p:txBody>
+      </p:sp>
+      <p:sp>
+        <p:nvSpPr>
+          <p:cNvPr id="30" name="Akış Çizelgesi: İşlem 29">
+            <a:extLst>
+              <a:ext uri="{FF2B5EF4-FFF2-40B4-BE49-F238E27FC236}">
+                <a16:creationId xmlns:a16="http://schemas.microsoft.com/office/drawing/2014/main" id="{DB533E71-E29C-4BFD-9A73-AD8093008B0A}"/>
+              </a:ext>
+            </a:extLst>
+          </p:cNvPr>
+          <p:cNvSpPr/>
+          <p:nvPr/>
+        </p:nvSpPr>
+        <p:spPr>
+          <a:xfrm>
+            <a:off x="6362835" y="3299183"/>
+            <a:ext cx="3701850" cy="856613"/>
+          </a:xfrm>
+          <a:prstGeom prst="flowChartProcess">
+            <a:avLst/>
+          </a:prstGeom>
+          <a:solidFill>
+            <a:schemeClr val="accent6">
+              <a:lumMod val="20000"/>
+              <a:lumOff val="80000"/>
+            </a:schemeClr>
+          </a:solidFill>
+          <a:ln>
+            <a:noFill/>
+          </a:ln>
+        </p:spPr>
+        <p:style>
+          <a:lnRef idx="2">
+            <a:schemeClr val="accent1">
+              <a:shade val="50000"/>
+            </a:schemeClr>
+          </a:lnRef>
+          <a:fillRef idx="1">
+            <a:schemeClr val="accent1"/>
+          </a:fillRef>
+          <a:effectRef idx="0">
+            <a:schemeClr val="accent1"/>
+          </a:effectRef>
+          <a:fontRef idx="minor">
+            <a:schemeClr val="lt1"/>
+          </a:fontRef>
+        </p:style>
+        <p:txBody>
+          <a:bodyPr rtlCol="0" anchor="ctr"/>
+          <a:lstStyle/>
+          <a:p>
+            <a:pPr algn="ctr"/>
+            <a:r>
+              <a:rPr lang="tr-TR" dirty="0">
+                <a:solidFill>
+                  <a:schemeClr val="tx1">
+                    <a:lumMod val="75000"/>
+                    <a:lumOff val="25000"/>
+                  </a:schemeClr>
+                </a:solidFill>
+              </a:rPr>
+              <a:t>NORMAL OLARAK DAĞITILMAYAN VERİLER ÜZERİNDE KULLANILABİLİR</a:t>
+            </a:r>
+          </a:p>
+        </p:txBody>
+      </p:sp>
+      <p:sp>
+        <p:nvSpPr>
+          <p:cNvPr id="31" name="Akış Çizelgesi: İşlem 30">
+            <a:extLst>
+              <a:ext uri="{FF2B5EF4-FFF2-40B4-BE49-F238E27FC236}">
+                <a16:creationId xmlns:a16="http://schemas.microsoft.com/office/drawing/2014/main" id="{6FE6297A-F3C4-4C1A-8D4F-205EF9DFDE03}"/>
+              </a:ext>
+            </a:extLst>
+          </p:cNvPr>
+          <p:cNvSpPr/>
+          <p:nvPr/>
+        </p:nvSpPr>
+        <p:spPr>
+          <a:xfrm>
+            <a:off x="6362297" y="4155796"/>
+            <a:ext cx="3702387" cy="861297"/>
+          </a:xfrm>
+          <a:prstGeom prst="flowChartProcess">
+            <a:avLst/>
+          </a:prstGeom>
+          <a:solidFill>
+            <a:schemeClr val="accent3">
+              <a:lumMod val="60000"/>
+              <a:lumOff val="40000"/>
+            </a:schemeClr>
+          </a:solidFill>
+          <a:ln>
+            <a:noFill/>
+          </a:ln>
+        </p:spPr>
+        <p:style>
+          <a:lnRef idx="2">
+            <a:schemeClr val="accent1">
+              <a:shade val="50000"/>
+            </a:schemeClr>
+          </a:lnRef>
+          <a:fillRef idx="1">
+            <a:schemeClr val="accent1"/>
+          </a:fillRef>
+          <a:effectRef idx="0">
+            <a:schemeClr val="accent1"/>
+          </a:effectRef>
+          <a:fontRef idx="minor">
+            <a:schemeClr val="lt1"/>
+          </a:fontRef>
+        </p:style>
+        <p:txBody>
+          <a:bodyPr rtlCol="0" anchor="ctr"/>
+          <a:lstStyle/>
+          <a:p>
+            <a:pPr algn="ctr"/>
+            <a:r>
+              <a:rPr lang="tr-TR" dirty="0">
+                <a:solidFill>
+                  <a:schemeClr val="tx1">
+                    <a:lumMod val="75000"/>
+                    <a:lumOff val="25000"/>
+                  </a:schemeClr>
+                </a:solidFill>
+              </a:rPr>
+              <a:t>ÖRNEKLERİN RASGELE SEÇİLMEDİĞİ YERLERDE KULLANILABİLİR</a:t>
+            </a:r>
+          </a:p>
+        </p:txBody>
+      </p:sp>
+      <p:sp>
+        <p:nvSpPr>
+          <p:cNvPr id="32" name="Akış Çizelgesi: İşlem 31">
+            <a:extLst>
+              <a:ext uri="{FF2B5EF4-FFF2-40B4-BE49-F238E27FC236}">
+                <a16:creationId xmlns:a16="http://schemas.microsoft.com/office/drawing/2014/main" id="{7767DEEE-358D-46D0-8E5A-EF75253574C2}"/>
+              </a:ext>
+            </a:extLst>
+          </p:cNvPr>
+          <p:cNvSpPr/>
+          <p:nvPr/>
+        </p:nvSpPr>
+        <p:spPr>
+          <a:xfrm>
+            <a:off x="6359876" y="5017093"/>
+            <a:ext cx="3704810" cy="856613"/>
+          </a:xfrm>
+          <a:prstGeom prst="flowChartProcess">
+            <a:avLst/>
+          </a:prstGeom>
+          <a:solidFill>
+            <a:schemeClr val="accent6">
+              <a:lumMod val="20000"/>
+              <a:lumOff val="80000"/>
+            </a:schemeClr>
+          </a:solidFill>
+          <a:ln>
+            <a:noFill/>
+          </a:ln>
+        </p:spPr>
+        <p:style>
+          <a:lnRef idx="2">
+            <a:schemeClr val="accent1">
+              <a:shade val="50000"/>
+            </a:schemeClr>
+          </a:lnRef>
+          <a:fillRef idx="1">
+            <a:schemeClr val="accent1"/>
+          </a:fillRef>
+          <a:effectRef idx="0">
+            <a:schemeClr val="accent1"/>
+          </a:effectRef>
+          <a:fontRef idx="minor">
+            <a:schemeClr val="lt1"/>
+          </a:fontRef>
+        </p:style>
+        <p:txBody>
+          <a:bodyPr rtlCol="0" anchor="ctr"/>
+          <a:lstStyle/>
+          <a:p>
+            <a:pPr algn="ctr"/>
+            <a:r>
+              <a:rPr lang="tr-TR" dirty="0">
+                <a:solidFill>
+                  <a:schemeClr val="tx1">
+                    <a:lumMod val="75000"/>
+                    <a:lumOff val="25000"/>
+                  </a:schemeClr>
+                </a:solidFill>
+              </a:rPr>
+              <a:t>PARAMETRİK TESTE GÖRE DAHA ZAYIFTIR</a:t>
+            </a:r>
+          </a:p>
+        </p:txBody>
+      </p:sp>
+      <p:sp>
+        <p:nvSpPr>
+          <p:cNvPr id="33" name="Akış Çizelgesi: İşlem 32">
+            <a:extLst>
+              <a:ext uri="{FF2B5EF4-FFF2-40B4-BE49-F238E27FC236}">
+                <a16:creationId xmlns:a16="http://schemas.microsoft.com/office/drawing/2014/main" id="{753E3D7B-9720-4A27-B69E-84A52C6F517B}"/>
+              </a:ext>
+            </a:extLst>
+          </p:cNvPr>
+          <p:cNvSpPr/>
+          <p:nvPr/>
+        </p:nvSpPr>
+        <p:spPr>
+          <a:xfrm>
+            <a:off x="6362835" y="730792"/>
+            <a:ext cx="3698307" cy="856613"/>
+          </a:xfrm>
+          <a:prstGeom prst="flowChartProcess">
+            <a:avLst/>
+          </a:prstGeom>
+          <a:solidFill>
+            <a:srgbClr val="FFC000"/>
+          </a:solidFill>
+          <a:ln>
+            <a:noFill/>
+          </a:ln>
+        </p:spPr>
+        <p:style>
+          <a:lnRef idx="2">
+            <a:schemeClr val="accent1">
+              <a:shade val="50000"/>
+            </a:schemeClr>
+          </a:lnRef>
+          <a:fillRef idx="1">
+            <a:schemeClr val="accent1"/>
+          </a:fillRef>
+          <a:effectRef idx="0">
+            <a:schemeClr val="accent1"/>
+          </a:effectRef>
+          <a:fontRef idx="minor">
+            <a:schemeClr val="lt1"/>
+          </a:fontRef>
+        </p:style>
+        <p:txBody>
+          <a:bodyPr rtlCol="0" anchor="ctr"/>
+          <a:lstStyle/>
+          <a:p>
+            <a:pPr algn="ctr"/>
+            <a:r>
+              <a:rPr lang="tr-TR" b="1" dirty="0">
+                <a:solidFill>
+                  <a:schemeClr val="bg1"/>
+                </a:solidFill>
+              </a:rPr>
+              <a:t>PARAMETRİK OLMAYAN TESTLERİN ÖZELLİKLERİ</a:t>
+            </a:r>
+          </a:p>
+        </p:txBody>
+      </p:sp>
     </p:spTree>
     <p:extLst>
       <p:ext uri="{BB962C8B-B14F-4D97-AF65-F5344CB8AC3E}">
@@ -27470,7 +32185,7 @@
                                           </p:stCondLst>
                                         </p:cTn>
                                         <p:tgtEl>
-                                          <p:spTgt spid="9"/>
+                                          <p:spTgt spid="20"/>
                                         </p:tgtEl>
                                         <p:attrNameLst>
                                           <p:attrName>style.visibility</p:attrName>
@@ -27484,7 +32199,7 @@
                                       <p:cBhvr>
                                         <p:cTn id="7" dur="500"/>
                                         <p:tgtEl>
-                                          <p:spTgt spid="9"/>
+                                          <p:spTgt spid="20"/>
                                         </p:tgtEl>
                                       </p:cBhvr>
                                     </p:animEffect>
@@ -27505,7 +32220,7 @@
                                           </p:stCondLst>
                                         </p:cTn>
                                         <p:tgtEl>
-                                          <p:spTgt spid="20"/>
+                                          <p:spTgt spid="28"/>
                                         </p:tgtEl>
                                         <p:attrNameLst>
                                           <p:attrName>style.visibility</p:attrName>
@@ -27519,7 +32234,7 @@
                                       <p:cBhvr>
                                         <p:cTn id="10" dur="500"/>
                                         <p:tgtEl>
-                                          <p:spTgt spid="20"/>
+                                          <p:spTgt spid="28"/>
                                         </p:tgtEl>
                                       </p:cBhvr>
                                     </p:animEffect>
@@ -27558,7 +32273,7 @@
                                           </p:stCondLst>
                                         </p:cTn>
                                         <p:tgtEl>
-                                          <p:spTgt spid="19"/>
+                                          <p:spTgt spid="21"/>
                                         </p:tgtEl>
                                         <p:attrNameLst>
                                           <p:attrName>style.visibility</p:attrName>
@@ -27572,7 +32287,7 @@
                                       <p:cBhvr>
                                         <p:cTn id="15" dur="500"/>
                                         <p:tgtEl>
-                                          <p:spTgt spid="19"/>
+                                          <p:spTgt spid="21"/>
                                         </p:tgtEl>
                                       </p:cBhvr>
                                     </p:animEffect>
@@ -27593,7 +32308,7 @@
                                           </p:stCondLst>
                                         </p:cTn>
                                         <p:tgtEl>
-                                          <p:spTgt spid="21"/>
+                                          <p:spTgt spid="29"/>
                                         </p:tgtEl>
                                         <p:attrNameLst>
                                           <p:attrName>style.visibility</p:attrName>
@@ -27607,7 +32322,7 @@
                                       <p:cBhvr>
                                         <p:cTn id="18" dur="500"/>
                                         <p:tgtEl>
-                                          <p:spTgt spid="21"/>
+                                          <p:spTgt spid="29"/>
                                         </p:tgtEl>
                                       </p:cBhvr>
                                     </p:animEffect>
@@ -27646,7 +32361,7 @@
                                           </p:stCondLst>
                                         </p:cTn>
                                         <p:tgtEl>
-                                          <p:spTgt spid="22"/>
+                                          <p:spTgt spid="23"/>
                                         </p:tgtEl>
                                         <p:attrNameLst>
                                           <p:attrName>style.visibility</p:attrName>
@@ -27660,7 +32375,7 @@
                                       <p:cBhvr>
                                         <p:cTn id="23" dur="500"/>
                                         <p:tgtEl>
-                                          <p:spTgt spid="22"/>
+                                          <p:spTgt spid="23"/>
                                         </p:tgtEl>
                                       </p:cBhvr>
                                     </p:animEffect>
@@ -27681,7 +32396,7 @@
                                           </p:stCondLst>
                                         </p:cTn>
                                         <p:tgtEl>
-                                          <p:spTgt spid="23"/>
+                                          <p:spTgt spid="30"/>
                                         </p:tgtEl>
                                         <p:attrNameLst>
                                           <p:attrName>style.visibility</p:attrName>
@@ -27695,7 +32410,7 @@
                                       <p:cBhvr>
                                         <p:cTn id="26" dur="500"/>
                                         <p:tgtEl>
-                                          <p:spTgt spid="23"/>
+                                          <p:spTgt spid="30"/>
                                         </p:tgtEl>
                                       </p:cBhvr>
                                     </p:animEffect>
@@ -27734,7 +32449,7 @@
                                           </p:stCondLst>
                                         </p:cTn>
                                         <p:tgtEl>
-                                          <p:spTgt spid="24"/>
+                                          <p:spTgt spid="25"/>
                                         </p:tgtEl>
                                         <p:attrNameLst>
                                           <p:attrName>style.visibility</p:attrName>
@@ -27748,7 +32463,7 @@
                                       <p:cBhvr>
                                         <p:cTn id="31" dur="500"/>
                                         <p:tgtEl>
-                                          <p:spTgt spid="24"/>
+                                          <p:spTgt spid="25"/>
                                         </p:tgtEl>
                                       </p:cBhvr>
                                     </p:animEffect>
@@ -27769,7 +32484,7 @@
                                           </p:stCondLst>
                                         </p:cTn>
                                         <p:tgtEl>
-                                          <p:spTgt spid="25"/>
+                                          <p:spTgt spid="31"/>
                                         </p:tgtEl>
                                         <p:attrNameLst>
                                           <p:attrName>style.visibility</p:attrName>
@@ -27783,7 +32498,7 @@
                                       <p:cBhvr>
                                         <p:cTn id="34" dur="500"/>
                                         <p:tgtEl>
-                                          <p:spTgt spid="25"/>
+                                          <p:spTgt spid="31"/>
                                         </p:tgtEl>
                                       </p:cBhvr>
                                     </p:animEffect>
@@ -27822,7 +32537,7 @@
                                           </p:stCondLst>
                                         </p:cTn>
                                         <p:tgtEl>
-                                          <p:spTgt spid="26"/>
+                                          <p:spTgt spid="27"/>
                                         </p:tgtEl>
                                         <p:attrNameLst>
                                           <p:attrName>style.visibility</p:attrName>
@@ -27836,7 +32551,7 @@
                                       <p:cBhvr>
                                         <p:cTn id="39" dur="500"/>
                                         <p:tgtEl>
-                                          <p:spTgt spid="26"/>
+                                          <p:spTgt spid="27"/>
                                         </p:tgtEl>
                                       </p:cBhvr>
                                     </p:animEffect>
@@ -27857,7 +32572,7 @@
                                           </p:stCondLst>
                                         </p:cTn>
                                         <p:tgtEl>
-                                          <p:spTgt spid="27"/>
+                                          <p:spTgt spid="32"/>
                                         </p:tgtEl>
                                         <p:attrNameLst>
                                           <p:attrName>style.visibility</p:attrName>
@@ -27871,7 +32586,7 @@
                                       <p:cBhvr>
                                         <p:cTn id="42" dur="500"/>
                                         <p:tgtEl>
-                                          <p:spTgt spid="27"/>
+                                          <p:spTgt spid="32"/>
                                         </p:tgtEl>
                                       </p:cBhvr>
                                     </p:animEffect>
@@ -27906,16 +32621,16 @@
       </p:par>
     </p:tnLst>
     <p:bldLst>
-      <p:bldP spid="9" grpId="0" animBg="1"/>
-      <p:bldP spid="19" grpId="0" animBg="1"/>
       <p:bldP spid="20" grpId="0" animBg="1"/>
       <p:bldP spid="21" grpId="0" animBg="1"/>
-      <p:bldP spid="22" grpId="0" animBg="1"/>
       <p:bldP spid="23" grpId="0" animBg="1"/>
-      <p:bldP spid="24" grpId="0" animBg="1"/>
       <p:bldP spid="25" grpId="0" animBg="1"/>
-      <p:bldP spid="26" grpId="0" animBg="1"/>
       <p:bldP spid="27" grpId="0" animBg="1"/>
+      <p:bldP spid="28" grpId="0" animBg="1"/>
+      <p:bldP spid="29" grpId="0" animBg="1"/>
+      <p:bldP spid="30" grpId="0" animBg="1"/>
+      <p:bldP spid="31" grpId="0" animBg="1"/>
+      <p:bldP spid="32" grpId="0" animBg="1"/>
     </p:bldLst>
   </p:timing>
 </p:sld>
@@ -31170,7 +35885,7 @@
               <a:buNone/>
             </a:pPr>
             <a:r>
-              <a:rPr lang="tr-TR" sz="1800" dirty="0"/>
+              <a:rPr lang="tr-TR" sz="2000" dirty="0"/>
               <a:t>Ki-kare testinin esası Karl Pearson tarafından 1900 yılında yazılan makalede ki-kare dağılımına dayandırılmıştır.</a:t>
             </a:r>
           </a:p>
@@ -31178,7 +35893,7 @@
             <a:pPr marL="0" indent="0">
               <a:buNone/>
             </a:pPr>
-            <a:endParaRPr lang="tr-TR" sz="1800" dirty="0">
+            <a:endParaRPr lang="tr-TR" sz="2000" dirty="0">
               <a:solidFill>
                 <a:schemeClr val="tx2"/>
               </a:solidFill>
@@ -31189,15 +35904,15 @@
               <a:buNone/>
             </a:pPr>
             <a:r>
-              <a:rPr lang="tr-TR" sz="1800" dirty="0"/>
-              <a:t>Ki-kare testi gözlenen frekanslarla beklenen frekanslar arasındaki farkların anlamlı olup olmadığını test etme temeline dayanır.</a:t>
+              <a:rPr lang="tr-TR" sz="2000" dirty="0"/>
+              <a:t>Ki-kare uyum iyiliği testi gözlenen frekanslarla beklenen frekanslar arasındaki farkların anlamlı olup olmadığını test etme temeline dayanır.</a:t>
             </a:r>
           </a:p>
           <a:p>
             <a:pPr marL="0" indent="0">
               <a:buNone/>
             </a:pPr>
-            <a:endParaRPr lang="tr-TR" sz="1800" dirty="0">
+            <a:endParaRPr lang="tr-TR" sz="2000" dirty="0">
               <a:solidFill>
                 <a:schemeClr val="tx2"/>
               </a:solidFill>
@@ -31208,8 +35923,7 @@
               <a:buNone/>
             </a:pPr>
             <a:r>
-              <a:rPr lang="tr-TR" sz="1800" dirty="0">
-                <a:latin typeface="Times New Roman" panose="02020603050405020304" pitchFamily="18" charset="0"/>
+              <a:rPr lang="tr-TR" sz="2000" dirty="0">
                 <a:cs typeface="Times New Roman" panose="02020603050405020304" pitchFamily="18" charset="0"/>
               </a:rPr>
               <a:t>Bir akciğer kanseri hastasının sigara içip içmeme durumu , günlük gazete satışlarının dağılımı gibi.</a:t>
@@ -33533,11 +38247,61 @@
             <a:pPr marL="0" indent="0">
               <a:buNone/>
             </a:pPr>
+            <a:endParaRPr lang="tr-TR" sz="1800" dirty="0"/>
+          </a:p>
+          <a:p>
+            <a:pPr marL="0" indent="0">
+              <a:buNone/>
+            </a:pPr>
             <a:r>
               <a:rPr lang="tr-TR" sz="1800" dirty="0"/>
-              <a:t>Ki kare testinde nitel veriler kullanılır</a:t>
+              <a:t>	</a:t>
             </a:r>
-            <a:endParaRPr lang="tr-TR" sz="1800" dirty="0">
+            <a:r>
+              <a:rPr lang="tr-TR" sz="2000" dirty="0"/>
+              <a:t>Kadın-Erkek </a:t>
+            </a:r>
+          </a:p>
+          <a:p>
+            <a:pPr marL="0" indent="0">
+              <a:buNone/>
+            </a:pPr>
+            <a:r>
+              <a:rPr lang="tr-TR" sz="2000" dirty="0"/>
+              <a:t>	İyileşti-İyileşmedi </a:t>
+            </a:r>
+          </a:p>
+          <a:p>
+            <a:pPr marL="0" indent="0">
+              <a:buNone/>
+            </a:pPr>
+            <a:r>
+              <a:rPr lang="tr-TR" sz="2000" dirty="0"/>
+              <a:t>	Hasta-Sağlam </a:t>
+            </a:r>
+          </a:p>
+          <a:p>
+            <a:pPr marL="0" indent="0">
+              <a:buNone/>
+            </a:pPr>
+            <a:r>
+              <a:rPr lang="tr-TR" sz="2000" dirty="0"/>
+              <a:t>	</a:t>
+            </a:r>
+            <a:r>
+              <a:rPr lang="tr-TR" sz="2000" dirty="0" err="1"/>
+              <a:t>Sosyo</a:t>
+            </a:r>
+            <a:r>
+              <a:rPr lang="tr-TR" sz="2000" dirty="0"/>
+              <a:t>-Ekonomik Düzey (İyi / Orta / Kötü)</a:t>
+            </a:r>
+          </a:p>
+          <a:p>
+            <a:pPr marL="0" indent="0">
+              <a:buNone/>
+            </a:pPr>
+            <a:endParaRPr lang="tr-TR" sz="2000" dirty="0">
               <a:solidFill>
                 <a:schemeClr val="tx2"/>
               </a:solidFill>
@@ -33548,64 +38312,10 @@
               <a:buNone/>
             </a:pPr>
             <a:r>
-              <a:rPr lang="tr-TR" sz="1800" dirty="0"/>
-              <a:t>	Kadın-Erkek </a:t>
-            </a:r>
-          </a:p>
-          <a:p>
-            <a:pPr marL="0" indent="0">
-              <a:buNone/>
-            </a:pPr>
-            <a:r>
-              <a:rPr lang="tr-TR" sz="1800" dirty="0"/>
-              <a:t>	İyileşti-İyileşmedi </a:t>
-            </a:r>
-          </a:p>
-          <a:p>
-            <a:pPr marL="0" indent="0">
-              <a:buNone/>
-            </a:pPr>
-            <a:r>
-              <a:rPr lang="tr-TR" sz="1800" dirty="0"/>
-              <a:t>	Hasta-Sağlam </a:t>
-            </a:r>
-          </a:p>
-          <a:p>
-            <a:pPr marL="0" indent="0">
-              <a:buNone/>
-            </a:pPr>
-            <a:r>
-              <a:rPr lang="tr-TR" sz="1800" dirty="0"/>
-              <a:t>	</a:t>
-            </a:r>
-            <a:r>
-              <a:rPr lang="tr-TR" sz="1800" dirty="0" err="1"/>
-              <a:t>Sosyo</a:t>
-            </a:r>
-            <a:r>
-              <a:rPr lang="tr-TR" sz="1800" dirty="0"/>
-              <a:t>-Ekonomik Düzey (İyi / Orta / Kötü)</a:t>
-            </a:r>
-          </a:p>
-          <a:p>
-            <a:pPr marL="0" indent="0">
-              <a:buNone/>
-            </a:pPr>
-            <a:endParaRPr lang="tr-TR" sz="1800" dirty="0">
-              <a:solidFill>
-                <a:schemeClr val="tx2"/>
-              </a:solidFill>
-            </a:endParaRPr>
-          </a:p>
-          <a:p>
-            <a:pPr marL="0" indent="0">
-              <a:buNone/>
-            </a:pPr>
-            <a:r>
-              <a:rPr lang="tr-TR" sz="1800" dirty="0"/>
+              <a:rPr lang="tr-TR" sz="2000" dirty="0"/>
               <a:t>Ayrıca ölçümle belirtildiği halde sonradan nitel veri haline dönüştürülmüş verilerin incelenmesinde de ki-kare testi kullanılır.</a:t>
             </a:r>
-            <a:endParaRPr lang="tr-TR" sz="1800" dirty="0">
+            <a:endParaRPr lang="tr-TR" sz="2000" dirty="0">
               <a:solidFill>
                 <a:schemeClr val="tx2"/>
               </a:solidFill>
@@ -33659,7 +38369,7 @@
                                         <p:tgtEl>
                                           <p:spTgt spid="34">
                                             <p:txEl>
-                                              <p:pRg st="0" end="0"/>
+                                              <p:pRg st="1" end="1"/>
                                             </p:txEl>
                                           </p:spTgt>
                                         </p:tgtEl>
@@ -33677,7 +38387,7 @@
                                         <p:tgtEl>
                                           <p:spTgt spid="34">
                                             <p:txEl>
-                                              <p:pRg st="0" end="0"/>
+                                              <p:pRg st="1" end="1"/>
                                             </p:txEl>
                                           </p:spTgt>
                                         </p:tgtEl>
@@ -33720,7 +38430,7 @@
                                         <p:tgtEl>
                                           <p:spTgt spid="34">
                                             <p:txEl>
-                                              <p:pRg st="1" end="1"/>
+                                              <p:pRg st="2" end="2"/>
                                             </p:txEl>
                                           </p:spTgt>
                                         </p:tgtEl>
@@ -33738,7 +38448,7 @@
                                         <p:tgtEl>
                                           <p:spTgt spid="34">
                                             <p:txEl>
-                                              <p:pRg st="1" end="1"/>
+                                              <p:pRg st="2" end="2"/>
                                             </p:txEl>
                                           </p:spTgt>
                                         </p:tgtEl>
@@ -33781,7 +38491,7 @@
                                         <p:tgtEl>
                                           <p:spTgt spid="34">
                                             <p:txEl>
-                                              <p:pRg st="2" end="2"/>
+                                              <p:pRg st="3" end="3"/>
                                             </p:txEl>
                                           </p:spTgt>
                                         </p:tgtEl>
@@ -33799,7 +38509,7 @@
                                         <p:tgtEl>
                                           <p:spTgt spid="34">
                                             <p:txEl>
-                                              <p:pRg st="2" end="2"/>
+                                              <p:pRg st="3" end="3"/>
                                             </p:txEl>
                                           </p:spTgt>
                                         </p:tgtEl>
@@ -33842,7 +38552,7 @@
                                         <p:tgtEl>
                                           <p:spTgt spid="34">
                                             <p:txEl>
-                                              <p:pRg st="3" end="3"/>
+                                              <p:pRg st="4" end="4"/>
                                             </p:txEl>
                                           </p:spTgt>
                                         </p:tgtEl>
@@ -33860,7 +38570,7 @@
                                         <p:tgtEl>
                                           <p:spTgt spid="34">
                                             <p:txEl>
-                                              <p:pRg st="3" end="3"/>
+                                              <p:pRg st="4" end="4"/>
                                             </p:txEl>
                                           </p:spTgt>
                                         </p:tgtEl>
@@ -33903,7 +38613,7 @@
                                         <p:tgtEl>
                                           <p:spTgt spid="34">
                                             <p:txEl>
-                                              <p:pRg st="4" end="4"/>
+                                              <p:pRg st="6" end="6"/>
                                             </p:txEl>
                                           </p:spTgt>
                                         </p:tgtEl>
@@ -33918,67 +38628,6 @@
                                     <p:animEffect transition="in" filter="fade">
                                       <p:cBhvr>
                                         <p:cTn id="27" dur="500"/>
-                                        <p:tgtEl>
-                                          <p:spTgt spid="34">
-                                            <p:txEl>
-                                              <p:pRg st="4" end="4"/>
-                                            </p:txEl>
-                                          </p:spTgt>
-                                        </p:tgtEl>
-                                      </p:cBhvr>
-                                    </p:animEffect>
-                                  </p:childTnLst>
-                                </p:cTn>
-                              </p:par>
-                            </p:childTnLst>
-                          </p:cTn>
-                        </p:par>
-                      </p:childTnLst>
-                    </p:cTn>
-                  </p:par>
-                  <p:par>
-                    <p:cTn id="28" fill="hold">
-                      <p:stCondLst>
-                        <p:cond delay="indefinite"/>
-                      </p:stCondLst>
-                      <p:childTnLst>
-                        <p:par>
-                          <p:cTn id="29" fill="hold">
-                            <p:stCondLst>
-                              <p:cond delay="0"/>
-                            </p:stCondLst>
-                            <p:childTnLst>
-                              <p:par>
-                                <p:cTn id="30" presetID="10" presetClass="entr" presetSubtype="0" fill="hold" nodeType="clickEffect">
-                                  <p:stCondLst>
-                                    <p:cond delay="0"/>
-                                  </p:stCondLst>
-                                  <p:childTnLst>
-                                    <p:set>
-                                      <p:cBhvr>
-                                        <p:cTn id="31" dur="1" fill="hold">
-                                          <p:stCondLst>
-                                            <p:cond delay="0"/>
-                                          </p:stCondLst>
-                                        </p:cTn>
-                                        <p:tgtEl>
-                                          <p:spTgt spid="34">
-                                            <p:txEl>
-                                              <p:pRg st="6" end="6"/>
-                                            </p:txEl>
-                                          </p:spTgt>
-                                        </p:tgtEl>
-                                        <p:attrNameLst>
-                                          <p:attrName>style.visibility</p:attrName>
-                                        </p:attrNameLst>
-                                      </p:cBhvr>
-                                      <p:to>
-                                        <p:strVal val="visible"/>
-                                      </p:to>
-                                    </p:set>
-                                    <p:animEffect transition="in" filter="fade">
-                                      <p:cBhvr>
-                                        <p:cTn id="32" dur="500"/>
                                         <p:tgtEl>
                                           <p:spTgt spid="34">
                                             <p:txEl>
@@ -34049,7 +38698,7 @@
       </p:grpSpPr>
       <p:sp useBgFill="1">
         <p:nvSpPr>
-          <p:cNvPr id="20" name="Rectangle 7">
+          <p:cNvPr id="9" name="Rectangle 8">
             <a:extLst>
               <a:ext uri="{FF2B5EF4-FFF2-40B4-BE49-F238E27FC236}">
                 <a16:creationId xmlns:a16="http://schemas.microsoft.com/office/drawing/2014/main" id="{FA3C7DEA-BCC2-4295-8850-147993296189}"/>
@@ -34103,13 +38752,13 @@
           <a:lstStyle/>
           <a:p>
             <a:pPr algn="ctr"/>
-            <a:endParaRPr lang="en-US" dirty="0"/>
+            <a:endParaRPr lang="en-US"/>
           </a:p>
         </p:txBody>
       </p:sp>
       <p:sp>
         <p:nvSpPr>
-          <p:cNvPr id="21" name="Rectangle 9">
+          <p:cNvPr id="11" name="Rectangle 10">
             <a:extLst>
               <a:ext uri="{FF2B5EF4-FFF2-40B4-BE49-F238E27FC236}">
                 <a16:creationId xmlns:a16="http://schemas.microsoft.com/office/drawing/2014/main" id="{C289949D-B9F6-468A-86FE-2694DC5AE773}"/>
@@ -34166,13 +38815,49 @@
           <a:lstStyle/>
           <a:p>
             <a:pPr algn="ctr"/>
-            <a:endParaRPr lang="en-US" sz="800" dirty="0"/>
+            <a:endParaRPr lang="en-US" sz="800"/>
+          </a:p>
+        </p:txBody>
+      </p:sp>
+      <p:sp>
+        <p:nvSpPr>
+          <p:cNvPr id="2" name="Başlık 1">
+            <a:extLst>
+              <a:ext uri="{FF2B5EF4-FFF2-40B4-BE49-F238E27FC236}">
+                <a16:creationId xmlns:a16="http://schemas.microsoft.com/office/drawing/2014/main" id="{0938539A-137A-4D3A-9809-693D2F6A93BB}"/>
+              </a:ext>
+            </a:extLst>
+          </p:cNvPr>
+          <p:cNvSpPr>
+            <a:spLocks noGrp="1"/>
+          </p:cNvSpPr>
+          <p:nvPr>
+            <p:ph type="title"/>
+          </p:nvPr>
+        </p:nvSpPr>
+        <p:spPr>
+          <a:xfrm>
+            <a:off x="1179226" y="1755073"/>
+            <a:ext cx="9833548" cy="1066802"/>
+          </a:xfrm>
+        </p:spPr>
+        <p:txBody>
+          <a:bodyPr anchor="b">
+            <a:normAutofit/>
+          </a:bodyPr>
+          <a:lstStyle/>
+          <a:p>
+            <a:endParaRPr lang="tr-TR" sz="3600" dirty="0">
+              <a:solidFill>
+                <a:schemeClr val="tx2"/>
+              </a:solidFill>
+            </a:endParaRPr>
           </a:p>
         </p:txBody>
       </p:sp>
       <p:grpSp>
         <p:nvGrpSpPr>
-          <p:cNvPr id="22" name="Group 11">
+          <p:cNvPr id="13" name="Group 12">
             <a:extLst>
               <a:ext uri="{FF2B5EF4-FFF2-40B4-BE49-F238E27FC236}">
                 <a16:creationId xmlns:a16="http://schemas.microsoft.com/office/drawing/2014/main" id="{E4DF0958-0C87-4C28-9554-2FADC788C2B1}"/>
@@ -34208,7 +38893,7 @@
         </p:grpSpPr>
         <p:sp>
           <p:nvSpPr>
-            <p:cNvPr id="13" name="Freeform: Shape 12">
+            <p:cNvPr id="14" name="Freeform: Shape 13">
               <a:extLst>
                 <a:ext uri="{FF2B5EF4-FFF2-40B4-BE49-F238E27FC236}">
                   <a16:creationId xmlns:a16="http://schemas.microsoft.com/office/drawing/2014/main" id="{DEC53B48-7B73-49D1-A6FD-9DBF5141EA75}"/>
@@ -34864,13 +39549,13 @@
             <a:lstStyle/>
             <a:p>
               <a:pPr algn="ctr"/>
-              <a:endParaRPr lang="en-US" dirty="0"/>
+              <a:endParaRPr lang="en-US"/>
             </a:p>
           </p:txBody>
         </p:sp>
         <p:sp>
           <p:nvSpPr>
-            <p:cNvPr id="23" name="Freeform: Shape 13">
+            <p:cNvPr id="15" name="Freeform: Shape 14">
               <a:extLst>
                 <a:ext uri="{FF2B5EF4-FFF2-40B4-BE49-F238E27FC236}">
                   <a16:creationId xmlns:a16="http://schemas.microsoft.com/office/drawing/2014/main" id="{7DEDDC41-2C98-4AF1-A0EA-AEEC34827C23}"/>
@@ -35580,13 +40265,13 @@
             <a:lstStyle/>
             <a:p>
               <a:pPr algn="ctr"/>
-              <a:endParaRPr lang="en-US" dirty="0"/>
+              <a:endParaRPr lang="en-US"/>
             </a:p>
           </p:txBody>
         </p:sp>
         <p:sp>
           <p:nvSpPr>
-            <p:cNvPr id="15" name="Freeform: Shape 14">
+            <p:cNvPr id="16" name="Freeform: Shape 15">
               <a:extLst>
                 <a:ext uri="{FF2B5EF4-FFF2-40B4-BE49-F238E27FC236}">
                   <a16:creationId xmlns:a16="http://schemas.microsoft.com/office/drawing/2014/main" id="{D2208F20-F93C-4530-8370-FC7818BABB30}"/>
@@ -35802,13 +40487,13 @@
             <a:lstStyle/>
             <a:p>
               <a:pPr algn="ctr"/>
-              <a:endParaRPr lang="en-US" dirty="0"/>
+              <a:endParaRPr lang="en-US"/>
             </a:p>
           </p:txBody>
         </p:sp>
         <p:sp>
           <p:nvSpPr>
-            <p:cNvPr id="24" name="Freeform: Shape 15">
+            <p:cNvPr id="17" name="Freeform: Shape 16">
               <a:extLst>
                 <a:ext uri="{FF2B5EF4-FFF2-40B4-BE49-F238E27FC236}">
                   <a16:creationId xmlns:a16="http://schemas.microsoft.com/office/drawing/2014/main" id="{E52F51E0-B50B-43EA-B6AC-C16BD29C3EDD}"/>
@@ -36044,7 +40729,7 @@
             <a:lstStyle/>
             <a:p>
               <a:pPr algn="ctr"/>
-              <a:endParaRPr lang="en-US" dirty="0"/>
+              <a:endParaRPr lang="en-US"/>
             </a:p>
           </p:txBody>
         </p:sp>
@@ -36054,7 +40739,7 @@
           <p:cNvPr id="3" name="İçerik Yer Tutucusu 2">
             <a:extLst>
               <a:ext uri="{FF2B5EF4-FFF2-40B4-BE49-F238E27FC236}">
-                <a16:creationId xmlns:a16="http://schemas.microsoft.com/office/drawing/2014/main" id="{06197BF6-772F-477B-9109-B703029F1863}"/>
+                <a16:creationId xmlns:a16="http://schemas.microsoft.com/office/drawing/2014/main" id="{BA9D3740-DDCB-4BA6-B508-B2102DC2C5B2}"/>
               </a:ext>
             </a:extLst>
           </p:cNvPr>
@@ -36067,8 +40752,8 @@
         </p:nvSpPr>
         <p:spPr>
           <a:xfrm>
-            <a:off x="1293222" y="1724297"/>
-            <a:ext cx="9719551" cy="4270602"/>
+            <a:off x="1179226" y="3049325"/>
+            <a:ext cx="9833548" cy="2945574"/>
           </a:xfrm>
         </p:spPr>
         <p:txBody>
@@ -36077,143 +40762,11 @@
           </a:bodyPr>
           <a:lstStyle/>
           <a:p>
-            <a:pPr marL="0" indent="0">
-              <a:buNone/>
-            </a:pPr>
-            <a:endParaRPr lang="tr-TR" sz="1800" dirty="0">
+            <a:endParaRPr lang="tr-TR" sz="1800">
               <a:solidFill>
                 <a:schemeClr val="tx2"/>
               </a:solidFill>
             </a:endParaRPr>
-          </a:p>
-          <a:p>
-            <a:pPr marL="0" indent="0">
-              <a:buNone/>
-            </a:pPr>
-            <a:r>
-              <a:rPr lang="tr-TR" sz="1800" dirty="0">
-                <a:solidFill>
-                  <a:schemeClr val="tx2"/>
-                </a:solidFill>
-              </a:rPr>
-              <a:t>VARSAYIMLAR</a:t>
-            </a:r>
-          </a:p>
-          <a:p>
-            <a:pPr marL="0" indent="0">
-              <a:buNone/>
-            </a:pPr>
-            <a:endParaRPr lang="tr-TR" sz="1800" dirty="0">
-              <a:solidFill>
-                <a:schemeClr val="tx2"/>
-              </a:solidFill>
-            </a:endParaRPr>
-          </a:p>
-          <a:p>
-            <a:pPr marL="0" indent="0">
-              <a:buNone/>
-            </a:pPr>
-            <a:r>
-              <a:rPr lang="tr-TR" sz="1800" dirty="0">
-                <a:solidFill>
-                  <a:schemeClr val="tx2"/>
-                </a:solidFill>
-              </a:rPr>
-              <a:t>1)</a:t>
-            </a:r>
-            <a:r>
-              <a:rPr lang="tr-TR" sz="1800" dirty="0"/>
-              <a:t>İki kategorik değişken olması (cinsiyet ,medeni durum </a:t>
-            </a:r>
-            <a:r>
-              <a:rPr lang="tr-TR" sz="1800" dirty="0" err="1"/>
-              <a:t>vb</a:t>
-            </a:r>
-            <a:r>
-              <a:rPr lang="tr-TR" sz="1800" dirty="0"/>
-              <a:t>)</a:t>
-            </a:r>
-          </a:p>
-          <a:p>
-            <a:pPr marL="0" indent="0">
-              <a:buNone/>
-            </a:pPr>
-            <a:endParaRPr lang="tr-TR" sz="1800" dirty="0"/>
-          </a:p>
-          <a:p>
-            <a:pPr marL="0" indent="0">
-              <a:buNone/>
-            </a:pPr>
-            <a:r>
-              <a:rPr lang="tr-TR" sz="1800" dirty="0">
-                <a:solidFill>
-                  <a:schemeClr val="tx2"/>
-                </a:solidFill>
-              </a:rPr>
-              <a:t>2)</a:t>
-            </a:r>
-            <a:r>
-              <a:rPr lang="tr-TR" sz="1800" dirty="0"/>
-              <a:t>Grupların birbirinden bağımsız olması </a:t>
-            </a:r>
-          </a:p>
-          <a:p>
-            <a:pPr marL="0" indent="0">
-              <a:buNone/>
-            </a:pPr>
-            <a:endParaRPr lang="tr-TR" sz="1800" dirty="0"/>
-          </a:p>
-          <a:p>
-            <a:pPr marL="0" indent="0">
-              <a:buNone/>
-            </a:pPr>
-            <a:r>
-              <a:rPr lang="tr-TR" sz="1800" dirty="0">
-                <a:solidFill>
-                  <a:srgbClr val="5C646F"/>
-                </a:solidFill>
-              </a:rPr>
-              <a:t>3)</a:t>
-            </a:r>
-            <a:r>
-              <a:rPr lang="tr-TR" sz="1800" dirty="0"/>
-              <a:t>Tek bir örnek ve varsayılan bir oranın olmaması</a:t>
-            </a:r>
-          </a:p>
-          <a:p>
-            <a:pPr marL="0" indent="0">
-              <a:buNone/>
-            </a:pPr>
-            <a:endParaRPr lang="tr-TR" sz="1800" dirty="0"/>
-          </a:p>
-          <a:p>
-            <a:pPr marL="0" indent="0">
-              <a:buNone/>
-            </a:pPr>
-            <a:r>
-              <a:rPr lang="tr-TR" sz="1800" dirty="0">
-                <a:solidFill>
-                  <a:srgbClr val="5C646F"/>
-                </a:solidFill>
-              </a:rPr>
-              <a:t>4)</a:t>
-            </a:r>
-            <a:r>
-              <a:rPr lang="tr-TR" sz="1800" dirty="0"/>
-              <a:t>Bir kategorik değişkenin diğerleri ile  </a:t>
-            </a:r>
-            <a:r>
-              <a:rPr lang="tr-TR" sz="1800" dirty="0">
-                <a:solidFill>
-                  <a:srgbClr val="5C646F"/>
-                </a:solidFill>
-              </a:rPr>
-              <a:t>İLİŞKİLİ</a:t>
-            </a:r>
-            <a:r>
-              <a:rPr lang="tr-TR" sz="1800" dirty="0"/>
-              <a:t> olup olmadığının test edilemsi</a:t>
-            </a:r>
           </a:p>
         </p:txBody>
       </p:sp>
@@ -36222,7 +40775,7 @@
           <p:cNvPr id="4" name="Slayt Numarası Yer Tutucusu 3">
             <a:extLst>
               <a:ext uri="{FF2B5EF4-FFF2-40B4-BE49-F238E27FC236}">
-                <a16:creationId xmlns:a16="http://schemas.microsoft.com/office/drawing/2014/main" id="{CCE4124E-42B5-4ECF-8523-62F0C62DCBC1}"/>
+                <a16:creationId xmlns:a16="http://schemas.microsoft.com/office/drawing/2014/main" id="{F0324C07-C5F2-41B9-ABFF-68F784F5038C}"/>
               </a:ext>
             </a:extLst>
           </p:cNvPr>
@@ -36233,1493 +40786,46 @@
             <p:ph type="sldNum" sz="quarter" idx="12"/>
           </p:nvPr>
         </p:nvSpPr>
-        <p:spPr/>
+        <p:spPr>
+          <a:xfrm>
+            <a:off x="8610600" y="6356350"/>
+            <a:ext cx="2743200" cy="365125"/>
+          </a:xfrm>
+        </p:spPr>
         <p:txBody>
-          <a:bodyPr/>
+          <a:bodyPr>
+            <a:normAutofit/>
+          </a:bodyPr>
           <a:lstStyle/>
           <a:p>
+            <a:pPr>
+              <a:spcAft>
+                <a:spcPts val="600"/>
+              </a:spcAft>
+            </a:pPr>
             <a:fld id="{3F69A0C6-7921-40C0-9BF7-29A90F37EBCE}" type="slidenum">
               <a:rPr lang="tr-TR" smtClean="0"/>
+              <a:pPr>
+                <a:spcAft>
+                  <a:spcPts val="600"/>
+                </a:spcAft>
+              </a:pPr>
               <a:t>9</a:t>
             </a:fld>
-            <a:endParaRPr lang="tr-TR" dirty="0"/>
+            <a:endParaRPr lang="tr-TR"/>
           </a:p>
         </p:txBody>
       </p:sp>
-      <p:sp>
-        <p:nvSpPr>
-          <p:cNvPr id="14" name="Başlık 1">
-            <a:extLst>
-              <a:ext uri="{FF2B5EF4-FFF2-40B4-BE49-F238E27FC236}">
-                <a16:creationId xmlns:a16="http://schemas.microsoft.com/office/drawing/2014/main" id="{7CE6D4E6-5004-4657-BD2B-AEBE736EFE1B}"/>
-              </a:ext>
-            </a:extLst>
-          </p:cNvPr>
-          <p:cNvSpPr txBox="1">
-            <a:spLocks/>
-          </p:cNvSpPr>
-          <p:nvPr/>
-        </p:nvSpPr>
-        <p:spPr>
-          <a:xfrm>
-            <a:off x="1179226" y="0"/>
-            <a:ext cx="9833548" cy="1066802"/>
-          </a:xfrm>
-          <a:prstGeom prst="rect">
-            <a:avLst/>
-          </a:prstGeom>
-        </p:spPr>
-        <p:txBody>
-          <a:bodyPr vert="horz" lIns="91440" tIns="45720" rIns="91440" bIns="45720" rtlCol="0" anchor="b">
-            <a:normAutofit/>
-          </a:bodyPr>
-          <a:lstStyle>
-            <a:lvl1pPr algn="l" defTabSz="914400" rtl="0" eaLnBrk="1" latinLnBrk="0" hangingPunct="1">
-              <a:lnSpc>
-                <a:spcPct val="90000"/>
-              </a:lnSpc>
-              <a:spcBef>
-                <a:spcPct val="0"/>
-              </a:spcBef>
-              <a:buNone/>
-              <a:defRPr sz="4400" kern="1200">
-                <a:solidFill>
-                  <a:schemeClr val="tx1"/>
-                </a:solidFill>
-                <a:latin typeface="+mj-lt"/>
-                <a:ea typeface="+mj-ea"/>
-                <a:cs typeface="+mj-cs"/>
-              </a:defRPr>
-            </a:lvl1pPr>
-          </a:lstStyle>
-          <a:p>
-            <a:r>
-              <a:rPr lang="tr-TR" sz="3600" dirty="0">
-                <a:solidFill>
-                  <a:schemeClr val="tx2"/>
-                </a:solidFill>
-              </a:rPr>
-              <a:t>Kİ-KARE UYUM İYİLİĞİ TESTİ</a:t>
-            </a:r>
-          </a:p>
-        </p:txBody>
-      </p:sp>
-      <p:graphicFrame>
-        <p:nvGraphicFramePr>
-          <p:cNvPr id="17" name="Group 42">
-            <a:extLst>
-              <a:ext uri="{FF2B5EF4-FFF2-40B4-BE49-F238E27FC236}">
-                <a16:creationId xmlns:a16="http://schemas.microsoft.com/office/drawing/2014/main" id="{0E0F8F8F-F460-4C79-9722-23937365B312}"/>
-              </a:ext>
-            </a:extLst>
-          </p:cNvPr>
-          <p:cNvGraphicFramePr>
-            <a:graphicFrameLocks/>
-          </p:cNvGraphicFramePr>
-          <p:nvPr>
-            <p:extLst>
-              <p:ext uri="{D42A27DB-BD31-4B8C-83A1-F6EECF244321}">
-                <p14:modId xmlns:p14="http://schemas.microsoft.com/office/powerpoint/2010/main" val="193232588"/>
-              </p:ext>
-            </p:extLst>
-          </p:nvPr>
-        </p:nvGraphicFramePr>
-        <p:xfrm>
-          <a:off x="7221329" y="520704"/>
-          <a:ext cx="4659313" cy="2499360"/>
-        </p:xfrm>
-        <a:graphic>
-          <a:graphicData uri="http://schemas.openxmlformats.org/drawingml/2006/table">
-            <a:tbl>
-              <a:tblPr/>
-              <a:tblGrid>
-                <a:gridCol w="1553104">
-                  <a:extLst>
-                    <a:ext uri="{9D8B030D-6E8A-4147-A177-3AD203B41FA5}">
-                      <a16:colId xmlns:a16="http://schemas.microsoft.com/office/drawing/2014/main" val="20000"/>
-                    </a:ext>
-                  </a:extLst>
-                </a:gridCol>
-                <a:gridCol w="1553105">
-                  <a:extLst>
-                    <a:ext uri="{9D8B030D-6E8A-4147-A177-3AD203B41FA5}">
-                      <a16:colId xmlns:a16="http://schemas.microsoft.com/office/drawing/2014/main" val="20001"/>
-                    </a:ext>
-                  </a:extLst>
-                </a:gridCol>
-                <a:gridCol w="1553104">
-                  <a:extLst>
-                    <a:ext uri="{9D8B030D-6E8A-4147-A177-3AD203B41FA5}">
-                      <a16:colId xmlns:a16="http://schemas.microsoft.com/office/drawing/2014/main" val="20002"/>
-                    </a:ext>
-                  </a:extLst>
-                </a:gridCol>
-              </a:tblGrid>
-              <a:tr h="443899">
-                <a:tc>
-                  <a:txBody>
-                    <a:bodyPr/>
-                    <a:lstStyle/>
-                    <a:p>
-                      <a:pPr marL="0" marR="0" lvl="0" indent="0" algn="l" defTabSz="914400" rtl="0" eaLnBrk="1" fontAlgn="base" latinLnBrk="0" hangingPunct="1">
-                        <a:lnSpc>
-                          <a:spcPct val="100000"/>
-                        </a:lnSpc>
-                        <a:spcBef>
-                          <a:spcPct val="20000"/>
-                        </a:spcBef>
-                        <a:spcAft>
-                          <a:spcPct val="0"/>
-                        </a:spcAft>
-                        <a:buClrTx/>
-                        <a:buSzTx/>
-                        <a:buFontTx/>
-                        <a:buNone/>
-                        <a:tabLst/>
-                      </a:pPr>
-                      <a:endParaRPr kumimoji="0" lang="tr-TR" sz="2800" b="0" i="0" u="none" strike="noStrike" cap="none" normalizeH="0" baseline="0" dirty="0">
-                        <a:ln>
-                          <a:noFill/>
-                        </a:ln>
-                        <a:solidFill>
-                          <a:schemeClr val="tx1"/>
-                        </a:solidFill>
-                        <a:effectLst/>
-                        <a:latin typeface="Arial" charset="0"/>
-                      </a:endParaRPr>
-                    </a:p>
-                  </a:txBody>
-                  <a:tcPr horzOverflow="overflow">
-                    <a:lnL w="28575" cap="flat" cmpd="sng" algn="ctr">
-                      <a:solidFill>
-                        <a:schemeClr val="tx1"/>
-                      </a:solidFill>
-                      <a:prstDash val="solid"/>
-                      <a:round/>
-                      <a:headEnd type="none" w="med" len="med"/>
-                      <a:tailEnd type="none" w="med" len="med"/>
-                    </a:lnL>
-                    <a:lnR w="12700" cap="flat" cmpd="sng" algn="ctr">
-                      <a:solidFill>
-                        <a:schemeClr val="tx1"/>
-                      </a:solidFill>
-                      <a:prstDash val="solid"/>
-                      <a:round/>
-                      <a:headEnd type="none" w="med" len="med"/>
-                      <a:tailEnd type="none" w="med" len="med"/>
-                    </a:lnR>
-                    <a:lnT w="28575" cap="flat" cmpd="sng" algn="ctr">
-                      <a:solidFill>
-                        <a:schemeClr val="tx1"/>
-                      </a:solidFill>
-                      <a:prstDash val="solid"/>
-                      <a:round/>
-                      <a:headEnd type="none" w="med" len="med"/>
-                      <a:tailEnd type="none" w="med" len="med"/>
-                    </a:lnT>
-                    <a:lnB w="12700" cap="flat" cmpd="sng" algn="ctr">
-                      <a:solidFill>
-                        <a:schemeClr val="tx1"/>
-                      </a:solidFill>
-                      <a:prstDash val="solid"/>
-                      <a:round/>
-                      <a:headEnd type="none" w="med" len="med"/>
-                      <a:tailEnd type="none" w="med" len="med"/>
-                    </a:lnB>
-                    <a:lnTlToBr>
-                      <a:noFill/>
-                    </a:lnTlToBr>
-                    <a:lnBlToTr>
-                      <a:noFill/>
-                    </a:lnBlToTr>
-                    <a:solidFill>
-                      <a:schemeClr val="accent1"/>
-                    </a:solidFill>
-                  </a:tcPr>
-                </a:tc>
-                <a:tc gridSpan="2">
-                  <a:txBody>
-                    <a:bodyPr/>
-                    <a:lstStyle/>
-                    <a:p>
-                      <a:pPr marL="0" marR="0" lvl="0" indent="0" algn="ctr" defTabSz="914400" rtl="0" eaLnBrk="1" fontAlgn="base" latinLnBrk="0" hangingPunct="1">
-                        <a:lnSpc>
-                          <a:spcPct val="100000"/>
-                        </a:lnSpc>
-                        <a:spcBef>
-                          <a:spcPct val="20000"/>
-                        </a:spcBef>
-                        <a:spcAft>
-                          <a:spcPct val="0"/>
-                        </a:spcAft>
-                        <a:buClrTx/>
-                        <a:buSzTx/>
-                        <a:buFontTx/>
-                        <a:buNone/>
-                        <a:tabLst/>
-                      </a:pPr>
-                      <a:r>
-                        <a:rPr kumimoji="0" lang="tr-TR" sz="2800" b="0" i="0" u="none" strike="noStrike" cap="none" normalizeH="0" baseline="0" dirty="0">
-                          <a:ln>
-                            <a:noFill/>
-                          </a:ln>
-                          <a:solidFill>
-                            <a:schemeClr val="bg1"/>
-                          </a:solidFill>
-                          <a:effectLst/>
-                          <a:latin typeface="Arial" charset="0"/>
-                        </a:rPr>
-                        <a:t>Akciğer kanseri</a:t>
-                      </a:r>
-                    </a:p>
-                  </a:txBody>
-                  <a:tcPr horzOverflow="overflow">
-                    <a:lnL w="12700" cap="flat" cmpd="sng" algn="ctr">
-                      <a:solidFill>
-                        <a:schemeClr val="tx1"/>
-                      </a:solidFill>
-                      <a:prstDash val="solid"/>
-                      <a:round/>
-                      <a:headEnd type="none" w="med" len="med"/>
-                      <a:tailEnd type="none" w="med" len="med"/>
-                    </a:lnL>
-                    <a:lnR w="28575" cap="flat" cmpd="sng" algn="ctr">
-                      <a:solidFill>
-                        <a:schemeClr val="tx1"/>
-                      </a:solidFill>
-                      <a:prstDash val="solid"/>
-                      <a:round/>
-                      <a:headEnd type="none" w="med" len="med"/>
-                      <a:tailEnd type="none" w="med" len="med"/>
-                    </a:lnR>
-                    <a:lnT w="28575" cap="flat" cmpd="sng" algn="ctr">
-                      <a:solidFill>
-                        <a:schemeClr val="tx1"/>
-                      </a:solidFill>
-                      <a:prstDash val="solid"/>
-                      <a:round/>
-                      <a:headEnd type="none" w="med" len="med"/>
-                      <a:tailEnd type="none" w="med" len="med"/>
-                    </a:lnT>
-                    <a:lnB w="12700" cap="flat" cmpd="sng" algn="ctr">
-                      <a:solidFill>
-                        <a:schemeClr val="tx1"/>
-                      </a:solidFill>
-                      <a:prstDash val="solid"/>
-                      <a:round/>
-                      <a:headEnd type="none" w="med" len="med"/>
-                      <a:tailEnd type="none" w="med" len="med"/>
-                    </a:lnB>
-                    <a:lnTlToBr>
-                      <a:noFill/>
-                    </a:lnTlToBr>
-                    <a:lnBlToTr>
-                      <a:noFill/>
-                    </a:lnBlToTr>
-                    <a:solidFill>
-                      <a:schemeClr val="accent1"/>
-                    </a:solidFill>
-                  </a:tcPr>
-                </a:tc>
-                <a:tc hMerge="1">
-                  <a:txBody>
-                    <a:bodyPr/>
-                    <a:lstStyle/>
-                    <a:p>
-                      <a:endParaRPr lang="tr-TR"/>
-                    </a:p>
-                  </a:txBody>
-                  <a:tcPr/>
-                </a:tc>
-                <a:extLst>
-                  <a:ext uri="{0D108BD9-81ED-4DB2-BD59-A6C34878D82A}">
-                    <a16:rowId xmlns:a16="http://schemas.microsoft.com/office/drawing/2014/main" val="10000"/>
-                  </a:ext>
-                </a:extLst>
-              </a:tr>
-              <a:tr h="809464">
-                <a:tc>
-                  <a:txBody>
-                    <a:bodyPr/>
-                    <a:lstStyle/>
-                    <a:p>
-                      <a:pPr marL="0" marR="0" lvl="0" indent="0" algn="l" defTabSz="914400" rtl="0" eaLnBrk="1" fontAlgn="base" latinLnBrk="0" hangingPunct="1">
-                        <a:lnSpc>
-                          <a:spcPct val="100000"/>
-                        </a:lnSpc>
-                        <a:spcBef>
-                          <a:spcPct val="20000"/>
-                        </a:spcBef>
-                        <a:spcAft>
-                          <a:spcPct val="0"/>
-                        </a:spcAft>
-                        <a:buClrTx/>
-                        <a:buSzTx/>
-                        <a:buFontTx/>
-                        <a:buNone/>
-                        <a:tabLst/>
-                      </a:pPr>
-                      <a:r>
-                        <a:rPr kumimoji="0" lang="tr-TR" sz="2800" b="0" i="0" u="none" strike="noStrike" cap="none" normalizeH="0" baseline="0" dirty="0">
-                          <a:ln>
-                            <a:noFill/>
-                          </a:ln>
-                          <a:solidFill>
-                            <a:schemeClr val="bg1"/>
-                          </a:solidFill>
-                          <a:effectLst/>
-                          <a:latin typeface="Arial" charset="0"/>
-                        </a:rPr>
-                        <a:t>Sigara içme</a:t>
-                      </a:r>
-                    </a:p>
-                  </a:txBody>
-                  <a:tcPr horzOverflow="overflow">
-                    <a:lnL w="28575" cap="flat" cmpd="sng" algn="ctr">
-                      <a:solidFill>
-                        <a:schemeClr val="tx1"/>
-                      </a:solidFill>
-                      <a:prstDash val="solid"/>
-                      <a:round/>
-                      <a:headEnd type="none" w="med" len="med"/>
-                      <a:tailEnd type="none" w="med" len="med"/>
-                    </a:lnL>
-                    <a:lnR w="12700" cap="flat" cmpd="sng" algn="ctr">
-                      <a:solidFill>
-                        <a:schemeClr val="tx1"/>
-                      </a:solidFill>
-                      <a:prstDash val="solid"/>
-                      <a:round/>
-                      <a:headEnd type="none" w="med" len="med"/>
-                      <a:tailEnd type="none" w="med" len="med"/>
-                    </a:lnR>
-                    <a:lnT w="12700" cap="flat" cmpd="sng" algn="ctr">
-                      <a:solidFill>
-                        <a:schemeClr val="tx1"/>
-                      </a:solidFill>
-                      <a:prstDash val="solid"/>
-                      <a:round/>
-                      <a:headEnd type="none" w="med" len="med"/>
-                      <a:tailEnd type="none" w="med" len="med"/>
-                    </a:lnT>
-                    <a:lnB w="12700" cap="flat" cmpd="sng" algn="ctr">
-                      <a:solidFill>
-                        <a:schemeClr val="tx1"/>
-                      </a:solidFill>
-                      <a:prstDash val="solid"/>
-                      <a:round/>
-                      <a:headEnd type="none" w="med" len="med"/>
-                      <a:tailEnd type="none" w="med" len="med"/>
-                    </a:lnB>
-                    <a:lnTlToBr>
-                      <a:noFill/>
-                    </a:lnTlToBr>
-                    <a:lnBlToTr>
-                      <a:noFill/>
-                    </a:lnBlToTr>
-                    <a:solidFill>
-                      <a:schemeClr val="accent1"/>
-                    </a:solidFill>
-                  </a:tcPr>
-                </a:tc>
-                <a:tc>
-                  <a:txBody>
-                    <a:bodyPr/>
-                    <a:lstStyle/>
-                    <a:p>
-                      <a:pPr marL="0" marR="0" lvl="0" indent="0" algn="ctr" defTabSz="914400" rtl="0" eaLnBrk="1" fontAlgn="base" latinLnBrk="0" hangingPunct="1">
-                        <a:lnSpc>
-                          <a:spcPct val="100000"/>
-                        </a:lnSpc>
-                        <a:spcBef>
-                          <a:spcPct val="20000"/>
-                        </a:spcBef>
-                        <a:spcAft>
-                          <a:spcPct val="0"/>
-                        </a:spcAft>
-                        <a:buClrTx/>
-                        <a:buSzTx/>
-                        <a:buFontTx/>
-                        <a:buNone/>
-                        <a:tabLst/>
-                      </a:pPr>
-                      <a:r>
-                        <a:rPr kumimoji="0" lang="tr-TR" sz="2800" b="0" i="0" u="none" strike="noStrike" cap="none" normalizeH="0" baseline="0" dirty="0">
-                          <a:ln>
-                            <a:noFill/>
-                          </a:ln>
-                          <a:solidFill>
-                            <a:schemeClr val="bg1"/>
-                          </a:solidFill>
-                          <a:effectLst/>
-                          <a:latin typeface="Arial" charset="0"/>
-                        </a:rPr>
-                        <a:t>Var</a:t>
-                      </a:r>
-                    </a:p>
-                  </a:txBody>
-                  <a:tcPr horzOverflow="overflow">
-                    <a:lnL w="12700" cap="flat" cmpd="sng" algn="ctr">
-                      <a:solidFill>
-                        <a:schemeClr val="tx1"/>
-                      </a:solidFill>
-                      <a:prstDash val="solid"/>
-                      <a:round/>
-                      <a:headEnd type="none" w="med" len="med"/>
-                      <a:tailEnd type="none" w="med" len="med"/>
-                    </a:lnL>
-                    <a:lnR w="12700" cap="flat" cmpd="sng" algn="ctr">
-                      <a:solidFill>
-                        <a:schemeClr val="tx1"/>
-                      </a:solidFill>
-                      <a:prstDash val="solid"/>
-                      <a:round/>
-                      <a:headEnd type="none" w="med" len="med"/>
-                      <a:tailEnd type="none" w="med" len="med"/>
-                    </a:lnR>
-                    <a:lnT w="12700" cap="flat" cmpd="sng" algn="ctr">
-                      <a:solidFill>
-                        <a:schemeClr val="tx1"/>
-                      </a:solidFill>
-                      <a:prstDash val="solid"/>
-                      <a:round/>
-                      <a:headEnd type="none" w="med" len="med"/>
-                      <a:tailEnd type="none" w="med" len="med"/>
-                    </a:lnT>
-                    <a:lnB w="12700" cap="flat" cmpd="sng" algn="ctr">
-                      <a:solidFill>
-                        <a:schemeClr val="tx1"/>
-                      </a:solidFill>
-                      <a:prstDash val="solid"/>
-                      <a:round/>
-                      <a:headEnd type="none" w="med" len="med"/>
-                      <a:tailEnd type="none" w="med" len="med"/>
-                    </a:lnB>
-                    <a:lnTlToBr>
-                      <a:noFill/>
-                    </a:lnTlToBr>
-                    <a:lnBlToTr>
-                      <a:noFill/>
-                    </a:lnBlToTr>
-                    <a:solidFill>
-                      <a:schemeClr val="accent1"/>
-                    </a:solidFill>
-                  </a:tcPr>
-                </a:tc>
-                <a:tc>
-                  <a:txBody>
-                    <a:bodyPr/>
-                    <a:lstStyle/>
-                    <a:p>
-                      <a:pPr marL="0" marR="0" lvl="0" indent="0" algn="ctr" defTabSz="914400" rtl="0" eaLnBrk="1" fontAlgn="base" latinLnBrk="0" hangingPunct="1">
-                        <a:lnSpc>
-                          <a:spcPct val="100000"/>
-                        </a:lnSpc>
-                        <a:spcBef>
-                          <a:spcPct val="20000"/>
-                        </a:spcBef>
-                        <a:spcAft>
-                          <a:spcPct val="0"/>
-                        </a:spcAft>
-                        <a:buClrTx/>
-                        <a:buSzTx/>
-                        <a:buFontTx/>
-                        <a:buNone/>
-                        <a:tabLst/>
-                      </a:pPr>
-                      <a:r>
-                        <a:rPr kumimoji="0" lang="tr-TR" sz="2800" b="0" i="0" u="none" strike="noStrike" cap="none" normalizeH="0" baseline="0" dirty="0">
-                          <a:ln>
-                            <a:noFill/>
-                          </a:ln>
-                          <a:solidFill>
-                            <a:schemeClr val="bg1"/>
-                          </a:solidFill>
-                          <a:effectLst/>
-                          <a:latin typeface="Arial" charset="0"/>
-                        </a:rPr>
-                        <a:t>Yok</a:t>
-                      </a:r>
-                    </a:p>
-                  </a:txBody>
-                  <a:tcPr horzOverflow="overflow">
-                    <a:lnL w="12700" cap="flat" cmpd="sng" algn="ctr">
-                      <a:solidFill>
-                        <a:schemeClr val="tx1"/>
-                      </a:solidFill>
-                      <a:prstDash val="solid"/>
-                      <a:round/>
-                      <a:headEnd type="none" w="med" len="med"/>
-                      <a:tailEnd type="none" w="med" len="med"/>
-                    </a:lnL>
-                    <a:lnR w="28575" cap="flat" cmpd="sng" algn="ctr">
-                      <a:solidFill>
-                        <a:schemeClr val="tx1"/>
-                      </a:solidFill>
-                      <a:prstDash val="solid"/>
-                      <a:round/>
-                      <a:headEnd type="none" w="med" len="med"/>
-                      <a:tailEnd type="none" w="med" len="med"/>
-                    </a:lnR>
-                    <a:lnT w="12700" cap="flat" cmpd="sng" algn="ctr">
-                      <a:solidFill>
-                        <a:schemeClr val="tx1"/>
-                      </a:solidFill>
-                      <a:prstDash val="solid"/>
-                      <a:round/>
-                      <a:headEnd type="none" w="med" len="med"/>
-                      <a:tailEnd type="none" w="med" len="med"/>
-                    </a:lnT>
-                    <a:lnB w="12700" cap="flat" cmpd="sng" algn="ctr">
-                      <a:solidFill>
-                        <a:schemeClr val="tx1"/>
-                      </a:solidFill>
-                      <a:prstDash val="solid"/>
-                      <a:round/>
-                      <a:headEnd type="none" w="med" len="med"/>
-                      <a:tailEnd type="none" w="med" len="med"/>
-                    </a:lnB>
-                    <a:lnTlToBr>
-                      <a:noFill/>
-                    </a:lnTlToBr>
-                    <a:lnBlToTr>
-                      <a:noFill/>
-                    </a:lnBlToTr>
-                    <a:solidFill>
-                      <a:schemeClr val="accent1"/>
-                    </a:solidFill>
-                  </a:tcPr>
-                </a:tc>
-                <a:extLst>
-                  <a:ext uri="{0D108BD9-81ED-4DB2-BD59-A6C34878D82A}">
-                    <a16:rowId xmlns:a16="http://schemas.microsoft.com/office/drawing/2014/main" val="10001"/>
-                  </a:ext>
-                </a:extLst>
-              </a:tr>
-              <a:tr h="443899">
-                <a:tc>
-                  <a:txBody>
-                    <a:bodyPr/>
-                    <a:lstStyle/>
-                    <a:p>
-                      <a:pPr marL="0" marR="0" lvl="0" indent="0" algn="l" defTabSz="914400" rtl="0" eaLnBrk="1" fontAlgn="base" latinLnBrk="0" hangingPunct="1">
-                        <a:lnSpc>
-                          <a:spcPct val="100000"/>
-                        </a:lnSpc>
-                        <a:spcBef>
-                          <a:spcPct val="20000"/>
-                        </a:spcBef>
-                        <a:spcAft>
-                          <a:spcPct val="0"/>
-                        </a:spcAft>
-                        <a:buClrTx/>
-                        <a:buSzTx/>
-                        <a:buFontTx/>
-                        <a:buNone/>
-                        <a:tabLst/>
-                      </a:pPr>
-                      <a:r>
-                        <a:rPr kumimoji="0" lang="tr-TR" sz="2800" b="0" i="0" u="none" strike="noStrike" cap="none" normalizeH="0" baseline="0" dirty="0">
-                          <a:ln>
-                            <a:noFill/>
-                          </a:ln>
-                          <a:solidFill>
-                            <a:schemeClr val="bg1"/>
-                          </a:solidFill>
-                          <a:effectLst/>
-                          <a:latin typeface="Arial" charset="0"/>
-                        </a:rPr>
-                        <a:t>İçen</a:t>
-                      </a:r>
-                    </a:p>
-                  </a:txBody>
-                  <a:tcPr horzOverflow="overflow">
-                    <a:lnL w="28575" cap="flat" cmpd="sng" algn="ctr">
-                      <a:solidFill>
-                        <a:schemeClr val="tx1"/>
-                      </a:solidFill>
-                      <a:prstDash val="solid"/>
-                      <a:round/>
-                      <a:headEnd type="none" w="med" len="med"/>
-                      <a:tailEnd type="none" w="med" len="med"/>
-                    </a:lnL>
-                    <a:lnR w="12700" cap="flat" cmpd="sng" algn="ctr">
-                      <a:solidFill>
-                        <a:schemeClr val="tx1"/>
-                      </a:solidFill>
-                      <a:prstDash val="solid"/>
-                      <a:round/>
-                      <a:headEnd type="none" w="med" len="med"/>
-                      <a:tailEnd type="none" w="med" len="med"/>
-                    </a:lnR>
-                    <a:lnT w="12700" cap="flat" cmpd="sng" algn="ctr">
-                      <a:solidFill>
-                        <a:schemeClr val="tx1"/>
-                      </a:solidFill>
-                      <a:prstDash val="solid"/>
-                      <a:round/>
-                      <a:headEnd type="none" w="med" len="med"/>
-                      <a:tailEnd type="none" w="med" len="med"/>
-                    </a:lnT>
-                    <a:lnB w="12700" cap="flat" cmpd="sng" algn="ctr">
-                      <a:solidFill>
-                        <a:schemeClr val="tx1"/>
-                      </a:solidFill>
-                      <a:prstDash val="solid"/>
-                      <a:round/>
-                      <a:headEnd type="none" w="med" len="med"/>
-                      <a:tailEnd type="none" w="med" len="med"/>
-                    </a:lnB>
-                    <a:lnTlToBr>
-                      <a:noFill/>
-                    </a:lnTlToBr>
-                    <a:lnBlToTr>
-                      <a:noFill/>
-                    </a:lnBlToTr>
-                    <a:solidFill>
-                      <a:schemeClr val="accent1"/>
-                    </a:solidFill>
-                  </a:tcPr>
-                </a:tc>
-                <a:tc>
-                  <a:txBody>
-                    <a:bodyPr/>
-                    <a:lstStyle/>
-                    <a:p>
-                      <a:pPr marL="0" marR="0" lvl="0" indent="0" algn="ctr" defTabSz="914400" rtl="0" eaLnBrk="1" fontAlgn="base" latinLnBrk="0" hangingPunct="1">
-                        <a:lnSpc>
-                          <a:spcPct val="100000"/>
-                        </a:lnSpc>
-                        <a:spcBef>
-                          <a:spcPct val="20000"/>
-                        </a:spcBef>
-                        <a:spcAft>
-                          <a:spcPct val="0"/>
-                        </a:spcAft>
-                        <a:buClrTx/>
-                        <a:buSzTx/>
-                        <a:buFontTx/>
-                        <a:buNone/>
-                        <a:tabLst/>
-                      </a:pPr>
-                      <a:r>
-                        <a:rPr kumimoji="0" lang="tr-TR" sz="2800" b="0" i="0" u="none" strike="noStrike" cap="none" normalizeH="0" baseline="0" dirty="0">
-                          <a:ln>
-                            <a:noFill/>
-                          </a:ln>
-                          <a:solidFill>
-                            <a:schemeClr val="tx1"/>
-                          </a:solidFill>
-                          <a:effectLst/>
-                          <a:latin typeface="Arial" charset="0"/>
-                        </a:rPr>
-                        <a:t>20</a:t>
-                      </a:r>
-                    </a:p>
-                  </a:txBody>
-                  <a:tcPr horzOverflow="overflow">
-                    <a:lnL w="12700" cap="flat" cmpd="sng" algn="ctr">
-                      <a:solidFill>
-                        <a:schemeClr val="tx1"/>
-                      </a:solidFill>
-                      <a:prstDash val="solid"/>
-                      <a:round/>
-                      <a:headEnd type="none" w="med" len="med"/>
-                      <a:tailEnd type="none" w="med" len="med"/>
-                    </a:lnL>
-                    <a:lnR w="12700" cap="flat" cmpd="sng" algn="ctr">
-                      <a:solidFill>
-                        <a:schemeClr val="tx1"/>
-                      </a:solidFill>
-                      <a:prstDash val="solid"/>
-                      <a:round/>
-                      <a:headEnd type="none" w="med" len="med"/>
-                      <a:tailEnd type="none" w="med" len="med"/>
-                    </a:lnR>
-                    <a:lnT w="12700" cap="flat" cmpd="sng" algn="ctr">
-                      <a:solidFill>
-                        <a:schemeClr val="tx1"/>
-                      </a:solidFill>
-                      <a:prstDash val="solid"/>
-                      <a:round/>
-                      <a:headEnd type="none" w="med" len="med"/>
-                      <a:tailEnd type="none" w="med" len="med"/>
-                    </a:lnT>
-                    <a:lnB w="12700" cap="flat" cmpd="sng" algn="ctr">
-                      <a:solidFill>
-                        <a:schemeClr val="tx1"/>
-                      </a:solidFill>
-                      <a:prstDash val="solid"/>
-                      <a:round/>
-                      <a:headEnd type="none" w="med" len="med"/>
-                      <a:tailEnd type="none" w="med" len="med"/>
-                    </a:lnB>
-                    <a:lnTlToBr>
-                      <a:noFill/>
-                    </a:lnTlToBr>
-                    <a:lnBlToTr>
-                      <a:noFill/>
-                    </a:lnBlToTr>
-                    <a:solidFill>
-                      <a:schemeClr val="bg2"/>
-                    </a:solidFill>
-                  </a:tcPr>
-                </a:tc>
-                <a:tc>
-                  <a:txBody>
-                    <a:bodyPr/>
-                    <a:lstStyle/>
-                    <a:p>
-                      <a:pPr marL="0" marR="0" lvl="0" indent="0" algn="ctr" defTabSz="914400" rtl="0" eaLnBrk="1" fontAlgn="base" latinLnBrk="0" hangingPunct="1">
-                        <a:lnSpc>
-                          <a:spcPct val="100000"/>
-                        </a:lnSpc>
-                        <a:spcBef>
-                          <a:spcPct val="20000"/>
-                        </a:spcBef>
-                        <a:spcAft>
-                          <a:spcPct val="0"/>
-                        </a:spcAft>
-                        <a:buClrTx/>
-                        <a:buSzTx/>
-                        <a:buFontTx/>
-                        <a:buNone/>
-                        <a:tabLst/>
-                      </a:pPr>
-                      <a:r>
-                        <a:rPr kumimoji="0" lang="tr-TR" sz="2800" b="0" i="0" u="none" strike="noStrike" cap="none" normalizeH="0" baseline="0" dirty="0">
-                          <a:ln>
-                            <a:noFill/>
-                          </a:ln>
-                          <a:solidFill>
-                            <a:schemeClr val="tx1"/>
-                          </a:solidFill>
-                          <a:effectLst/>
-                          <a:latin typeface="Arial" charset="0"/>
-                        </a:rPr>
-                        <a:t>80</a:t>
-                      </a:r>
-                    </a:p>
-                  </a:txBody>
-                  <a:tcPr horzOverflow="overflow">
-                    <a:lnL w="12700" cap="flat" cmpd="sng" algn="ctr">
-                      <a:solidFill>
-                        <a:schemeClr val="tx1"/>
-                      </a:solidFill>
-                      <a:prstDash val="solid"/>
-                      <a:round/>
-                      <a:headEnd type="none" w="med" len="med"/>
-                      <a:tailEnd type="none" w="med" len="med"/>
-                    </a:lnL>
-                    <a:lnR w="28575" cap="flat" cmpd="sng" algn="ctr">
-                      <a:solidFill>
-                        <a:schemeClr val="tx1"/>
-                      </a:solidFill>
-                      <a:prstDash val="solid"/>
-                      <a:round/>
-                      <a:headEnd type="none" w="med" len="med"/>
-                      <a:tailEnd type="none" w="med" len="med"/>
-                    </a:lnR>
-                    <a:lnT w="12700" cap="flat" cmpd="sng" algn="ctr">
-                      <a:solidFill>
-                        <a:schemeClr val="tx1"/>
-                      </a:solidFill>
-                      <a:prstDash val="solid"/>
-                      <a:round/>
-                      <a:headEnd type="none" w="med" len="med"/>
-                      <a:tailEnd type="none" w="med" len="med"/>
-                    </a:lnT>
-                    <a:lnB w="12700" cap="flat" cmpd="sng" algn="ctr">
-                      <a:solidFill>
-                        <a:schemeClr val="tx1"/>
-                      </a:solidFill>
-                      <a:prstDash val="solid"/>
-                      <a:round/>
-                      <a:headEnd type="none" w="med" len="med"/>
-                      <a:tailEnd type="none" w="med" len="med"/>
-                    </a:lnB>
-                    <a:lnTlToBr>
-                      <a:noFill/>
-                    </a:lnTlToBr>
-                    <a:lnBlToTr>
-                      <a:noFill/>
-                    </a:lnBlToTr>
-                    <a:solidFill>
-                      <a:schemeClr val="bg2"/>
-                    </a:solidFill>
-                  </a:tcPr>
-                </a:tc>
-                <a:extLst>
-                  <a:ext uri="{0D108BD9-81ED-4DB2-BD59-A6C34878D82A}">
-                    <a16:rowId xmlns:a16="http://schemas.microsoft.com/office/drawing/2014/main" val="10002"/>
-                  </a:ext>
-                </a:extLst>
-              </a:tr>
-              <a:tr h="443899">
-                <a:tc>
-                  <a:txBody>
-                    <a:bodyPr/>
-                    <a:lstStyle/>
-                    <a:p>
-                      <a:pPr marL="0" marR="0" lvl="0" indent="0" algn="l" defTabSz="914400" rtl="0" eaLnBrk="1" fontAlgn="base" latinLnBrk="0" hangingPunct="1">
-                        <a:lnSpc>
-                          <a:spcPct val="100000"/>
-                        </a:lnSpc>
-                        <a:spcBef>
-                          <a:spcPct val="20000"/>
-                        </a:spcBef>
-                        <a:spcAft>
-                          <a:spcPct val="0"/>
-                        </a:spcAft>
-                        <a:buClrTx/>
-                        <a:buSzTx/>
-                        <a:buFontTx/>
-                        <a:buNone/>
-                        <a:tabLst/>
-                      </a:pPr>
-                      <a:r>
-                        <a:rPr kumimoji="0" lang="tr-TR" sz="2800" b="0" i="0" u="none" strike="noStrike" cap="none" normalizeH="0" baseline="0" dirty="0">
-                          <a:ln>
-                            <a:noFill/>
-                          </a:ln>
-                          <a:solidFill>
-                            <a:schemeClr val="bg1"/>
-                          </a:solidFill>
-                          <a:effectLst/>
-                          <a:latin typeface="Arial" charset="0"/>
-                        </a:rPr>
-                        <a:t>İçmeyen</a:t>
-                      </a:r>
-                    </a:p>
-                  </a:txBody>
-                  <a:tcPr horzOverflow="overflow">
-                    <a:lnL w="28575" cap="flat" cmpd="sng" algn="ctr">
-                      <a:solidFill>
-                        <a:schemeClr val="tx1"/>
-                      </a:solidFill>
-                      <a:prstDash val="solid"/>
-                      <a:round/>
-                      <a:headEnd type="none" w="med" len="med"/>
-                      <a:tailEnd type="none" w="med" len="med"/>
-                    </a:lnL>
-                    <a:lnR w="12700" cap="flat" cmpd="sng" algn="ctr">
-                      <a:solidFill>
-                        <a:schemeClr val="tx1"/>
-                      </a:solidFill>
-                      <a:prstDash val="solid"/>
-                      <a:round/>
-                      <a:headEnd type="none" w="med" len="med"/>
-                      <a:tailEnd type="none" w="med" len="med"/>
-                    </a:lnR>
-                    <a:lnT w="12700" cap="flat" cmpd="sng" algn="ctr">
-                      <a:solidFill>
-                        <a:schemeClr val="tx1"/>
-                      </a:solidFill>
-                      <a:prstDash val="solid"/>
-                      <a:round/>
-                      <a:headEnd type="none" w="med" len="med"/>
-                      <a:tailEnd type="none" w="med" len="med"/>
-                    </a:lnT>
-                    <a:lnB w="28575" cap="flat" cmpd="sng" algn="ctr">
-                      <a:solidFill>
-                        <a:schemeClr val="tx1"/>
-                      </a:solidFill>
-                      <a:prstDash val="solid"/>
-                      <a:round/>
-                      <a:headEnd type="none" w="med" len="med"/>
-                      <a:tailEnd type="none" w="med" len="med"/>
-                    </a:lnB>
-                    <a:lnTlToBr>
-                      <a:noFill/>
-                    </a:lnTlToBr>
-                    <a:lnBlToTr>
-                      <a:noFill/>
-                    </a:lnBlToTr>
-                    <a:solidFill>
-                      <a:schemeClr val="accent1"/>
-                    </a:solidFill>
-                  </a:tcPr>
-                </a:tc>
-                <a:tc>
-                  <a:txBody>
-                    <a:bodyPr/>
-                    <a:lstStyle/>
-                    <a:p>
-                      <a:pPr marL="0" marR="0" lvl="0" indent="0" algn="ctr" defTabSz="914400" rtl="0" eaLnBrk="1" fontAlgn="base" latinLnBrk="0" hangingPunct="1">
-                        <a:lnSpc>
-                          <a:spcPct val="100000"/>
-                        </a:lnSpc>
-                        <a:spcBef>
-                          <a:spcPct val="20000"/>
-                        </a:spcBef>
-                        <a:spcAft>
-                          <a:spcPct val="0"/>
-                        </a:spcAft>
-                        <a:buClrTx/>
-                        <a:buSzTx/>
-                        <a:buFontTx/>
-                        <a:buNone/>
-                        <a:tabLst/>
-                      </a:pPr>
-                      <a:r>
-                        <a:rPr kumimoji="0" lang="tr-TR" sz="2800" b="0" i="0" u="none" strike="noStrike" cap="none" normalizeH="0" baseline="0" dirty="0">
-                          <a:ln>
-                            <a:noFill/>
-                          </a:ln>
-                          <a:solidFill>
-                            <a:schemeClr val="tx1"/>
-                          </a:solidFill>
-                          <a:effectLst/>
-                          <a:latin typeface="Arial" charset="0"/>
-                        </a:rPr>
-                        <a:t>5</a:t>
-                      </a:r>
-                    </a:p>
-                  </a:txBody>
-                  <a:tcPr horzOverflow="overflow">
-                    <a:lnL w="12700" cap="flat" cmpd="sng" algn="ctr">
-                      <a:solidFill>
-                        <a:schemeClr val="tx1"/>
-                      </a:solidFill>
-                      <a:prstDash val="solid"/>
-                      <a:round/>
-                      <a:headEnd type="none" w="med" len="med"/>
-                      <a:tailEnd type="none" w="med" len="med"/>
-                    </a:lnL>
-                    <a:lnR w="12700" cap="flat" cmpd="sng" algn="ctr">
-                      <a:solidFill>
-                        <a:schemeClr val="tx1"/>
-                      </a:solidFill>
-                      <a:prstDash val="solid"/>
-                      <a:round/>
-                      <a:headEnd type="none" w="med" len="med"/>
-                      <a:tailEnd type="none" w="med" len="med"/>
-                    </a:lnR>
-                    <a:lnT w="12700" cap="flat" cmpd="sng" algn="ctr">
-                      <a:solidFill>
-                        <a:schemeClr val="tx1"/>
-                      </a:solidFill>
-                      <a:prstDash val="solid"/>
-                      <a:round/>
-                      <a:headEnd type="none" w="med" len="med"/>
-                      <a:tailEnd type="none" w="med" len="med"/>
-                    </a:lnT>
-                    <a:lnB w="28575" cap="flat" cmpd="sng" algn="ctr">
-                      <a:solidFill>
-                        <a:schemeClr val="tx1"/>
-                      </a:solidFill>
-                      <a:prstDash val="solid"/>
-                      <a:round/>
-                      <a:headEnd type="none" w="med" len="med"/>
-                      <a:tailEnd type="none" w="med" len="med"/>
-                    </a:lnB>
-                    <a:lnTlToBr>
-                      <a:noFill/>
-                    </a:lnTlToBr>
-                    <a:lnBlToTr>
-                      <a:noFill/>
-                    </a:lnBlToTr>
-                    <a:solidFill>
-                      <a:schemeClr val="bg2"/>
-                    </a:solidFill>
-                  </a:tcPr>
-                </a:tc>
-                <a:tc>
-                  <a:txBody>
-                    <a:bodyPr/>
-                    <a:lstStyle/>
-                    <a:p>
-                      <a:pPr marL="0" marR="0" lvl="0" indent="0" algn="ctr" defTabSz="914400" rtl="0" eaLnBrk="1" fontAlgn="base" latinLnBrk="0" hangingPunct="1">
-                        <a:lnSpc>
-                          <a:spcPct val="100000"/>
-                        </a:lnSpc>
-                        <a:spcBef>
-                          <a:spcPct val="20000"/>
-                        </a:spcBef>
-                        <a:spcAft>
-                          <a:spcPct val="0"/>
-                        </a:spcAft>
-                        <a:buClrTx/>
-                        <a:buSzTx/>
-                        <a:buFontTx/>
-                        <a:buNone/>
-                        <a:tabLst/>
-                      </a:pPr>
-                      <a:r>
-                        <a:rPr kumimoji="0" lang="tr-TR" sz="2800" b="0" i="0" u="none" strike="noStrike" cap="none" normalizeH="0" baseline="0" dirty="0">
-                          <a:ln>
-                            <a:noFill/>
-                          </a:ln>
-                          <a:solidFill>
-                            <a:schemeClr val="tx1"/>
-                          </a:solidFill>
-                          <a:effectLst/>
-                          <a:latin typeface="Arial" charset="0"/>
-                        </a:rPr>
-                        <a:t>95</a:t>
-                      </a:r>
-                    </a:p>
-                  </a:txBody>
-                  <a:tcPr horzOverflow="overflow">
-                    <a:lnL w="12700" cap="flat" cmpd="sng" algn="ctr">
-                      <a:solidFill>
-                        <a:schemeClr val="tx1"/>
-                      </a:solidFill>
-                      <a:prstDash val="solid"/>
-                      <a:round/>
-                      <a:headEnd type="none" w="med" len="med"/>
-                      <a:tailEnd type="none" w="med" len="med"/>
-                    </a:lnL>
-                    <a:lnR w="28575" cap="flat" cmpd="sng" algn="ctr">
-                      <a:solidFill>
-                        <a:schemeClr val="tx1"/>
-                      </a:solidFill>
-                      <a:prstDash val="solid"/>
-                      <a:round/>
-                      <a:headEnd type="none" w="med" len="med"/>
-                      <a:tailEnd type="none" w="med" len="med"/>
-                    </a:lnR>
-                    <a:lnT w="12700" cap="flat" cmpd="sng" algn="ctr">
-                      <a:solidFill>
-                        <a:schemeClr val="tx1"/>
-                      </a:solidFill>
-                      <a:prstDash val="solid"/>
-                      <a:round/>
-                      <a:headEnd type="none" w="med" len="med"/>
-                      <a:tailEnd type="none" w="med" len="med"/>
-                    </a:lnT>
-                    <a:lnB w="28575" cap="flat" cmpd="sng" algn="ctr">
-                      <a:solidFill>
-                        <a:schemeClr val="tx1"/>
-                      </a:solidFill>
-                      <a:prstDash val="solid"/>
-                      <a:round/>
-                      <a:headEnd type="none" w="med" len="med"/>
-                      <a:tailEnd type="none" w="med" len="med"/>
-                    </a:lnB>
-                    <a:lnTlToBr>
-                      <a:noFill/>
-                    </a:lnTlToBr>
-                    <a:lnBlToTr>
-                      <a:noFill/>
-                    </a:lnBlToTr>
-                    <a:solidFill>
-                      <a:schemeClr val="bg2"/>
-                    </a:solidFill>
-                  </a:tcPr>
-                </a:tc>
-                <a:extLst>
-                  <a:ext uri="{0D108BD9-81ED-4DB2-BD59-A6C34878D82A}">
-                    <a16:rowId xmlns:a16="http://schemas.microsoft.com/office/drawing/2014/main" val="10003"/>
-                  </a:ext>
-                </a:extLst>
-              </a:tr>
-            </a:tbl>
-          </a:graphicData>
-        </a:graphic>
-      </p:graphicFrame>
     </p:spTree>
     <p:extLst>
       <p:ext uri="{BB962C8B-B14F-4D97-AF65-F5344CB8AC3E}">
-        <p14:creationId xmlns:p14="http://schemas.microsoft.com/office/powerpoint/2010/main" val="2232758628"/>
+        <p14:creationId xmlns:p14="http://schemas.microsoft.com/office/powerpoint/2010/main" val="1112935590"/>
       </p:ext>
     </p:extLst>
   </p:cSld>
   <p:clrMapOvr>
     <a:masterClrMapping/>
   </p:clrMapOvr>
-  <p:timing>
-    <p:tnLst>
-      <p:par>
-        <p:cTn id="1" dur="indefinite" restart="never" nodeType="tmRoot">
-          <p:childTnLst>
-            <p:seq concurrent="1" nextAc="seek">
-              <p:cTn id="2" dur="indefinite" nodeType="mainSeq">
-                <p:childTnLst>
-                  <p:par>
-                    <p:cTn id="3" fill="hold">
-                      <p:stCondLst>
-                        <p:cond delay="indefinite"/>
-                      </p:stCondLst>
-                      <p:childTnLst>
-                        <p:par>
-                          <p:cTn id="4" fill="hold">
-                            <p:stCondLst>
-                              <p:cond delay="0"/>
-                            </p:stCondLst>
-                            <p:childTnLst>
-                              <p:par>
-                                <p:cTn id="5" presetID="10" presetClass="entr" presetSubtype="0" fill="hold" nodeType="clickEffect">
-                                  <p:stCondLst>
-                                    <p:cond delay="0"/>
-                                  </p:stCondLst>
-                                  <p:childTnLst>
-                                    <p:set>
-                                      <p:cBhvr>
-                                        <p:cTn id="6" dur="1" fill="hold">
-                                          <p:stCondLst>
-                                            <p:cond delay="0"/>
-                                          </p:stCondLst>
-                                        </p:cTn>
-                                        <p:tgtEl>
-                                          <p:spTgt spid="3">
-                                            <p:txEl>
-                                              <p:pRg st="1" end="1"/>
-                                            </p:txEl>
-                                          </p:spTgt>
-                                        </p:tgtEl>
-                                        <p:attrNameLst>
-                                          <p:attrName>style.visibility</p:attrName>
-                                        </p:attrNameLst>
-                                      </p:cBhvr>
-                                      <p:to>
-                                        <p:strVal val="visible"/>
-                                      </p:to>
-                                    </p:set>
-                                    <p:animEffect transition="in" filter="fade">
-                                      <p:cBhvr>
-                                        <p:cTn id="7" dur="500"/>
-                                        <p:tgtEl>
-                                          <p:spTgt spid="3">
-                                            <p:txEl>
-                                              <p:pRg st="1" end="1"/>
-                                            </p:txEl>
-                                          </p:spTgt>
-                                        </p:tgtEl>
-                                      </p:cBhvr>
-                                    </p:animEffect>
-                                  </p:childTnLst>
-                                </p:cTn>
-                              </p:par>
-                            </p:childTnLst>
-                          </p:cTn>
-                        </p:par>
-                      </p:childTnLst>
-                    </p:cTn>
-                  </p:par>
-                  <p:par>
-                    <p:cTn id="8" fill="hold">
-                      <p:stCondLst>
-                        <p:cond delay="indefinite"/>
-                      </p:stCondLst>
-                      <p:childTnLst>
-                        <p:par>
-                          <p:cTn id="9" fill="hold">
-                            <p:stCondLst>
-                              <p:cond delay="0"/>
-                            </p:stCondLst>
-                            <p:childTnLst>
-                              <p:par>
-                                <p:cTn id="10" presetID="10" presetClass="entr" presetSubtype="0" fill="hold" nodeType="clickEffect">
-                                  <p:stCondLst>
-                                    <p:cond delay="0"/>
-                                  </p:stCondLst>
-                                  <p:childTnLst>
-                                    <p:set>
-                                      <p:cBhvr>
-                                        <p:cTn id="11" dur="1" fill="hold">
-                                          <p:stCondLst>
-                                            <p:cond delay="0"/>
-                                          </p:stCondLst>
-                                        </p:cTn>
-                                        <p:tgtEl>
-                                          <p:spTgt spid="3">
-                                            <p:txEl>
-                                              <p:pRg st="3" end="3"/>
-                                            </p:txEl>
-                                          </p:spTgt>
-                                        </p:tgtEl>
-                                        <p:attrNameLst>
-                                          <p:attrName>style.visibility</p:attrName>
-                                        </p:attrNameLst>
-                                      </p:cBhvr>
-                                      <p:to>
-                                        <p:strVal val="visible"/>
-                                      </p:to>
-                                    </p:set>
-                                    <p:animEffect transition="in" filter="fade">
-                                      <p:cBhvr>
-                                        <p:cTn id="12" dur="500"/>
-                                        <p:tgtEl>
-                                          <p:spTgt spid="3">
-                                            <p:txEl>
-                                              <p:pRg st="3" end="3"/>
-                                            </p:txEl>
-                                          </p:spTgt>
-                                        </p:tgtEl>
-                                      </p:cBhvr>
-                                    </p:animEffect>
-                                  </p:childTnLst>
-                                </p:cTn>
-                              </p:par>
-                            </p:childTnLst>
-                          </p:cTn>
-                        </p:par>
-                      </p:childTnLst>
-                    </p:cTn>
-                  </p:par>
-                  <p:par>
-                    <p:cTn id="13" fill="hold">
-                      <p:stCondLst>
-                        <p:cond delay="indefinite"/>
-                      </p:stCondLst>
-                      <p:childTnLst>
-                        <p:par>
-                          <p:cTn id="14" fill="hold">
-                            <p:stCondLst>
-                              <p:cond delay="0"/>
-                            </p:stCondLst>
-                            <p:childTnLst>
-                              <p:par>
-                                <p:cTn id="15" presetID="10" presetClass="entr" presetSubtype="0" fill="hold" nodeType="clickEffect">
-                                  <p:stCondLst>
-                                    <p:cond delay="0"/>
-                                  </p:stCondLst>
-                                  <p:childTnLst>
-                                    <p:set>
-                                      <p:cBhvr>
-                                        <p:cTn id="16" dur="1" fill="hold">
-                                          <p:stCondLst>
-                                            <p:cond delay="0"/>
-                                          </p:stCondLst>
-                                        </p:cTn>
-                                        <p:tgtEl>
-                                          <p:spTgt spid="3">
-                                            <p:txEl>
-                                              <p:pRg st="5" end="5"/>
-                                            </p:txEl>
-                                          </p:spTgt>
-                                        </p:tgtEl>
-                                        <p:attrNameLst>
-                                          <p:attrName>style.visibility</p:attrName>
-                                        </p:attrNameLst>
-                                      </p:cBhvr>
-                                      <p:to>
-                                        <p:strVal val="visible"/>
-                                      </p:to>
-                                    </p:set>
-                                    <p:animEffect transition="in" filter="fade">
-                                      <p:cBhvr>
-                                        <p:cTn id="17" dur="500"/>
-                                        <p:tgtEl>
-                                          <p:spTgt spid="3">
-                                            <p:txEl>
-                                              <p:pRg st="5" end="5"/>
-                                            </p:txEl>
-                                          </p:spTgt>
-                                        </p:tgtEl>
-                                      </p:cBhvr>
-                                    </p:animEffect>
-                                  </p:childTnLst>
-                                </p:cTn>
-                              </p:par>
-                            </p:childTnLst>
-                          </p:cTn>
-                        </p:par>
-                      </p:childTnLst>
-                    </p:cTn>
-                  </p:par>
-                  <p:par>
-                    <p:cTn id="18" fill="hold">
-                      <p:stCondLst>
-                        <p:cond delay="indefinite"/>
-                      </p:stCondLst>
-                      <p:childTnLst>
-                        <p:par>
-                          <p:cTn id="19" fill="hold">
-                            <p:stCondLst>
-                              <p:cond delay="0"/>
-                            </p:stCondLst>
-                            <p:childTnLst>
-                              <p:par>
-                                <p:cTn id="20" presetID="10" presetClass="entr" presetSubtype="0" fill="hold" nodeType="clickEffect">
-                                  <p:stCondLst>
-                                    <p:cond delay="0"/>
-                                  </p:stCondLst>
-                                  <p:childTnLst>
-                                    <p:set>
-                                      <p:cBhvr>
-                                        <p:cTn id="21" dur="1" fill="hold">
-                                          <p:stCondLst>
-                                            <p:cond delay="0"/>
-                                          </p:stCondLst>
-                                        </p:cTn>
-                                        <p:tgtEl>
-                                          <p:spTgt spid="17"/>
-                                        </p:tgtEl>
-                                        <p:attrNameLst>
-                                          <p:attrName>style.visibility</p:attrName>
-                                        </p:attrNameLst>
-                                      </p:cBhvr>
-                                      <p:to>
-                                        <p:strVal val="visible"/>
-                                      </p:to>
-                                    </p:set>
-                                    <p:animEffect transition="in" filter="fade">
-                                      <p:cBhvr>
-                                        <p:cTn id="22" dur="500"/>
-                                        <p:tgtEl>
-                                          <p:spTgt spid="17"/>
-                                        </p:tgtEl>
-                                      </p:cBhvr>
-                                    </p:animEffect>
-                                  </p:childTnLst>
-                                  <p:subTnLst>
-                                    <p:set>
-                                      <p:cBhvr override="childStyle">
-                                        <p:cTn dur="1" fill="hold" display="0" masterRel="nextClick" afterEffect="1"/>
-                                        <p:tgtEl>
-                                          <p:spTgt spid="17"/>
-                                        </p:tgtEl>
-                                        <p:attrNameLst>
-                                          <p:attrName>style.visibility</p:attrName>
-                                        </p:attrNameLst>
-                                      </p:cBhvr>
-                                      <p:to>
-                                        <p:strVal val="hidden"/>
-                                      </p:to>
-                                    </p:set>
-                                  </p:subTnLst>
-                                </p:cTn>
-                              </p:par>
-                            </p:childTnLst>
-                          </p:cTn>
-                        </p:par>
-                      </p:childTnLst>
-                    </p:cTn>
-                  </p:par>
-                  <p:par>
-                    <p:cTn id="23" fill="hold">
-                      <p:stCondLst>
-                        <p:cond delay="indefinite"/>
-                      </p:stCondLst>
-                      <p:childTnLst>
-                        <p:par>
-                          <p:cTn id="24" fill="hold">
-                            <p:stCondLst>
-                              <p:cond delay="0"/>
-                            </p:stCondLst>
-                            <p:childTnLst>
-                              <p:par>
-                                <p:cTn id="25" presetID="10" presetClass="entr" presetSubtype="0" fill="hold" nodeType="clickEffect">
-                                  <p:stCondLst>
-                                    <p:cond delay="0"/>
-                                  </p:stCondLst>
-                                  <p:childTnLst>
-                                    <p:set>
-                                      <p:cBhvr>
-                                        <p:cTn id="26" dur="1" fill="hold">
-                                          <p:stCondLst>
-                                            <p:cond delay="0"/>
-                                          </p:stCondLst>
-                                        </p:cTn>
-                                        <p:tgtEl>
-                                          <p:spTgt spid="3">
-                                            <p:txEl>
-                                              <p:pRg st="7" end="7"/>
-                                            </p:txEl>
-                                          </p:spTgt>
-                                        </p:tgtEl>
-                                        <p:attrNameLst>
-                                          <p:attrName>style.visibility</p:attrName>
-                                        </p:attrNameLst>
-                                      </p:cBhvr>
-                                      <p:to>
-                                        <p:strVal val="visible"/>
-                                      </p:to>
-                                    </p:set>
-                                    <p:animEffect transition="in" filter="fade">
-                                      <p:cBhvr>
-                                        <p:cTn id="27" dur="500"/>
-                                        <p:tgtEl>
-                                          <p:spTgt spid="3">
-                                            <p:txEl>
-                                              <p:pRg st="7" end="7"/>
-                                            </p:txEl>
-                                          </p:spTgt>
-                                        </p:tgtEl>
-                                      </p:cBhvr>
-                                    </p:animEffect>
-                                  </p:childTnLst>
-                                </p:cTn>
-                              </p:par>
-                            </p:childTnLst>
-                          </p:cTn>
-                        </p:par>
-                      </p:childTnLst>
-                    </p:cTn>
-                  </p:par>
-                  <p:par>
-                    <p:cTn id="28" fill="hold">
-                      <p:stCondLst>
-                        <p:cond delay="indefinite"/>
-                      </p:stCondLst>
-                      <p:childTnLst>
-                        <p:par>
-                          <p:cTn id="29" fill="hold">
-                            <p:stCondLst>
-                              <p:cond delay="0"/>
-                            </p:stCondLst>
-                            <p:childTnLst>
-                              <p:par>
-                                <p:cTn id="30" presetID="1" presetClass="entr" presetSubtype="0" fill="hold" nodeType="clickEffect">
-                                  <p:stCondLst>
-                                    <p:cond delay="0"/>
-                                  </p:stCondLst>
-                                  <p:childTnLst>
-                                    <p:set>
-                                      <p:cBhvr>
-                                        <p:cTn id="31" dur="1" fill="hold">
-                                          <p:stCondLst>
-                                            <p:cond delay="0"/>
-                                          </p:stCondLst>
-                                        </p:cTn>
-                                        <p:tgtEl>
-                                          <p:spTgt spid="3">
-                                            <p:txEl>
-                                              <p:pRg st="9" end="9"/>
-                                            </p:txEl>
-                                          </p:spTgt>
-                                        </p:tgtEl>
-                                        <p:attrNameLst>
-                                          <p:attrName>style.visibility</p:attrName>
-                                        </p:attrNameLst>
-                                      </p:cBhvr>
-                                      <p:to>
-                                        <p:strVal val="visible"/>
-                                      </p:to>
-                                    </p:set>
-                                  </p:childTnLst>
-                                </p:cTn>
-                              </p:par>
-                            </p:childTnLst>
-                          </p:cTn>
-                        </p:par>
-                      </p:childTnLst>
-                    </p:cTn>
-                  </p:par>
-                </p:childTnLst>
-              </p:cTn>
-              <p:prevCondLst>
-                <p:cond evt="onPrev" delay="0">
-                  <p:tgtEl>
-                    <p:sldTgt/>
-                  </p:tgtEl>
-                </p:cond>
-              </p:prevCondLst>
-              <p:nextCondLst>
-                <p:cond evt="onNext" delay="0">
-                  <p:tgtEl>
-                    <p:sldTgt/>
-                  </p:tgtEl>
-                </p:cond>
-              </p:nextCondLst>
-            </p:seq>
-          </p:childTnLst>
-        </p:cTn>
-      </p:par>
-    </p:tnLst>
-  </p:timing>
 </p:sld>
 </file>
 
